--- a/SUSTABIL - Apresentação didatico.pptx
+++ b/SUSTABIL - Apresentação didatico.pptx
@@ -7,11 +7,13 @@
   <p:sldIdLst>
     <p:sldId id="256" r:id="rId2"/>
     <p:sldId id="257" r:id="rId3"/>
-    <p:sldId id="258" r:id="rId4"/>
-    <p:sldId id="259" r:id="rId5"/>
-    <p:sldId id="260" r:id="rId6"/>
-    <p:sldId id="261" r:id="rId7"/>
-    <p:sldId id="262" r:id="rId8"/>
+    <p:sldId id="264" r:id="rId4"/>
+    <p:sldId id="258" r:id="rId5"/>
+    <p:sldId id="263" r:id="rId6"/>
+    <p:sldId id="259" r:id="rId7"/>
+    <p:sldId id="260" r:id="rId8"/>
+    <p:sldId id="261" r:id="rId9"/>
+    <p:sldId id="262" r:id="rId10"/>
   </p:sldIdLst>
   <p:sldSz cx="12192000" cy="6858000"/>
   <p:notesSz cx="6858000" cy="9144000"/>
@@ -291,7 +293,7 @@
           <a:p>
             <a:fld id="{5D8AFB0F-FD72-4B7A-9B91-BDD5A838F994}" type="datetimeFigureOut">
               <a:rPr lang="pt-BR" smtClean="0"/>
-              <a:t>16/09/20</a:t>
+              <a:t>18/09/20</a:t>
             </a:fld>
             <a:endParaRPr lang="pt-BR"/>
           </a:p>
@@ -489,7 +491,7 @@
           <a:p>
             <a:fld id="{5D8AFB0F-FD72-4B7A-9B91-BDD5A838F994}" type="datetimeFigureOut">
               <a:rPr lang="pt-BR" smtClean="0"/>
-              <a:t>16/09/20</a:t>
+              <a:t>18/09/20</a:t>
             </a:fld>
             <a:endParaRPr lang="pt-BR"/>
           </a:p>
@@ -697,7 +699,7 @@
           <a:p>
             <a:fld id="{5D8AFB0F-FD72-4B7A-9B91-BDD5A838F994}" type="datetimeFigureOut">
               <a:rPr lang="pt-BR" smtClean="0"/>
-              <a:t>16/09/20</a:t>
+              <a:t>18/09/20</a:t>
             </a:fld>
             <a:endParaRPr lang="pt-BR"/>
           </a:p>
@@ -895,7 +897,7 @@
           <a:p>
             <a:fld id="{5D8AFB0F-FD72-4B7A-9B91-BDD5A838F994}" type="datetimeFigureOut">
               <a:rPr lang="pt-BR" smtClean="0"/>
-              <a:t>16/09/20</a:t>
+              <a:t>18/09/20</a:t>
             </a:fld>
             <a:endParaRPr lang="pt-BR"/>
           </a:p>
@@ -1170,7 +1172,7 @@
           <a:p>
             <a:fld id="{5D8AFB0F-FD72-4B7A-9B91-BDD5A838F994}" type="datetimeFigureOut">
               <a:rPr lang="pt-BR" smtClean="0"/>
-              <a:t>16/09/20</a:t>
+              <a:t>18/09/20</a:t>
             </a:fld>
             <a:endParaRPr lang="pt-BR"/>
           </a:p>
@@ -1435,7 +1437,7 @@
           <a:p>
             <a:fld id="{5D8AFB0F-FD72-4B7A-9B91-BDD5A838F994}" type="datetimeFigureOut">
               <a:rPr lang="pt-BR" smtClean="0"/>
-              <a:t>16/09/20</a:t>
+              <a:t>18/09/20</a:t>
             </a:fld>
             <a:endParaRPr lang="pt-BR"/>
           </a:p>
@@ -1847,7 +1849,7 @@
           <a:p>
             <a:fld id="{5D8AFB0F-FD72-4B7A-9B91-BDD5A838F994}" type="datetimeFigureOut">
               <a:rPr lang="pt-BR" smtClean="0"/>
-              <a:t>16/09/20</a:t>
+              <a:t>18/09/20</a:t>
             </a:fld>
             <a:endParaRPr lang="pt-BR"/>
           </a:p>
@@ -1988,7 +1990,7 @@
           <a:p>
             <a:fld id="{5D8AFB0F-FD72-4B7A-9B91-BDD5A838F994}" type="datetimeFigureOut">
               <a:rPr lang="pt-BR" smtClean="0"/>
-              <a:t>16/09/20</a:t>
+              <a:t>18/09/20</a:t>
             </a:fld>
             <a:endParaRPr lang="pt-BR"/>
           </a:p>
@@ -2101,7 +2103,7 @@
           <a:p>
             <a:fld id="{5D8AFB0F-FD72-4B7A-9B91-BDD5A838F994}" type="datetimeFigureOut">
               <a:rPr lang="pt-BR" smtClean="0"/>
-              <a:t>16/09/20</a:t>
+              <a:t>18/09/20</a:t>
             </a:fld>
             <a:endParaRPr lang="pt-BR"/>
           </a:p>
@@ -2412,7 +2414,7 @@
           <a:p>
             <a:fld id="{5D8AFB0F-FD72-4B7A-9B91-BDD5A838F994}" type="datetimeFigureOut">
               <a:rPr lang="pt-BR" smtClean="0"/>
-              <a:t>16/09/20</a:t>
+              <a:t>18/09/20</a:t>
             </a:fld>
             <a:endParaRPr lang="pt-BR"/>
           </a:p>
@@ -2700,7 +2702,7 @@
           <a:p>
             <a:fld id="{5D8AFB0F-FD72-4B7A-9B91-BDD5A838F994}" type="datetimeFigureOut">
               <a:rPr lang="pt-BR" smtClean="0"/>
-              <a:t>16/09/20</a:t>
+              <a:t>18/09/20</a:t>
             </a:fld>
             <a:endParaRPr lang="pt-BR"/>
           </a:p>
@@ -2941,7 +2943,7 @@
           <a:p>
             <a:fld id="{5D8AFB0F-FD72-4B7A-9B91-BDD5A838F994}" type="datetimeFigureOut">
               <a:rPr lang="pt-BR" smtClean="0"/>
-              <a:t>16/09/20</a:t>
+              <a:t>18/09/20</a:t>
             </a:fld>
             <a:endParaRPr lang="pt-BR"/>
           </a:p>
@@ -4713,12 +4715,13 @@
           </a:bodyPr>
           <a:lstStyle/>
           <a:p>
+            <a:pPr algn="ctr"/>
             <a:r>
               <a:rPr lang="pt-BR" sz="3700" dirty="0">
                 <a:latin typeface="Arial" panose="020B0604020202020204" pitchFamily="34" charset="0"/>
                 <a:cs typeface="Arial" panose="020B0604020202020204" pitchFamily="34" charset="0"/>
               </a:rPr>
-              <a:t>Problema - Contexto</a:t>
+              <a:t>Contexto</a:t>
             </a:r>
           </a:p>
         </p:txBody>
@@ -4964,7 +4967,7 @@
         </p:spPr>
         <p:txBody>
           <a:bodyPr anchor="ctr">
-            <a:normAutofit/>
+            <a:normAutofit lnSpcReduction="10000"/>
           </a:bodyPr>
           <a:lstStyle/>
           <a:p>
@@ -4973,7 +4976,7 @@
                 <a:latin typeface="Arial" panose="020B0604020202020204" pitchFamily="34" charset="0"/>
                 <a:cs typeface="Arial" panose="020B0604020202020204" pitchFamily="34" charset="0"/>
               </a:rPr>
-              <a:t>Grandes vazamentos vem acontecendo no Brasil, cerca de 37% da água é perdida gerando um prejuízo de estimados 12 bilhões de reais anualmente, essa quantidade de água perdida daria facilmente para encher 6 sistemas Cantareira.</a:t>
+              <a:t>Como funciona o processo de distribuição de água? A água é captada do mar e vai até a usina de dessalinização e segue para o abastecimento e vai até o usuário (nós). Tudo isso acontece por canos subterrâneos, algo acontecendo embaixo do nosso nariz e não nos importamos como deveríamos.</a:t>
             </a:r>
           </a:p>
           <a:p>
@@ -5214,16 +5217,15 @@
           <a:bodyPr rtlCol="0" anchor="ctr"/>
           <a:lstStyle/>
           <a:p>
-            <a:pPr algn="ctr"/>
-            <a:r>
-              <a:rPr lang="pt-BR" sz="2400" b="1" dirty="0">
+            <a:r>
+              <a:rPr lang="pt-BR" b="1" dirty="0">
                 <a:solidFill>
                   <a:schemeClr val="tx1"/>
                 </a:solidFill>
                 <a:latin typeface="Arial" panose="020B0604020202020204" pitchFamily="34" charset="0"/>
                 <a:cs typeface="Arial" panose="020B0604020202020204" pitchFamily="34" charset="0"/>
               </a:rPr>
-              <a:t>Sustabil é a solução</a:t>
+              <a:t>Este é o meu processo até sua residência</a:t>
             </a:r>
           </a:p>
         </p:txBody>
@@ -5741,57 +5743,57 @@
           <a:chExt cx="0" cy="0"/>
         </a:xfrm>
       </p:grpSpPr>
-      <p:pic>
-        <p:nvPicPr>
-          <p:cNvPr id="7" name="Imagem 6">
-            <a:extLst>
-              <a:ext uri="{FF2B5EF4-FFF2-40B4-BE49-F238E27FC236}">
-                <a16:creationId xmlns:a16="http://schemas.microsoft.com/office/drawing/2014/main" id="{2CAC30E6-CC8D-452B-9AE2-A24C5DF49871}"/>
-              </a:ext>
-            </a:extLst>
-          </p:cNvPr>
-          <p:cNvPicPr>
-            <a:picLocks noChangeAspect="1"/>
-          </p:cNvPicPr>
-          <p:nvPr/>
-        </p:nvPicPr>
-        <p:blipFill rotWithShape="1">
-          <a:blip r:embed="rId2">
-            <a:alphaModFix/>
-            <a:extLst>
-              <a:ext uri="{28A0092B-C50C-407E-A947-70E740481C1C}">
-                <a14:useLocalDpi xmlns:a14="http://schemas.microsoft.com/office/drawing/2010/main" val="0"/>
-              </a:ext>
-            </a:extLst>
-          </a:blip>
-          <a:srcRect l="4224" r="2539"/>
-          <a:stretch/>
-        </p:blipFill>
+      <p:sp>
+        <p:nvSpPr>
+          <p:cNvPr id="2" name="Título 1">
+            <a:extLst>
+              <a:ext uri="{FF2B5EF4-FFF2-40B4-BE49-F238E27FC236}">
+                <a16:creationId xmlns:a16="http://schemas.microsoft.com/office/drawing/2014/main" id="{821C4928-2005-41A2-A1DA-BDD434C94CDF}"/>
+              </a:ext>
+            </a:extLst>
+          </p:cNvPr>
+          <p:cNvSpPr>
+            <a:spLocks noGrp="1"/>
+          </p:cNvSpPr>
+          <p:nvPr>
+            <p:ph type="title"/>
+          </p:nvPr>
+        </p:nvSpPr>
         <p:spPr>
           <a:xfrm>
-            <a:off x="6096000" y="10"/>
-            <a:ext cx="6394152" cy="6857990"/>
-          </a:xfrm>
-          <a:prstGeom prst="rect">
-            <a:avLst/>
-          </a:prstGeom>
-        </p:spPr>
-      </p:pic>
-      <p:pic>
-        <p:nvPicPr>
-          <p:cNvPr id="12" name="Picture 11">
-            <a:extLst>
-              <a:ext uri="{FF2B5EF4-FFF2-40B4-BE49-F238E27FC236}">
-                <a16:creationId xmlns:a16="http://schemas.microsoft.com/office/drawing/2014/main" id="{54DDEBDD-D8BD-41A6-8A0D-B00E3768B0F9}"/>
+            <a:off x="990600" y="338328"/>
+            <a:ext cx="10210800" cy="1078992"/>
+          </a:xfrm>
+        </p:spPr>
+        <p:txBody>
+          <a:bodyPr vert="horz" lIns="91440" tIns="45720" rIns="91440" bIns="45720" rtlCol="0" anchor="b">
+            <a:normAutofit/>
+          </a:bodyPr>
+          <a:lstStyle/>
+          <a:p>
+            <a:pPr algn="ctr"/>
+            <a:r>
+              <a:rPr lang="en-US" sz="5400" dirty="0"/>
+              <a:t>Problemática</a:t>
+            </a:r>
+          </a:p>
+        </p:txBody>
+      </p:sp>
+      <p:sp>
+        <p:nvSpPr>
+          <p:cNvPr id="10" name="Rectangle 9">
+            <a:extLst>
+              <a:ext uri="{FF2B5EF4-FFF2-40B4-BE49-F238E27FC236}">
+                <a16:creationId xmlns:a16="http://schemas.microsoft.com/office/drawing/2014/main" id="{70BDD0CE-06A4-404B-8A13-580229C1C923}"/>
               </a:ext>
               <a:ext uri="{C183D7F6-B498-43B3-948B-1728B52AA6E4}">
                 <adec:decorative xmlns:adec="http://schemas.microsoft.com/office/drawing/2017/decorative" val="1"/>
               </a:ext>
             </a:extLst>
           </p:cNvPr>
-          <p:cNvPicPr>
-            <a:picLocks noGrp="1" noRot="1" noChangeAspect="1" noMove="1" noResize="1" noEditPoints="1" noAdjustHandles="1" noChangeArrowheads="1" noChangeShapeType="1" noCrop="1"/>
-          </p:cNvPicPr>
+          <p:cNvSpPr>
+            <a:spLocks noGrp="1" noRot="1" noChangeAspect="1" noMove="1" noResize="1" noEditPoints="1" noAdjustHandles="1" noChangeArrowheads="1" noChangeShapeType="1" noTextEdit="1"/>
+          </p:cNvSpPr>
           <p:nvPr>
             <p:extLst>
               <p:ext uri="{386F3935-93C4-4BCD-93E2-E3B085C9AB24}">
@@ -5799,180 +5801,127 @@
               </p:ext>
             </p:extLst>
           </p:nvPr>
-        </p:nvPicPr>
-        <p:blipFill>
-          <a:blip r:embed="rId3">
-            <a:extLst>
-              <a:ext uri="{28A0092B-C50C-407E-A947-70E740481C1C}">
-                <a14:useLocalDpi xmlns:a14="http://schemas.microsoft.com/office/drawing/2010/main" val="0"/>
-              </a:ext>
-            </a:extLst>
-          </a:blip>
-          <a:stretch>
-            <a:fillRect/>
-          </a:stretch>
-        </p:blipFill>
+        </p:nvSpPr>
         <p:spPr>
-          <a:xfrm flipH="1" flipV="1">
-            <a:off x="0" y="0"/>
-            <a:ext cx="12192000" cy="6858000"/>
+          <a:xfrm>
+            <a:off x="0" y="2141750"/>
+            <a:ext cx="12192000" cy="4716250"/>
           </a:xfrm>
           <a:prstGeom prst="rect">
             <a:avLst/>
           </a:prstGeom>
-        </p:spPr>
-      </p:pic>
-      <p:sp>
-        <p:nvSpPr>
-          <p:cNvPr id="2" name="Título 1">
-            <a:extLst>
-              <a:ext uri="{FF2B5EF4-FFF2-40B4-BE49-F238E27FC236}">
-                <a16:creationId xmlns:a16="http://schemas.microsoft.com/office/drawing/2014/main" id="{B860B237-C9AC-4ACD-A499-7F6112F49353}"/>
-              </a:ext>
-            </a:extLst>
-          </p:cNvPr>
-          <p:cNvSpPr>
-            <a:spLocks noGrp="1"/>
-          </p:cNvSpPr>
-          <p:nvPr>
-            <p:ph type="title"/>
+          <a:solidFill>
+            <a:srgbClr val="5A4846"/>
+          </a:solidFill>
+          <a:ln>
+            <a:noFill/>
+          </a:ln>
+        </p:spPr>
+        <p:style>
+          <a:lnRef idx="2">
+            <a:schemeClr val="accent1">
+              <a:shade val="50000"/>
+            </a:schemeClr>
+          </a:lnRef>
+          <a:fillRef idx="1">
+            <a:schemeClr val="accent1"/>
+          </a:fillRef>
+          <a:effectRef idx="0">
+            <a:schemeClr val="accent1"/>
+          </a:effectRef>
+          <a:fontRef idx="minor">
+            <a:schemeClr val="lt1"/>
+          </a:fontRef>
+        </p:style>
+        <p:txBody>
+          <a:bodyPr rtlCol="0" anchor="ctr"/>
+          <a:lstStyle/>
+          <a:p>
+            <a:pPr algn="ctr"/>
+            <a:endParaRPr lang="en-US"/>
+          </a:p>
+        </p:txBody>
+      </p:sp>
+      <p:sp>
+        <p:nvSpPr>
+          <p:cNvPr id="12" name="Rounded Rectangle 26">
+            <a:extLst>
+              <a:ext uri="{FF2B5EF4-FFF2-40B4-BE49-F238E27FC236}">
+                <a16:creationId xmlns:a16="http://schemas.microsoft.com/office/drawing/2014/main" id="{EE9899FA-8881-472C-AA59-D08A89CA8AEF}"/>
+              </a:ext>
+              <a:ext uri="{C183D7F6-B498-43B3-948B-1728B52AA6E4}">
+                <adec:decorative xmlns:adec="http://schemas.microsoft.com/office/drawing/2017/decorative" val="1"/>
+              </a:ext>
+            </a:extLst>
+          </p:cNvPr>
+          <p:cNvSpPr>
+            <a:spLocks noGrp="1" noRot="1" noChangeAspect="1" noMove="1" noResize="1" noEditPoints="1" noAdjustHandles="1" noChangeArrowheads="1" noChangeShapeType="1" noTextEdit="1"/>
+          </p:cNvSpPr>
+          <p:nvPr>
+            <p:extLst>
+              <p:ext uri="{386F3935-93C4-4BCD-93E2-E3B085C9AB24}">
+                <p16:designElem xmlns:p16="http://schemas.microsoft.com/office/powerpoint/2015/main" val="1"/>
+              </p:ext>
+            </p:extLst>
           </p:nvPr>
         </p:nvSpPr>
         <p:spPr>
           <a:xfrm>
-            <a:off x="1188996" y="150461"/>
-            <a:ext cx="3995338" cy="1311664"/>
-          </a:xfrm>
-        </p:spPr>
-        <p:txBody>
-          <a:bodyPr>
-            <a:normAutofit/>
-          </a:bodyPr>
-          <a:lstStyle/>
-          <a:p>
-            <a:r>
-              <a:rPr lang="pt-BR" sz="3700" dirty="0">
-                <a:solidFill>
-                  <a:srgbClr val="000000"/>
-                </a:solidFill>
-                <a:latin typeface="Arial" panose="020B0604020202020204" pitchFamily="34" charset="0"/>
-                <a:cs typeface="Arial" panose="020B0604020202020204" pitchFamily="34" charset="0"/>
-              </a:rPr>
-              <a:t>Surgimento da Sustabil</a:t>
-            </a:r>
-          </a:p>
-        </p:txBody>
-      </p:sp>
-      <p:sp>
-        <p:nvSpPr>
-          <p:cNvPr id="3" name="Espaço Reservado para Conteúdo 2">
-            <a:extLst>
-              <a:ext uri="{FF2B5EF4-FFF2-40B4-BE49-F238E27FC236}">
-                <a16:creationId xmlns:a16="http://schemas.microsoft.com/office/drawing/2014/main" id="{501D34CD-F03C-491C-B093-ABAE6022A4FB}"/>
-              </a:ext>
-            </a:extLst>
-          </p:cNvPr>
-          <p:cNvSpPr>
-            <a:spLocks noGrp="1"/>
-          </p:cNvSpPr>
-          <p:nvPr>
-            <p:ph idx="1"/>
-          </p:nvPr>
-        </p:nvSpPr>
-        <p:spPr>
-          <a:xfrm>
-            <a:off x="694599" y="1664168"/>
-            <a:ext cx="4706803" cy="5071988"/>
-          </a:xfrm>
-        </p:spPr>
-        <p:txBody>
-          <a:bodyPr anchor="ctr">
-            <a:normAutofit lnSpcReduction="10000"/>
-          </a:bodyPr>
-          <a:lstStyle/>
-          <a:p>
-            <a:r>
-              <a:rPr lang="pt-BR" sz="2000" dirty="0">
-                <a:solidFill>
-                  <a:srgbClr val="000000"/>
-                </a:solidFill>
-                <a:latin typeface="Arial" panose="020B0604020202020204" pitchFamily="34" charset="0"/>
-                <a:cs typeface="Arial" panose="020B0604020202020204" pitchFamily="34" charset="0"/>
-              </a:rPr>
-              <a:t>A Sustabil surgiu em 2019 afins de resolver o problema de vazamento no Nordeste, de maneira eficaz o descobrimento de vazamento e possíveis vazamentos se tornou simples e rápido com o nosso sistema. </a:t>
-            </a:r>
-          </a:p>
-          <a:p>
-            <a:r>
-              <a:rPr lang="pt-BR" sz="2000" dirty="0">
-                <a:solidFill>
-                  <a:srgbClr val="000000"/>
-                </a:solidFill>
-                <a:latin typeface="Arial" panose="020B0604020202020204" pitchFamily="34" charset="0"/>
-                <a:cs typeface="Arial" panose="020B0604020202020204" pitchFamily="34" charset="0"/>
-              </a:rPr>
-              <a:t>Somos uma empresa privada que se preocupa com o desperdício e com o meio ambiente.</a:t>
-            </a:r>
-          </a:p>
-          <a:p>
-            <a:r>
-              <a:rPr lang="pt-BR" sz="2000" dirty="0">
-                <a:solidFill>
-                  <a:srgbClr val="000000"/>
-                </a:solidFill>
-                <a:latin typeface="Arial" panose="020B0604020202020204" pitchFamily="34" charset="0"/>
-                <a:cs typeface="Arial" panose="020B0604020202020204" pitchFamily="34" charset="0"/>
-              </a:rPr>
-              <a:t>Nossos clientes? Sabesp, MDR (Ministério do Desenvolvimento Regional) e MMA (Ministério do Meio Ambiente).</a:t>
-            </a:r>
-          </a:p>
-          <a:p>
-            <a:endParaRPr lang="pt-BR" sz="2000" dirty="0">
-              <a:solidFill>
-                <a:srgbClr val="000000"/>
-              </a:solidFill>
-              <a:latin typeface="Arial" panose="020B0604020202020204" pitchFamily="34" charset="0"/>
-              <a:cs typeface="Arial" panose="020B0604020202020204" pitchFamily="34" charset="0"/>
-            </a:endParaRPr>
-          </a:p>
-          <a:p>
-            <a:r>
-              <a:rPr lang="pt-BR" sz="2000" dirty="0">
-                <a:solidFill>
-                  <a:srgbClr val="000000"/>
-                </a:solidFill>
-                <a:latin typeface="Arial" panose="020B0604020202020204" pitchFamily="34" charset="0"/>
-                <a:cs typeface="Arial" panose="020B0604020202020204" pitchFamily="34" charset="0"/>
-              </a:rPr>
-              <a:t>Entre em contato conosco: </a:t>
-            </a:r>
-            <a:r>
-              <a:rPr lang="pt-BR" sz="2000" dirty="0">
-                <a:solidFill>
-                  <a:srgbClr val="000000"/>
-                </a:solidFill>
-                <a:latin typeface="Arial" panose="020B0604020202020204" pitchFamily="34" charset="0"/>
-                <a:cs typeface="Arial" panose="020B0604020202020204" pitchFamily="34" charset="0"/>
-                <a:hlinkClick r:id="rId4"/>
-              </a:rPr>
-              <a:t>sustabil@bandtec.com.br</a:t>
-            </a:r>
-            <a:endParaRPr lang="pt-BR" sz="2000" dirty="0">
-              <a:solidFill>
-                <a:srgbClr val="000000"/>
-              </a:solidFill>
-              <a:latin typeface="Arial" panose="020B0604020202020204" pitchFamily="34" charset="0"/>
-              <a:cs typeface="Arial" panose="020B0604020202020204" pitchFamily="34" charset="0"/>
-            </a:endParaRPr>
+            <a:off x="321564" y="2423160"/>
+            <a:ext cx="5613569" cy="3930315"/>
+          </a:xfrm>
+          <a:prstGeom prst="roundRect">
+            <a:avLst>
+              <a:gd name="adj" fmla="val 0"/>
+            </a:avLst>
+          </a:prstGeom>
+          <a:solidFill>
+            <a:srgbClr val="FFFFFF"/>
+          </a:solidFill>
+          <a:ln w="9525">
+            <a:solidFill>
+              <a:srgbClr val="C8CACA"/>
+            </a:solidFill>
+          </a:ln>
+          <a:effectLst>
+            <a:outerShdw blurRad="57150" dist="19050" dir="5400000" algn="t" rotWithShape="0">
+              <a:prstClr val="black">
+                <a:alpha val="63000"/>
+              </a:prstClr>
+            </a:outerShdw>
+          </a:effectLst>
+        </p:spPr>
+        <p:style>
+          <a:lnRef idx="2">
+            <a:schemeClr val="accent1">
+              <a:shade val="50000"/>
+            </a:schemeClr>
+          </a:lnRef>
+          <a:fillRef idx="1">
+            <a:schemeClr val="accent1"/>
+          </a:fillRef>
+          <a:effectRef idx="0">
+            <a:schemeClr val="accent1"/>
+          </a:effectRef>
+          <a:fontRef idx="minor">
+            <a:schemeClr val="lt1"/>
+          </a:fontRef>
+        </p:style>
+        <p:txBody>
+          <a:bodyPr rtlCol="0" anchor="ctr"/>
+          <a:lstStyle/>
+          <a:p>
+            <a:pPr algn="ctr"/>
+            <a:endParaRPr lang="en-US"/>
           </a:p>
         </p:txBody>
       </p:sp>
       <p:pic>
         <p:nvPicPr>
-          <p:cNvPr id="6" name="Imagem 5">
-            <a:extLst>
-              <a:ext uri="{FF2B5EF4-FFF2-40B4-BE49-F238E27FC236}">
-                <a16:creationId xmlns:a16="http://schemas.microsoft.com/office/drawing/2014/main" id="{CEAEFBF8-22EC-44B4-A163-CDD5AA2A8470}"/>
+          <p:cNvPr id="5" name="Imagem 4" descr="Mapa com linhas pretas em fundo branco&#10;&#10;Descrição gerada automaticamente">
+            <a:extLst>
+              <a:ext uri="{FF2B5EF4-FFF2-40B4-BE49-F238E27FC236}">
+                <a16:creationId xmlns:a16="http://schemas.microsoft.com/office/drawing/2014/main" id="{AD6025A6-3D52-461A-9A88-737CB2E50C5B}"/>
               </a:ext>
             </a:extLst>
           </p:cNvPr>
@@ -5982,25 +5931,170 @@
           <p:nvPr/>
         </p:nvPicPr>
         <p:blipFill>
-          <a:blip r:embed="rId5"/>
+          <a:blip r:embed="rId2"/>
           <a:stretch>
             <a:fillRect/>
           </a:stretch>
         </p:blipFill>
         <p:spPr>
           <a:xfrm>
-            <a:off x="53894" y="35169"/>
-            <a:ext cx="1035488" cy="1035488"/>
+            <a:off x="973243" y="2610355"/>
+            <a:ext cx="4310209" cy="3555923"/>
           </a:xfrm>
           <a:prstGeom prst="rect">
             <a:avLst/>
           </a:prstGeom>
         </p:spPr>
       </p:pic>
+      <p:sp>
+        <p:nvSpPr>
+          <p:cNvPr id="14" name="Rounded Rectangle 16">
+            <a:extLst>
+              <a:ext uri="{FF2B5EF4-FFF2-40B4-BE49-F238E27FC236}">
+                <a16:creationId xmlns:a16="http://schemas.microsoft.com/office/drawing/2014/main" id="{080B7D90-3DF1-4514-B26D-616BE35553C9}"/>
+              </a:ext>
+              <a:ext uri="{C183D7F6-B498-43B3-948B-1728B52AA6E4}">
+                <adec:decorative xmlns:adec="http://schemas.microsoft.com/office/drawing/2017/decorative" val="1"/>
+              </a:ext>
+            </a:extLst>
+          </p:cNvPr>
+          <p:cNvSpPr>
+            <a:spLocks noGrp="1" noRot="1" noChangeAspect="1" noMove="1" noResize="1" noEditPoints="1" noAdjustHandles="1" noChangeArrowheads="1" noChangeShapeType="1" noTextEdit="1"/>
+          </p:cNvSpPr>
+          <p:nvPr>
+            <p:extLst>
+              <p:ext uri="{386F3935-93C4-4BCD-93E2-E3B085C9AB24}">
+                <p16:designElem xmlns:p16="http://schemas.microsoft.com/office/powerpoint/2015/main" val="1"/>
+              </p:ext>
+            </p:extLst>
+          </p:nvPr>
+        </p:nvSpPr>
+        <p:spPr>
+          <a:xfrm>
+            <a:off x="6254749" y="2423160"/>
+            <a:ext cx="5613569" cy="3930315"/>
+          </a:xfrm>
+          <a:prstGeom prst="roundRect">
+            <a:avLst>
+              <a:gd name="adj" fmla="val 0"/>
+            </a:avLst>
+          </a:prstGeom>
+          <a:solidFill>
+            <a:srgbClr val="FFFFFF"/>
+          </a:solidFill>
+          <a:ln w="9525">
+            <a:solidFill>
+              <a:srgbClr val="C8CACA"/>
+            </a:solidFill>
+          </a:ln>
+          <a:effectLst>
+            <a:outerShdw blurRad="57150" dist="19050" dir="5400000" algn="t" rotWithShape="0">
+              <a:prstClr val="black">
+                <a:alpha val="63000"/>
+              </a:prstClr>
+            </a:outerShdw>
+          </a:effectLst>
+        </p:spPr>
+        <p:style>
+          <a:lnRef idx="2">
+            <a:schemeClr val="accent1">
+              <a:shade val="50000"/>
+            </a:schemeClr>
+          </a:lnRef>
+          <a:fillRef idx="1">
+            <a:schemeClr val="accent1"/>
+          </a:fillRef>
+          <a:effectRef idx="0">
+            <a:schemeClr val="accent1"/>
+          </a:effectRef>
+          <a:fontRef idx="minor">
+            <a:schemeClr val="lt1"/>
+          </a:fontRef>
+        </p:style>
+        <p:txBody>
+          <a:bodyPr rtlCol="0" anchor="ctr"/>
+          <a:lstStyle/>
+          <a:p>
+            <a:pPr algn="ctr"/>
+            <a:endParaRPr lang="en-US"/>
+          </a:p>
+        </p:txBody>
+      </p:sp>
+      <p:pic>
+        <p:nvPicPr>
+          <p:cNvPr id="4" name="Imagem 3" descr="Tela de celular com texto preto sobre fundo branco&#10;&#10;Descrição gerada automaticamente">
+            <a:extLst>
+              <a:ext uri="{FF2B5EF4-FFF2-40B4-BE49-F238E27FC236}">
+                <a16:creationId xmlns:a16="http://schemas.microsoft.com/office/drawing/2014/main" id="{211C7C17-9709-42E7-8B32-8173C9DFAD4D}"/>
+              </a:ext>
+            </a:extLst>
+          </p:cNvPr>
+          <p:cNvPicPr>
+            <a:picLocks noChangeAspect="1"/>
+          </p:cNvPicPr>
+          <p:nvPr/>
+        </p:nvPicPr>
+        <p:blipFill>
+          <a:blip r:embed="rId3"/>
+          <a:stretch>
+            <a:fillRect/>
+          </a:stretch>
+        </p:blipFill>
+        <p:spPr>
+          <a:xfrm>
+            <a:off x="6273804" y="3038168"/>
+            <a:ext cx="5594514" cy="2461585"/>
+          </a:xfrm>
+          <a:prstGeom prst="rect">
+            <a:avLst/>
+          </a:prstGeom>
+        </p:spPr>
+      </p:pic>
+      <p:cxnSp>
+        <p:nvCxnSpPr>
+          <p:cNvPr id="13" name="Conector reto 12">
+            <a:extLst>
+              <a:ext uri="{FF2B5EF4-FFF2-40B4-BE49-F238E27FC236}">
+                <a16:creationId xmlns:a16="http://schemas.microsoft.com/office/drawing/2014/main" id="{44B6F4DB-AFC2-4938-967C-7CF98C63B08D}"/>
+              </a:ext>
+            </a:extLst>
+          </p:cNvPr>
+          <p:cNvCxnSpPr/>
+          <p:nvPr/>
+        </p:nvCxnSpPr>
+        <p:spPr>
+          <a:xfrm>
+            <a:off x="321564" y="1607575"/>
+            <a:ext cx="11436829" cy="0"/>
+          </a:xfrm>
+          <a:prstGeom prst="line">
+            <a:avLst/>
+          </a:prstGeom>
+          <a:ln>
+            <a:solidFill>
+              <a:schemeClr val="tx1"/>
+            </a:solidFill>
+          </a:ln>
+        </p:spPr>
+        <p:style>
+          <a:lnRef idx="3">
+            <a:schemeClr val="dk1"/>
+          </a:lnRef>
+          <a:fillRef idx="0">
+            <a:schemeClr val="dk1"/>
+          </a:fillRef>
+          <a:effectRef idx="2">
+            <a:schemeClr val="dk1"/>
+          </a:effectRef>
+          <a:fontRef idx="minor">
+            <a:schemeClr val="tx1"/>
+          </a:fontRef>
+        </p:style>
+      </p:cxnSp>
     </p:spTree>
     <p:extLst>
       <p:ext uri="{BB962C8B-B14F-4D97-AF65-F5344CB8AC3E}">
-        <p14:creationId xmlns:p14="http://schemas.microsoft.com/office/powerpoint/2010/main" val="1728598662"/>
+        <p14:creationId xmlns:p14="http://schemas.microsoft.com/office/powerpoint/2010/main" val="3170072261"/>
       </p:ext>
     </p:extLst>
   </p:cSld>
@@ -6037,15 +6131,15 @@
       </p:grpSpPr>
       <p:pic>
         <p:nvPicPr>
-          <p:cNvPr id="3074" name="Picture 2" descr="Waste Water Treatment Leakage Broke Svg Png Icon Free Download (#569149) -  OnlineWebFonts.COM">
-            <a:extLst>
-              <a:ext uri="{FF2B5EF4-FFF2-40B4-BE49-F238E27FC236}">
-                <a16:creationId xmlns:a16="http://schemas.microsoft.com/office/drawing/2014/main" id="{348C5914-0332-44A9-A263-874DBD14E147}"/>
+          <p:cNvPr id="7" name="Imagem 6">
+            <a:extLst>
+              <a:ext uri="{FF2B5EF4-FFF2-40B4-BE49-F238E27FC236}">
+                <a16:creationId xmlns:a16="http://schemas.microsoft.com/office/drawing/2014/main" id="{2CAC30E6-CC8D-452B-9AE2-A24C5DF49871}"/>
               </a:ext>
             </a:extLst>
           </p:cNvPr>
           <p:cNvPicPr>
-            <a:picLocks noChangeAspect="1" noChangeArrowheads="1"/>
+            <a:picLocks noChangeAspect="1"/>
           </p:cNvPicPr>
           <p:nvPr/>
         </p:nvPicPr>
@@ -6058,32 +6152,22 @@
               </a:ext>
             </a:extLst>
           </a:blip>
-          <a:srcRect r="548"/>
+          <a:srcRect l="4224" r="2539"/>
           <a:stretch/>
         </p:blipFill>
-        <p:spPr bwMode="auto">
+        <p:spPr>
           <a:xfrm>
-            <a:off x="6683974" y="1454277"/>
-            <a:ext cx="4703028" cy="5044190"/>
+            <a:off x="6096000" y="10"/>
+            <a:ext cx="6394152" cy="6857990"/>
           </a:xfrm>
           <a:prstGeom prst="rect">
             <a:avLst/>
           </a:prstGeom>
-          <a:noFill/>
-          <a:extLst>
-            <a:ext uri="{909E8E84-426E-40DD-AFC4-6F175D3DCCD1}">
-              <a14:hiddenFill xmlns:a14="http://schemas.microsoft.com/office/drawing/2010/main">
-                <a:solidFill>
-                  <a:srgbClr val="FFFFFF"/>
-                </a:solidFill>
-              </a14:hiddenFill>
-            </a:ext>
-          </a:extLst>
         </p:spPr>
       </p:pic>
       <p:pic>
         <p:nvPicPr>
-          <p:cNvPr id="3076" name="Picture 134">
+          <p:cNvPr id="12" name="Picture 11">
             <a:extLst>
               <a:ext uri="{FF2B5EF4-FFF2-40B4-BE49-F238E27FC236}">
                 <a16:creationId xmlns:a16="http://schemas.microsoft.com/office/drawing/2014/main" id="{54DDEBDD-D8BD-41A6-8A0D-B00E3768B0F9}"/>
@@ -6131,7 +6215,7 @@
           <p:cNvPr id="2" name="Título 1">
             <a:extLst>
               <a:ext uri="{FF2B5EF4-FFF2-40B4-BE49-F238E27FC236}">
-                <a16:creationId xmlns:a16="http://schemas.microsoft.com/office/drawing/2014/main" id="{B202CBA9-2D61-4174-A1AC-83B90BFD8A36}"/>
+                <a16:creationId xmlns:a16="http://schemas.microsoft.com/office/drawing/2014/main" id="{B860B237-C9AC-4ACD-A499-7F6112F49353}"/>
               </a:ext>
             </a:extLst>
           </p:cNvPr>
@@ -6144,8 +6228,8 @@
         </p:nvSpPr>
         <p:spPr>
           <a:xfrm>
-            <a:off x="571638" y="554596"/>
-            <a:ext cx="5878976" cy="1311664"/>
+            <a:off x="1188996" y="150461"/>
+            <a:ext cx="3995338" cy="1311664"/>
           </a:xfrm>
         </p:spPr>
         <p:txBody>
@@ -6154,16 +6238,15 @@
           </a:bodyPr>
           <a:lstStyle/>
           <a:p>
-            <a:pPr algn="ctr"/>
-            <a:r>
-              <a:rPr lang="pt-BR" dirty="0">
+            <a:r>
+              <a:rPr lang="pt-BR" sz="3700" dirty="0">
                 <a:solidFill>
                   <a:srgbClr val="000000"/>
                 </a:solidFill>
                 <a:latin typeface="Arial" panose="020B0604020202020204" pitchFamily="34" charset="0"/>
                 <a:cs typeface="Arial" panose="020B0604020202020204" pitchFamily="34" charset="0"/>
               </a:rPr>
-              <a:t>Solução do Problema</a:t>
+              <a:t>Surgimento da Sustabil</a:t>
             </a:r>
           </a:p>
         </p:txBody>
@@ -6173,7 +6256,7 @@
           <p:cNvPr id="3" name="Espaço Reservado para Conteúdo 2">
             <a:extLst>
               <a:ext uri="{FF2B5EF4-FFF2-40B4-BE49-F238E27FC236}">
-                <a16:creationId xmlns:a16="http://schemas.microsoft.com/office/drawing/2014/main" id="{A8A22FE0-C875-4748-927C-26336D5968F9}"/>
+                <a16:creationId xmlns:a16="http://schemas.microsoft.com/office/drawing/2014/main" id="{501D34CD-F03C-491C-B093-ABAE6022A4FB}"/>
               </a:ext>
             </a:extLst>
           </p:cNvPr>
@@ -6186,8 +6269,8 @@
         </p:nvSpPr>
         <p:spPr>
           <a:xfrm>
-            <a:off x="804998" y="2172440"/>
-            <a:ext cx="5073979" cy="4379380"/>
+            <a:off x="694599" y="1664168"/>
+            <a:ext cx="4706803" cy="5071988"/>
           </a:xfrm>
         </p:spPr>
         <p:txBody>
@@ -6204,7 +6287,7 @@
                 <a:latin typeface="Arial" panose="020B0604020202020204" pitchFamily="34" charset="0"/>
                 <a:cs typeface="Arial" panose="020B0604020202020204" pitchFamily="34" charset="0"/>
               </a:rPr>
-              <a:t>A solução proposta pela Sustabil foi implantar sensores de umidade (DHT11) nos encanamentos onde os dados passariam por roteadores das ruas e chegariam no servidor da Sustabil onde terá um site para acessar e checar as informações transmitidas em gráficos. </a:t>
+              <a:t>A Sustabil surgiu em 2019 afins de resolver o problema de vazamento no Nordeste, de maneira eficaz o descobrimento de vazamento e possíveis vazamentos se tornou simples e rápido com o nosso sistema. </a:t>
             </a:r>
           </a:p>
           <a:p>
@@ -6216,7 +6299,7 @@
                 <a:latin typeface="Arial" panose="020B0604020202020204" pitchFamily="34" charset="0"/>
                 <a:cs typeface="Arial" panose="020B0604020202020204" pitchFamily="34" charset="0"/>
               </a:rPr>
-              <a:t>Fixados em partes externas dos canos para detecção do vazamento e futuros prejuízos gigantescos.</a:t>
+              <a:t>Somos uma empresa privada que se preocupa com o desperdício e com o meio ambiente.</a:t>
             </a:r>
           </a:p>
           <a:p>
@@ -6228,123 +6311,47 @@
                 <a:latin typeface="Arial" panose="020B0604020202020204" pitchFamily="34" charset="0"/>
                 <a:cs typeface="Arial" panose="020B0604020202020204" pitchFamily="34" charset="0"/>
               </a:rPr>
-              <a:t>Sinal de vazamento? O sensor emitiria um alerta que será possível visualizar no site e assim entraremos em contato com o cliente o mais rápido possível.</a:t>
-            </a:r>
+              <a:t>Nossos possíveis clientes seriam as distribuidoras de água, como a Sabesp.</a:t>
+            </a:r>
+          </a:p>
+          <a:p>
+            <a:r>
+              <a:rPr lang="pt-BR" sz="2000" dirty="0">
+                <a:solidFill>
+                  <a:srgbClr val="000000"/>
+                </a:solidFill>
+                <a:latin typeface="Arial" panose="020B0604020202020204" pitchFamily="34" charset="0"/>
+                <a:cs typeface="Arial" panose="020B0604020202020204" pitchFamily="34" charset="0"/>
+              </a:rPr>
+              <a:t>Entre em contato conosco: </a:t>
+            </a:r>
+            <a:r>
+              <a:rPr lang="pt-BR" sz="2000" dirty="0">
+                <a:solidFill>
+                  <a:srgbClr val="000000"/>
+                </a:solidFill>
+                <a:latin typeface="Arial" panose="020B0604020202020204" pitchFamily="34" charset="0"/>
+                <a:cs typeface="Arial" panose="020B0604020202020204" pitchFamily="34" charset="0"/>
+                <a:hlinkClick r:id="rId4"/>
+              </a:rPr>
+              <a:t>sustabil@bandtec.com.br</a:t>
+            </a:r>
+            <a:endParaRPr lang="pt-BR" sz="2000" dirty="0">
+              <a:solidFill>
+                <a:srgbClr val="000000"/>
+              </a:solidFill>
+              <a:latin typeface="Arial" panose="020B0604020202020204" pitchFamily="34" charset="0"/>
+              <a:cs typeface="Arial" panose="020B0604020202020204" pitchFamily="34" charset="0"/>
+            </a:endParaRPr>
           </a:p>
         </p:txBody>
       </p:sp>
       <p:pic>
         <p:nvPicPr>
-          <p:cNvPr id="3078" name="Picture 6" descr="temperature and humidity sensor">
-            <a:extLst>
-              <a:ext uri="{FF2B5EF4-FFF2-40B4-BE49-F238E27FC236}">
-                <a16:creationId xmlns:a16="http://schemas.microsoft.com/office/drawing/2014/main" id="{C38E409A-CA7F-4DB1-8501-637D116F091E}"/>
-              </a:ext>
-            </a:extLst>
-          </p:cNvPr>
-          <p:cNvPicPr>
-            <a:picLocks noChangeAspect="1" noChangeArrowheads="1"/>
-          </p:cNvPicPr>
-          <p:nvPr/>
-        </p:nvPicPr>
-        <p:blipFill>
-          <a:blip r:embed="rId4">
-            <a:extLst>
-              <a:ext uri="{28A0092B-C50C-407E-A947-70E740481C1C}">
-                <a14:useLocalDpi xmlns:a14="http://schemas.microsoft.com/office/drawing/2010/main" val="0"/>
-              </a:ext>
-            </a:extLst>
-          </a:blip>
-          <a:srcRect/>
-          <a:stretch>
-            <a:fillRect/>
-          </a:stretch>
-        </p:blipFill>
-        <p:spPr bwMode="auto">
-          <a:xfrm rot="18635752">
-            <a:off x="8902044" y="5087401"/>
-            <a:ext cx="632643" cy="632643"/>
-          </a:xfrm>
-          <a:prstGeom prst="rect">
-            <a:avLst/>
-          </a:prstGeom>
-          <a:noFill/>
-          <a:extLst>
-            <a:ext uri="{909E8E84-426E-40DD-AFC4-6F175D3DCCD1}">
-              <a14:hiddenFill xmlns:a14="http://schemas.microsoft.com/office/drawing/2010/main">
-                <a:solidFill>
-                  <a:srgbClr val="FFFFFF"/>
-                </a:solidFill>
-              </a14:hiddenFill>
-            </a:ext>
-          </a:extLst>
-        </p:spPr>
-      </p:pic>
-      <p:pic>
-        <p:nvPicPr>
-          <p:cNvPr id="3080" name="Picture 8" descr="Alert Alt Svg Png Icon Free Download (#565392) - OnlineWebFonts.COM">
-            <a:extLst>
-              <a:ext uri="{FF2B5EF4-FFF2-40B4-BE49-F238E27FC236}">
-                <a16:creationId xmlns:a16="http://schemas.microsoft.com/office/drawing/2014/main" id="{B68E42DD-DD1B-45E6-9C9F-C39EA0794FED}"/>
-              </a:ext>
-            </a:extLst>
-          </p:cNvPr>
-          <p:cNvPicPr>
-            <a:picLocks noChangeAspect="1" noChangeArrowheads="1"/>
-          </p:cNvPicPr>
-          <p:nvPr/>
-        </p:nvPicPr>
-        <p:blipFill rotWithShape="1">
-          <a:blip r:embed="rId5">
-            <a:duotone>
-              <a:schemeClr val="accent2">
-                <a:shade val="45000"/>
-                <a:satMod val="135000"/>
-              </a:schemeClr>
-              <a:prstClr val="white"/>
-            </a:duotone>
-            <a:alphaModFix/>
-            <a:extLst>
-              <a:ext uri="{BEBA8EAE-BF5A-486C-A8C5-ECC9F3942E4B}">
-                <a14:imgProps xmlns:a14="http://schemas.microsoft.com/office/drawing/2010/main">
-                  <a14:imgLayer r:embed="rId6">
-                    <a14:imgEffect>
-                      <a14:colorTemperature colorTemp="6360"/>
-                    </a14:imgEffect>
-                    <a14:imgEffect>
-                      <a14:saturation sat="191000"/>
-                    </a14:imgEffect>
-                  </a14:imgLayer>
-                </a14:imgProps>
-              </a:ext>
-              <a:ext uri="{28A0092B-C50C-407E-A947-70E740481C1C}">
-                <a14:useLocalDpi xmlns:a14="http://schemas.microsoft.com/office/drawing/2010/main" val="0"/>
-              </a:ext>
-            </a:extLst>
-          </a:blip>
-          <a:srcRect b="72111"/>
-          <a:stretch/>
-        </p:blipFill>
-        <p:spPr bwMode="auto">
-          <a:xfrm rot="13158707">
-            <a:off x="8479838" y="5585981"/>
-            <a:ext cx="975042" cy="416421"/>
-          </a:xfrm>
-          <a:prstGeom prst="rect">
-            <a:avLst/>
-          </a:prstGeom>
-          <a:noFill/>
-          <a:ln>
-            <a:noFill/>
-          </a:ln>
-        </p:spPr>
-      </p:pic>
-      <p:pic>
-        <p:nvPicPr>
-          <p:cNvPr id="8" name="Imagem 7">
-            <a:extLst>
-              <a:ext uri="{FF2B5EF4-FFF2-40B4-BE49-F238E27FC236}">
-                <a16:creationId xmlns:a16="http://schemas.microsoft.com/office/drawing/2014/main" id="{D2A77FA0-C3E9-4E63-BED4-0B3B92519E0D}"/>
+          <p:cNvPr id="6" name="Imagem 5">
+            <a:extLst>
+              <a:ext uri="{FF2B5EF4-FFF2-40B4-BE49-F238E27FC236}">
+                <a16:creationId xmlns:a16="http://schemas.microsoft.com/office/drawing/2014/main" id="{CEAEFBF8-22EC-44B4-A163-CDD5AA2A8470}"/>
               </a:ext>
             </a:extLst>
           </p:cNvPr>
@@ -6354,7 +6361,7 @@
           <p:nvPr/>
         </p:nvPicPr>
         <p:blipFill>
-          <a:blip r:embed="rId7"/>
+          <a:blip r:embed="rId5"/>
           <a:stretch>
             <a:fillRect/>
           </a:stretch>
@@ -6372,7 +6379,7 @@
     </p:spTree>
     <p:extLst>
       <p:ext uri="{BB962C8B-B14F-4D97-AF65-F5344CB8AC3E}">
-        <p14:creationId xmlns:p14="http://schemas.microsoft.com/office/powerpoint/2010/main" val="3377260643"/>
+        <p14:creationId xmlns:p14="http://schemas.microsoft.com/office/powerpoint/2010/main" val="1728598662"/>
       </p:ext>
     </p:extLst>
   </p:cSld>
@@ -6407,6 +6414,746 @@
           <a:chExt cx="0" cy="0"/>
         </a:xfrm>
       </p:grpSpPr>
+      <p:pic>
+        <p:nvPicPr>
+          <p:cNvPr id="3" name="Imagem 2" descr="Tela de computador com texto preto sobre fundo branco&#10;&#10;Descrição gerada automaticamente">
+            <a:extLst>
+              <a:ext uri="{FF2B5EF4-FFF2-40B4-BE49-F238E27FC236}">
+                <a16:creationId xmlns:a16="http://schemas.microsoft.com/office/drawing/2014/main" id="{B607FAA0-4E26-4001-A444-6AB4A5C2BBFB}"/>
+              </a:ext>
+            </a:extLst>
+          </p:cNvPr>
+          <p:cNvPicPr/>
+          <p:nvPr/>
+        </p:nvPicPr>
+        <p:blipFill>
+          <a:blip r:embed="rId2" cstate="print">
+            <a:extLst>
+              <a:ext uri="{28A0092B-C50C-407E-A947-70E740481C1C}">
+                <a14:useLocalDpi xmlns:a14="http://schemas.microsoft.com/office/drawing/2010/main" val="0"/>
+              </a:ext>
+            </a:extLst>
+          </a:blip>
+          <a:stretch>
+            <a:fillRect/>
+          </a:stretch>
+        </p:blipFill>
+        <p:spPr bwMode="auto">
+          <a:xfrm>
+            <a:off x="221227" y="144240"/>
+            <a:ext cx="5384028" cy="3174104"/>
+          </a:xfrm>
+          <a:prstGeom prst="rect">
+            <a:avLst/>
+          </a:prstGeom>
+          <a:noFill/>
+        </p:spPr>
+      </p:pic>
+      <p:sp>
+        <p:nvSpPr>
+          <p:cNvPr id="11" name="Rectangle 10">
+            <a:extLst>
+              <a:ext uri="{FF2B5EF4-FFF2-40B4-BE49-F238E27FC236}">
+                <a16:creationId xmlns:a16="http://schemas.microsoft.com/office/drawing/2014/main" id="{417CDA24-35F8-4540-8C52-3096D6D94949}"/>
+              </a:ext>
+              <a:ext uri="{C183D7F6-B498-43B3-948B-1728B52AA6E4}">
+                <adec:decorative xmlns:adec="http://schemas.microsoft.com/office/drawing/2017/decorative" val="1"/>
+              </a:ext>
+            </a:extLst>
+          </p:cNvPr>
+          <p:cNvSpPr>
+            <a:spLocks noGrp="1" noRot="1" noChangeAspect="1" noMove="1" noResize="1" noEditPoints="1" noAdjustHandles="1" noChangeArrowheads="1" noChangeShapeType="1" noTextEdit="1"/>
+          </p:cNvSpPr>
+          <p:nvPr>
+            <p:extLst>
+              <p:ext uri="{386F3935-93C4-4BCD-93E2-E3B085C9AB24}">
+                <p16:designElem xmlns:p16="http://schemas.microsoft.com/office/powerpoint/2015/main" val="1"/>
+              </p:ext>
+            </p:extLst>
+          </p:nvPr>
+        </p:nvSpPr>
+        <p:spPr>
+          <a:xfrm>
+            <a:off x="6050280" y="0"/>
+            <a:ext cx="91440" cy="6858000"/>
+          </a:xfrm>
+          <a:prstGeom prst="rect">
+            <a:avLst/>
+          </a:prstGeom>
+          <a:solidFill>
+            <a:schemeClr val="tx1">
+              <a:lumMod val="75000"/>
+              <a:lumOff val="25000"/>
+            </a:schemeClr>
+          </a:solidFill>
+          <a:ln>
+            <a:noFill/>
+          </a:ln>
+        </p:spPr>
+        <p:style>
+          <a:lnRef idx="2">
+            <a:schemeClr val="accent1">
+              <a:shade val="50000"/>
+            </a:schemeClr>
+          </a:lnRef>
+          <a:fillRef idx="1">
+            <a:schemeClr val="accent1"/>
+          </a:fillRef>
+          <a:effectRef idx="0">
+            <a:schemeClr val="accent1"/>
+          </a:effectRef>
+          <a:fontRef idx="minor">
+            <a:schemeClr val="lt1"/>
+          </a:fontRef>
+        </p:style>
+        <p:txBody>
+          <a:bodyPr rtlCol="0" anchor="ctr"/>
+          <a:lstStyle/>
+          <a:p>
+            <a:pPr algn="ctr"/>
+            <a:endParaRPr lang="en-US"/>
+          </a:p>
+        </p:txBody>
+      </p:sp>
+      <p:pic>
+        <p:nvPicPr>
+          <p:cNvPr id="6" name="Imagem 5" descr="Tela de celular com texto preto sobre fundo branco&#10;&#10;Descrição gerada automaticamente">
+            <a:extLst>
+              <a:ext uri="{FF2B5EF4-FFF2-40B4-BE49-F238E27FC236}">
+                <a16:creationId xmlns:a16="http://schemas.microsoft.com/office/drawing/2014/main" id="{6E6F9085-635A-4BAC-9856-DAD1A9F91190}"/>
+              </a:ext>
+            </a:extLst>
+          </p:cNvPr>
+          <p:cNvPicPr>
+            <a:picLocks noChangeAspect="1"/>
+          </p:cNvPicPr>
+          <p:nvPr/>
+        </p:nvPicPr>
+        <p:blipFill>
+          <a:blip r:embed="rId3">
+            <a:extLst>
+              <a:ext uri="{28A0092B-C50C-407E-A947-70E740481C1C}">
+                <a14:useLocalDpi xmlns:a14="http://schemas.microsoft.com/office/drawing/2010/main" val="0"/>
+              </a:ext>
+            </a:extLst>
+          </a:blip>
+          <a:stretch>
+            <a:fillRect/>
+          </a:stretch>
+        </p:blipFill>
+        <p:spPr>
+          <a:xfrm>
+            <a:off x="7084635" y="52800"/>
+            <a:ext cx="4065145" cy="3265544"/>
+          </a:xfrm>
+          <a:prstGeom prst="rect">
+            <a:avLst/>
+          </a:prstGeom>
+        </p:spPr>
+      </p:pic>
+      <p:sp>
+        <p:nvSpPr>
+          <p:cNvPr id="19" name="Rectangle 12">
+            <a:extLst>
+              <a:ext uri="{FF2B5EF4-FFF2-40B4-BE49-F238E27FC236}">
+                <a16:creationId xmlns:a16="http://schemas.microsoft.com/office/drawing/2014/main" id="{8658BFE0-4E65-4174-9C75-687C94E88273}"/>
+              </a:ext>
+              <a:ext uri="{C183D7F6-B498-43B3-948B-1728B52AA6E4}">
+                <adec:decorative xmlns:adec="http://schemas.microsoft.com/office/drawing/2017/decorative" val="1"/>
+              </a:ext>
+            </a:extLst>
+          </p:cNvPr>
+          <p:cNvSpPr>
+            <a:spLocks noGrp="1" noRot="1" noChangeAspect="1" noMove="1" noResize="1" noEditPoints="1" noAdjustHandles="1" noChangeArrowheads="1" noChangeShapeType="1" noTextEdit="1"/>
+          </p:cNvSpPr>
+          <p:nvPr>
+            <p:extLst>
+              <p:ext uri="{386F3935-93C4-4BCD-93E2-E3B085C9AB24}">
+                <p16:designElem xmlns:p16="http://schemas.microsoft.com/office/powerpoint/2015/main" val="1"/>
+              </p:ext>
+            </p:extLst>
+          </p:nvPr>
+        </p:nvSpPr>
+        <p:spPr>
+          <a:xfrm>
+            <a:off x="0" y="3383280"/>
+            <a:ext cx="6126480" cy="91440"/>
+          </a:xfrm>
+          <a:prstGeom prst="rect">
+            <a:avLst/>
+          </a:prstGeom>
+          <a:solidFill>
+            <a:schemeClr val="tx1">
+              <a:lumMod val="75000"/>
+              <a:lumOff val="25000"/>
+            </a:schemeClr>
+          </a:solidFill>
+          <a:ln>
+            <a:noFill/>
+          </a:ln>
+        </p:spPr>
+        <p:style>
+          <a:lnRef idx="2">
+            <a:schemeClr val="accent1">
+              <a:shade val="50000"/>
+            </a:schemeClr>
+          </a:lnRef>
+          <a:fillRef idx="1">
+            <a:schemeClr val="accent1"/>
+          </a:fillRef>
+          <a:effectRef idx="0">
+            <a:schemeClr val="accent1"/>
+          </a:effectRef>
+          <a:fontRef idx="minor">
+            <a:schemeClr val="lt1"/>
+          </a:fontRef>
+        </p:style>
+        <p:txBody>
+          <a:bodyPr rtlCol="0" anchor="ctr"/>
+          <a:lstStyle/>
+          <a:p>
+            <a:pPr algn="ctr"/>
+            <a:endParaRPr lang="en-US"/>
+          </a:p>
+        </p:txBody>
+      </p:sp>
+      <p:sp>
+        <p:nvSpPr>
+          <p:cNvPr id="20" name="Rectangle 14">
+            <a:extLst>
+              <a:ext uri="{FF2B5EF4-FFF2-40B4-BE49-F238E27FC236}">
+                <a16:creationId xmlns:a16="http://schemas.microsoft.com/office/drawing/2014/main" id="{FA75DFED-A0C1-4A83-BE1D-0271C1826EF6}"/>
+              </a:ext>
+              <a:ext uri="{C183D7F6-B498-43B3-948B-1728B52AA6E4}">
+                <adec:decorative xmlns:adec="http://schemas.microsoft.com/office/drawing/2017/decorative" val="1"/>
+              </a:ext>
+            </a:extLst>
+          </p:cNvPr>
+          <p:cNvSpPr>
+            <a:spLocks noGrp="1" noRot="1" noChangeAspect="1" noMove="1" noResize="1" noEditPoints="1" noAdjustHandles="1" noChangeArrowheads="1" noChangeShapeType="1" noTextEdit="1"/>
+          </p:cNvSpPr>
+          <p:nvPr>
+            <p:extLst>
+              <p:ext uri="{386F3935-93C4-4BCD-93E2-E3B085C9AB24}">
+                <p16:designElem xmlns:p16="http://schemas.microsoft.com/office/powerpoint/2015/main" val="1"/>
+              </p:ext>
+            </p:extLst>
+          </p:nvPr>
+        </p:nvSpPr>
+        <p:spPr>
+          <a:xfrm>
+            <a:off x="6065520" y="3383280"/>
+            <a:ext cx="6126480" cy="91440"/>
+          </a:xfrm>
+          <a:prstGeom prst="rect">
+            <a:avLst/>
+          </a:prstGeom>
+          <a:solidFill>
+            <a:schemeClr val="tx1">
+              <a:lumMod val="75000"/>
+              <a:lumOff val="25000"/>
+            </a:schemeClr>
+          </a:solidFill>
+          <a:ln>
+            <a:noFill/>
+          </a:ln>
+        </p:spPr>
+        <p:style>
+          <a:lnRef idx="2">
+            <a:schemeClr val="accent1">
+              <a:shade val="50000"/>
+            </a:schemeClr>
+          </a:lnRef>
+          <a:fillRef idx="1">
+            <a:schemeClr val="accent1"/>
+          </a:fillRef>
+          <a:effectRef idx="0">
+            <a:schemeClr val="accent1"/>
+          </a:effectRef>
+          <a:fontRef idx="minor">
+            <a:schemeClr val="lt1"/>
+          </a:fontRef>
+        </p:style>
+        <p:txBody>
+          <a:bodyPr rtlCol="0" anchor="ctr"/>
+          <a:lstStyle/>
+          <a:p>
+            <a:pPr algn="ctr"/>
+            <a:endParaRPr lang="en-US"/>
+          </a:p>
+        </p:txBody>
+      </p:sp>
+      <p:pic>
+        <p:nvPicPr>
+          <p:cNvPr id="2" name="Imagem 1">
+            <a:extLst>
+              <a:ext uri="{FF2B5EF4-FFF2-40B4-BE49-F238E27FC236}">
+                <a16:creationId xmlns:a16="http://schemas.microsoft.com/office/drawing/2014/main" id="{1D617A6C-987F-432E-9A64-F60CA09DA181}"/>
+              </a:ext>
+            </a:extLst>
+          </p:cNvPr>
+          <p:cNvPicPr/>
+          <p:nvPr/>
+        </p:nvPicPr>
+        <p:blipFill rotWithShape="1">
+          <a:blip r:embed="rId4"/>
+          <a:srcRect l="10374" t="10558" r="18313" b="21207"/>
+          <a:stretch/>
+        </p:blipFill>
+        <p:spPr>
+          <a:xfrm>
+            <a:off x="221227" y="3631096"/>
+            <a:ext cx="5384028" cy="2979088"/>
+          </a:xfrm>
+          <a:prstGeom prst="rect">
+            <a:avLst/>
+          </a:prstGeom>
+        </p:spPr>
+      </p:pic>
+      <p:pic>
+        <p:nvPicPr>
+          <p:cNvPr id="4" name="Imagem 3">
+            <a:extLst>
+              <a:ext uri="{FF2B5EF4-FFF2-40B4-BE49-F238E27FC236}">
+                <a16:creationId xmlns:a16="http://schemas.microsoft.com/office/drawing/2014/main" id="{DFCD2E20-84C7-459E-B207-7E01941FA28B}"/>
+              </a:ext>
+            </a:extLst>
+          </p:cNvPr>
+          <p:cNvPicPr/>
+          <p:nvPr/>
+        </p:nvPicPr>
+        <p:blipFill>
+          <a:blip r:embed="rId5">
+            <a:extLst>
+              <a:ext uri="{28A0092B-C50C-407E-A947-70E740481C1C}">
+                <a14:useLocalDpi xmlns:a14="http://schemas.microsoft.com/office/drawing/2010/main" val="0"/>
+              </a:ext>
+            </a:extLst>
+          </a:blip>
+          <a:stretch>
+            <a:fillRect/>
+          </a:stretch>
+        </p:blipFill>
+        <p:spPr>
+          <a:xfrm>
+            <a:off x="7084636" y="3631096"/>
+            <a:ext cx="4065145" cy="3174104"/>
+          </a:xfrm>
+          <a:prstGeom prst="rect">
+            <a:avLst/>
+          </a:prstGeom>
+        </p:spPr>
+      </p:pic>
+    </p:spTree>
+    <p:extLst>
+      <p:ext uri="{BB962C8B-B14F-4D97-AF65-F5344CB8AC3E}">
+        <p14:creationId xmlns:p14="http://schemas.microsoft.com/office/powerpoint/2010/main" val="1663262286"/>
+      </p:ext>
+    </p:extLst>
+  </p:cSld>
+  <p:clrMapOvr>
+    <a:masterClrMapping/>
+  </p:clrMapOvr>
+</p:sld>
+</file>
+
+<file path=ppt/slides/slide6.xml><?xml version="1.0" encoding="utf-8"?>
+<p:sld xmlns:a="http://schemas.openxmlformats.org/drawingml/2006/main" xmlns:r="http://schemas.openxmlformats.org/officeDocument/2006/relationships" xmlns:p="http://schemas.openxmlformats.org/presentationml/2006/main">
+  <p:cSld>
+    <p:bg>
+      <p:bgPr>
+        <a:solidFill>
+          <a:schemeClr val="bg1"/>
+        </a:solidFill>
+        <a:effectLst/>
+      </p:bgPr>
+    </p:bg>
+    <p:spTree>
+      <p:nvGrpSpPr>
+        <p:cNvPr id="1" name=""/>
+        <p:cNvGrpSpPr/>
+        <p:nvPr/>
+      </p:nvGrpSpPr>
+      <p:grpSpPr>
+        <a:xfrm>
+          <a:off x="0" y="0"/>
+          <a:ext cx="0" cy="0"/>
+          <a:chOff x="0" y="0"/>
+          <a:chExt cx="0" cy="0"/>
+        </a:xfrm>
+      </p:grpSpPr>
+      <p:pic>
+        <p:nvPicPr>
+          <p:cNvPr id="3074" name="Picture 2" descr="Waste Water Treatment Leakage Broke Svg Png Icon Free Download (#569149) -  OnlineWebFonts.COM">
+            <a:extLst>
+              <a:ext uri="{FF2B5EF4-FFF2-40B4-BE49-F238E27FC236}">
+                <a16:creationId xmlns:a16="http://schemas.microsoft.com/office/drawing/2014/main" id="{348C5914-0332-44A9-A263-874DBD14E147}"/>
+              </a:ext>
+            </a:extLst>
+          </p:cNvPr>
+          <p:cNvPicPr>
+            <a:picLocks noChangeAspect="1" noChangeArrowheads="1"/>
+          </p:cNvPicPr>
+          <p:nvPr/>
+        </p:nvPicPr>
+        <p:blipFill rotWithShape="1">
+          <a:blip r:embed="rId2">
+            <a:alphaModFix/>
+            <a:extLst>
+              <a:ext uri="{28A0092B-C50C-407E-A947-70E740481C1C}">
+                <a14:useLocalDpi xmlns:a14="http://schemas.microsoft.com/office/drawing/2010/main" val="0"/>
+              </a:ext>
+            </a:extLst>
+          </a:blip>
+          <a:srcRect r="548"/>
+          <a:stretch/>
+        </p:blipFill>
+        <p:spPr bwMode="auto">
+          <a:xfrm>
+            <a:off x="6683974" y="1454277"/>
+            <a:ext cx="4703028" cy="5044190"/>
+          </a:xfrm>
+          <a:prstGeom prst="rect">
+            <a:avLst/>
+          </a:prstGeom>
+          <a:noFill/>
+          <a:extLst>
+            <a:ext uri="{909E8E84-426E-40DD-AFC4-6F175D3DCCD1}">
+              <a14:hiddenFill xmlns:a14="http://schemas.microsoft.com/office/drawing/2010/main">
+                <a:solidFill>
+                  <a:srgbClr val="FFFFFF"/>
+                </a:solidFill>
+              </a14:hiddenFill>
+            </a:ext>
+          </a:extLst>
+        </p:spPr>
+      </p:pic>
+      <p:pic>
+        <p:nvPicPr>
+          <p:cNvPr id="3076" name="Picture 134">
+            <a:extLst>
+              <a:ext uri="{FF2B5EF4-FFF2-40B4-BE49-F238E27FC236}">
+                <a16:creationId xmlns:a16="http://schemas.microsoft.com/office/drawing/2014/main" id="{54DDEBDD-D8BD-41A6-8A0D-B00E3768B0F9}"/>
+              </a:ext>
+              <a:ext uri="{C183D7F6-B498-43B3-948B-1728B52AA6E4}">
+                <adec:decorative xmlns:adec="http://schemas.microsoft.com/office/drawing/2017/decorative" val="1"/>
+              </a:ext>
+            </a:extLst>
+          </p:cNvPr>
+          <p:cNvPicPr>
+            <a:picLocks noGrp="1" noRot="1" noChangeAspect="1" noMove="1" noResize="1" noEditPoints="1" noAdjustHandles="1" noChangeArrowheads="1" noChangeShapeType="1" noCrop="1"/>
+          </p:cNvPicPr>
+          <p:nvPr>
+            <p:extLst>
+              <p:ext uri="{386F3935-93C4-4BCD-93E2-E3B085C9AB24}">
+                <p16:designElem xmlns:p16="http://schemas.microsoft.com/office/powerpoint/2015/main" val="1"/>
+              </p:ext>
+            </p:extLst>
+          </p:nvPr>
+        </p:nvPicPr>
+        <p:blipFill>
+          <a:blip r:embed="rId3">
+            <a:extLst>
+              <a:ext uri="{28A0092B-C50C-407E-A947-70E740481C1C}">
+                <a14:useLocalDpi xmlns:a14="http://schemas.microsoft.com/office/drawing/2010/main" val="0"/>
+              </a:ext>
+            </a:extLst>
+          </a:blip>
+          <a:stretch>
+            <a:fillRect/>
+          </a:stretch>
+        </p:blipFill>
+        <p:spPr>
+          <a:xfrm flipH="1" flipV="1">
+            <a:off x="0" y="0"/>
+            <a:ext cx="12192000" cy="6858000"/>
+          </a:xfrm>
+          <a:prstGeom prst="rect">
+            <a:avLst/>
+          </a:prstGeom>
+        </p:spPr>
+      </p:pic>
+      <p:sp>
+        <p:nvSpPr>
+          <p:cNvPr id="2" name="Título 1">
+            <a:extLst>
+              <a:ext uri="{FF2B5EF4-FFF2-40B4-BE49-F238E27FC236}">
+                <a16:creationId xmlns:a16="http://schemas.microsoft.com/office/drawing/2014/main" id="{B202CBA9-2D61-4174-A1AC-83B90BFD8A36}"/>
+              </a:ext>
+            </a:extLst>
+          </p:cNvPr>
+          <p:cNvSpPr>
+            <a:spLocks noGrp="1"/>
+          </p:cNvSpPr>
+          <p:nvPr>
+            <p:ph type="title"/>
+          </p:nvPr>
+        </p:nvSpPr>
+        <p:spPr>
+          <a:xfrm>
+            <a:off x="571638" y="554596"/>
+            <a:ext cx="5878976" cy="1311664"/>
+          </a:xfrm>
+        </p:spPr>
+        <p:txBody>
+          <a:bodyPr>
+            <a:normAutofit/>
+          </a:bodyPr>
+          <a:lstStyle/>
+          <a:p>
+            <a:pPr algn="ctr"/>
+            <a:r>
+              <a:rPr lang="pt-BR" dirty="0">
+                <a:solidFill>
+                  <a:srgbClr val="000000"/>
+                </a:solidFill>
+                <a:latin typeface="Arial" panose="020B0604020202020204" pitchFamily="34" charset="0"/>
+                <a:cs typeface="Arial" panose="020B0604020202020204" pitchFamily="34" charset="0"/>
+              </a:rPr>
+              <a:t>Solução do Problema</a:t>
+            </a:r>
+          </a:p>
+        </p:txBody>
+      </p:sp>
+      <p:sp>
+        <p:nvSpPr>
+          <p:cNvPr id="3" name="Espaço Reservado para Conteúdo 2">
+            <a:extLst>
+              <a:ext uri="{FF2B5EF4-FFF2-40B4-BE49-F238E27FC236}">
+                <a16:creationId xmlns:a16="http://schemas.microsoft.com/office/drawing/2014/main" id="{A8A22FE0-C875-4748-927C-26336D5968F9}"/>
+              </a:ext>
+            </a:extLst>
+          </p:cNvPr>
+          <p:cNvSpPr>
+            <a:spLocks noGrp="1"/>
+          </p:cNvSpPr>
+          <p:nvPr>
+            <p:ph idx="1"/>
+          </p:nvPr>
+        </p:nvSpPr>
+        <p:spPr>
+          <a:xfrm>
+            <a:off x="804998" y="2172440"/>
+            <a:ext cx="5073979" cy="4379380"/>
+          </a:xfrm>
+        </p:spPr>
+        <p:txBody>
+          <a:bodyPr anchor="ctr">
+            <a:normAutofit/>
+          </a:bodyPr>
+          <a:lstStyle/>
+          <a:p>
+            <a:r>
+              <a:rPr lang="pt-BR" sz="2000" dirty="0">
+                <a:solidFill>
+                  <a:srgbClr val="000000"/>
+                </a:solidFill>
+                <a:latin typeface="Arial" panose="020B0604020202020204" pitchFamily="34" charset="0"/>
+                <a:cs typeface="Arial" panose="020B0604020202020204" pitchFamily="34" charset="0"/>
+              </a:rPr>
+              <a:t>A solução proposta pela Sustabil foi implantar sensores de umidade (DHT11) nos encanamentos onde os dados passariam por roteadores das ruas e chegariam no servidor da Sustabil onde terá um site para acessar e checar as informações transmitidas em gráficos. </a:t>
+            </a:r>
+          </a:p>
+          <a:p>
+            <a:r>
+              <a:rPr lang="pt-BR" sz="2000" dirty="0">
+                <a:solidFill>
+                  <a:srgbClr val="000000"/>
+                </a:solidFill>
+                <a:latin typeface="Arial" panose="020B0604020202020204" pitchFamily="34" charset="0"/>
+                <a:cs typeface="Arial" panose="020B0604020202020204" pitchFamily="34" charset="0"/>
+              </a:rPr>
+              <a:t>Fixados em partes externas dos canos para detecção do vazamento e futuros prejuízos gigantescos.</a:t>
+            </a:r>
+          </a:p>
+          <a:p>
+            <a:r>
+              <a:rPr lang="pt-BR" sz="2000" dirty="0">
+                <a:solidFill>
+                  <a:srgbClr val="000000"/>
+                </a:solidFill>
+                <a:latin typeface="Arial" panose="020B0604020202020204" pitchFamily="34" charset="0"/>
+                <a:cs typeface="Arial" panose="020B0604020202020204" pitchFamily="34" charset="0"/>
+              </a:rPr>
+              <a:t>Sinal de vazamento? O sensor emitiria um alerta que será possível visualizar no site e assim entraremos em contato com o cliente o mais rápido possível.</a:t>
+            </a:r>
+          </a:p>
+        </p:txBody>
+      </p:sp>
+      <p:pic>
+        <p:nvPicPr>
+          <p:cNvPr id="3078" name="Picture 6" descr="temperature and humidity sensor">
+            <a:extLst>
+              <a:ext uri="{FF2B5EF4-FFF2-40B4-BE49-F238E27FC236}">
+                <a16:creationId xmlns:a16="http://schemas.microsoft.com/office/drawing/2014/main" id="{C38E409A-CA7F-4DB1-8501-637D116F091E}"/>
+              </a:ext>
+            </a:extLst>
+          </p:cNvPr>
+          <p:cNvPicPr>
+            <a:picLocks noChangeAspect="1" noChangeArrowheads="1"/>
+          </p:cNvPicPr>
+          <p:nvPr/>
+        </p:nvPicPr>
+        <p:blipFill>
+          <a:blip r:embed="rId4">
+            <a:extLst>
+              <a:ext uri="{28A0092B-C50C-407E-A947-70E740481C1C}">
+                <a14:useLocalDpi xmlns:a14="http://schemas.microsoft.com/office/drawing/2010/main" val="0"/>
+              </a:ext>
+            </a:extLst>
+          </a:blip>
+          <a:srcRect/>
+          <a:stretch>
+            <a:fillRect/>
+          </a:stretch>
+        </p:blipFill>
+        <p:spPr bwMode="auto">
+          <a:xfrm rot="18635752">
+            <a:off x="8902044" y="5087401"/>
+            <a:ext cx="632643" cy="632643"/>
+          </a:xfrm>
+          <a:prstGeom prst="rect">
+            <a:avLst/>
+          </a:prstGeom>
+          <a:noFill/>
+          <a:extLst>
+            <a:ext uri="{909E8E84-426E-40DD-AFC4-6F175D3DCCD1}">
+              <a14:hiddenFill xmlns:a14="http://schemas.microsoft.com/office/drawing/2010/main">
+                <a:solidFill>
+                  <a:srgbClr val="FFFFFF"/>
+                </a:solidFill>
+              </a14:hiddenFill>
+            </a:ext>
+          </a:extLst>
+        </p:spPr>
+      </p:pic>
+      <p:pic>
+        <p:nvPicPr>
+          <p:cNvPr id="3080" name="Picture 8" descr="Alert Alt Svg Png Icon Free Download (#565392) - OnlineWebFonts.COM">
+            <a:extLst>
+              <a:ext uri="{FF2B5EF4-FFF2-40B4-BE49-F238E27FC236}">
+                <a16:creationId xmlns:a16="http://schemas.microsoft.com/office/drawing/2014/main" id="{B68E42DD-DD1B-45E6-9C9F-C39EA0794FED}"/>
+              </a:ext>
+            </a:extLst>
+          </p:cNvPr>
+          <p:cNvPicPr>
+            <a:picLocks noChangeAspect="1" noChangeArrowheads="1"/>
+          </p:cNvPicPr>
+          <p:nvPr/>
+        </p:nvPicPr>
+        <p:blipFill rotWithShape="1">
+          <a:blip r:embed="rId5">
+            <a:duotone>
+              <a:schemeClr val="accent2">
+                <a:shade val="45000"/>
+                <a:satMod val="135000"/>
+              </a:schemeClr>
+              <a:prstClr val="white"/>
+            </a:duotone>
+            <a:alphaModFix/>
+            <a:extLst>
+              <a:ext uri="{BEBA8EAE-BF5A-486C-A8C5-ECC9F3942E4B}">
+                <a14:imgProps xmlns:a14="http://schemas.microsoft.com/office/drawing/2010/main">
+                  <a14:imgLayer r:embed="rId6">
+                    <a14:imgEffect>
+                      <a14:colorTemperature colorTemp="6360"/>
+                    </a14:imgEffect>
+                    <a14:imgEffect>
+                      <a14:saturation sat="191000"/>
+                    </a14:imgEffect>
+                  </a14:imgLayer>
+                </a14:imgProps>
+              </a:ext>
+              <a:ext uri="{28A0092B-C50C-407E-A947-70E740481C1C}">
+                <a14:useLocalDpi xmlns:a14="http://schemas.microsoft.com/office/drawing/2010/main" val="0"/>
+              </a:ext>
+            </a:extLst>
+          </a:blip>
+          <a:srcRect b="72111"/>
+          <a:stretch/>
+        </p:blipFill>
+        <p:spPr bwMode="auto">
+          <a:xfrm rot="13158707">
+            <a:off x="8479838" y="5585981"/>
+            <a:ext cx="975042" cy="416421"/>
+          </a:xfrm>
+          <a:prstGeom prst="rect">
+            <a:avLst/>
+          </a:prstGeom>
+          <a:noFill/>
+          <a:ln>
+            <a:noFill/>
+          </a:ln>
+        </p:spPr>
+      </p:pic>
+      <p:pic>
+        <p:nvPicPr>
+          <p:cNvPr id="8" name="Imagem 7">
+            <a:extLst>
+              <a:ext uri="{FF2B5EF4-FFF2-40B4-BE49-F238E27FC236}">
+                <a16:creationId xmlns:a16="http://schemas.microsoft.com/office/drawing/2014/main" id="{D2A77FA0-C3E9-4E63-BED4-0B3B92519E0D}"/>
+              </a:ext>
+            </a:extLst>
+          </p:cNvPr>
+          <p:cNvPicPr>
+            <a:picLocks noChangeAspect="1"/>
+          </p:cNvPicPr>
+          <p:nvPr/>
+        </p:nvPicPr>
+        <p:blipFill>
+          <a:blip r:embed="rId7"/>
+          <a:stretch>
+            <a:fillRect/>
+          </a:stretch>
+        </p:blipFill>
+        <p:spPr>
+          <a:xfrm>
+            <a:off x="53894" y="35169"/>
+            <a:ext cx="1035488" cy="1035488"/>
+          </a:xfrm>
+          <a:prstGeom prst="rect">
+            <a:avLst/>
+          </a:prstGeom>
+        </p:spPr>
+      </p:pic>
+    </p:spTree>
+    <p:extLst>
+      <p:ext uri="{BB962C8B-B14F-4D97-AF65-F5344CB8AC3E}">
+        <p14:creationId xmlns:p14="http://schemas.microsoft.com/office/powerpoint/2010/main" val="3377260643"/>
+      </p:ext>
+    </p:extLst>
+  </p:cSld>
+  <p:clrMapOvr>
+    <a:masterClrMapping/>
+  </p:clrMapOvr>
+</p:sld>
+</file>
+
+<file path=ppt/slides/slide7.xml><?xml version="1.0" encoding="utf-8"?>
+<p:sld xmlns:a="http://schemas.openxmlformats.org/drawingml/2006/main" xmlns:r="http://schemas.openxmlformats.org/officeDocument/2006/relationships" xmlns:p="http://schemas.openxmlformats.org/presentationml/2006/main">
+  <p:cSld>
+    <p:bg>
+      <p:bgPr>
+        <a:solidFill>
+          <a:schemeClr val="bg1"/>
+        </a:solidFill>
+        <a:effectLst/>
+      </p:bgPr>
+    </p:bg>
+    <p:spTree>
+      <p:nvGrpSpPr>
+        <p:cNvPr id="1" name=""/>
+        <p:cNvGrpSpPr/>
+        <p:nvPr/>
+      </p:nvGrpSpPr>
+      <p:grpSpPr>
+        <a:xfrm>
+          <a:off x="0" y="0"/>
+          <a:ext cx="0" cy="0"/>
+          <a:chOff x="0" y="0"/>
+          <a:chExt cx="0" cy="0"/>
+        </a:xfrm>
+      </p:grpSpPr>
       <p:sp useBgFill="1">
         <p:nvSpPr>
           <p:cNvPr id="45" name="Rectangle 39">
@@ -6896,7 +7643,7 @@
 </p:sld>
 </file>
 
-<file path=ppt/slides/slide6.xml><?xml version="1.0" encoding="utf-8"?>
+<file path=ppt/slides/slide8.xml><?xml version="1.0" encoding="utf-8"?>
 <p:sld xmlns:a="http://schemas.openxmlformats.org/drawingml/2006/main" xmlns:r="http://schemas.openxmlformats.org/officeDocument/2006/relationships" xmlns:p="http://schemas.openxmlformats.org/presentationml/2006/main">
   <p:cSld>
     <p:bg>
@@ -7189,58 +7936,20 @@
       </p:cxnSp>
       <p:sp>
         <p:nvSpPr>
-          <p:cNvPr id="3" name="Espaço Reservado para Conteúdo 2">
-            <a:extLst>
-              <a:ext uri="{FF2B5EF4-FFF2-40B4-BE49-F238E27FC236}">
-                <a16:creationId xmlns:a16="http://schemas.microsoft.com/office/drawing/2014/main" id="{E5B52546-DA01-463F-933C-0AC0849240BF}"/>
-              </a:ext>
-            </a:extLst>
-          </p:cNvPr>
-          <p:cNvSpPr>
-            <a:spLocks noGrp="1"/>
-          </p:cNvSpPr>
-          <p:nvPr>
-            <p:ph idx="1"/>
-          </p:nvPr>
+          <p:cNvPr id="5" name="CaixaDeTexto 4">
+            <a:extLst>
+              <a:ext uri="{FF2B5EF4-FFF2-40B4-BE49-F238E27FC236}">
+                <a16:creationId xmlns:a16="http://schemas.microsoft.com/office/drawing/2014/main" id="{F71043F8-F1AC-46A4-8531-5AB47FD52BAD}"/>
+              </a:ext>
+            </a:extLst>
+          </p:cNvPr>
+          <p:cNvSpPr txBox="1"/>
+          <p:nvPr/>
         </p:nvSpPr>
         <p:spPr>
           <a:xfrm>
-            <a:off x="525516" y="3417573"/>
-            <a:ext cx="4593021" cy="2619839"/>
-          </a:xfrm>
-        </p:spPr>
-        <p:txBody>
-          <a:bodyPr anchor="ctr">
-            <a:normAutofit/>
-          </a:bodyPr>
-          <a:lstStyle/>
-          <a:p>
-            <a:r>
-              <a:rPr lang="pt-BR" sz="2000" dirty="0">
-                <a:latin typeface="Arial" panose="020B0604020202020204" pitchFamily="34" charset="0"/>
-                <a:cs typeface="Arial" panose="020B0604020202020204" pitchFamily="34" charset="0"/>
-              </a:rPr>
-              <a:t>Os custos dos nossos serviços seriam de R$750.000,00 mensal e o preço de instalação cobrado uma única vez de R$2.000.000,00 na região do Agreste e Sertão, já incluso a manutenção e o contato direto com o cliente sobre os vazamentos</a:t>
-            </a:r>
-          </a:p>
-        </p:txBody>
-      </p:sp>
-      <p:sp>
-        <p:nvSpPr>
-          <p:cNvPr id="5" name="CaixaDeTexto 4">
-            <a:extLst>
-              <a:ext uri="{FF2B5EF4-FFF2-40B4-BE49-F238E27FC236}">
-                <a16:creationId xmlns:a16="http://schemas.microsoft.com/office/drawing/2014/main" id="{F71043F8-F1AC-46A4-8531-5AB47FD52BAD}"/>
-              </a:ext>
-            </a:extLst>
-          </p:cNvPr>
-          <p:cNvSpPr txBox="1"/>
-          <p:nvPr/>
-        </p:nvSpPr>
-        <p:spPr>
-          <a:xfrm>
-            <a:off x="5883388" y="2413337"/>
-            <a:ext cx="6172286" cy="1015663"/>
+            <a:off x="136328" y="3928087"/>
+            <a:ext cx="5880844" cy="1015663"/>
           </a:xfrm>
           <a:prstGeom prst="rect">
             <a:avLst/>
@@ -7254,10 +7963,7 @@
           <a:lstStyle/>
           <a:p>
             <a:r>
-              <a:rPr lang="pt-BR" sz="2000" b="1" dirty="0">
-                <a:solidFill>
-                  <a:schemeClr val="bg1"/>
-                </a:solidFill>
+              <a:rPr lang="pt-BR" sz="2000" dirty="0">
                 <a:effectLst>
                   <a:outerShdw blurRad="38100" dist="38100" dir="2700000" algn="tl">
                     <a:srgbClr val="000000">
@@ -7268,7 +7974,7 @@
                 <a:latin typeface="Arial" panose="020B0604020202020204" pitchFamily="34" charset="0"/>
                 <a:cs typeface="Arial" panose="020B0604020202020204" pitchFamily="34" charset="0"/>
               </a:rPr>
-              <a:t>Não ter um prejuízo de estimados R$38.461.537 mensais por vazamentos e somente ter um custo de estimados R$ 9.000.000 por ano é:</a:t>
+              <a:t>Não ter um prejuízo de estimados R$38 milhões mensais por vazamentos e somente ter um custo de estimados R$ 9 milhões por ano é:</a:t>
             </a:r>
           </a:p>
         </p:txBody>
@@ -7316,7 +8022,7 @@
 </p:sld>
 </file>
 
-<file path=ppt/slides/slide7.xml><?xml version="1.0" encoding="utf-8"?>
+<file path=ppt/slides/slide9.xml><?xml version="1.0" encoding="utf-8"?>
 <p:sld xmlns:a="http://schemas.openxmlformats.org/drawingml/2006/main" xmlns:r="http://schemas.openxmlformats.org/officeDocument/2006/relationships" xmlns:p="http://schemas.openxmlformats.org/presentationml/2006/main">
   <p:cSld>
     <p:spTree>
@@ -7363,16 +8069,12 @@
           <a:p>
             <a:pPr algn="ctr"/>
             <a:r>
-              <a:rPr lang="pt-BR" sz="3700">
+              <a:rPr lang="pt-BR" sz="3700" dirty="0">
                 <a:latin typeface="Arial" panose="020B0604020202020204" pitchFamily="34" charset="0"/>
                 <a:cs typeface="Arial" panose="020B0604020202020204" pitchFamily="34" charset="0"/>
               </a:rPr>
-              <a:t>Onde iria armazenar os dados?</a:t>
-            </a:r>
-            <a:endParaRPr lang="pt-BR" sz="3700" dirty="0">
-              <a:latin typeface="Arial" panose="020B0604020202020204" pitchFamily="34" charset="0"/>
-              <a:cs typeface="Arial" panose="020B0604020202020204" pitchFamily="34" charset="0"/>
-            </a:endParaRPr>
+              <a:t>Onde os dados são armazenados?</a:t>
+            </a:r>
           </a:p>
         </p:txBody>
       </p:sp>

--- a/SUSTABIL - Apresentação didatico.pptx
+++ b/SUSTABIL - Apresentação didatico.pptx
@@ -10,10 +10,14 @@
     <p:sldId id="264" r:id="rId4"/>
     <p:sldId id="258" r:id="rId5"/>
     <p:sldId id="263" r:id="rId6"/>
-    <p:sldId id="259" r:id="rId7"/>
-    <p:sldId id="260" r:id="rId8"/>
-    <p:sldId id="261" r:id="rId9"/>
-    <p:sldId id="262" r:id="rId10"/>
+    <p:sldId id="268" r:id="rId7"/>
+    <p:sldId id="265" r:id="rId8"/>
+    <p:sldId id="266" r:id="rId9"/>
+    <p:sldId id="267" r:id="rId10"/>
+    <p:sldId id="259" r:id="rId11"/>
+    <p:sldId id="260" r:id="rId12"/>
+    <p:sldId id="261" r:id="rId13"/>
+    <p:sldId id="262" r:id="rId14"/>
   </p:sldIdLst>
   <p:sldSz cx="12192000" cy="6858000"/>
   <p:notesSz cx="6858000" cy="9144000"/>
@@ -293,7 +297,7 @@
           <a:p>
             <a:fld id="{5D8AFB0F-FD72-4B7A-9B91-BDD5A838F994}" type="datetimeFigureOut">
               <a:rPr lang="pt-BR" smtClean="0"/>
-              <a:t>18/09/20</a:t>
+              <a:t>21/09/20</a:t>
             </a:fld>
             <a:endParaRPr lang="pt-BR"/>
           </a:p>
@@ -491,7 +495,7 @@
           <a:p>
             <a:fld id="{5D8AFB0F-FD72-4B7A-9B91-BDD5A838F994}" type="datetimeFigureOut">
               <a:rPr lang="pt-BR" smtClean="0"/>
-              <a:t>18/09/20</a:t>
+              <a:t>21/09/20</a:t>
             </a:fld>
             <a:endParaRPr lang="pt-BR"/>
           </a:p>
@@ -699,7 +703,7 @@
           <a:p>
             <a:fld id="{5D8AFB0F-FD72-4B7A-9B91-BDD5A838F994}" type="datetimeFigureOut">
               <a:rPr lang="pt-BR" smtClean="0"/>
-              <a:t>18/09/20</a:t>
+              <a:t>21/09/20</a:t>
             </a:fld>
             <a:endParaRPr lang="pt-BR"/>
           </a:p>
@@ -897,7 +901,7 @@
           <a:p>
             <a:fld id="{5D8AFB0F-FD72-4B7A-9B91-BDD5A838F994}" type="datetimeFigureOut">
               <a:rPr lang="pt-BR" smtClean="0"/>
-              <a:t>18/09/20</a:t>
+              <a:t>21/09/20</a:t>
             </a:fld>
             <a:endParaRPr lang="pt-BR"/>
           </a:p>
@@ -1172,7 +1176,7 @@
           <a:p>
             <a:fld id="{5D8AFB0F-FD72-4B7A-9B91-BDD5A838F994}" type="datetimeFigureOut">
               <a:rPr lang="pt-BR" smtClean="0"/>
-              <a:t>18/09/20</a:t>
+              <a:t>21/09/20</a:t>
             </a:fld>
             <a:endParaRPr lang="pt-BR"/>
           </a:p>
@@ -1437,7 +1441,7 @@
           <a:p>
             <a:fld id="{5D8AFB0F-FD72-4B7A-9B91-BDD5A838F994}" type="datetimeFigureOut">
               <a:rPr lang="pt-BR" smtClean="0"/>
-              <a:t>18/09/20</a:t>
+              <a:t>21/09/20</a:t>
             </a:fld>
             <a:endParaRPr lang="pt-BR"/>
           </a:p>
@@ -1849,7 +1853,7 @@
           <a:p>
             <a:fld id="{5D8AFB0F-FD72-4B7A-9B91-BDD5A838F994}" type="datetimeFigureOut">
               <a:rPr lang="pt-BR" smtClean="0"/>
-              <a:t>18/09/20</a:t>
+              <a:t>21/09/20</a:t>
             </a:fld>
             <a:endParaRPr lang="pt-BR"/>
           </a:p>
@@ -1990,7 +1994,7 @@
           <a:p>
             <a:fld id="{5D8AFB0F-FD72-4B7A-9B91-BDD5A838F994}" type="datetimeFigureOut">
               <a:rPr lang="pt-BR" smtClean="0"/>
-              <a:t>18/09/20</a:t>
+              <a:t>21/09/20</a:t>
             </a:fld>
             <a:endParaRPr lang="pt-BR"/>
           </a:p>
@@ -2103,7 +2107,7 @@
           <a:p>
             <a:fld id="{5D8AFB0F-FD72-4B7A-9B91-BDD5A838F994}" type="datetimeFigureOut">
               <a:rPr lang="pt-BR" smtClean="0"/>
-              <a:t>18/09/20</a:t>
+              <a:t>21/09/20</a:t>
             </a:fld>
             <a:endParaRPr lang="pt-BR"/>
           </a:p>
@@ -2414,7 +2418,7 @@
           <a:p>
             <a:fld id="{5D8AFB0F-FD72-4B7A-9B91-BDD5A838F994}" type="datetimeFigureOut">
               <a:rPr lang="pt-BR" smtClean="0"/>
-              <a:t>18/09/20</a:t>
+              <a:t>21/09/20</a:t>
             </a:fld>
             <a:endParaRPr lang="pt-BR"/>
           </a:p>
@@ -2702,7 +2706,7 @@
           <a:p>
             <a:fld id="{5D8AFB0F-FD72-4B7A-9B91-BDD5A838F994}" type="datetimeFigureOut">
               <a:rPr lang="pt-BR" smtClean="0"/>
-              <a:t>18/09/20</a:t>
+              <a:t>21/09/20</a:t>
             </a:fld>
             <a:endParaRPr lang="pt-BR"/>
           </a:p>
@@ -2943,7 +2947,7 @@
           <a:p>
             <a:fld id="{5D8AFB0F-FD72-4B7A-9B91-BDD5A838F994}" type="datetimeFigureOut">
               <a:rPr lang="pt-BR" smtClean="0"/>
-              <a:t>18/09/20</a:t>
+              <a:t>21/09/20</a:t>
             </a:fld>
             <a:endParaRPr lang="pt-BR"/>
           </a:p>
@@ -4602,6 +4606,2053 @@
 </p:sld>
 </file>
 
+<file path=ppt/slides/slide10.xml><?xml version="1.0" encoding="utf-8"?>
+<p:sld xmlns:a="http://schemas.openxmlformats.org/drawingml/2006/main" xmlns:r="http://schemas.openxmlformats.org/officeDocument/2006/relationships" xmlns:p="http://schemas.openxmlformats.org/presentationml/2006/main">
+  <p:cSld>
+    <p:bg>
+      <p:bgPr>
+        <a:solidFill>
+          <a:schemeClr val="bg1"/>
+        </a:solidFill>
+        <a:effectLst/>
+      </p:bgPr>
+    </p:bg>
+    <p:spTree>
+      <p:nvGrpSpPr>
+        <p:cNvPr id="1" name=""/>
+        <p:cNvGrpSpPr/>
+        <p:nvPr/>
+      </p:nvGrpSpPr>
+      <p:grpSpPr>
+        <a:xfrm>
+          <a:off x="0" y="0"/>
+          <a:ext cx="0" cy="0"/>
+          <a:chOff x="0" y="0"/>
+          <a:chExt cx="0" cy="0"/>
+        </a:xfrm>
+      </p:grpSpPr>
+      <p:pic>
+        <p:nvPicPr>
+          <p:cNvPr id="3074" name="Picture 2" descr="Waste Water Treatment Leakage Broke Svg Png Icon Free Download (#569149) -  OnlineWebFonts.COM">
+            <a:extLst>
+              <a:ext uri="{FF2B5EF4-FFF2-40B4-BE49-F238E27FC236}">
+                <a16:creationId xmlns:a16="http://schemas.microsoft.com/office/drawing/2014/main" id="{348C5914-0332-44A9-A263-874DBD14E147}"/>
+              </a:ext>
+            </a:extLst>
+          </p:cNvPr>
+          <p:cNvPicPr>
+            <a:picLocks noChangeAspect="1" noChangeArrowheads="1"/>
+          </p:cNvPicPr>
+          <p:nvPr/>
+        </p:nvPicPr>
+        <p:blipFill rotWithShape="1">
+          <a:blip r:embed="rId2">
+            <a:alphaModFix/>
+            <a:extLst>
+              <a:ext uri="{28A0092B-C50C-407E-A947-70E740481C1C}">
+                <a14:useLocalDpi xmlns:a14="http://schemas.microsoft.com/office/drawing/2010/main" val="0"/>
+              </a:ext>
+            </a:extLst>
+          </a:blip>
+          <a:srcRect r="548"/>
+          <a:stretch/>
+        </p:blipFill>
+        <p:spPr bwMode="auto">
+          <a:xfrm>
+            <a:off x="6683974" y="1454277"/>
+            <a:ext cx="4703028" cy="5044190"/>
+          </a:xfrm>
+          <a:prstGeom prst="rect">
+            <a:avLst/>
+          </a:prstGeom>
+          <a:noFill/>
+          <a:extLst>
+            <a:ext uri="{909E8E84-426E-40DD-AFC4-6F175D3DCCD1}">
+              <a14:hiddenFill xmlns:a14="http://schemas.microsoft.com/office/drawing/2010/main">
+                <a:solidFill>
+                  <a:srgbClr val="FFFFFF"/>
+                </a:solidFill>
+              </a14:hiddenFill>
+            </a:ext>
+          </a:extLst>
+        </p:spPr>
+      </p:pic>
+      <p:pic>
+        <p:nvPicPr>
+          <p:cNvPr id="3076" name="Picture 134">
+            <a:extLst>
+              <a:ext uri="{FF2B5EF4-FFF2-40B4-BE49-F238E27FC236}">
+                <a16:creationId xmlns:a16="http://schemas.microsoft.com/office/drawing/2014/main" id="{54DDEBDD-D8BD-41A6-8A0D-B00E3768B0F9}"/>
+              </a:ext>
+              <a:ext uri="{C183D7F6-B498-43B3-948B-1728B52AA6E4}">
+                <adec:decorative xmlns:adec="http://schemas.microsoft.com/office/drawing/2017/decorative" val="1"/>
+              </a:ext>
+            </a:extLst>
+          </p:cNvPr>
+          <p:cNvPicPr>
+            <a:picLocks noGrp="1" noRot="1" noChangeAspect="1" noMove="1" noResize="1" noEditPoints="1" noAdjustHandles="1" noChangeArrowheads="1" noChangeShapeType="1" noCrop="1"/>
+          </p:cNvPicPr>
+          <p:nvPr>
+            <p:extLst>
+              <p:ext uri="{386F3935-93C4-4BCD-93E2-E3B085C9AB24}">
+                <p16:designElem xmlns:p16="http://schemas.microsoft.com/office/powerpoint/2015/main" val="1"/>
+              </p:ext>
+            </p:extLst>
+          </p:nvPr>
+        </p:nvPicPr>
+        <p:blipFill>
+          <a:blip r:embed="rId3">
+            <a:extLst>
+              <a:ext uri="{28A0092B-C50C-407E-A947-70E740481C1C}">
+                <a14:useLocalDpi xmlns:a14="http://schemas.microsoft.com/office/drawing/2010/main" val="0"/>
+              </a:ext>
+            </a:extLst>
+          </a:blip>
+          <a:stretch>
+            <a:fillRect/>
+          </a:stretch>
+        </p:blipFill>
+        <p:spPr>
+          <a:xfrm flipH="1" flipV="1">
+            <a:off x="0" y="0"/>
+            <a:ext cx="12192000" cy="6858000"/>
+          </a:xfrm>
+          <a:prstGeom prst="rect">
+            <a:avLst/>
+          </a:prstGeom>
+        </p:spPr>
+      </p:pic>
+      <p:sp>
+        <p:nvSpPr>
+          <p:cNvPr id="2" name="Título 1">
+            <a:extLst>
+              <a:ext uri="{FF2B5EF4-FFF2-40B4-BE49-F238E27FC236}">
+                <a16:creationId xmlns:a16="http://schemas.microsoft.com/office/drawing/2014/main" id="{B202CBA9-2D61-4174-A1AC-83B90BFD8A36}"/>
+              </a:ext>
+            </a:extLst>
+          </p:cNvPr>
+          <p:cNvSpPr>
+            <a:spLocks noGrp="1"/>
+          </p:cNvSpPr>
+          <p:nvPr>
+            <p:ph type="title"/>
+          </p:nvPr>
+        </p:nvSpPr>
+        <p:spPr>
+          <a:xfrm>
+            <a:off x="571638" y="554596"/>
+            <a:ext cx="5878976" cy="1311664"/>
+          </a:xfrm>
+        </p:spPr>
+        <p:txBody>
+          <a:bodyPr>
+            <a:normAutofit/>
+          </a:bodyPr>
+          <a:lstStyle/>
+          <a:p>
+            <a:pPr algn="ctr"/>
+            <a:r>
+              <a:rPr lang="pt-BR" dirty="0">
+                <a:solidFill>
+                  <a:srgbClr val="000000"/>
+                </a:solidFill>
+                <a:latin typeface="Arial" panose="020B0604020202020204" pitchFamily="34" charset="0"/>
+                <a:cs typeface="Arial" panose="020B0604020202020204" pitchFamily="34" charset="0"/>
+              </a:rPr>
+              <a:t>Solução do Problema</a:t>
+            </a:r>
+          </a:p>
+        </p:txBody>
+      </p:sp>
+      <p:sp>
+        <p:nvSpPr>
+          <p:cNvPr id="3" name="Espaço Reservado para Conteúdo 2">
+            <a:extLst>
+              <a:ext uri="{FF2B5EF4-FFF2-40B4-BE49-F238E27FC236}">
+                <a16:creationId xmlns:a16="http://schemas.microsoft.com/office/drawing/2014/main" id="{A8A22FE0-C875-4748-927C-26336D5968F9}"/>
+              </a:ext>
+            </a:extLst>
+          </p:cNvPr>
+          <p:cNvSpPr>
+            <a:spLocks noGrp="1"/>
+          </p:cNvSpPr>
+          <p:nvPr>
+            <p:ph idx="1"/>
+          </p:nvPr>
+        </p:nvSpPr>
+        <p:spPr>
+          <a:xfrm>
+            <a:off x="804998" y="2172440"/>
+            <a:ext cx="5073979" cy="4379380"/>
+          </a:xfrm>
+        </p:spPr>
+        <p:txBody>
+          <a:bodyPr anchor="ctr">
+            <a:normAutofit/>
+          </a:bodyPr>
+          <a:lstStyle/>
+          <a:p>
+            <a:r>
+              <a:rPr lang="pt-BR" sz="2000" dirty="0">
+                <a:solidFill>
+                  <a:srgbClr val="000000"/>
+                </a:solidFill>
+                <a:latin typeface="Arial" panose="020B0604020202020204" pitchFamily="34" charset="0"/>
+                <a:cs typeface="Arial" panose="020B0604020202020204" pitchFamily="34" charset="0"/>
+              </a:rPr>
+              <a:t>A solução proposta pela Sustabil foi implantar sensores de umidade (DHT11) nos encanamentos onde os dados passariam por roteadores das ruas e chegariam no servidor da Sustabil onde terá um site para acessar e checar as informações transmitidas em gráficos. </a:t>
+            </a:r>
+          </a:p>
+          <a:p>
+            <a:r>
+              <a:rPr lang="pt-BR" sz="2000" dirty="0">
+                <a:solidFill>
+                  <a:srgbClr val="000000"/>
+                </a:solidFill>
+                <a:latin typeface="Arial" panose="020B0604020202020204" pitchFamily="34" charset="0"/>
+                <a:cs typeface="Arial" panose="020B0604020202020204" pitchFamily="34" charset="0"/>
+              </a:rPr>
+              <a:t>Fixados em partes externas dos canos para detecção do vazamento e futuros prejuízos gigantescos.</a:t>
+            </a:r>
+          </a:p>
+          <a:p>
+            <a:r>
+              <a:rPr lang="pt-BR" sz="2000" dirty="0">
+                <a:solidFill>
+                  <a:srgbClr val="000000"/>
+                </a:solidFill>
+                <a:latin typeface="Arial" panose="020B0604020202020204" pitchFamily="34" charset="0"/>
+                <a:cs typeface="Arial" panose="020B0604020202020204" pitchFamily="34" charset="0"/>
+              </a:rPr>
+              <a:t>Sinal de vazamento? O sensor emitiria um alerta que será possível visualizar no site e assim entraremos em contato com o cliente o mais rápido possível.</a:t>
+            </a:r>
+          </a:p>
+        </p:txBody>
+      </p:sp>
+      <p:pic>
+        <p:nvPicPr>
+          <p:cNvPr id="3078" name="Picture 6" descr="temperature and humidity sensor">
+            <a:extLst>
+              <a:ext uri="{FF2B5EF4-FFF2-40B4-BE49-F238E27FC236}">
+                <a16:creationId xmlns:a16="http://schemas.microsoft.com/office/drawing/2014/main" id="{C38E409A-CA7F-4DB1-8501-637D116F091E}"/>
+              </a:ext>
+            </a:extLst>
+          </p:cNvPr>
+          <p:cNvPicPr>
+            <a:picLocks noChangeAspect="1" noChangeArrowheads="1"/>
+          </p:cNvPicPr>
+          <p:nvPr/>
+        </p:nvPicPr>
+        <p:blipFill>
+          <a:blip r:embed="rId4">
+            <a:extLst>
+              <a:ext uri="{28A0092B-C50C-407E-A947-70E740481C1C}">
+                <a14:useLocalDpi xmlns:a14="http://schemas.microsoft.com/office/drawing/2010/main" val="0"/>
+              </a:ext>
+            </a:extLst>
+          </a:blip>
+          <a:srcRect/>
+          <a:stretch>
+            <a:fillRect/>
+          </a:stretch>
+        </p:blipFill>
+        <p:spPr bwMode="auto">
+          <a:xfrm rot="18635752">
+            <a:off x="8902044" y="5087401"/>
+            <a:ext cx="632643" cy="632643"/>
+          </a:xfrm>
+          <a:prstGeom prst="rect">
+            <a:avLst/>
+          </a:prstGeom>
+          <a:noFill/>
+          <a:extLst>
+            <a:ext uri="{909E8E84-426E-40DD-AFC4-6F175D3DCCD1}">
+              <a14:hiddenFill xmlns:a14="http://schemas.microsoft.com/office/drawing/2010/main">
+                <a:solidFill>
+                  <a:srgbClr val="FFFFFF"/>
+                </a:solidFill>
+              </a14:hiddenFill>
+            </a:ext>
+          </a:extLst>
+        </p:spPr>
+      </p:pic>
+      <p:pic>
+        <p:nvPicPr>
+          <p:cNvPr id="3080" name="Picture 8" descr="Alert Alt Svg Png Icon Free Download (#565392) - OnlineWebFonts.COM">
+            <a:extLst>
+              <a:ext uri="{FF2B5EF4-FFF2-40B4-BE49-F238E27FC236}">
+                <a16:creationId xmlns:a16="http://schemas.microsoft.com/office/drawing/2014/main" id="{B68E42DD-DD1B-45E6-9C9F-C39EA0794FED}"/>
+              </a:ext>
+            </a:extLst>
+          </p:cNvPr>
+          <p:cNvPicPr>
+            <a:picLocks noChangeAspect="1" noChangeArrowheads="1"/>
+          </p:cNvPicPr>
+          <p:nvPr/>
+        </p:nvPicPr>
+        <p:blipFill rotWithShape="1">
+          <a:blip r:embed="rId5">
+            <a:duotone>
+              <a:schemeClr val="accent2">
+                <a:shade val="45000"/>
+                <a:satMod val="135000"/>
+              </a:schemeClr>
+              <a:prstClr val="white"/>
+            </a:duotone>
+            <a:alphaModFix/>
+            <a:extLst>
+              <a:ext uri="{BEBA8EAE-BF5A-486C-A8C5-ECC9F3942E4B}">
+                <a14:imgProps xmlns:a14="http://schemas.microsoft.com/office/drawing/2010/main">
+                  <a14:imgLayer r:embed="rId6">
+                    <a14:imgEffect>
+                      <a14:colorTemperature colorTemp="6360"/>
+                    </a14:imgEffect>
+                    <a14:imgEffect>
+                      <a14:saturation sat="191000"/>
+                    </a14:imgEffect>
+                  </a14:imgLayer>
+                </a14:imgProps>
+              </a:ext>
+              <a:ext uri="{28A0092B-C50C-407E-A947-70E740481C1C}">
+                <a14:useLocalDpi xmlns:a14="http://schemas.microsoft.com/office/drawing/2010/main" val="0"/>
+              </a:ext>
+            </a:extLst>
+          </a:blip>
+          <a:srcRect b="72111"/>
+          <a:stretch/>
+        </p:blipFill>
+        <p:spPr bwMode="auto">
+          <a:xfrm rot="13158707">
+            <a:off x="8479838" y="5585981"/>
+            <a:ext cx="975042" cy="416421"/>
+          </a:xfrm>
+          <a:prstGeom prst="rect">
+            <a:avLst/>
+          </a:prstGeom>
+          <a:noFill/>
+          <a:ln>
+            <a:noFill/>
+          </a:ln>
+        </p:spPr>
+      </p:pic>
+      <p:pic>
+        <p:nvPicPr>
+          <p:cNvPr id="8" name="Imagem 7">
+            <a:extLst>
+              <a:ext uri="{FF2B5EF4-FFF2-40B4-BE49-F238E27FC236}">
+                <a16:creationId xmlns:a16="http://schemas.microsoft.com/office/drawing/2014/main" id="{D2A77FA0-C3E9-4E63-BED4-0B3B92519E0D}"/>
+              </a:ext>
+            </a:extLst>
+          </p:cNvPr>
+          <p:cNvPicPr>
+            <a:picLocks noChangeAspect="1"/>
+          </p:cNvPicPr>
+          <p:nvPr/>
+        </p:nvPicPr>
+        <p:blipFill>
+          <a:blip r:embed="rId7"/>
+          <a:stretch>
+            <a:fillRect/>
+          </a:stretch>
+        </p:blipFill>
+        <p:spPr>
+          <a:xfrm>
+            <a:off x="53894" y="35169"/>
+            <a:ext cx="1035488" cy="1035488"/>
+          </a:xfrm>
+          <a:prstGeom prst="rect">
+            <a:avLst/>
+          </a:prstGeom>
+        </p:spPr>
+      </p:pic>
+    </p:spTree>
+    <p:extLst>
+      <p:ext uri="{BB962C8B-B14F-4D97-AF65-F5344CB8AC3E}">
+        <p14:creationId xmlns:p14="http://schemas.microsoft.com/office/powerpoint/2010/main" val="3377260643"/>
+      </p:ext>
+    </p:extLst>
+  </p:cSld>
+  <p:clrMapOvr>
+    <a:masterClrMapping/>
+  </p:clrMapOvr>
+</p:sld>
+</file>
+
+<file path=ppt/slides/slide11.xml><?xml version="1.0" encoding="utf-8"?>
+<p:sld xmlns:a="http://schemas.openxmlformats.org/drawingml/2006/main" xmlns:r="http://schemas.openxmlformats.org/officeDocument/2006/relationships" xmlns:p="http://schemas.openxmlformats.org/presentationml/2006/main">
+  <p:cSld>
+    <p:bg>
+      <p:bgPr>
+        <a:solidFill>
+          <a:schemeClr val="bg1"/>
+        </a:solidFill>
+        <a:effectLst/>
+      </p:bgPr>
+    </p:bg>
+    <p:spTree>
+      <p:nvGrpSpPr>
+        <p:cNvPr id="1" name=""/>
+        <p:cNvGrpSpPr/>
+        <p:nvPr/>
+      </p:nvGrpSpPr>
+      <p:grpSpPr>
+        <a:xfrm>
+          <a:off x="0" y="0"/>
+          <a:ext cx="0" cy="0"/>
+          <a:chOff x="0" y="0"/>
+          <a:chExt cx="0" cy="0"/>
+        </a:xfrm>
+      </p:grpSpPr>
+      <p:sp useBgFill="1">
+        <p:nvSpPr>
+          <p:cNvPr id="45" name="Rectangle 39">
+            <a:extLst>
+              <a:ext uri="{FF2B5EF4-FFF2-40B4-BE49-F238E27FC236}">
+                <a16:creationId xmlns:a16="http://schemas.microsoft.com/office/drawing/2014/main" id="{1ECAB1E8-8195-4748-BE71-FF806D86892E}"/>
+              </a:ext>
+              <a:ext uri="{C183D7F6-B498-43B3-948B-1728B52AA6E4}">
+                <adec:decorative xmlns:adec="http://schemas.microsoft.com/office/drawing/2017/decorative" val="1"/>
+              </a:ext>
+            </a:extLst>
+          </p:cNvPr>
+          <p:cNvSpPr>
+            <a:spLocks noGrp="1" noRot="1" noChangeAspect="1" noMove="1" noResize="1" noEditPoints="1" noAdjustHandles="1" noChangeArrowheads="1" noChangeShapeType="1" noTextEdit="1"/>
+          </p:cNvSpPr>
+          <p:nvPr>
+            <p:extLst>
+              <p:ext uri="{386F3935-93C4-4BCD-93E2-E3B085C9AB24}">
+                <p16:designElem xmlns:p16="http://schemas.microsoft.com/office/powerpoint/2015/main" val="1"/>
+              </p:ext>
+            </p:extLst>
+          </p:nvPr>
+        </p:nvSpPr>
+        <p:spPr>
+          <a:xfrm>
+            <a:off x="0" y="0"/>
+            <a:ext cx="12192000" cy="6858000"/>
+          </a:xfrm>
+          <a:prstGeom prst="rect">
+            <a:avLst/>
+          </a:prstGeom>
+          <a:ln>
+            <a:noFill/>
+          </a:ln>
+        </p:spPr>
+        <p:style>
+          <a:lnRef idx="2">
+            <a:schemeClr val="accent1">
+              <a:shade val="50000"/>
+            </a:schemeClr>
+          </a:lnRef>
+          <a:fillRef idx="1">
+            <a:schemeClr val="accent1"/>
+          </a:fillRef>
+          <a:effectRef idx="0">
+            <a:schemeClr val="accent1"/>
+          </a:effectRef>
+          <a:fontRef idx="minor">
+            <a:schemeClr val="lt1"/>
+          </a:fontRef>
+        </p:style>
+        <p:txBody>
+          <a:bodyPr rtlCol="0" anchor="ctr"/>
+          <a:lstStyle/>
+          <a:p>
+            <a:pPr algn="ctr"/>
+            <a:endParaRPr lang="en-US"/>
+          </a:p>
+        </p:txBody>
+      </p:sp>
+      <p:sp useBgFill="1">
+        <p:nvSpPr>
+          <p:cNvPr id="47" name="Rectangle 41">
+            <a:extLst>
+              <a:ext uri="{FF2B5EF4-FFF2-40B4-BE49-F238E27FC236}">
+                <a16:creationId xmlns:a16="http://schemas.microsoft.com/office/drawing/2014/main" id="{57F6BDD4-E066-4008-8011-6CC31AEB4556}"/>
+              </a:ext>
+              <a:ext uri="{C183D7F6-B498-43B3-948B-1728B52AA6E4}">
+                <adec:decorative xmlns:adec="http://schemas.microsoft.com/office/drawing/2017/decorative" val="1"/>
+              </a:ext>
+            </a:extLst>
+          </p:cNvPr>
+          <p:cNvSpPr>
+            <a:spLocks noGrp="1" noRot="1" noChangeAspect="1" noMove="1" noResize="1" noEditPoints="1" noAdjustHandles="1" noChangeArrowheads="1" noChangeShapeType="1" noTextEdit="1"/>
+          </p:cNvSpPr>
+          <p:nvPr>
+            <p:extLst>
+              <p:ext uri="{386F3935-93C4-4BCD-93E2-E3B085C9AB24}">
+                <p16:designElem xmlns:p16="http://schemas.microsoft.com/office/powerpoint/2015/main" val="1"/>
+              </p:ext>
+            </p:extLst>
+          </p:nvPr>
+        </p:nvSpPr>
+        <p:spPr>
+          <a:xfrm>
+            <a:off x="409575" y="633619"/>
+            <a:ext cx="4279383" cy="5495925"/>
+          </a:xfrm>
+          <a:prstGeom prst="rect">
+            <a:avLst/>
+          </a:prstGeom>
+          <a:ln w="9525">
+            <a:solidFill>
+              <a:srgbClr val="E1E1E1"/>
+            </a:solidFill>
+          </a:ln>
+          <a:effectLst>
+            <a:outerShdw blurRad="50800" dist="38100" dir="2700000" algn="tl" rotWithShape="0">
+              <a:schemeClr val="bg1">
+                <a:lumMod val="85000"/>
+                <a:alpha val="50000"/>
+              </a:schemeClr>
+            </a:outerShdw>
+          </a:effectLst>
+        </p:spPr>
+        <p:style>
+          <a:lnRef idx="2">
+            <a:schemeClr val="accent1">
+              <a:shade val="50000"/>
+            </a:schemeClr>
+          </a:lnRef>
+          <a:fillRef idx="1">
+            <a:schemeClr val="accent1"/>
+          </a:fillRef>
+          <a:effectRef idx="0">
+            <a:schemeClr val="accent1"/>
+          </a:effectRef>
+          <a:fontRef idx="minor">
+            <a:schemeClr val="lt1"/>
+          </a:fontRef>
+        </p:style>
+        <p:txBody>
+          <a:bodyPr rtlCol="0" anchor="ctr"/>
+          <a:lstStyle/>
+          <a:p>
+            <a:pPr marL="0" marR="0" lvl="0" indent="0" algn="ctr" defTabSz="914400" rtl="0" eaLnBrk="1" fontAlgn="auto" latinLnBrk="0" hangingPunct="1">
+              <a:lnSpc>
+                <a:spcPct val="100000"/>
+              </a:lnSpc>
+              <a:spcBef>
+                <a:spcPts val="0"/>
+              </a:spcBef>
+              <a:spcAft>
+                <a:spcPts val="0"/>
+              </a:spcAft>
+              <a:buClrTx/>
+              <a:buSzTx/>
+              <a:buFontTx/>
+              <a:buNone/>
+              <a:tabLst/>
+              <a:defRPr/>
+            </a:pPr>
+            <a:endParaRPr kumimoji="0" lang="en-US" sz="1800" b="0" i="0" u="none" strike="noStrike" kern="1200" cap="none" spc="0" normalizeH="0" baseline="0" noProof="0">
+              <a:ln>
+                <a:noFill/>
+              </a:ln>
+              <a:solidFill>
+                <a:prstClr val="white"/>
+              </a:solidFill>
+              <a:effectLst/>
+              <a:uLnTx/>
+              <a:uFillTx/>
+              <a:latin typeface="Calibri" panose="020F0502020204030204"/>
+              <a:ea typeface="+mn-ea"/>
+              <a:cs typeface="+mn-cs"/>
+            </a:endParaRPr>
+          </a:p>
+        </p:txBody>
+      </p:sp>
+      <p:sp>
+        <p:nvSpPr>
+          <p:cNvPr id="2" name="Título 1">
+            <a:extLst>
+              <a:ext uri="{FF2B5EF4-FFF2-40B4-BE49-F238E27FC236}">
+                <a16:creationId xmlns:a16="http://schemas.microsoft.com/office/drawing/2014/main" id="{622E59CC-F430-4678-9423-C4E72D202EEB}"/>
+              </a:ext>
+            </a:extLst>
+          </p:cNvPr>
+          <p:cNvSpPr>
+            <a:spLocks noGrp="1"/>
+          </p:cNvSpPr>
+          <p:nvPr>
+            <p:ph type="title"/>
+          </p:nvPr>
+        </p:nvSpPr>
+        <p:spPr>
+          <a:xfrm>
+            <a:off x="841247" y="978619"/>
+            <a:ext cx="3410712" cy="1106424"/>
+          </a:xfrm>
+        </p:spPr>
+        <p:txBody>
+          <a:bodyPr>
+            <a:normAutofit/>
+          </a:bodyPr>
+          <a:lstStyle/>
+          <a:p>
+            <a:pPr algn="ctr"/>
+            <a:r>
+              <a:rPr lang="pt-BR" sz="3700" dirty="0">
+                <a:latin typeface="Arial" panose="020B0604020202020204" pitchFamily="34" charset="0"/>
+                <a:cs typeface="Arial" panose="020B0604020202020204" pitchFamily="34" charset="0"/>
+              </a:rPr>
+              <a:t>Onde verificar?</a:t>
+            </a:r>
+          </a:p>
+        </p:txBody>
+      </p:sp>
+      <p:sp>
+        <p:nvSpPr>
+          <p:cNvPr id="44" name="Rectangle 43">
+            <a:extLst>
+              <a:ext uri="{FF2B5EF4-FFF2-40B4-BE49-F238E27FC236}">
+                <a16:creationId xmlns:a16="http://schemas.microsoft.com/office/drawing/2014/main" id="{2711A8FB-68FC-45FC-B01E-38F809E2D439}"/>
+              </a:ext>
+              <a:ext uri="{C183D7F6-B498-43B3-948B-1728B52AA6E4}">
+                <adec:decorative xmlns:adec="http://schemas.microsoft.com/office/drawing/2017/decorative" val="1"/>
+              </a:ext>
+            </a:extLst>
+          </p:cNvPr>
+          <p:cNvSpPr>
+            <a:spLocks noGrp="1" noRot="1" noChangeAspect="1" noMove="1" noResize="1" noEditPoints="1" noAdjustHandles="1" noChangeArrowheads="1" noChangeShapeType="1" noTextEdit="1"/>
+          </p:cNvSpPr>
+          <p:nvPr>
+            <p:extLst>
+              <p:ext uri="{386F3935-93C4-4BCD-93E2-E3B085C9AB24}">
+                <p16:designElem xmlns:p16="http://schemas.microsoft.com/office/powerpoint/2015/main" val="1"/>
+              </p:ext>
+            </p:extLst>
+          </p:nvPr>
+        </p:nvSpPr>
+        <p:spPr>
+          <a:xfrm>
+            <a:off x="345567" y="1170432"/>
+            <a:ext cx="128016" cy="704088"/>
+          </a:xfrm>
+          <a:prstGeom prst="rect">
+            <a:avLst/>
+          </a:prstGeom>
+          <a:solidFill>
+            <a:schemeClr val="accent2"/>
+          </a:solidFill>
+          <a:ln>
+            <a:noFill/>
+          </a:ln>
+        </p:spPr>
+        <p:style>
+          <a:lnRef idx="2">
+            <a:schemeClr val="accent1">
+              <a:shade val="50000"/>
+            </a:schemeClr>
+          </a:lnRef>
+          <a:fillRef idx="1">
+            <a:schemeClr val="accent1"/>
+          </a:fillRef>
+          <a:effectRef idx="0">
+            <a:schemeClr val="accent1"/>
+          </a:effectRef>
+          <a:fontRef idx="minor">
+            <a:schemeClr val="lt1"/>
+          </a:fontRef>
+        </p:style>
+        <p:txBody>
+          <a:bodyPr rtlCol="0" anchor="ctr"/>
+          <a:lstStyle/>
+          <a:p>
+            <a:pPr algn="ctr"/>
+            <a:endParaRPr lang="en-US">
+              <a:solidFill>
+                <a:prstClr val="white"/>
+              </a:solidFill>
+              <a:latin typeface="Calibri" panose="020F0502020204030204"/>
+            </a:endParaRPr>
+          </a:p>
+        </p:txBody>
+      </p:sp>
+      <p:sp>
+        <p:nvSpPr>
+          <p:cNvPr id="46" name="Rectangle 45">
+            <a:extLst>
+              <a:ext uri="{FF2B5EF4-FFF2-40B4-BE49-F238E27FC236}">
+                <a16:creationId xmlns:a16="http://schemas.microsoft.com/office/drawing/2014/main" id="{2A865FE3-5FC9-4049-87CF-30019C46C0F5}"/>
+              </a:ext>
+              <a:ext uri="{C183D7F6-B498-43B3-948B-1728B52AA6E4}">
+                <adec:decorative xmlns:adec="http://schemas.microsoft.com/office/drawing/2017/decorative" val="1"/>
+              </a:ext>
+            </a:extLst>
+          </p:cNvPr>
+          <p:cNvSpPr>
+            <a:spLocks noGrp="1" noRot="1" noChangeAspect="1" noMove="1" noResize="1" noEditPoints="1" noAdjustHandles="1" noChangeArrowheads="1" noChangeShapeType="1" noTextEdit="1"/>
+          </p:cNvSpPr>
+          <p:nvPr>
+            <p:extLst>
+              <p:ext uri="{386F3935-93C4-4BCD-93E2-E3B085C9AB24}">
+                <p16:designElem xmlns:p16="http://schemas.microsoft.com/office/powerpoint/2015/main" val="1"/>
+              </p:ext>
+            </p:extLst>
+          </p:nvPr>
+        </p:nvSpPr>
+        <p:spPr>
+          <a:xfrm>
+            <a:off x="877459" y="2121408"/>
+            <a:ext cx="3328416" cy="9144"/>
+          </a:xfrm>
+          <a:prstGeom prst="rect">
+            <a:avLst/>
+          </a:prstGeom>
+          <a:solidFill>
+            <a:srgbClr val="D5D5D5"/>
+          </a:solidFill>
+          <a:ln w="3175">
+            <a:noFill/>
+          </a:ln>
+          <a:effectLst/>
+        </p:spPr>
+        <p:style>
+          <a:lnRef idx="2">
+            <a:schemeClr val="accent1">
+              <a:shade val="50000"/>
+            </a:schemeClr>
+          </a:lnRef>
+          <a:fillRef idx="1">
+            <a:schemeClr val="accent1"/>
+          </a:fillRef>
+          <a:effectRef idx="0">
+            <a:schemeClr val="accent1"/>
+          </a:effectRef>
+          <a:fontRef idx="minor">
+            <a:schemeClr val="lt1"/>
+          </a:fontRef>
+        </p:style>
+        <p:txBody>
+          <a:bodyPr rtlCol="0" anchor="ctr"/>
+          <a:lstStyle/>
+          <a:p>
+            <a:pPr marL="0" marR="0" lvl="0" indent="0" algn="ctr" defTabSz="914400" rtl="0" eaLnBrk="1" fontAlgn="auto" latinLnBrk="0" hangingPunct="1">
+              <a:lnSpc>
+                <a:spcPct val="100000"/>
+              </a:lnSpc>
+              <a:spcBef>
+                <a:spcPts val="0"/>
+              </a:spcBef>
+              <a:spcAft>
+                <a:spcPts val="0"/>
+              </a:spcAft>
+              <a:buClrTx/>
+              <a:buSzTx/>
+              <a:buFontTx/>
+              <a:buNone/>
+              <a:tabLst/>
+              <a:defRPr/>
+            </a:pPr>
+            <a:endParaRPr kumimoji="0" lang="en-US" sz="1800" b="0" i="0" u="none" strike="noStrike" kern="1200" cap="none" spc="0" normalizeH="0" baseline="0" noProof="0">
+              <a:ln>
+                <a:noFill/>
+              </a:ln>
+              <a:solidFill>
+                <a:prstClr val="white"/>
+              </a:solidFill>
+              <a:effectLst/>
+              <a:uLnTx/>
+              <a:uFillTx/>
+              <a:latin typeface="Calibri" panose="020F0502020204030204"/>
+              <a:ea typeface="+mn-ea"/>
+              <a:cs typeface="+mn-cs"/>
+            </a:endParaRPr>
+          </a:p>
+        </p:txBody>
+      </p:sp>
+      <p:sp>
+        <p:nvSpPr>
+          <p:cNvPr id="3" name="Espaço Reservado para Conteúdo 2">
+            <a:extLst>
+              <a:ext uri="{FF2B5EF4-FFF2-40B4-BE49-F238E27FC236}">
+                <a16:creationId xmlns:a16="http://schemas.microsoft.com/office/drawing/2014/main" id="{C0D01A9E-3F7D-4D09-A3E9-8876F598F074}"/>
+              </a:ext>
+            </a:extLst>
+          </p:cNvPr>
+          <p:cNvSpPr>
+            <a:spLocks noGrp="1"/>
+          </p:cNvSpPr>
+          <p:nvPr>
+            <p:ph idx="1"/>
+          </p:nvPr>
+        </p:nvSpPr>
+        <p:spPr>
+          <a:xfrm>
+            <a:off x="841247" y="2359152"/>
+            <a:ext cx="3410712" cy="3425043"/>
+          </a:xfrm>
+        </p:spPr>
+        <p:txBody>
+          <a:bodyPr>
+            <a:normAutofit/>
+          </a:bodyPr>
+          <a:lstStyle/>
+          <a:p>
+            <a:r>
+              <a:rPr lang="pt-BR" sz="1700" dirty="0">
+                <a:latin typeface="Arial" panose="020B0604020202020204" pitchFamily="34" charset="0"/>
+                <a:cs typeface="Arial" panose="020B0604020202020204" pitchFamily="34" charset="0"/>
+              </a:rPr>
+              <a:t>Criamos um site institucional para a verificação dos dados nos gráficos, o cliente tem acesso total para acompanhar, mas o </a:t>
+            </a:r>
+            <a:r>
+              <a:rPr lang="pt-BR" sz="2000" dirty="0">
+                <a:latin typeface="Arial" panose="020B0604020202020204" pitchFamily="34" charset="0"/>
+                <a:cs typeface="Arial" panose="020B0604020202020204" pitchFamily="34" charset="0"/>
+              </a:rPr>
+              <a:t>acompanhamento</a:t>
+            </a:r>
+            <a:r>
+              <a:rPr lang="pt-BR" sz="1700" dirty="0">
+                <a:latin typeface="Arial" panose="020B0604020202020204" pitchFamily="34" charset="0"/>
+                <a:cs typeface="Arial" panose="020B0604020202020204" pitchFamily="34" charset="0"/>
+              </a:rPr>
+              <a:t> seria de nossa equipe para o cliente não precisar ficar o dia inteiro olhando gráficos. </a:t>
+            </a:r>
+          </a:p>
+        </p:txBody>
+      </p:sp>
+      <p:pic>
+        <p:nvPicPr>
+          <p:cNvPr id="20" name="Imagem 19" descr="Tela de computador com texto preto sobre fundo branco&#10;&#10;Descrição gerada automaticamente">
+            <a:extLst>
+              <a:ext uri="{FF2B5EF4-FFF2-40B4-BE49-F238E27FC236}">
+                <a16:creationId xmlns:a16="http://schemas.microsoft.com/office/drawing/2014/main" id="{3A02DED5-E702-4845-AFB5-A488487D1DB0}"/>
+              </a:ext>
+            </a:extLst>
+          </p:cNvPr>
+          <p:cNvPicPr>
+            <a:picLocks noChangeAspect="1"/>
+          </p:cNvPicPr>
+          <p:nvPr/>
+        </p:nvPicPr>
+        <p:blipFill rotWithShape="1">
+          <a:blip r:embed="rId2">
+            <a:extLst>
+              <a:ext uri="{28A0092B-C50C-407E-A947-70E740481C1C}">
+                <a14:useLocalDpi xmlns:a14="http://schemas.microsoft.com/office/drawing/2010/main" val="0"/>
+              </a:ext>
+            </a:extLst>
+          </a:blip>
+          <a:srcRect l="2957" r="6182" b="-1"/>
+          <a:stretch/>
+        </p:blipFill>
+        <p:spPr>
+          <a:xfrm>
+            <a:off x="5124450" y="634382"/>
+            <a:ext cx="6657213" cy="5495162"/>
+          </a:xfrm>
+          <a:prstGeom prst="rect">
+            <a:avLst/>
+          </a:prstGeom>
+        </p:spPr>
+      </p:pic>
+      <p:pic>
+        <p:nvPicPr>
+          <p:cNvPr id="9" name="Imagem 8">
+            <a:extLst>
+              <a:ext uri="{FF2B5EF4-FFF2-40B4-BE49-F238E27FC236}">
+                <a16:creationId xmlns:a16="http://schemas.microsoft.com/office/drawing/2014/main" id="{F745EBB1-8D29-4430-8E72-390A36EEA934}"/>
+              </a:ext>
+            </a:extLst>
+          </p:cNvPr>
+          <p:cNvPicPr>
+            <a:picLocks noChangeAspect="1"/>
+          </p:cNvPicPr>
+          <p:nvPr/>
+        </p:nvPicPr>
+        <p:blipFill>
+          <a:blip r:embed="rId3"/>
+          <a:stretch>
+            <a:fillRect/>
+          </a:stretch>
+        </p:blipFill>
+        <p:spPr>
+          <a:xfrm>
+            <a:off x="53894" y="35169"/>
+            <a:ext cx="1035488" cy="1035488"/>
+          </a:xfrm>
+          <a:prstGeom prst="rect">
+            <a:avLst/>
+          </a:prstGeom>
+        </p:spPr>
+      </p:pic>
+    </p:spTree>
+    <p:extLst>
+      <p:ext uri="{BB962C8B-B14F-4D97-AF65-F5344CB8AC3E}">
+        <p14:creationId xmlns:p14="http://schemas.microsoft.com/office/powerpoint/2010/main" val="4091551892"/>
+      </p:ext>
+    </p:extLst>
+  </p:cSld>
+  <p:clrMapOvr>
+    <a:masterClrMapping/>
+  </p:clrMapOvr>
+</p:sld>
+</file>
+
+<file path=ppt/slides/slide12.xml><?xml version="1.0" encoding="utf-8"?>
+<p:sld xmlns:a="http://schemas.openxmlformats.org/drawingml/2006/main" xmlns:r="http://schemas.openxmlformats.org/officeDocument/2006/relationships" xmlns:p="http://schemas.openxmlformats.org/presentationml/2006/main">
+  <p:cSld>
+    <p:bg>
+      <p:bgPr>
+        <a:solidFill>
+          <a:schemeClr val="bg1"/>
+        </a:solidFill>
+        <a:effectLst/>
+      </p:bgPr>
+    </p:bg>
+    <p:spTree>
+      <p:nvGrpSpPr>
+        <p:cNvPr id="1" name=""/>
+        <p:cNvGrpSpPr/>
+        <p:nvPr/>
+      </p:nvGrpSpPr>
+      <p:grpSpPr>
+        <a:xfrm>
+          <a:off x="0" y="0"/>
+          <a:ext cx="0" cy="0"/>
+          <a:chOff x="0" y="0"/>
+          <a:chExt cx="0" cy="0"/>
+        </a:xfrm>
+      </p:grpSpPr>
+      <p:pic>
+        <p:nvPicPr>
+          <p:cNvPr id="4" name="Imagem 3">
+            <a:extLst>
+              <a:ext uri="{FF2B5EF4-FFF2-40B4-BE49-F238E27FC236}">
+                <a16:creationId xmlns:a16="http://schemas.microsoft.com/office/drawing/2014/main" id="{B209C2C9-A43E-4733-B56F-3F2914D00810}"/>
+              </a:ext>
+            </a:extLst>
+          </p:cNvPr>
+          <p:cNvPicPr>
+            <a:picLocks noChangeAspect="1"/>
+          </p:cNvPicPr>
+          <p:nvPr/>
+        </p:nvPicPr>
+        <p:blipFill rotWithShape="1">
+          <a:blip r:embed="rId2"/>
+          <a:srcRect t="15587" b="9414"/>
+          <a:stretch/>
+        </p:blipFill>
+        <p:spPr>
+          <a:xfrm>
+            <a:off x="-1" y="10"/>
+            <a:ext cx="12192000" cy="6857990"/>
+          </a:xfrm>
+          <a:prstGeom prst="rect">
+            <a:avLst/>
+          </a:prstGeom>
+        </p:spPr>
+      </p:pic>
+      <p:sp>
+        <p:nvSpPr>
+          <p:cNvPr id="9" name="Freeform 5">
+            <a:extLst>
+              <a:ext uri="{FF2B5EF4-FFF2-40B4-BE49-F238E27FC236}">
+                <a16:creationId xmlns:a16="http://schemas.microsoft.com/office/drawing/2014/main" id="{3CD9DF72-87A3-404E-A828-84CBF11A8303}"/>
+              </a:ext>
+              <a:ext uri="{C183D7F6-B498-43B3-948B-1728B52AA6E4}">
+                <adec:decorative xmlns:adec="http://schemas.microsoft.com/office/drawing/2017/decorative" val="1"/>
+              </a:ext>
+            </a:extLst>
+          </p:cNvPr>
+          <p:cNvSpPr>
+            <a:spLocks noGrp="1" noRot="1" noChangeAspect="1" noMove="1" noResize="1" noEditPoints="1" noAdjustHandles="1" noChangeArrowheads="1" noChangeShapeType="1" noTextEdit="1"/>
+          </p:cNvSpPr>
+          <p:nvPr>
+            <p:extLst>
+              <p:ext uri="{386F3935-93C4-4BCD-93E2-E3B085C9AB24}">
+                <p16:designElem xmlns:p16="http://schemas.microsoft.com/office/powerpoint/2015/main" val="1"/>
+              </p:ext>
+            </p:extLst>
+          </p:nvPr>
+        </p:nvSpPr>
+        <p:spPr bwMode="grayWhite">
+          <a:xfrm flipH="1">
+            <a:off x="0" y="998175"/>
+            <a:ext cx="6017172" cy="5859825"/>
+          </a:xfrm>
+          <a:custGeom>
+            <a:avLst/>
+            <a:gdLst>
+              <a:gd name="T0" fmla="*/ 1333 w 1333"/>
+              <a:gd name="T1" fmla="*/ 1031 h 1298"/>
+              <a:gd name="T2" fmla="*/ 1333 w 1333"/>
+              <a:gd name="T3" fmla="*/ 380 h 1298"/>
+              <a:gd name="T4" fmla="*/ 706 w 1333"/>
+              <a:gd name="T5" fmla="*/ 0 h 1298"/>
+              <a:gd name="T6" fmla="*/ 0 w 1333"/>
+              <a:gd name="T7" fmla="*/ 706 h 1298"/>
+              <a:gd name="T8" fmla="*/ 323 w 1333"/>
+              <a:gd name="T9" fmla="*/ 1298 h 1298"/>
+              <a:gd name="T10" fmla="*/ 1090 w 1333"/>
+              <a:gd name="T11" fmla="*/ 1298 h 1298"/>
+              <a:gd name="T12" fmla="*/ 1333 w 1333"/>
+              <a:gd name="T13" fmla="*/ 1031 h 1298"/>
+            </a:gdLst>
+            <a:ahLst/>
+            <a:cxnLst>
+              <a:cxn ang="0">
+                <a:pos x="T0" y="T1"/>
+              </a:cxn>
+              <a:cxn ang="0">
+                <a:pos x="T2" y="T3"/>
+              </a:cxn>
+              <a:cxn ang="0">
+                <a:pos x="T4" y="T5"/>
+              </a:cxn>
+              <a:cxn ang="0">
+                <a:pos x="T6" y="T7"/>
+              </a:cxn>
+              <a:cxn ang="0">
+                <a:pos x="T8" y="T9"/>
+              </a:cxn>
+              <a:cxn ang="0">
+                <a:pos x="T10" y="T11"/>
+              </a:cxn>
+              <a:cxn ang="0">
+                <a:pos x="T12" y="T13"/>
+              </a:cxn>
+            </a:cxnLst>
+            <a:rect l="0" t="0" r="r" b="b"/>
+            <a:pathLst>
+              <a:path w="1333" h="1298">
+                <a:moveTo>
+                  <a:pt x="1333" y="1031"/>
+                </a:moveTo>
+                <a:cubicBezTo>
+                  <a:pt x="1333" y="380"/>
+                  <a:pt x="1333" y="380"/>
+                  <a:pt x="1333" y="380"/>
+                </a:cubicBezTo>
+                <a:cubicBezTo>
+                  <a:pt x="1215" y="154"/>
+                  <a:pt x="979" y="0"/>
+                  <a:pt x="706" y="0"/>
+                </a:cubicBezTo>
+                <a:cubicBezTo>
+                  <a:pt x="317" y="0"/>
+                  <a:pt x="0" y="316"/>
+                  <a:pt x="0" y="706"/>
+                </a:cubicBezTo>
+                <a:cubicBezTo>
+                  <a:pt x="0" y="954"/>
+                  <a:pt x="129" y="1172"/>
+                  <a:pt x="323" y="1298"/>
+                </a:cubicBezTo>
+                <a:cubicBezTo>
+                  <a:pt x="1090" y="1298"/>
+                  <a:pt x="1090" y="1298"/>
+                  <a:pt x="1090" y="1298"/>
+                </a:cubicBezTo>
+                <a:cubicBezTo>
+                  <a:pt x="1193" y="1232"/>
+                  <a:pt x="1276" y="1140"/>
+                  <a:pt x="1333" y="1031"/>
+                </a:cubicBezTo>
+                <a:close/>
+              </a:path>
+            </a:pathLst>
+          </a:custGeom>
+          <a:solidFill>
+            <a:schemeClr val="bg1">
+              <a:alpha val="75000"/>
+            </a:schemeClr>
+          </a:solidFill>
+          <a:ln w="50800" cap="sq" cmpd="dbl">
+            <a:noFill/>
+            <a:miter lim="800000"/>
+          </a:ln>
+          <a:effectLst/>
+        </p:spPr>
+        <p:txBody>
+          <a:bodyPr vert="horz" lIns="91440" tIns="45720" rIns="91440" bIns="45720" rtlCol="0" anchor="t">
+            <a:normAutofit/>
+          </a:bodyPr>
+          <a:lstStyle/>
+          <a:p>
+            <a:pPr algn="ctr">
+              <a:spcAft>
+                <a:spcPts val="1000"/>
+              </a:spcAft>
+              <a:buClr>
+                <a:schemeClr val="tx1"/>
+              </a:buClr>
+              <a:buSzPct val="100000"/>
+              <a:buFont typeface="Arial"/>
+              <a:buNone/>
+            </a:pPr>
+            <a:endParaRPr lang="en-US" sz="1600" cap="all"/>
+          </a:p>
+        </p:txBody>
+      </p:sp>
+      <p:sp>
+        <p:nvSpPr>
+          <p:cNvPr id="2" name="Título 1">
+            <a:extLst>
+              <a:ext uri="{FF2B5EF4-FFF2-40B4-BE49-F238E27FC236}">
+                <a16:creationId xmlns:a16="http://schemas.microsoft.com/office/drawing/2014/main" id="{79D73150-65D3-4741-828B-B40CC69E5FD8}"/>
+              </a:ext>
+            </a:extLst>
+          </p:cNvPr>
+          <p:cNvSpPr>
+            <a:spLocks noGrp="1"/>
+          </p:cNvSpPr>
+          <p:nvPr>
+            <p:ph type="title"/>
+          </p:nvPr>
+        </p:nvSpPr>
+        <p:spPr>
+          <a:xfrm>
+            <a:off x="709448" y="1913950"/>
+            <a:ext cx="4204137" cy="1342754"/>
+          </a:xfrm>
+        </p:spPr>
+        <p:txBody>
+          <a:bodyPr>
+            <a:normAutofit/>
+          </a:bodyPr>
+          <a:lstStyle/>
+          <a:p>
+            <a:pPr algn="ctr"/>
+            <a:r>
+              <a:rPr lang="pt-BR" sz="3700" dirty="0">
+                <a:latin typeface="Arial" panose="020B0604020202020204" pitchFamily="34" charset="0"/>
+                <a:cs typeface="Arial" panose="020B0604020202020204" pitchFamily="34" charset="0"/>
+              </a:rPr>
+              <a:t>Custos</a:t>
+            </a:r>
+          </a:p>
+        </p:txBody>
+      </p:sp>
+      <p:cxnSp>
+        <p:nvCxnSpPr>
+          <p:cNvPr id="11" name="Straight Connector 10">
+            <a:extLst>
+              <a:ext uri="{FF2B5EF4-FFF2-40B4-BE49-F238E27FC236}">
+                <a16:creationId xmlns:a16="http://schemas.microsoft.com/office/drawing/2014/main" id="{20E3A342-4D61-4E3F-AF90-1AB42AEB96CC}"/>
+              </a:ext>
+              <a:ext uri="{C183D7F6-B498-43B3-948B-1728B52AA6E4}">
+                <adec:decorative xmlns:adec="http://schemas.microsoft.com/office/drawing/2017/decorative" val="1"/>
+              </a:ext>
+            </a:extLst>
+          </p:cNvPr>
+          <p:cNvCxnSpPr>
+            <a:cxnSpLocks noGrp="1" noRot="1" noChangeAspect="1" noMove="1" noResize="1" noEditPoints="1" noAdjustHandles="1" noChangeArrowheads="1" noChangeShapeType="1"/>
+          </p:cNvCxnSpPr>
+          <p:nvPr>
+            <p:extLst>
+              <p:ext uri="{386F3935-93C4-4BCD-93E2-E3B085C9AB24}">
+                <p16:designElem xmlns:p16="http://schemas.microsoft.com/office/powerpoint/2015/main" val="1"/>
+              </p:ext>
+            </p:extLst>
+          </p:nvPr>
+        </p:nvCxnSpPr>
+        <p:spPr>
+          <a:xfrm>
+            <a:off x="2287051" y="3337139"/>
+            <a:ext cx="935420" cy="0"/>
+          </a:xfrm>
+          <a:prstGeom prst="line">
+            <a:avLst/>
+          </a:prstGeom>
+          <a:ln w="25400" cap="sq">
+            <a:solidFill>
+              <a:schemeClr val="tx1">
+                <a:lumMod val="85000"/>
+                <a:lumOff val="15000"/>
+              </a:schemeClr>
+            </a:solidFill>
+            <a:bevel/>
+          </a:ln>
+        </p:spPr>
+        <p:style>
+          <a:lnRef idx="1">
+            <a:schemeClr val="accent1"/>
+          </a:lnRef>
+          <a:fillRef idx="0">
+            <a:schemeClr val="accent1"/>
+          </a:fillRef>
+          <a:effectRef idx="0">
+            <a:schemeClr val="accent1"/>
+          </a:effectRef>
+          <a:fontRef idx="minor">
+            <a:schemeClr val="tx1"/>
+          </a:fontRef>
+        </p:style>
+      </p:cxnSp>
+      <p:sp>
+        <p:nvSpPr>
+          <p:cNvPr id="5" name="CaixaDeTexto 4">
+            <a:extLst>
+              <a:ext uri="{FF2B5EF4-FFF2-40B4-BE49-F238E27FC236}">
+                <a16:creationId xmlns:a16="http://schemas.microsoft.com/office/drawing/2014/main" id="{F71043F8-F1AC-46A4-8531-5AB47FD52BAD}"/>
+              </a:ext>
+            </a:extLst>
+          </p:cNvPr>
+          <p:cNvSpPr txBox="1"/>
+          <p:nvPr/>
+        </p:nvSpPr>
+        <p:spPr>
+          <a:xfrm>
+            <a:off x="136328" y="3928087"/>
+            <a:ext cx="5880844" cy="1015663"/>
+          </a:xfrm>
+          <a:prstGeom prst="rect">
+            <a:avLst/>
+          </a:prstGeom>
+          <a:noFill/>
+        </p:spPr>
+        <p:txBody>
+          <a:bodyPr wrap="square" rtlCol="0">
+            <a:spAutoFit/>
+          </a:bodyPr>
+          <a:lstStyle/>
+          <a:p>
+            <a:r>
+              <a:rPr lang="pt-BR" sz="2000" dirty="0">
+                <a:effectLst>
+                  <a:outerShdw blurRad="38100" dist="38100" dir="2700000" algn="tl">
+                    <a:srgbClr val="000000">
+                      <a:alpha val="43137"/>
+                    </a:srgbClr>
+                  </a:outerShdw>
+                </a:effectLst>
+                <a:latin typeface="Arial" panose="020B0604020202020204" pitchFamily="34" charset="0"/>
+                <a:cs typeface="Arial" panose="020B0604020202020204" pitchFamily="34" charset="0"/>
+              </a:rPr>
+              <a:t>Não ter um prejuízo de estimados R$38 milhões mensais por vazamentos e somente ter um custo de estimados R$ 9 milhões por ano é:</a:t>
+            </a:r>
+          </a:p>
+        </p:txBody>
+      </p:sp>
+      <p:pic>
+        <p:nvPicPr>
+          <p:cNvPr id="8" name="Imagem 7">
+            <a:extLst>
+              <a:ext uri="{FF2B5EF4-FFF2-40B4-BE49-F238E27FC236}">
+                <a16:creationId xmlns:a16="http://schemas.microsoft.com/office/drawing/2014/main" id="{CF005EC4-8AA8-40E3-8432-45BD49F7C7F1}"/>
+              </a:ext>
+            </a:extLst>
+          </p:cNvPr>
+          <p:cNvPicPr>
+            <a:picLocks noChangeAspect="1"/>
+          </p:cNvPicPr>
+          <p:nvPr/>
+        </p:nvPicPr>
+        <p:blipFill>
+          <a:blip r:embed="rId3"/>
+          <a:stretch>
+            <a:fillRect/>
+          </a:stretch>
+        </p:blipFill>
+        <p:spPr>
+          <a:xfrm>
+            <a:off x="53894" y="35169"/>
+            <a:ext cx="1035488" cy="1035488"/>
+          </a:xfrm>
+          <a:prstGeom prst="rect">
+            <a:avLst/>
+          </a:prstGeom>
+        </p:spPr>
+      </p:pic>
+    </p:spTree>
+    <p:extLst>
+      <p:ext uri="{BB962C8B-B14F-4D97-AF65-F5344CB8AC3E}">
+        <p14:creationId xmlns:p14="http://schemas.microsoft.com/office/powerpoint/2010/main" val="3707752108"/>
+      </p:ext>
+    </p:extLst>
+  </p:cSld>
+  <p:clrMapOvr>
+    <a:masterClrMapping/>
+  </p:clrMapOvr>
+</p:sld>
+</file>
+
+<file path=ppt/slides/slide13.xml><?xml version="1.0" encoding="utf-8"?>
+<p:sld xmlns:a="http://schemas.openxmlformats.org/drawingml/2006/main" xmlns:r="http://schemas.openxmlformats.org/officeDocument/2006/relationships" xmlns:p="http://schemas.openxmlformats.org/presentationml/2006/main">
+  <p:cSld>
+    <p:spTree>
+      <p:nvGrpSpPr>
+        <p:cNvPr id="1" name=""/>
+        <p:cNvGrpSpPr/>
+        <p:nvPr/>
+      </p:nvGrpSpPr>
+      <p:grpSpPr>
+        <a:xfrm>
+          <a:off x="0" y="0"/>
+          <a:ext cx="0" cy="0"/>
+          <a:chOff x="0" y="0"/>
+          <a:chExt cx="0" cy="0"/>
+        </a:xfrm>
+      </p:grpSpPr>
+      <p:sp>
+        <p:nvSpPr>
+          <p:cNvPr id="2" name="Título 1">
+            <a:extLst>
+              <a:ext uri="{FF2B5EF4-FFF2-40B4-BE49-F238E27FC236}">
+                <a16:creationId xmlns:a16="http://schemas.microsoft.com/office/drawing/2014/main" id="{81717266-6AEC-4E54-ABDD-4B3A2718C4F3}"/>
+              </a:ext>
+            </a:extLst>
+          </p:cNvPr>
+          <p:cNvSpPr>
+            <a:spLocks noGrp="1"/>
+          </p:cNvSpPr>
+          <p:nvPr>
+            <p:ph type="title"/>
+          </p:nvPr>
+        </p:nvSpPr>
+        <p:spPr>
+          <a:xfrm>
+            <a:off x="830896" y="18255"/>
+            <a:ext cx="10515600" cy="1325563"/>
+          </a:xfrm>
+        </p:spPr>
+        <p:txBody>
+          <a:bodyPr>
+            <a:normAutofit/>
+          </a:bodyPr>
+          <a:lstStyle/>
+          <a:p>
+            <a:pPr algn="ctr"/>
+            <a:r>
+              <a:rPr lang="pt-BR" sz="3700" dirty="0">
+                <a:latin typeface="Arial" panose="020B0604020202020204" pitchFamily="34" charset="0"/>
+                <a:cs typeface="Arial" panose="020B0604020202020204" pitchFamily="34" charset="0"/>
+              </a:rPr>
+              <a:t>Onde os dados são armazenados?</a:t>
+            </a:r>
+          </a:p>
+        </p:txBody>
+      </p:sp>
+      <p:sp>
+        <p:nvSpPr>
+          <p:cNvPr id="3" name="Espaço Reservado para Conteúdo 2">
+            <a:extLst>
+              <a:ext uri="{FF2B5EF4-FFF2-40B4-BE49-F238E27FC236}">
+                <a16:creationId xmlns:a16="http://schemas.microsoft.com/office/drawing/2014/main" id="{E317D884-3835-4901-A2A5-B94BB67813BB}"/>
+              </a:ext>
+            </a:extLst>
+          </p:cNvPr>
+          <p:cNvSpPr>
+            <a:spLocks noGrp="1"/>
+          </p:cNvSpPr>
+          <p:nvPr>
+            <p:ph idx="1"/>
+          </p:nvPr>
+        </p:nvSpPr>
+        <p:spPr/>
+        <p:txBody>
+          <a:bodyPr>
+            <a:normAutofit/>
+          </a:bodyPr>
+          <a:lstStyle/>
+          <a:p>
+            <a:r>
+              <a:rPr lang="pt-BR" sz="2000">
+                <a:latin typeface="Arial" panose="020B0604020202020204" pitchFamily="34" charset="0"/>
+                <a:cs typeface="Arial" panose="020B0604020202020204" pitchFamily="34" charset="0"/>
+              </a:rPr>
+              <a:t>Os dados serão armazenados em nosso banco de dados, todas as informações pedidas para o cadastro serão armazenadas e os sensores atribuídos a seus respectivos clientes</a:t>
+            </a:r>
+            <a:endParaRPr lang="pt-BR" sz="2000" dirty="0">
+              <a:latin typeface="Arial" panose="020B0604020202020204" pitchFamily="34" charset="0"/>
+              <a:cs typeface="Arial" panose="020B0604020202020204" pitchFamily="34" charset="0"/>
+            </a:endParaRPr>
+          </a:p>
+        </p:txBody>
+      </p:sp>
+      <p:pic>
+        <p:nvPicPr>
+          <p:cNvPr id="4" name="Picture 2" descr="Waste Water Treatment Leakage Broke Svg Png Icon Free Download (#569149) -  OnlineWebFonts.COM">
+            <a:extLst>
+              <a:ext uri="{FF2B5EF4-FFF2-40B4-BE49-F238E27FC236}">
+                <a16:creationId xmlns:a16="http://schemas.microsoft.com/office/drawing/2014/main" id="{A9027475-A512-4FFC-B95F-6730DF59B3DE}"/>
+              </a:ext>
+            </a:extLst>
+          </p:cNvPr>
+          <p:cNvPicPr>
+            <a:picLocks noChangeAspect="1" noChangeArrowheads="1"/>
+          </p:cNvPicPr>
+          <p:nvPr/>
+        </p:nvPicPr>
+        <p:blipFill rotWithShape="1">
+          <a:blip r:embed="rId2">
+            <a:alphaModFix/>
+            <a:extLst>
+              <a:ext uri="{28A0092B-C50C-407E-A947-70E740481C1C}">
+                <a14:useLocalDpi xmlns:a14="http://schemas.microsoft.com/office/drawing/2010/main" val="0"/>
+              </a:ext>
+            </a:extLst>
+          </a:blip>
+          <a:srcRect r="548"/>
+          <a:stretch/>
+        </p:blipFill>
+        <p:spPr bwMode="auto">
+          <a:xfrm>
+            <a:off x="314372" y="4851908"/>
+            <a:ext cx="1870411" cy="2006092"/>
+          </a:xfrm>
+          <a:prstGeom prst="rect">
+            <a:avLst/>
+          </a:prstGeom>
+          <a:noFill/>
+          <a:extLst>
+            <a:ext uri="{909E8E84-426E-40DD-AFC4-6F175D3DCCD1}">
+              <a14:hiddenFill xmlns:a14="http://schemas.microsoft.com/office/drawing/2010/main">
+                <a:solidFill>
+                  <a:srgbClr val="FFFFFF"/>
+                </a:solidFill>
+              </a14:hiddenFill>
+            </a:ext>
+          </a:extLst>
+        </p:spPr>
+      </p:pic>
+      <p:pic>
+        <p:nvPicPr>
+          <p:cNvPr id="5" name="Picture 6" descr="temperature and humidity sensor">
+            <a:extLst>
+              <a:ext uri="{FF2B5EF4-FFF2-40B4-BE49-F238E27FC236}">
+                <a16:creationId xmlns:a16="http://schemas.microsoft.com/office/drawing/2014/main" id="{B285B2BE-0AF8-4A57-823E-D0EFFB44C254}"/>
+              </a:ext>
+            </a:extLst>
+          </p:cNvPr>
+          <p:cNvPicPr>
+            <a:picLocks noChangeAspect="1" noChangeArrowheads="1"/>
+          </p:cNvPicPr>
+          <p:nvPr/>
+        </p:nvPicPr>
+        <p:blipFill>
+          <a:blip r:embed="rId3">
+            <a:extLst>
+              <a:ext uri="{28A0092B-C50C-407E-A947-70E740481C1C}">
+                <a14:useLocalDpi xmlns:a14="http://schemas.microsoft.com/office/drawing/2010/main" val="0"/>
+              </a:ext>
+            </a:extLst>
+          </a:blip>
+          <a:srcRect/>
+          <a:stretch>
+            <a:fillRect/>
+          </a:stretch>
+        </p:blipFill>
+        <p:spPr bwMode="auto">
+          <a:xfrm rot="18635752">
+            <a:off x="1092002" y="6225041"/>
+            <a:ext cx="315149" cy="315149"/>
+          </a:xfrm>
+          <a:prstGeom prst="rect">
+            <a:avLst/>
+          </a:prstGeom>
+          <a:noFill/>
+          <a:extLst>
+            <a:ext uri="{909E8E84-426E-40DD-AFC4-6F175D3DCCD1}">
+              <a14:hiddenFill xmlns:a14="http://schemas.microsoft.com/office/drawing/2010/main">
+                <a:solidFill>
+                  <a:srgbClr val="FFFFFF"/>
+                </a:solidFill>
+              </a14:hiddenFill>
+            </a:ext>
+          </a:extLst>
+        </p:spPr>
+      </p:pic>
+      <p:pic>
+        <p:nvPicPr>
+          <p:cNvPr id="6" name="Picture 8" descr="Alert Alt Svg Png Icon Free Download (#565392) - OnlineWebFonts.COM">
+            <a:extLst>
+              <a:ext uri="{FF2B5EF4-FFF2-40B4-BE49-F238E27FC236}">
+                <a16:creationId xmlns:a16="http://schemas.microsoft.com/office/drawing/2014/main" id="{2E7665F3-0BAE-4C54-AF17-EF1B6CAB0B8F}"/>
+              </a:ext>
+            </a:extLst>
+          </p:cNvPr>
+          <p:cNvPicPr>
+            <a:picLocks noChangeAspect="1" noChangeArrowheads="1"/>
+          </p:cNvPicPr>
+          <p:nvPr/>
+        </p:nvPicPr>
+        <p:blipFill rotWithShape="1">
+          <a:blip r:embed="rId4">
+            <a:duotone>
+              <a:schemeClr val="accent2">
+                <a:shade val="45000"/>
+                <a:satMod val="135000"/>
+              </a:schemeClr>
+              <a:prstClr val="white"/>
+            </a:duotone>
+            <a:alphaModFix/>
+            <a:extLst>
+              <a:ext uri="{BEBA8EAE-BF5A-486C-A8C5-ECC9F3942E4B}">
+                <a14:imgProps xmlns:a14="http://schemas.microsoft.com/office/drawing/2010/main">
+                  <a14:imgLayer r:embed="rId5">
+                    <a14:imgEffect>
+                      <a14:colorTemperature colorTemp="6360"/>
+                    </a14:imgEffect>
+                    <a14:imgEffect>
+                      <a14:saturation sat="191000"/>
+                    </a14:imgEffect>
+                  </a14:imgLayer>
+                </a14:imgProps>
+              </a:ext>
+              <a:ext uri="{28A0092B-C50C-407E-A947-70E740481C1C}">
+                <a14:useLocalDpi xmlns:a14="http://schemas.microsoft.com/office/drawing/2010/main" val="0"/>
+              </a:ext>
+            </a:extLst>
+          </a:blip>
+          <a:srcRect b="72111"/>
+          <a:stretch/>
+        </p:blipFill>
+        <p:spPr bwMode="auto">
+          <a:xfrm rot="13158707">
+            <a:off x="841771" y="6471416"/>
+            <a:ext cx="491158" cy="209764"/>
+          </a:xfrm>
+          <a:prstGeom prst="rect">
+            <a:avLst/>
+          </a:prstGeom>
+          <a:noFill/>
+          <a:ln>
+            <a:noFill/>
+          </a:ln>
+        </p:spPr>
+      </p:pic>
+      <p:pic>
+        <p:nvPicPr>
+          <p:cNvPr id="1026" name="Picture 2" descr="poste elétrico - ícones de eletrônicos grátis">
+            <a:extLst>
+              <a:ext uri="{FF2B5EF4-FFF2-40B4-BE49-F238E27FC236}">
+                <a16:creationId xmlns:a16="http://schemas.microsoft.com/office/drawing/2014/main" id="{49B43E45-D4D5-48F4-8B57-4A932C3C7CD5}"/>
+              </a:ext>
+            </a:extLst>
+          </p:cNvPr>
+          <p:cNvPicPr>
+            <a:picLocks noChangeAspect="1" noChangeArrowheads="1"/>
+          </p:cNvPicPr>
+          <p:nvPr/>
+        </p:nvPicPr>
+        <p:blipFill>
+          <a:blip r:embed="rId6">
+            <a:extLst>
+              <a:ext uri="{28A0092B-C50C-407E-A947-70E740481C1C}">
+                <a14:useLocalDpi xmlns:a14="http://schemas.microsoft.com/office/drawing/2010/main" val="0"/>
+              </a:ext>
+            </a:extLst>
+          </a:blip>
+          <a:srcRect/>
+          <a:stretch>
+            <a:fillRect/>
+          </a:stretch>
+        </p:blipFill>
+        <p:spPr bwMode="auto">
+          <a:xfrm>
+            <a:off x="2708610" y="3143029"/>
+            <a:ext cx="1708879" cy="1708879"/>
+          </a:xfrm>
+          <a:prstGeom prst="rect">
+            <a:avLst/>
+          </a:prstGeom>
+          <a:noFill/>
+          <a:extLst>
+            <a:ext uri="{909E8E84-426E-40DD-AFC4-6F175D3DCCD1}">
+              <a14:hiddenFill xmlns:a14="http://schemas.microsoft.com/office/drawing/2010/main">
+                <a:solidFill>
+                  <a:srgbClr val="FFFFFF"/>
+                </a:solidFill>
+              </a14:hiddenFill>
+            </a:ext>
+          </a:extLst>
+        </p:spPr>
+      </p:pic>
+      <p:pic>
+        <p:nvPicPr>
+          <p:cNvPr id="1030" name="Picture 6" descr="Roteador Wi-Fi Ícone - Download Grátis, PNG e Vetores">
+            <a:extLst>
+              <a:ext uri="{FF2B5EF4-FFF2-40B4-BE49-F238E27FC236}">
+                <a16:creationId xmlns:a16="http://schemas.microsoft.com/office/drawing/2014/main" id="{7A8BDA75-8082-4131-8F58-CCE859769CBD}"/>
+              </a:ext>
+            </a:extLst>
+          </p:cNvPr>
+          <p:cNvPicPr>
+            <a:picLocks noChangeAspect="1" noChangeArrowheads="1"/>
+          </p:cNvPicPr>
+          <p:nvPr/>
+        </p:nvPicPr>
+        <p:blipFill rotWithShape="1">
+          <a:blip r:embed="rId7">
+            <a:extLst>
+              <a:ext uri="{28A0092B-C50C-407E-A947-70E740481C1C}">
+                <a14:useLocalDpi xmlns:a14="http://schemas.microsoft.com/office/drawing/2010/main" val="0"/>
+              </a:ext>
+            </a:extLst>
+          </a:blip>
+          <a:srcRect r="5484" b="5242"/>
+          <a:stretch/>
+        </p:blipFill>
+        <p:spPr bwMode="auto">
+          <a:xfrm>
+            <a:off x="2708612" y="2809952"/>
+            <a:ext cx="742512" cy="744410"/>
+          </a:xfrm>
+          <a:prstGeom prst="rect">
+            <a:avLst/>
+          </a:prstGeom>
+          <a:noFill/>
+          <a:extLst>
+            <a:ext uri="{909E8E84-426E-40DD-AFC4-6F175D3DCCD1}">
+              <a14:hiddenFill xmlns:a14="http://schemas.microsoft.com/office/drawing/2010/main">
+                <a:solidFill>
+                  <a:srgbClr val="FFFFFF"/>
+                </a:solidFill>
+              </a14:hiddenFill>
+            </a:ext>
+          </a:extLst>
+        </p:spPr>
+      </p:pic>
+      <p:pic>
+        <p:nvPicPr>
+          <p:cNvPr id="1032" name="Picture 8" descr="ícone Servidor Livre de WHCompare Isometric Web Hosting &amp; Servers">
+            <a:extLst>
+              <a:ext uri="{FF2B5EF4-FFF2-40B4-BE49-F238E27FC236}">
+                <a16:creationId xmlns:a16="http://schemas.microsoft.com/office/drawing/2014/main" id="{CBDCF82D-42C4-4EB5-BDEF-78695D8EACC1}"/>
+              </a:ext>
+            </a:extLst>
+          </p:cNvPr>
+          <p:cNvPicPr>
+            <a:picLocks noChangeAspect="1" noChangeArrowheads="1"/>
+          </p:cNvPicPr>
+          <p:nvPr/>
+        </p:nvPicPr>
+        <p:blipFill>
+          <a:blip r:embed="rId8">
+            <a:extLst>
+              <a:ext uri="{28A0092B-C50C-407E-A947-70E740481C1C}">
+                <a14:useLocalDpi xmlns:a14="http://schemas.microsoft.com/office/drawing/2010/main" val="0"/>
+              </a:ext>
+            </a:extLst>
+          </a:blip>
+          <a:srcRect/>
+          <a:stretch>
+            <a:fillRect/>
+          </a:stretch>
+        </p:blipFill>
+        <p:spPr bwMode="auto">
+          <a:xfrm>
+            <a:off x="4941316" y="4759790"/>
+            <a:ext cx="2190327" cy="2190327"/>
+          </a:xfrm>
+          <a:prstGeom prst="rect">
+            <a:avLst/>
+          </a:prstGeom>
+          <a:noFill/>
+          <a:extLst>
+            <a:ext uri="{909E8E84-426E-40DD-AFC4-6F175D3DCCD1}">
+              <a14:hiddenFill xmlns:a14="http://schemas.microsoft.com/office/drawing/2010/main">
+                <a:solidFill>
+                  <a:srgbClr val="FFFFFF"/>
+                </a:solidFill>
+              </a14:hiddenFill>
+            </a:ext>
+          </a:extLst>
+        </p:spPr>
+      </p:pic>
+      <p:pic>
+        <p:nvPicPr>
+          <p:cNvPr id="1034" name="Picture 10" descr="Person using computer icon vector illustration design.">
+            <a:extLst>
+              <a:ext uri="{FF2B5EF4-FFF2-40B4-BE49-F238E27FC236}">
+                <a16:creationId xmlns:a16="http://schemas.microsoft.com/office/drawing/2014/main" id="{54807AD0-A037-46D2-9142-5A86027BD3DE}"/>
+              </a:ext>
+            </a:extLst>
+          </p:cNvPr>
+          <p:cNvPicPr>
+            <a:picLocks noChangeAspect="1" noChangeArrowheads="1"/>
+          </p:cNvPicPr>
+          <p:nvPr/>
+        </p:nvPicPr>
+        <p:blipFill rotWithShape="1">
+          <a:blip r:embed="rId9">
+            <a:extLst>
+              <a:ext uri="{28A0092B-C50C-407E-A947-70E740481C1C}">
+                <a14:useLocalDpi xmlns:a14="http://schemas.microsoft.com/office/drawing/2010/main" val="0"/>
+              </a:ext>
+            </a:extLst>
+          </a:blip>
+          <a:srcRect b="20960"/>
+          <a:stretch/>
+        </p:blipFill>
+        <p:spPr bwMode="auto">
+          <a:xfrm>
+            <a:off x="7774512" y="2947883"/>
+            <a:ext cx="1940641" cy="1661705"/>
+          </a:xfrm>
+          <a:prstGeom prst="rect">
+            <a:avLst/>
+          </a:prstGeom>
+          <a:noFill/>
+          <a:extLst>
+            <a:ext uri="{909E8E84-426E-40DD-AFC4-6F175D3DCCD1}">
+              <a14:hiddenFill xmlns:a14="http://schemas.microsoft.com/office/drawing/2010/main">
+                <a:solidFill>
+                  <a:srgbClr val="FFFFFF"/>
+                </a:solidFill>
+              </a14:hiddenFill>
+            </a:ext>
+          </a:extLst>
+        </p:spPr>
+      </p:pic>
+      <p:pic>
+        <p:nvPicPr>
+          <p:cNvPr id="1036" name="Picture 12" descr="computer, desktop, laptop, mac, monitor, pc, screen icon | Conjunto de  ícones, Conjunto de">
+            <a:extLst>
+              <a:ext uri="{FF2B5EF4-FFF2-40B4-BE49-F238E27FC236}">
+                <a16:creationId xmlns:a16="http://schemas.microsoft.com/office/drawing/2014/main" id="{207611DD-ED0F-4EF6-86BE-D157312D68E1}"/>
+              </a:ext>
+            </a:extLst>
+          </p:cNvPr>
+          <p:cNvPicPr>
+            <a:picLocks noChangeAspect="1" noChangeArrowheads="1"/>
+          </p:cNvPicPr>
+          <p:nvPr/>
+        </p:nvPicPr>
+        <p:blipFill>
+          <a:blip r:embed="rId10">
+            <a:extLst>
+              <a:ext uri="{28A0092B-C50C-407E-A947-70E740481C1C}">
+                <a14:useLocalDpi xmlns:a14="http://schemas.microsoft.com/office/drawing/2010/main" val="0"/>
+              </a:ext>
+            </a:extLst>
+          </a:blip>
+          <a:srcRect/>
+          <a:stretch>
+            <a:fillRect/>
+          </a:stretch>
+        </p:blipFill>
+        <p:spPr bwMode="auto">
+          <a:xfrm>
+            <a:off x="9560874" y="2906200"/>
+            <a:ext cx="2190327" cy="1981045"/>
+          </a:xfrm>
+          <a:prstGeom prst="rect">
+            <a:avLst/>
+          </a:prstGeom>
+          <a:noFill/>
+          <a:extLst>
+            <a:ext uri="{909E8E84-426E-40DD-AFC4-6F175D3DCCD1}">
+              <a14:hiddenFill xmlns:a14="http://schemas.microsoft.com/office/drawing/2010/main">
+                <a:solidFill>
+                  <a:srgbClr val="FFFFFF"/>
+                </a:solidFill>
+              </a14:hiddenFill>
+            </a:ext>
+          </a:extLst>
+        </p:spPr>
+      </p:pic>
+      <p:sp>
+        <p:nvSpPr>
+          <p:cNvPr id="7" name="CaixaDeTexto 6">
+            <a:extLst>
+              <a:ext uri="{FF2B5EF4-FFF2-40B4-BE49-F238E27FC236}">
+                <a16:creationId xmlns:a16="http://schemas.microsoft.com/office/drawing/2014/main" id="{C3D9AF88-2C98-4553-B0A1-E0B2F86C0658}"/>
+              </a:ext>
+            </a:extLst>
+          </p:cNvPr>
+          <p:cNvSpPr txBox="1"/>
+          <p:nvPr/>
+        </p:nvSpPr>
+        <p:spPr>
+          <a:xfrm>
+            <a:off x="9674157" y="3169442"/>
+            <a:ext cx="2077044" cy="830997"/>
+          </a:xfrm>
+          <a:prstGeom prst="rect">
+            <a:avLst/>
+          </a:prstGeom>
+          <a:noFill/>
+        </p:spPr>
+        <p:txBody>
+          <a:bodyPr wrap="square" rtlCol="0">
+            <a:spAutoFit/>
+          </a:bodyPr>
+          <a:lstStyle/>
+          <a:p>
+            <a:r>
+              <a:rPr lang="pt-BR" sz="1600" b="1" dirty="0">
+                <a:latin typeface="Arial" panose="020B0604020202020204" pitchFamily="34" charset="0"/>
+                <a:cs typeface="Arial" panose="020B0604020202020204" pitchFamily="34" charset="0"/>
+              </a:rPr>
+              <a:t>Sensor 3 detectou um possível vazamento</a:t>
+            </a:r>
+          </a:p>
+        </p:txBody>
+      </p:sp>
+      <p:sp>
+        <p:nvSpPr>
+          <p:cNvPr id="12" name="Seta: Dobrada 11">
+            <a:extLst>
+              <a:ext uri="{FF2B5EF4-FFF2-40B4-BE49-F238E27FC236}">
+                <a16:creationId xmlns:a16="http://schemas.microsoft.com/office/drawing/2014/main" id="{4366ED66-17D2-466D-B291-EE6FBF8C3D21}"/>
+              </a:ext>
+            </a:extLst>
+          </p:cNvPr>
+          <p:cNvSpPr/>
+          <p:nvPr/>
+        </p:nvSpPr>
+        <p:spPr>
+          <a:xfrm>
+            <a:off x="1012728" y="3308498"/>
+            <a:ext cx="1459034" cy="1377939"/>
+          </a:xfrm>
+          <a:prstGeom prst="bentArrow">
+            <a:avLst/>
+          </a:prstGeom>
+          <a:solidFill>
+            <a:schemeClr val="tx1"/>
+          </a:solidFill>
+          <a:ln w="28575">
+            <a:solidFill>
+              <a:schemeClr val="accent1"/>
+            </a:solidFill>
+          </a:ln>
+        </p:spPr>
+        <p:style>
+          <a:lnRef idx="2">
+            <a:schemeClr val="accent1">
+              <a:shade val="50000"/>
+            </a:schemeClr>
+          </a:lnRef>
+          <a:fillRef idx="1">
+            <a:schemeClr val="accent1"/>
+          </a:fillRef>
+          <a:effectRef idx="0">
+            <a:schemeClr val="accent1"/>
+          </a:effectRef>
+          <a:fontRef idx="minor">
+            <a:schemeClr val="lt1"/>
+          </a:fontRef>
+        </p:style>
+        <p:txBody>
+          <a:bodyPr rtlCol="0" anchor="ctr"/>
+          <a:lstStyle/>
+          <a:p>
+            <a:pPr algn="ctr"/>
+            <a:endParaRPr lang="pt-BR">
+              <a:solidFill>
+                <a:schemeClr val="tx1"/>
+              </a:solidFill>
+            </a:endParaRPr>
+          </a:p>
+        </p:txBody>
+      </p:sp>
+      <p:sp>
+        <p:nvSpPr>
+          <p:cNvPr id="27" name="Seta: Dobrada 26">
+            <a:extLst>
+              <a:ext uri="{FF2B5EF4-FFF2-40B4-BE49-F238E27FC236}">
+                <a16:creationId xmlns:a16="http://schemas.microsoft.com/office/drawing/2014/main" id="{E1B164E1-E2B1-4315-87E5-DFE21A4AE3F1}"/>
+              </a:ext>
+            </a:extLst>
+          </p:cNvPr>
+          <p:cNvSpPr/>
+          <p:nvPr/>
+        </p:nvSpPr>
+        <p:spPr>
+          <a:xfrm rot="5400000">
+            <a:off x="4933089" y="3202886"/>
+            <a:ext cx="1258227" cy="1708879"/>
+          </a:xfrm>
+          <a:prstGeom prst="bentArrow">
+            <a:avLst>
+              <a:gd name="adj1" fmla="val 25000"/>
+              <a:gd name="adj2" fmla="val 25535"/>
+              <a:gd name="adj3" fmla="val 25000"/>
+              <a:gd name="adj4" fmla="val 43750"/>
+            </a:avLst>
+          </a:prstGeom>
+          <a:solidFill>
+            <a:schemeClr val="tx1"/>
+          </a:solidFill>
+          <a:ln w="28575">
+            <a:solidFill>
+              <a:schemeClr val="accent1"/>
+            </a:solidFill>
+          </a:ln>
+        </p:spPr>
+        <p:style>
+          <a:lnRef idx="2">
+            <a:schemeClr val="accent1">
+              <a:shade val="50000"/>
+            </a:schemeClr>
+          </a:lnRef>
+          <a:fillRef idx="1">
+            <a:schemeClr val="accent1"/>
+          </a:fillRef>
+          <a:effectRef idx="0">
+            <a:schemeClr val="accent1"/>
+          </a:effectRef>
+          <a:fontRef idx="minor">
+            <a:schemeClr val="lt1"/>
+          </a:fontRef>
+        </p:style>
+        <p:txBody>
+          <a:bodyPr rtlCol="0" anchor="ctr"/>
+          <a:lstStyle/>
+          <a:p>
+            <a:pPr algn="ctr"/>
+            <a:endParaRPr lang="pt-BR">
+              <a:solidFill>
+                <a:schemeClr val="tx1"/>
+              </a:solidFill>
+            </a:endParaRPr>
+          </a:p>
+        </p:txBody>
+      </p:sp>
+      <p:sp>
+        <p:nvSpPr>
+          <p:cNvPr id="30" name="Seta: Dobrada 29">
+            <a:extLst>
+              <a:ext uri="{FF2B5EF4-FFF2-40B4-BE49-F238E27FC236}">
+                <a16:creationId xmlns:a16="http://schemas.microsoft.com/office/drawing/2014/main" id="{CDD5915B-A970-438D-BF62-32FB5A19344B}"/>
+              </a:ext>
+            </a:extLst>
+          </p:cNvPr>
+          <p:cNvSpPr/>
+          <p:nvPr/>
+        </p:nvSpPr>
+        <p:spPr>
+          <a:xfrm rot="5400000" flipH="1">
+            <a:off x="7666041" y="4223741"/>
+            <a:ext cx="1360433" cy="2429231"/>
+          </a:xfrm>
+          <a:prstGeom prst="bentArrow">
+            <a:avLst>
+              <a:gd name="adj1" fmla="val 25000"/>
+              <a:gd name="adj2" fmla="val 25535"/>
+              <a:gd name="adj3" fmla="val 25000"/>
+              <a:gd name="adj4" fmla="val 43750"/>
+            </a:avLst>
+          </a:prstGeom>
+          <a:solidFill>
+            <a:schemeClr val="tx1"/>
+          </a:solidFill>
+          <a:ln w="28575">
+            <a:solidFill>
+              <a:schemeClr val="accent1"/>
+            </a:solidFill>
+          </a:ln>
+        </p:spPr>
+        <p:style>
+          <a:lnRef idx="2">
+            <a:schemeClr val="accent1">
+              <a:shade val="50000"/>
+            </a:schemeClr>
+          </a:lnRef>
+          <a:fillRef idx="1">
+            <a:schemeClr val="accent1"/>
+          </a:fillRef>
+          <a:effectRef idx="0">
+            <a:schemeClr val="accent1"/>
+          </a:effectRef>
+          <a:fontRef idx="minor">
+            <a:schemeClr val="lt1"/>
+          </a:fontRef>
+        </p:style>
+        <p:txBody>
+          <a:bodyPr rtlCol="0" anchor="ctr"/>
+          <a:lstStyle/>
+          <a:p>
+            <a:pPr algn="ctr"/>
+            <a:endParaRPr lang="pt-BR">
+              <a:solidFill>
+                <a:schemeClr val="tx1"/>
+              </a:solidFill>
+            </a:endParaRPr>
+          </a:p>
+        </p:txBody>
+      </p:sp>
+      <p:cxnSp>
+        <p:nvCxnSpPr>
+          <p:cNvPr id="18" name="Conector reto 17">
+            <a:extLst>
+              <a:ext uri="{FF2B5EF4-FFF2-40B4-BE49-F238E27FC236}">
+                <a16:creationId xmlns:a16="http://schemas.microsoft.com/office/drawing/2014/main" id="{6105CB52-E11F-4E14-B6A3-6554486FA74A}"/>
+              </a:ext>
+            </a:extLst>
+          </p:cNvPr>
+          <p:cNvCxnSpPr/>
+          <p:nvPr/>
+        </p:nvCxnSpPr>
+        <p:spPr>
+          <a:xfrm>
+            <a:off x="314372" y="2625213"/>
+            <a:ext cx="11436829" cy="0"/>
+          </a:xfrm>
+          <a:prstGeom prst="line">
+            <a:avLst/>
+          </a:prstGeom>
+          <a:ln>
+            <a:solidFill>
+              <a:schemeClr val="tx1"/>
+            </a:solidFill>
+          </a:ln>
+        </p:spPr>
+        <p:style>
+          <a:lnRef idx="3">
+            <a:schemeClr val="dk1"/>
+          </a:lnRef>
+          <a:fillRef idx="0">
+            <a:schemeClr val="dk1"/>
+          </a:fillRef>
+          <a:effectRef idx="2">
+            <a:schemeClr val="dk1"/>
+          </a:effectRef>
+          <a:fontRef idx="minor">
+            <a:schemeClr val="tx1"/>
+          </a:fontRef>
+        </p:style>
+      </p:cxnSp>
+      <p:pic>
+        <p:nvPicPr>
+          <p:cNvPr id="33" name="Imagem 32">
+            <a:extLst>
+              <a:ext uri="{FF2B5EF4-FFF2-40B4-BE49-F238E27FC236}">
+                <a16:creationId xmlns:a16="http://schemas.microsoft.com/office/drawing/2014/main" id="{B7DA62BD-20DE-46B7-A3D7-DC7738701FEC}"/>
+              </a:ext>
+            </a:extLst>
+          </p:cNvPr>
+          <p:cNvPicPr>
+            <a:picLocks noChangeAspect="1"/>
+          </p:cNvPicPr>
+          <p:nvPr/>
+        </p:nvPicPr>
+        <p:blipFill>
+          <a:blip r:embed="rId11"/>
+          <a:stretch>
+            <a:fillRect/>
+          </a:stretch>
+        </p:blipFill>
+        <p:spPr>
+          <a:xfrm>
+            <a:off x="53894" y="35169"/>
+            <a:ext cx="1035488" cy="1035488"/>
+          </a:xfrm>
+          <a:prstGeom prst="rect">
+            <a:avLst/>
+          </a:prstGeom>
+        </p:spPr>
+      </p:pic>
+    </p:spTree>
+    <p:extLst>
+      <p:ext uri="{BB962C8B-B14F-4D97-AF65-F5344CB8AC3E}">
+        <p14:creationId xmlns:p14="http://schemas.microsoft.com/office/powerpoint/2010/main" val="1654437090"/>
+      </p:ext>
+    </p:extLst>
+  </p:cSld>
+  <p:clrMapOvr>
+    <a:masterClrMapping/>
+  </p:clrMapOvr>
+</p:sld>
+</file>
+
 <file path=ppt/slides/slide2.xml><?xml version="1.0" encoding="utf-8"?>
 <p:sld xmlns:a="http://schemas.openxmlformats.org/drawingml/2006/main" xmlns:r="http://schemas.openxmlformats.org/officeDocument/2006/relationships" xmlns:p="http://schemas.openxmlformats.org/presentationml/2006/main">
   <p:cSld>
@@ -6414,47 +8465,12 @@
           <a:chExt cx="0" cy="0"/>
         </a:xfrm>
       </p:grpSpPr>
-      <p:pic>
-        <p:nvPicPr>
-          <p:cNvPr id="3" name="Imagem 2" descr="Tela de computador com texto preto sobre fundo branco&#10;&#10;Descrição gerada automaticamente">
-            <a:extLst>
-              <a:ext uri="{FF2B5EF4-FFF2-40B4-BE49-F238E27FC236}">
-                <a16:creationId xmlns:a16="http://schemas.microsoft.com/office/drawing/2014/main" id="{B607FAA0-4E26-4001-A444-6AB4A5C2BBFB}"/>
-              </a:ext>
-            </a:extLst>
-          </p:cNvPr>
-          <p:cNvPicPr/>
-          <p:nvPr/>
-        </p:nvPicPr>
-        <p:blipFill>
-          <a:blip r:embed="rId2" cstate="print">
-            <a:extLst>
-              <a:ext uri="{28A0092B-C50C-407E-A947-70E740481C1C}">
-                <a14:useLocalDpi xmlns:a14="http://schemas.microsoft.com/office/drawing/2010/main" val="0"/>
-              </a:ext>
-            </a:extLst>
-          </a:blip>
-          <a:stretch>
-            <a:fillRect/>
-          </a:stretch>
-        </p:blipFill>
-        <p:spPr bwMode="auto">
-          <a:xfrm>
-            <a:off x="221227" y="144240"/>
-            <a:ext cx="5384028" cy="3174104"/>
-          </a:xfrm>
-          <a:prstGeom prst="rect">
-            <a:avLst/>
-          </a:prstGeom>
-          <a:noFill/>
-        </p:spPr>
-      </p:pic>
-      <p:sp>
-        <p:nvSpPr>
-          <p:cNvPr id="11" name="Rectangle 10">
-            <a:extLst>
-              <a:ext uri="{FF2B5EF4-FFF2-40B4-BE49-F238E27FC236}">
-                <a16:creationId xmlns:a16="http://schemas.microsoft.com/office/drawing/2014/main" id="{417CDA24-35F8-4540-8C52-3096D6D94949}"/>
+      <p:sp>
+        <p:nvSpPr>
+          <p:cNvPr id="50" name="Rectangle 49">
+            <a:extLst>
+              <a:ext uri="{FF2B5EF4-FFF2-40B4-BE49-F238E27FC236}">
+                <a16:creationId xmlns:a16="http://schemas.microsoft.com/office/drawing/2014/main" id="{A9F529C3-C941-49FD-8C67-82F134F64BDB}"/>
               </a:ext>
               <a:ext uri="{C183D7F6-B498-43B3-948B-1728B52AA6E4}">
                 <adec:decorative xmlns:adec="http://schemas.microsoft.com/office/drawing/2017/decorative" val="1"/>
@@ -6474,16 +8490,17 @@
         </p:nvSpPr>
         <p:spPr>
           <a:xfrm>
-            <a:off x="6050280" y="0"/>
-            <a:ext cx="91440" cy="6858000"/>
+            <a:off x="0" y="0"/>
+            <a:ext cx="12192000" cy="6858000"/>
           </a:xfrm>
           <a:prstGeom prst="rect">
             <a:avLst/>
           </a:prstGeom>
           <a:solidFill>
             <a:schemeClr val="tx1">
-              <a:lumMod val="75000"/>
-              <a:lumOff val="25000"/>
+              <a:lumMod val="50000"/>
+              <a:lumOff val="50000"/>
+              <a:alpha val="30000"/>
             </a:schemeClr>
           </a:solidFill>
           <a:ln>
@@ -6515,48 +8532,12 @@
           </a:p>
         </p:txBody>
       </p:sp>
-      <p:pic>
-        <p:nvPicPr>
-          <p:cNvPr id="6" name="Imagem 5" descr="Tela de celular com texto preto sobre fundo branco&#10;&#10;Descrição gerada automaticamente">
-            <a:extLst>
-              <a:ext uri="{FF2B5EF4-FFF2-40B4-BE49-F238E27FC236}">
-                <a16:creationId xmlns:a16="http://schemas.microsoft.com/office/drawing/2014/main" id="{6E6F9085-635A-4BAC-9856-DAD1A9F91190}"/>
-              </a:ext>
-            </a:extLst>
-          </p:cNvPr>
-          <p:cNvPicPr>
-            <a:picLocks noChangeAspect="1"/>
-          </p:cNvPicPr>
-          <p:nvPr/>
-        </p:nvPicPr>
-        <p:blipFill>
-          <a:blip r:embed="rId3">
-            <a:extLst>
-              <a:ext uri="{28A0092B-C50C-407E-A947-70E740481C1C}">
-                <a14:useLocalDpi xmlns:a14="http://schemas.microsoft.com/office/drawing/2010/main" val="0"/>
-              </a:ext>
-            </a:extLst>
-          </a:blip>
-          <a:stretch>
-            <a:fillRect/>
-          </a:stretch>
-        </p:blipFill>
-        <p:spPr>
-          <a:xfrm>
-            <a:off x="7084635" y="52800"/>
-            <a:ext cx="4065145" cy="3265544"/>
-          </a:xfrm>
-          <a:prstGeom prst="rect">
-            <a:avLst/>
-          </a:prstGeom>
-        </p:spPr>
-      </p:pic>
-      <p:sp>
-        <p:nvSpPr>
-          <p:cNvPr id="19" name="Rectangle 12">
-            <a:extLst>
-              <a:ext uri="{FF2B5EF4-FFF2-40B4-BE49-F238E27FC236}">
-                <a16:creationId xmlns:a16="http://schemas.microsoft.com/office/drawing/2014/main" id="{8658BFE0-4E65-4174-9C75-687C94E88273}"/>
+      <p:sp>
+        <p:nvSpPr>
+          <p:cNvPr id="52" name="Rectangle 51">
+            <a:extLst>
+              <a:ext uri="{FF2B5EF4-FFF2-40B4-BE49-F238E27FC236}">
+                <a16:creationId xmlns:a16="http://schemas.microsoft.com/office/drawing/2014/main" id="{20586029-32A0-47E5-9AEC-AE3ABA6B94D0}"/>
               </a:ext>
               <a:ext uri="{C183D7F6-B498-43B3-948B-1728B52AA6E4}">
                 <adec:decorative xmlns:adec="http://schemas.microsoft.com/office/drawing/2017/decorative" val="1"/>
@@ -6576,21 +8557,25 @@
         </p:nvSpPr>
         <p:spPr>
           <a:xfrm>
-            <a:off x="0" y="3383280"/>
-            <a:ext cx="6126480" cy="91440"/>
+            <a:off x="477012" y="480060"/>
+            <a:ext cx="11237976" cy="5897880"/>
           </a:xfrm>
           <a:prstGeom prst="rect">
             <a:avLst/>
           </a:prstGeom>
           <a:solidFill>
-            <a:schemeClr val="tx1">
-              <a:lumMod val="75000"/>
-              <a:lumOff val="25000"/>
-            </a:schemeClr>
+            <a:srgbClr val="FFFFFF"/>
           </a:solidFill>
-          <a:ln>
+          <a:ln w="9525">
             <a:noFill/>
           </a:ln>
+          <a:effectLst>
+            <a:outerShdw blurRad="63500" dist="17780" dir="5400000" algn="t" rotWithShape="0">
+              <a:prstClr val="black">
+                <a:alpha val="43000"/>
+              </a:prstClr>
+            </a:outerShdw>
+          </a:effectLst>
         </p:spPr>
         <p:style>
           <a:lnRef idx="2">
@@ -6617,21 +8602,48 @@
           </a:p>
         </p:txBody>
       </p:sp>
-      <p:sp>
-        <p:nvSpPr>
-          <p:cNvPr id="20" name="Rectangle 14">
-            <a:extLst>
-              <a:ext uri="{FF2B5EF4-FFF2-40B4-BE49-F238E27FC236}">
-                <a16:creationId xmlns:a16="http://schemas.microsoft.com/office/drawing/2014/main" id="{FA75DFED-A0C1-4A83-BE1D-0271C1826EF6}"/>
+      <p:pic>
+        <p:nvPicPr>
+          <p:cNvPr id="2" name="Imagem 1">
+            <a:extLst>
+              <a:ext uri="{FF2B5EF4-FFF2-40B4-BE49-F238E27FC236}">
+                <a16:creationId xmlns:a16="http://schemas.microsoft.com/office/drawing/2014/main" id="{1D617A6C-987F-432E-9A64-F60CA09DA181}"/>
+              </a:ext>
+            </a:extLst>
+          </p:cNvPr>
+          <p:cNvPicPr/>
+          <p:nvPr/>
+        </p:nvPicPr>
+        <p:blipFill rotWithShape="1">
+          <a:blip r:embed="rId2"/>
+          <a:srcRect l="10374" t="10558" r="18313" b="21207"/>
+          <a:stretch/>
+        </p:blipFill>
+        <p:spPr>
+          <a:xfrm>
+            <a:off x="6266156" y="1737642"/>
+            <a:ext cx="5294716" cy="3001714"/>
+          </a:xfrm>
+          <a:prstGeom prst="rect">
+            <a:avLst/>
+          </a:prstGeom>
+        </p:spPr>
+      </p:pic>
+      <p:cxnSp>
+        <p:nvCxnSpPr>
+          <p:cNvPr id="54" name="Straight Connector 53">
+            <a:extLst>
+              <a:ext uri="{FF2B5EF4-FFF2-40B4-BE49-F238E27FC236}">
+                <a16:creationId xmlns:a16="http://schemas.microsoft.com/office/drawing/2014/main" id="{8C730EAB-A532-4295-A302-FB4B90DB9F5E}"/>
               </a:ext>
               <a:ext uri="{C183D7F6-B498-43B3-948B-1728B52AA6E4}">
                 <adec:decorative xmlns:adec="http://schemas.microsoft.com/office/drawing/2017/decorative" val="1"/>
               </a:ext>
             </a:extLst>
           </p:cNvPr>
-          <p:cNvSpPr>
-            <a:spLocks noGrp="1" noRot="1" noChangeAspect="1" noMove="1" noResize="1" noEditPoints="1" noAdjustHandles="1" noChangeArrowheads="1" noChangeShapeType="1" noTextEdit="1"/>
-          </p:cNvSpPr>
+          <p:cNvCxnSpPr>
+            <a:cxnSpLocks noGrp="1" noRot="1" noChangeAspect="1" noMove="1" noResize="1" noEditPoints="1" noAdjustHandles="1" noChangeArrowheads="1" noChangeShapeType="1"/>
+          </p:cNvCxnSpPr>
           <p:nvPr>
             <p:extLst>
               <p:ext uri="{386F3935-93C4-4BCD-93E2-E3B085C9AB24}">
@@ -6639,83 +8651,42 @@
               </p:ext>
             </p:extLst>
           </p:nvPr>
-        </p:nvSpPr>
-        <p:spPr>
-          <a:xfrm>
-            <a:off x="6065520" y="3383280"/>
-            <a:ext cx="6126480" cy="91440"/>
-          </a:xfrm>
-          <a:prstGeom prst="rect">
+        </p:nvCxnSpPr>
+        <p:spPr>
+          <a:xfrm>
+            <a:off x="6079958" y="1143000"/>
+            <a:ext cx="0" cy="4572000"/>
+          </a:xfrm>
+          <a:prstGeom prst="line">
             <a:avLst/>
           </a:prstGeom>
-          <a:solidFill>
-            <a:schemeClr val="tx1">
-              <a:lumMod val="75000"/>
-              <a:lumOff val="25000"/>
-            </a:schemeClr>
-          </a:solidFill>
           <a:ln>
-            <a:noFill/>
+            <a:solidFill>
+              <a:srgbClr val="4E4E4E"/>
+            </a:solidFill>
           </a:ln>
         </p:spPr>
         <p:style>
-          <a:lnRef idx="2">
-            <a:schemeClr val="accent1">
-              <a:shade val="50000"/>
-            </a:schemeClr>
+          <a:lnRef idx="1">
+            <a:schemeClr val="accent1"/>
           </a:lnRef>
-          <a:fillRef idx="1">
+          <a:fillRef idx="0">
             <a:schemeClr val="accent1"/>
           </a:fillRef>
           <a:effectRef idx="0">
             <a:schemeClr val="accent1"/>
           </a:effectRef>
           <a:fontRef idx="minor">
-            <a:schemeClr val="lt1"/>
+            <a:schemeClr val="tx1"/>
           </a:fontRef>
         </p:style>
-        <p:txBody>
-          <a:bodyPr rtlCol="0" anchor="ctr"/>
-          <a:lstStyle/>
-          <a:p>
-            <a:pPr algn="ctr"/>
-            <a:endParaRPr lang="en-US"/>
-          </a:p>
-        </p:txBody>
-      </p:sp>
+      </p:cxnSp>
       <p:pic>
         <p:nvPicPr>
-          <p:cNvPr id="2" name="Imagem 1">
-            <a:extLst>
-              <a:ext uri="{FF2B5EF4-FFF2-40B4-BE49-F238E27FC236}">
-                <a16:creationId xmlns:a16="http://schemas.microsoft.com/office/drawing/2014/main" id="{1D617A6C-987F-432E-9A64-F60CA09DA181}"/>
-              </a:ext>
-            </a:extLst>
-          </p:cNvPr>
-          <p:cNvPicPr/>
-          <p:nvPr/>
-        </p:nvPicPr>
-        <p:blipFill rotWithShape="1">
-          <a:blip r:embed="rId4"/>
-          <a:srcRect l="10374" t="10558" r="18313" b="21207"/>
-          <a:stretch/>
-        </p:blipFill>
-        <p:spPr>
-          <a:xfrm>
-            <a:off x="221227" y="3631096"/>
-            <a:ext cx="5384028" cy="2979088"/>
-          </a:xfrm>
-          <a:prstGeom prst="rect">
-            <a:avLst/>
-          </a:prstGeom>
-        </p:spPr>
-      </p:pic>
-      <p:pic>
-        <p:nvPicPr>
-          <p:cNvPr id="4" name="Imagem 3">
-            <a:extLst>
-              <a:ext uri="{FF2B5EF4-FFF2-40B4-BE49-F238E27FC236}">
-                <a16:creationId xmlns:a16="http://schemas.microsoft.com/office/drawing/2014/main" id="{DFCD2E20-84C7-459E-B207-7E01941FA28B}"/>
+          <p:cNvPr id="45" name="Imagem 44">
+            <a:extLst>
+              <a:ext uri="{FF2B5EF4-FFF2-40B4-BE49-F238E27FC236}">
+                <a16:creationId xmlns:a16="http://schemas.microsoft.com/office/drawing/2014/main" id="{6C3D7843-9B0E-41B9-BF20-0E600605C56D}"/>
               </a:ext>
             </a:extLst>
           </p:cNvPr>
@@ -6723,7 +8694,7 @@
           <p:nvPr/>
         </p:nvPicPr>
         <p:blipFill>
-          <a:blip r:embed="rId5">
+          <a:blip r:embed="rId3">
             <a:extLst>
               <a:ext uri="{28A0092B-C50C-407E-A947-70E740481C1C}">
                 <a14:useLocalDpi xmlns:a14="http://schemas.microsoft.com/office/drawing/2010/main" val="0"/>
@@ -6736,14 +8707,51 @@
         </p:blipFill>
         <p:spPr>
           <a:xfrm>
-            <a:off x="7084636" y="3631096"/>
-            <a:ext cx="4065145" cy="3174104"/>
+            <a:off x="735749" y="1427620"/>
+            <a:ext cx="5158012" cy="3621758"/>
           </a:xfrm>
           <a:prstGeom prst="rect">
             <a:avLst/>
           </a:prstGeom>
         </p:spPr>
       </p:pic>
+      <p:cxnSp>
+        <p:nvCxnSpPr>
+          <p:cNvPr id="7" name="Conector reto 6">
+            <a:extLst>
+              <a:ext uri="{FF2B5EF4-FFF2-40B4-BE49-F238E27FC236}">
+                <a16:creationId xmlns:a16="http://schemas.microsoft.com/office/drawing/2014/main" id="{38D5D06E-DEFB-4BAD-8F80-CDFEA4E52522}"/>
+              </a:ext>
+            </a:extLst>
+          </p:cNvPr>
+          <p:cNvCxnSpPr/>
+          <p:nvPr/>
+        </p:nvCxnSpPr>
+        <p:spPr>
+          <a:xfrm>
+            <a:off x="6079958" y="1143000"/>
+            <a:ext cx="0" cy="4572000"/>
+          </a:xfrm>
+          <a:prstGeom prst="line">
+            <a:avLst/>
+          </a:prstGeom>
+          <a:ln/>
+        </p:spPr>
+        <p:style>
+          <a:lnRef idx="3">
+            <a:schemeClr val="accent1"/>
+          </a:lnRef>
+          <a:fillRef idx="0">
+            <a:schemeClr val="accent1"/>
+          </a:fillRef>
+          <a:effectRef idx="2">
+            <a:schemeClr val="accent1"/>
+          </a:effectRef>
+          <a:fontRef idx="minor">
+            <a:schemeClr val="tx1"/>
+          </a:fontRef>
+        </p:style>
+      </p:cxnSp>
     </p:spTree>
     <p:extLst>
       <p:ext uri="{BB962C8B-B14F-4D97-AF65-F5344CB8AC3E}">
@@ -6782,67 +8790,21 @@
           <a:chExt cx="0" cy="0"/>
         </a:xfrm>
       </p:grpSpPr>
-      <p:pic>
-        <p:nvPicPr>
-          <p:cNvPr id="3074" name="Picture 2" descr="Waste Water Treatment Leakage Broke Svg Png Icon Free Download (#569149) -  OnlineWebFonts.COM">
-            <a:extLst>
-              <a:ext uri="{FF2B5EF4-FFF2-40B4-BE49-F238E27FC236}">
-                <a16:creationId xmlns:a16="http://schemas.microsoft.com/office/drawing/2014/main" id="{348C5914-0332-44A9-A263-874DBD14E147}"/>
-              </a:ext>
-            </a:extLst>
-          </p:cNvPr>
-          <p:cNvPicPr>
-            <a:picLocks noChangeAspect="1" noChangeArrowheads="1"/>
-          </p:cNvPicPr>
-          <p:nvPr/>
-        </p:nvPicPr>
-        <p:blipFill rotWithShape="1">
-          <a:blip r:embed="rId2">
-            <a:alphaModFix/>
-            <a:extLst>
-              <a:ext uri="{28A0092B-C50C-407E-A947-70E740481C1C}">
-                <a14:useLocalDpi xmlns:a14="http://schemas.microsoft.com/office/drawing/2010/main" val="0"/>
-              </a:ext>
-            </a:extLst>
-          </a:blip>
-          <a:srcRect r="548"/>
-          <a:stretch/>
-        </p:blipFill>
-        <p:spPr bwMode="auto">
-          <a:xfrm>
-            <a:off x="6683974" y="1454277"/>
-            <a:ext cx="4703028" cy="5044190"/>
-          </a:xfrm>
-          <a:prstGeom prst="rect">
-            <a:avLst/>
-          </a:prstGeom>
-          <a:noFill/>
-          <a:extLst>
-            <a:ext uri="{909E8E84-426E-40DD-AFC4-6F175D3DCCD1}">
-              <a14:hiddenFill xmlns:a14="http://schemas.microsoft.com/office/drawing/2010/main">
-                <a:solidFill>
-                  <a:srgbClr val="FFFFFF"/>
-                </a:solidFill>
-              </a14:hiddenFill>
-            </a:ext>
-          </a:extLst>
-        </p:spPr>
-      </p:pic>
-      <p:pic>
-        <p:nvPicPr>
-          <p:cNvPr id="3076" name="Picture 134">
-            <a:extLst>
-              <a:ext uri="{FF2B5EF4-FFF2-40B4-BE49-F238E27FC236}">
-                <a16:creationId xmlns:a16="http://schemas.microsoft.com/office/drawing/2014/main" id="{54DDEBDD-D8BD-41A6-8A0D-B00E3768B0F9}"/>
+      <p:sp useBgFill="1">
+        <p:nvSpPr>
+          <p:cNvPr id="8" name="Rectangle 7">
+            <a:extLst>
+              <a:ext uri="{FF2B5EF4-FFF2-40B4-BE49-F238E27FC236}">
+                <a16:creationId xmlns:a16="http://schemas.microsoft.com/office/drawing/2014/main" id="{11BE3FA7-0D70-4431-814F-D8C40576EA93}"/>
               </a:ext>
               <a:ext uri="{C183D7F6-B498-43B3-948B-1728B52AA6E4}">
                 <adec:decorative xmlns:adec="http://schemas.microsoft.com/office/drawing/2017/decorative" val="1"/>
               </a:ext>
             </a:extLst>
           </p:cNvPr>
-          <p:cNvPicPr>
-            <a:picLocks noGrp="1" noRot="1" noChangeAspect="1" noMove="1" noResize="1" noEditPoints="1" noAdjustHandles="1" noChangeArrowheads="1" noChangeShapeType="1" noCrop="1"/>
-          </p:cNvPicPr>
+          <p:cNvSpPr>
+            <a:spLocks noGrp="1" noRot="1" noChangeAspect="1" noMove="1" noResize="1" noEditPoints="1" noAdjustHandles="1" noChangeArrowheads="1" noChangeShapeType="1" noTextEdit="1"/>
+          </p:cNvSpPr>
           <p:nvPr>
             <p:extLst>
               <p:ext uri="{386F3935-93C4-4BCD-93E2-E3B085C9AB24}">
@@ -6850,337 +8812,11 @@
               </p:ext>
             </p:extLst>
           </p:nvPr>
-        </p:nvPicPr>
-        <p:blipFill>
-          <a:blip r:embed="rId3">
-            <a:extLst>
-              <a:ext uri="{28A0092B-C50C-407E-A947-70E740481C1C}">
-                <a14:useLocalDpi xmlns:a14="http://schemas.microsoft.com/office/drawing/2010/main" val="0"/>
-              </a:ext>
-            </a:extLst>
-          </a:blip>
-          <a:stretch>
-            <a:fillRect/>
-          </a:stretch>
-        </p:blipFill>
-        <p:spPr>
-          <a:xfrm flipH="1" flipV="1">
-            <a:off x="0" y="0"/>
-            <a:ext cx="12192000" cy="6858000"/>
-          </a:xfrm>
-          <a:prstGeom prst="rect">
-            <a:avLst/>
-          </a:prstGeom>
-        </p:spPr>
-      </p:pic>
-      <p:sp>
-        <p:nvSpPr>
-          <p:cNvPr id="2" name="Título 1">
-            <a:extLst>
-              <a:ext uri="{FF2B5EF4-FFF2-40B4-BE49-F238E27FC236}">
-                <a16:creationId xmlns:a16="http://schemas.microsoft.com/office/drawing/2014/main" id="{B202CBA9-2D61-4174-A1AC-83B90BFD8A36}"/>
-              </a:ext>
-            </a:extLst>
-          </p:cNvPr>
-          <p:cNvSpPr>
-            <a:spLocks noGrp="1"/>
-          </p:cNvSpPr>
-          <p:nvPr>
-            <p:ph type="title"/>
-          </p:nvPr>
-        </p:nvSpPr>
-        <p:spPr>
-          <a:xfrm>
-            <a:off x="571638" y="554596"/>
-            <a:ext cx="5878976" cy="1311664"/>
-          </a:xfrm>
-        </p:spPr>
-        <p:txBody>
-          <a:bodyPr>
-            <a:normAutofit/>
-          </a:bodyPr>
-          <a:lstStyle/>
-          <a:p>
-            <a:pPr algn="ctr"/>
-            <a:r>
-              <a:rPr lang="pt-BR" dirty="0">
-                <a:solidFill>
-                  <a:srgbClr val="000000"/>
-                </a:solidFill>
-                <a:latin typeface="Arial" panose="020B0604020202020204" pitchFamily="34" charset="0"/>
-                <a:cs typeface="Arial" panose="020B0604020202020204" pitchFamily="34" charset="0"/>
-              </a:rPr>
-              <a:t>Solução do Problema</a:t>
-            </a:r>
-          </a:p>
-        </p:txBody>
-      </p:sp>
-      <p:sp>
-        <p:nvSpPr>
-          <p:cNvPr id="3" name="Espaço Reservado para Conteúdo 2">
-            <a:extLst>
-              <a:ext uri="{FF2B5EF4-FFF2-40B4-BE49-F238E27FC236}">
-                <a16:creationId xmlns:a16="http://schemas.microsoft.com/office/drawing/2014/main" id="{A8A22FE0-C875-4748-927C-26336D5968F9}"/>
-              </a:ext>
-            </a:extLst>
-          </p:cNvPr>
-          <p:cNvSpPr>
-            <a:spLocks noGrp="1"/>
-          </p:cNvSpPr>
-          <p:nvPr>
-            <p:ph idx="1"/>
-          </p:nvPr>
-        </p:nvSpPr>
-        <p:spPr>
-          <a:xfrm>
-            <a:off x="804998" y="2172440"/>
-            <a:ext cx="5073979" cy="4379380"/>
-          </a:xfrm>
-        </p:spPr>
-        <p:txBody>
-          <a:bodyPr anchor="ctr">
-            <a:normAutofit/>
-          </a:bodyPr>
-          <a:lstStyle/>
-          <a:p>
-            <a:r>
-              <a:rPr lang="pt-BR" sz="2000" dirty="0">
-                <a:solidFill>
-                  <a:srgbClr val="000000"/>
-                </a:solidFill>
-                <a:latin typeface="Arial" panose="020B0604020202020204" pitchFamily="34" charset="0"/>
-                <a:cs typeface="Arial" panose="020B0604020202020204" pitchFamily="34" charset="0"/>
-              </a:rPr>
-              <a:t>A solução proposta pela Sustabil foi implantar sensores de umidade (DHT11) nos encanamentos onde os dados passariam por roteadores das ruas e chegariam no servidor da Sustabil onde terá um site para acessar e checar as informações transmitidas em gráficos. </a:t>
-            </a:r>
-          </a:p>
-          <a:p>
-            <a:r>
-              <a:rPr lang="pt-BR" sz="2000" dirty="0">
-                <a:solidFill>
-                  <a:srgbClr val="000000"/>
-                </a:solidFill>
-                <a:latin typeface="Arial" panose="020B0604020202020204" pitchFamily="34" charset="0"/>
-                <a:cs typeface="Arial" panose="020B0604020202020204" pitchFamily="34" charset="0"/>
-              </a:rPr>
-              <a:t>Fixados em partes externas dos canos para detecção do vazamento e futuros prejuízos gigantescos.</a:t>
-            </a:r>
-          </a:p>
-          <a:p>
-            <a:r>
-              <a:rPr lang="pt-BR" sz="2000" dirty="0">
-                <a:solidFill>
-                  <a:srgbClr val="000000"/>
-                </a:solidFill>
-                <a:latin typeface="Arial" panose="020B0604020202020204" pitchFamily="34" charset="0"/>
-                <a:cs typeface="Arial" panose="020B0604020202020204" pitchFamily="34" charset="0"/>
-              </a:rPr>
-              <a:t>Sinal de vazamento? O sensor emitiria um alerta que será possível visualizar no site e assim entraremos em contato com o cliente o mais rápido possível.</a:t>
-            </a:r>
-          </a:p>
-        </p:txBody>
-      </p:sp>
-      <p:pic>
-        <p:nvPicPr>
-          <p:cNvPr id="3078" name="Picture 6" descr="temperature and humidity sensor">
-            <a:extLst>
-              <a:ext uri="{FF2B5EF4-FFF2-40B4-BE49-F238E27FC236}">
-                <a16:creationId xmlns:a16="http://schemas.microsoft.com/office/drawing/2014/main" id="{C38E409A-CA7F-4DB1-8501-637D116F091E}"/>
-              </a:ext>
-            </a:extLst>
-          </p:cNvPr>
-          <p:cNvPicPr>
-            <a:picLocks noChangeAspect="1" noChangeArrowheads="1"/>
-          </p:cNvPicPr>
-          <p:nvPr/>
-        </p:nvPicPr>
-        <p:blipFill>
-          <a:blip r:embed="rId4">
-            <a:extLst>
-              <a:ext uri="{28A0092B-C50C-407E-A947-70E740481C1C}">
-                <a14:useLocalDpi xmlns:a14="http://schemas.microsoft.com/office/drawing/2010/main" val="0"/>
-              </a:ext>
-            </a:extLst>
-          </a:blip>
-          <a:srcRect/>
-          <a:stretch>
-            <a:fillRect/>
-          </a:stretch>
-        </p:blipFill>
-        <p:spPr bwMode="auto">
-          <a:xfrm rot="18635752">
-            <a:off x="8902044" y="5087401"/>
-            <a:ext cx="632643" cy="632643"/>
-          </a:xfrm>
-          <a:prstGeom prst="rect">
-            <a:avLst/>
-          </a:prstGeom>
-          <a:noFill/>
-          <a:extLst>
-            <a:ext uri="{909E8E84-426E-40DD-AFC4-6F175D3DCCD1}">
-              <a14:hiddenFill xmlns:a14="http://schemas.microsoft.com/office/drawing/2010/main">
-                <a:solidFill>
-                  <a:srgbClr val="FFFFFF"/>
-                </a:solidFill>
-              </a14:hiddenFill>
-            </a:ext>
-          </a:extLst>
-        </p:spPr>
-      </p:pic>
-      <p:pic>
-        <p:nvPicPr>
-          <p:cNvPr id="3080" name="Picture 8" descr="Alert Alt Svg Png Icon Free Download (#565392) - OnlineWebFonts.COM">
-            <a:extLst>
-              <a:ext uri="{FF2B5EF4-FFF2-40B4-BE49-F238E27FC236}">
-                <a16:creationId xmlns:a16="http://schemas.microsoft.com/office/drawing/2014/main" id="{B68E42DD-DD1B-45E6-9C9F-C39EA0794FED}"/>
-              </a:ext>
-            </a:extLst>
-          </p:cNvPr>
-          <p:cNvPicPr>
-            <a:picLocks noChangeAspect="1" noChangeArrowheads="1"/>
-          </p:cNvPicPr>
-          <p:nvPr/>
-        </p:nvPicPr>
-        <p:blipFill rotWithShape="1">
-          <a:blip r:embed="rId5">
-            <a:duotone>
-              <a:schemeClr val="accent2">
-                <a:shade val="45000"/>
-                <a:satMod val="135000"/>
-              </a:schemeClr>
-              <a:prstClr val="white"/>
-            </a:duotone>
-            <a:alphaModFix/>
-            <a:extLst>
-              <a:ext uri="{BEBA8EAE-BF5A-486C-A8C5-ECC9F3942E4B}">
-                <a14:imgProps xmlns:a14="http://schemas.microsoft.com/office/drawing/2010/main">
-                  <a14:imgLayer r:embed="rId6">
-                    <a14:imgEffect>
-                      <a14:colorTemperature colorTemp="6360"/>
-                    </a14:imgEffect>
-                    <a14:imgEffect>
-                      <a14:saturation sat="191000"/>
-                    </a14:imgEffect>
-                  </a14:imgLayer>
-                </a14:imgProps>
-              </a:ext>
-              <a:ext uri="{28A0092B-C50C-407E-A947-70E740481C1C}">
-                <a14:useLocalDpi xmlns:a14="http://schemas.microsoft.com/office/drawing/2010/main" val="0"/>
-              </a:ext>
-            </a:extLst>
-          </a:blip>
-          <a:srcRect b="72111"/>
-          <a:stretch/>
-        </p:blipFill>
-        <p:spPr bwMode="auto">
-          <a:xfrm rot="13158707">
-            <a:off x="8479838" y="5585981"/>
-            <a:ext cx="975042" cy="416421"/>
-          </a:xfrm>
-          <a:prstGeom prst="rect">
-            <a:avLst/>
-          </a:prstGeom>
-          <a:noFill/>
-          <a:ln>
-            <a:noFill/>
-          </a:ln>
-        </p:spPr>
-      </p:pic>
-      <p:pic>
-        <p:nvPicPr>
-          <p:cNvPr id="8" name="Imagem 7">
-            <a:extLst>
-              <a:ext uri="{FF2B5EF4-FFF2-40B4-BE49-F238E27FC236}">
-                <a16:creationId xmlns:a16="http://schemas.microsoft.com/office/drawing/2014/main" id="{D2A77FA0-C3E9-4E63-BED4-0B3B92519E0D}"/>
-              </a:ext>
-            </a:extLst>
-          </p:cNvPr>
-          <p:cNvPicPr>
-            <a:picLocks noChangeAspect="1"/>
-          </p:cNvPicPr>
-          <p:nvPr/>
-        </p:nvPicPr>
-        <p:blipFill>
-          <a:blip r:embed="rId7"/>
-          <a:stretch>
-            <a:fillRect/>
-          </a:stretch>
-        </p:blipFill>
-        <p:spPr>
-          <a:xfrm>
-            <a:off x="53894" y="35169"/>
-            <a:ext cx="1035488" cy="1035488"/>
-          </a:xfrm>
-          <a:prstGeom prst="rect">
-            <a:avLst/>
-          </a:prstGeom>
-        </p:spPr>
-      </p:pic>
-    </p:spTree>
-    <p:extLst>
-      <p:ext uri="{BB962C8B-B14F-4D97-AF65-F5344CB8AC3E}">
-        <p14:creationId xmlns:p14="http://schemas.microsoft.com/office/powerpoint/2010/main" val="3377260643"/>
-      </p:ext>
-    </p:extLst>
-  </p:cSld>
-  <p:clrMapOvr>
-    <a:masterClrMapping/>
-  </p:clrMapOvr>
-</p:sld>
-</file>
-
-<file path=ppt/slides/slide7.xml><?xml version="1.0" encoding="utf-8"?>
-<p:sld xmlns:a="http://schemas.openxmlformats.org/drawingml/2006/main" xmlns:r="http://schemas.openxmlformats.org/officeDocument/2006/relationships" xmlns:p="http://schemas.openxmlformats.org/presentationml/2006/main">
-  <p:cSld>
-    <p:bg>
-      <p:bgPr>
-        <a:solidFill>
-          <a:schemeClr val="bg1"/>
-        </a:solidFill>
-        <a:effectLst/>
-      </p:bgPr>
-    </p:bg>
-    <p:spTree>
-      <p:nvGrpSpPr>
-        <p:cNvPr id="1" name=""/>
-        <p:cNvGrpSpPr/>
-        <p:nvPr/>
-      </p:nvGrpSpPr>
-      <p:grpSpPr>
-        <a:xfrm>
-          <a:off x="0" y="0"/>
-          <a:ext cx="0" cy="0"/>
-          <a:chOff x="0" y="0"/>
-          <a:chExt cx="0" cy="0"/>
-        </a:xfrm>
-      </p:grpSpPr>
-      <p:sp useBgFill="1">
-        <p:nvSpPr>
-          <p:cNvPr id="45" name="Rectangle 39">
-            <a:extLst>
-              <a:ext uri="{FF2B5EF4-FFF2-40B4-BE49-F238E27FC236}">
-                <a16:creationId xmlns:a16="http://schemas.microsoft.com/office/drawing/2014/main" id="{1ECAB1E8-8195-4748-BE71-FF806D86892E}"/>
-              </a:ext>
-              <a:ext uri="{C183D7F6-B498-43B3-948B-1728B52AA6E4}">
-                <adec:decorative xmlns:adec="http://schemas.microsoft.com/office/drawing/2017/decorative" val="1"/>
-              </a:ext>
-            </a:extLst>
-          </p:cNvPr>
-          <p:cNvSpPr>
-            <a:spLocks noGrp="1" noRot="1" noChangeAspect="1" noMove="1" noResize="1" noEditPoints="1" noAdjustHandles="1" noChangeArrowheads="1" noChangeShapeType="1" noTextEdit="1"/>
-          </p:cNvSpPr>
-          <p:nvPr>
-            <p:extLst>
-              <p:ext uri="{386F3935-93C4-4BCD-93E2-E3B085C9AB24}">
-                <p16:designElem xmlns:p16="http://schemas.microsoft.com/office/powerpoint/2015/main" val="1"/>
-              </p:ext>
-            </p:extLst>
-          </p:nvPr>
-        </p:nvSpPr>
-        <p:spPr>
-          <a:xfrm>
-            <a:off x="0" y="0"/>
-            <a:ext cx="12192000" cy="6858000"/>
+        </p:nvSpPr>
+        <p:spPr bwMode="white">
+          <a:xfrm>
+            <a:off x="1524" y="0"/>
+            <a:ext cx="12188952" cy="6858000"/>
           </a:xfrm>
           <a:prstGeom prst="rect">
             <a:avLst/>
@@ -7207,370 +8843,113 @@
         </p:style>
         <p:txBody>
           <a:bodyPr rtlCol="0" anchor="ctr"/>
-          <a:lstStyle/>
+          <a:lstStyle>
+            <a:defPPr>
+              <a:defRPr lang="en-US"/>
+            </a:defPPr>
+            <a:lvl1pPr marL="0" algn="l" defTabSz="914400" rtl="0" eaLnBrk="1" latinLnBrk="0" hangingPunct="1">
+              <a:defRPr sz="1800" kern="1200">
+                <a:solidFill>
+                  <a:schemeClr val="lt1"/>
+                </a:solidFill>
+                <a:latin typeface="+mn-lt"/>
+                <a:ea typeface="+mn-ea"/>
+                <a:cs typeface="+mn-cs"/>
+              </a:defRPr>
+            </a:lvl1pPr>
+            <a:lvl2pPr marL="457200" algn="l" defTabSz="914400" rtl="0" eaLnBrk="1" latinLnBrk="0" hangingPunct="1">
+              <a:defRPr sz="1800" kern="1200">
+                <a:solidFill>
+                  <a:schemeClr val="lt1"/>
+                </a:solidFill>
+                <a:latin typeface="+mn-lt"/>
+                <a:ea typeface="+mn-ea"/>
+                <a:cs typeface="+mn-cs"/>
+              </a:defRPr>
+            </a:lvl2pPr>
+            <a:lvl3pPr marL="914400" algn="l" defTabSz="914400" rtl="0" eaLnBrk="1" latinLnBrk="0" hangingPunct="1">
+              <a:defRPr sz="1800" kern="1200">
+                <a:solidFill>
+                  <a:schemeClr val="lt1"/>
+                </a:solidFill>
+                <a:latin typeface="+mn-lt"/>
+                <a:ea typeface="+mn-ea"/>
+                <a:cs typeface="+mn-cs"/>
+              </a:defRPr>
+            </a:lvl3pPr>
+            <a:lvl4pPr marL="1371600" algn="l" defTabSz="914400" rtl="0" eaLnBrk="1" latinLnBrk="0" hangingPunct="1">
+              <a:defRPr sz="1800" kern="1200">
+                <a:solidFill>
+                  <a:schemeClr val="lt1"/>
+                </a:solidFill>
+                <a:latin typeface="+mn-lt"/>
+                <a:ea typeface="+mn-ea"/>
+                <a:cs typeface="+mn-cs"/>
+              </a:defRPr>
+            </a:lvl4pPr>
+            <a:lvl5pPr marL="1828800" algn="l" defTabSz="914400" rtl="0" eaLnBrk="1" latinLnBrk="0" hangingPunct="1">
+              <a:defRPr sz="1800" kern="1200">
+                <a:solidFill>
+                  <a:schemeClr val="lt1"/>
+                </a:solidFill>
+                <a:latin typeface="+mn-lt"/>
+                <a:ea typeface="+mn-ea"/>
+                <a:cs typeface="+mn-cs"/>
+              </a:defRPr>
+            </a:lvl5pPr>
+            <a:lvl6pPr marL="2286000" algn="l" defTabSz="914400" rtl="0" eaLnBrk="1" latinLnBrk="0" hangingPunct="1">
+              <a:defRPr sz="1800" kern="1200">
+                <a:solidFill>
+                  <a:schemeClr val="lt1"/>
+                </a:solidFill>
+                <a:latin typeface="+mn-lt"/>
+                <a:ea typeface="+mn-ea"/>
+                <a:cs typeface="+mn-cs"/>
+              </a:defRPr>
+            </a:lvl6pPr>
+            <a:lvl7pPr marL="2743200" algn="l" defTabSz="914400" rtl="0" eaLnBrk="1" latinLnBrk="0" hangingPunct="1">
+              <a:defRPr sz="1800" kern="1200">
+                <a:solidFill>
+                  <a:schemeClr val="lt1"/>
+                </a:solidFill>
+                <a:latin typeface="+mn-lt"/>
+                <a:ea typeface="+mn-ea"/>
+                <a:cs typeface="+mn-cs"/>
+              </a:defRPr>
+            </a:lvl7pPr>
+            <a:lvl8pPr marL="3200400" algn="l" defTabSz="914400" rtl="0" eaLnBrk="1" latinLnBrk="0" hangingPunct="1">
+              <a:defRPr sz="1800" kern="1200">
+                <a:solidFill>
+                  <a:schemeClr val="lt1"/>
+                </a:solidFill>
+                <a:latin typeface="+mn-lt"/>
+                <a:ea typeface="+mn-ea"/>
+                <a:cs typeface="+mn-cs"/>
+              </a:defRPr>
+            </a:lvl8pPr>
+            <a:lvl9pPr marL="3657600" algn="l" defTabSz="914400" rtl="0" eaLnBrk="1" latinLnBrk="0" hangingPunct="1">
+              <a:defRPr sz="1800" kern="1200">
+                <a:solidFill>
+                  <a:schemeClr val="lt1"/>
+                </a:solidFill>
+                <a:latin typeface="+mn-lt"/>
+                <a:ea typeface="+mn-ea"/>
+                <a:cs typeface="+mn-cs"/>
+              </a:defRPr>
+            </a:lvl9pPr>
+          </a:lstStyle>
           <a:p>
             <a:pPr algn="ctr"/>
             <a:endParaRPr lang="en-US"/>
           </a:p>
         </p:txBody>
       </p:sp>
-      <p:sp useBgFill="1">
-        <p:nvSpPr>
-          <p:cNvPr id="47" name="Rectangle 41">
-            <a:extLst>
-              <a:ext uri="{FF2B5EF4-FFF2-40B4-BE49-F238E27FC236}">
-                <a16:creationId xmlns:a16="http://schemas.microsoft.com/office/drawing/2014/main" id="{57F6BDD4-E066-4008-8011-6CC31AEB4556}"/>
-              </a:ext>
-              <a:ext uri="{C183D7F6-B498-43B3-948B-1728B52AA6E4}">
-                <adec:decorative xmlns:adec="http://schemas.microsoft.com/office/drawing/2017/decorative" val="1"/>
-              </a:ext>
-            </a:extLst>
-          </p:cNvPr>
-          <p:cNvSpPr>
-            <a:spLocks noGrp="1" noRot="1" noChangeAspect="1" noMove="1" noResize="1" noEditPoints="1" noAdjustHandles="1" noChangeArrowheads="1" noChangeShapeType="1" noTextEdit="1"/>
-          </p:cNvSpPr>
-          <p:nvPr>
-            <p:extLst>
-              <p:ext uri="{386F3935-93C4-4BCD-93E2-E3B085C9AB24}">
-                <p16:designElem xmlns:p16="http://schemas.microsoft.com/office/powerpoint/2015/main" val="1"/>
-              </p:ext>
-            </p:extLst>
-          </p:nvPr>
-        </p:nvSpPr>
-        <p:spPr>
-          <a:xfrm>
-            <a:off x="409575" y="633619"/>
-            <a:ext cx="4279383" cy="5495925"/>
-          </a:xfrm>
-          <a:prstGeom prst="rect">
-            <a:avLst/>
-          </a:prstGeom>
-          <a:ln w="9525">
-            <a:solidFill>
-              <a:srgbClr val="E1E1E1"/>
-            </a:solidFill>
-          </a:ln>
-          <a:effectLst>
-            <a:outerShdw blurRad="50800" dist="38100" dir="2700000" algn="tl" rotWithShape="0">
-              <a:schemeClr val="bg1">
-                <a:lumMod val="85000"/>
-                <a:alpha val="50000"/>
-              </a:schemeClr>
-            </a:outerShdw>
-          </a:effectLst>
-        </p:spPr>
-        <p:style>
-          <a:lnRef idx="2">
-            <a:schemeClr val="accent1">
-              <a:shade val="50000"/>
-            </a:schemeClr>
-          </a:lnRef>
-          <a:fillRef idx="1">
-            <a:schemeClr val="accent1"/>
-          </a:fillRef>
-          <a:effectRef idx="0">
-            <a:schemeClr val="accent1"/>
-          </a:effectRef>
-          <a:fontRef idx="minor">
-            <a:schemeClr val="lt1"/>
-          </a:fontRef>
-        </p:style>
-        <p:txBody>
-          <a:bodyPr rtlCol="0" anchor="ctr"/>
-          <a:lstStyle/>
-          <a:p>
-            <a:pPr marL="0" marR="0" lvl="0" indent="0" algn="ctr" defTabSz="914400" rtl="0" eaLnBrk="1" fontAlgn="auto" latinLnBrk="0" hangingPunct="1">
-              <a:lnSpc>
-                <a:spcPct val="100000"/>
-              </a:lnSpc>
-              <a:spcBef>
-                <a:spcPts val="0"/>
-              </a:spcBef>
-              <a:spcAft>
-                <a:spcPts val="0"/>
-              </a:spcAft>
-              <a:buClrTx/>
-              <a:buSzTx/>
-              <a:buFontTx/>
-              <a:buNone/>
-              <a:tabLst/>
-              <a:defRPr/>
-            </a:pPr>
-            <a:endParaRPr kumimoji="0" lang="en-US" sz="1800" b="0" i="0" u="none" strike="noStrike" kern="1200" cap="none" spc="0" normalizeH="0" baseline="0" noProof="0">
-              <a:ln>
-                <a:noFill/>
-              </a:ln>
-              <a:solidFill>
-                <a:prstClr val="white"/>
-              </a:solidFill>
-              <a:effectLst/>
-              <a:uLnTx/>
-              <a:uFillTx/>
-              <a:latin typeface="Calibri" panose="020F0502020204030204"/>
-              <a:ea typeface="+mn-ea"/>
-              <a:cs typeface="+mn-cs"/>
-            </a:endParaRPr>
-          </a:p>
-        </p:txBody>
-      </p:sp>
-      <p:sp>
-        <p:nvSpPr>
-          <p:cNvPr id="2" name="Título 1">
-            <a:extLst>
-              <a:ext uri="{FF2B5EF4-FFF2-40B4-BE49-F238E27FC236}">
-                <a16:creationId xmlns:a16="http://schemas.microsoft.com/office/drawing/2014/main" id="{622E59CC-F430-4678-9423-C4E72D202EEB}"/>
-              </a:ext>
-            </a:extLst>
-          </p:cNvPr>
-          <p:cNvSpPr>
-            <a:spLocks noGrp="1"/>
-          </p:cNvSpPr>
-          <p:nvPr>
-            <p:ph type="title"/>
-          </p:nvPr>
-        </p:nvSpPr>
-        <p:spPr>
-          <a:xfrm>
-            <a:off x="841247" y="978619"/>
-            <a:ext cx="3410712" cy="1106424"/>
-          </a:xfrm>
-        </p:spPr>
-        <p:txBody>
-          <a:bodyPr>
-            <a:normAutofit/>
-          </a:bodyPr>
-          <a:lstStyle/>
-          <a:p>
-            <a:pPr algn="ctr"/>
-            <a:r>
-              <a:rPr lang="pt-BR" sz="3700" dirty="0">
-                <a:latin typeface="Arial" panose="020B0604020202020204" pitchFamily="34" charset="0"/>
-                <a:cs typeface="Arial" panose="020B0604020202020204" pitchFamily="34" charset="0"/>
-              </a:rPr>
-              <a:t>Onde verificar?</a:t>
-            </a:r>
-          </a:p>
-        </p:txBody>
-      </p:sp>
-      <p:sp>
-        <p:nvSpPr>
-          <p:cNvPr id="44" name="Rectangle 43">
-            <a:extLst>
-              <a:ext uri="{FF2B5EF4-FFF2-40B4-BE49-F238E27FC236}">
-                <a16:creationId xmlns:a16="http://schemas.microsoft.com/office/drawing/2014/main" id="{2711A8FB-68FC-45FC-B01E-38F809E2D439}"/>
-              </a:ext>
-              <a:ext uri="{C183D7F6-B498-43B3-948B-1728B52AA6E4}">
-                <adec:decorative xmlns:adec="http://schemas.microsoft.com/office/drawing/2017/decorative" val="1"/>
-              </a:ext>
-            </a:extLst>
-          </p:cNvPr>
-          <p:cNvSpPr>
-            <a:spLocks noGrp="1" noRot="1" noChangeAspect="1" noMove="1" noResize="1" noEditPoints="1" noAdjustHandles="1" noChangeArrowheads="1" noChangeShapeType="1" noTextEdit="1"/>
-          </p:cNvSpPr>
-          <p:nvPr>
-            <p:extLst>
-              <p:ext uri="{386F3935-93C4-4BCD-93E2-E3B085C9AB24}">
-                <p16:designElem xmlns:p16="http://schemas.microsoft.com/office/powerpoint/2015/main" val="1"/>
-              </p:ext>
-            </p:extLst>
-          </p:nvPr>
-        </p:nvSpPr>
-        <p:spPr>
-          <a:xfrm>
-            <a:off x="345567" y="1170432"/>
-            <a:ext cx="128016" cy="704088"/>
-          </a:xfrm>
-          <a:prstGeom prst="rect">
-            <a:avLst/>
-          </a:prstGeom>
-          <a:solidFill>
-            <a:schemeClr val="accent2"/>
-          </a:solidFill>
-          <a:ln>
-            <a:noFill/>
-          </a:ln>
-        </p:spPr>
-        <p:style>
-          <a:lnRef idx="2">
-            <a:schemeClr val="accent1">
-              <a:shade val="50000"/>
-            </a:schemeClr>
-          </a:lnRef>
-          <a:fillRef idx="1">
-            <a:schemeClr val="accent1"/>
-          </a:fillRef>
-          <a:effectRef idx="0">
-            <a:schemeClr val="accent1"/>
-          </a:effectRef>
-          <a:fontRef idx="minor">
-            <a:schemeClr val="lt1"/>
-          </a:fontRef>
-        </p:style>
-        <p:txBody>
-          <a:bodyPr rtlCol="0" anchor="ctr"/>
-          <a:lstStyle/>
-          <a:p>
-            <a:pPr algn="ctr"/>
-            <a:endParaRPr lang="en-US">
-              <a:solidFill>
-                <a:prstClr val="white"/>
-              </a:solidFill>
-              <a:latin typeface="Calibri" panose="020F0502020204030204"/>
-            </a:endParaRPr>
-          </a:p>
-        </p:txBody>
-      </p:sp>
-      <p:sp>
-        <p:nvSpPr>
-          <p:cNvPr id="46" name="Rectangle 45">
-            <a:extLst>
-              <a:ext uri="{FF2B5EF4-FFF2-40B4-BE49-F238E27FC236}">
-                <a16:creationId xmlns:a16="http://schemas.microsoft.com/office/drawing/2014/main" id="{2A865FE3-5FC9-4049-87CF-30019C46C0F5}"/>
-              </a:ext>
-              <a:ext uri="{C183D7F6-B498-43B3-948B-1728B52AA6E4}">
-                <adec:decorative xmlns:adec="http://schemas.microsoft.com/office/drawing/2017/decorative" val="1"/>
-              </a:ext>
-            </a:extLst>
-          </p:cNvPr>
-          <p:cNvSpPr>
-            <a:spLocks noGrp="1" noRot="1" noChangeAspect="1" noMove="1" noResize="1" noEditPoints="1" noAdjustHandles="1" noChangeArrowheads="1" noChangeShapeType="1" noTextEdit="1"/>
-          </p:cNvSpPr>
-          <p:nvPr>
-            <p:extLst>
-              <p:ext uri="{386F3935-93C4-4BCD-93E2-E3B085C9AB24}">
-                <p16:designElem xmlns:p16="http://schemas.microsoft.com/office/powerpoint/2015/main" val="1"/>
-              </p:ext>
-            </p:extLst>
-          </p:nvPr>
-        </p:nvSpPr>
-        <p:spPr>
-          <a:xfrm>
-            <a:off x="877459" y="2121408"/>
-            <a:ext cx="3328416" cy="9144"/>
-          </a:xfrm>
-          <a:prstGeom prst="rect">
-            <a:avLst/>
-          </a:prstGeom>
-          <a:solidFill>
-            <a:srgbClr val="D5D5D5"/>
-          </a:solidFill>
-          <a:ln w="3175">
-            <a:noFill/>
-          </a:ln>
-          <a:effectLst/>
-        </p:spPr>
-        <p:style>
-          <a:lnRef idx="2">
-            <a:schemeClr val="accent1">
-              <a:shade val="50000"/>
-            </a:schemeClr>
-          </a:lnRef>
-          <a:fillRef idx="1">
-            <a:schemeClr val="accent1"/>
-          </a:fillRef>
-          <a:effectRef idx="0">
-            <a:schemeClr val="accent1"/>
-          </a:effectRef>
-          <a:fontRef idx="minor">
-            <a:schemeClr val="lt1"/>
-          </a:fontRef>
-        </p:style>
-        <p:txBody>
-          <a:bodyPr rtlCol="0" anchor="ctr"/>
-          <a:lstStyle/>
-          <a:p>
-            <a:pPr marL="0" marR="0" lvl="0" indent="0" algn="ctr" defTabSz="914400" rtl="0" eaLnBrk="1" fontAlgn="auto" latinLnBrk="0" hangingPunct="1">
-              <a:lnSpc>
-                <a:spcPct val="100000"/>
-              </a:lnSpc>
-              <a:spcBef>
-                <a:spcPts val="0"/>
-              </a:spcBef>
-              <a:spcAft>
-                <a:spcPts val="0"/>
-              </a:spcAft>
-              <a:buClrTx/>
-              <a:buSzTx/>
-              <a:buFontTx/>
-              <a:buNone/>
-              <a:tabLst/>
-              <a:defRPr/>
-            </a:pPr>
-            <a:endParaRPr kumimoji="0" lang="en-US" sz="1800" b="0" i="0" u="none" strike="noStrike" kern="1200" cap="none" spc="0" normalizeH="0" baseline="0" noProof="0">
-              <a:ln>
-                <a:noFill/>
-              </a:ln>
-              <a:solidFill>
-                <a:prstClr val="white"/>
-              </a:solidFill>
-              <a:effectLst/>
-              <a:uLnTx/>
-              <a:uFillTx/>
-              <a:latin typeface="Calibri" panose="020F0502020204030204"/>
-              <a:ea typeface="+mn-ea"/>
-              <a:cs typeface="+mn-cs"/>
-            </a:endParaRPr>
-          </a:p>
-        </p:txBody>
-      </p:sp>
-      <p:sp>
-        <p:nvSpPr>
-          <p:cNvPr id="3" name="Espaço Reservado para Conteúdo 2">
-            <a:extLst>
-              <a:ext uri="{FF2B5EF4-FFF2-40B4-BE49-F238E27FC236}">
-                <a16:creationId xmlns:a16="http://schemas.microsoft.com/office/drawing/2014/main" id="{C0D01A9E-3F7D-4D09-A3E9-8876F598F074}"/>
-              </a:ext>
-            </a:extLst>
-          </p:cNvPr>
-          <p:cNvSpPr>
-            <a:spLocks noGrp="1"/>
-          </p:cNvSpPr>
-          <p:nvPr>
-            <p:ph idx="1"/>
-          </p:nvPr>
-        </p:nvSpPr>
-        <p:spPr>
-          <a:xfrm>
-            <a:off x="841247" y="2359152"/>
-            <a:ext cx="3410712" cy="3425043"/>
-          </a:xfrm>
-        </p:spPr>
-        <p:txBody>
-          <a:bodyPr>
-            <a:normAutofit/>
-          </a:bodyPr>
-          <a:lstStyle/>
-          <a:p>
-            <a:r>
-              <a:rPr lang="pt-BR" sz="1700" dirty="0">
-                <a:latin typeface="Arial" panose="020B0604020202020204" pitchFamily="34" charset="0"/>
-                <a:cs typeface="Arial" panose="020B0604020202020204" pitchFamily="34" charset="0"/>
-              </a:rPr>
-              <a:t>Criamos um site institucional para a verificação dos dados nos gráficos, o cliente tem acesso total para acompanhar, mas o </a:t>
-            </a:r>
-            <a:r>
-              <a:rPr lang="pt-BR" sz="2000" dirty="0">
-                <a:latin typeface="Arial" panose="020B0604020202020204" pitchFamily="34" charset="0"/>
-                <a:cs typeface="Arial" panose="020B0604020202020204" pitchFamily="34" charset="0"/>
-              </a:rPr>
-              <a:t>acompanhamento</a:t>
-            </a:r>
-            <a:r>
-              <a:rPr lang="pt-BR" sz="1700" dirty="0">
-                <a:latin typeface="Arial" panose="020B0604020202020204" pitchFamily="34" charset="0"/>
-                <a:cs typeface="Arial" panose="020B0604020202020204" pitchFamily="34" charset="0"/>
-              </a:rPr>
-              <a:t> seria de nossa equipe para o cliente não precisar ficar o dia inteiro olhando gráficos. </a:t>
-            </a:r>
-          </a:p>
-        </p:txBody>
-      </p:sp>
       <p:pic>
         <p:nvPicPr>
-          <p:cNvPr id="20" name="Imagem 19" descr="Tela de computador com texto preto sobre fundo branco&#10;&#10;Descrição gerada automaticamente">
-            <a:extLst>
-              <a:ext uri="{FF2B5EF4-FFF2-40B4-BE49-F238E27FC236}">
-                <a16:creationId xmlns:a16="http://schemas.microsoft.com/office/drawing/2014/main" id="{3A02DED5-E702-4845-AFB5-A488487D1DB0}"/>
+          <p:cNvPr id="2" name="Imagem 1" descr="Tela de celular com texto preto sobre fundo branco&#10;&#10;Descrição gerada automaticamente">
+            <a:extLst>
+              <a:ext uri="{FF2B5EF4-FFF2-40B4-BE49-F238E27FC236}">
+                <a16:creationId xmlns:a16="http://schemas.microsoft.com/office/drawing/2014/main" id="{88621860-DC98-495A-8724-3A4CEB09131B}"/>
               </a:ext>
             </a:extLst>
           </p:cNvPr>
@@ -7587,13 +8966,13 @@
               </a:ext>
             </a:extLst>
           </a:blip>
-          <a:srcRect l="2957" r="6182" b="-1"/>
+          <a:srcRect l="15616" r="-1" b="-1"/>
           <a:stretch/>
         </p:blipFill>
         <p:spPr>
           <a:xfrm>
-            <a:off x="5124450" y="634382"/>
-            <a:ext cx="6657213" cy="5495162"/>
+            <a:off x="321731" y="557189"/>
+            <a:ext cx="5668684" cy="5743618"/>
           </a:xfrm>
           <a:prstGeom prst="rect">
             <a:avLst/>
@@ -7602,38 +8981,81 @@
       </p:pic>
       <p:pic>
         <p:nvPicPr>
-          <p:cNvPr id="9" name="Imagem 8">
-            <a:extLst>
-              <a:ext uri="{FF2B5EF4-FFF2-40B4-BE49-F238E27FC236}">
-                <a16:creationId xmlns:a16="http://schemas.microsoft.com/office/drawing/2014/main" id="{F745EBB1-8D29-4430-8E72-390A36EEA934}"/>
-              </a:ext>
-            </a:extLst>
-          </p:cNvPr>
-          <p:cNvPicPr>
-            <a:picLocks noChangeAspect="1"/>
-          </p:cNvPicPr>
+          <p:cNvPr id="3" name="Imagem 2" descr="Tela de computador com texto preto sobre fundo branco&#10;&#10;Descrição gerada automaticamente">
+            <a:extLst>
+              <a:ext uri="{FF2B5EF4-FFF2-40B4-BE49-F238E27FC236}">
+                <a16:creationId xmlns:a16="http://schemas.microsoft.com/office/drawing/2014/main" id="{BB301F1E-1159-49B4-AA43-82E455F0FC41}"/>
+              </a:ext>
+            </a:extLst>
+          </p:cNvPr>
+          <p:cNvPicPr/>
           <p:nvPr/>
         </p:nvPicPr>
-        <p:blipFill>
-          <a:blip r:embed="rId3"/>
-          <a:stretch>
-            <a:fillRect/>
-          </a:stretch>
+        <p:blipFill rotWithShape="1">
+          <a:blip r:embed="rId3" cstate="print">
+            <a:extLst>
+              <a:ext uri="{28A0092B-C50C-407E-A947-70E740481C1C}">
+                <a14:useLocalDpi xmlns:a14="http://schemas.microsoft.com/office/drawing/2010/main" val="0"/>
+              </a:ext>
+            </a:extLst>
+          </a:blip>
+          <a:srcRect l="11336" r="14560" b="-2"/>
+          <a:stretch/>
         </p:blipFill>
-        <p:spPr>
-          <a:xfrm>
-            <a:off x="53894" y="35169"/>
-            <a:ext cx="1035488" cy="1035488"/>
+        <p:spPr bwMode="auto">
+          <a:xfrm>
+            <a:off x="6195375" y="557189"/>
+            <a:ext cx="5674893" cy="5743618"/>
           </a:xfrm>
           <a:prstGeom prst="rect">
             <a:avLst/>
           </a:prstGeom>
+          <a:noFill/>
         </p:spPr>
       </p:pic>
+      <p:cxnSp>
+        <p:nvCxnSpPr>
+          <p:cNvPr id="5" name="Conector reto 4">
+            <a:extLst>
+              <a:ext uri="{FF2B5EF4-FFF2-40B4-BE49-F238E27FC236}">
+                <a16:creationId xmlns:a16="http://schemas.microsoft.com/office/drawing/2014/main" id="{D90523EA-AF65-44BB-8210-EBEF2EABF735}"/>
+              </a:ext>
+            </a:extLst>
+          </p:cNvPr>
+          <p:cNvCxnSpPr>
+            <a:cxnSpLocks/>
+          </p:cNvCxnSpPr>
+          <p:nvPr/>
+        </p:nvCxnSpPr>
+        <p:spPr>
+          <a:xfrm>
+            <a:off x="6096000" y="330200"/>
+            <a:ext cx="0" cy="6134100"/>
+          </a:xfrm>
+          <a:prstGeom prst="line">
+            <a:avLst/>
+          </a:prstGeom>
+          <a:ln/>
+        </p:spPr>
+        <p:style>
+          <a:lnRef idx="3">
+            <a:schemeClr val="accent1"/>
+          </a:lnRef>
+          <a:fillRef idx="0">
+            <a:schemeClr val="accent1"/>
+          </a:fillRef>
+          <a:effectRef idx="2">
+            <a:schemeClr val="accent1"/>
+          </a:effectRef>
+          <a:fontRef idx="minor">
+            <a:schemeClr val="tx1"/>
+          </a:fontRef>
+        </p:style>
+      </p:cxnSp>
     </p:spTree>
     <p:extLst>
       <p:ext uri="{BB962C8B-B14F-4D97-AF65-F5344CB8AC3E}">
-        <p14:creationId xmlns:p14="http://schemas.microsoft.com/office/powerpoint/2010/main" val="4091551892"/>
+        <p14:creationId xmlns:p14="http://schemas.microsoft.com/office/powerpoint/2010/main" val="1307777368"/>
       </p:ext>
     </p:extLst>
   </p:cSld>
@@ -7643,17 +9065,9 @@
 </p:sld>
 </file>
 
-<file path=ppt/slides/slide8.xml><?xml version="1.0" encoding="utf-8"?>
+<file path=ppt/slides/slide7.xml><?xml version="1.0" encoding="utf-8"?>
 <p:sld xmlns:a="http://schemas.openxmlformats.org/drawingml/2006/main" xmlns:r="http://schemas.openxmlformats.org/officeDocument/2006/relationships" xmlns:p="http://schemas.openxmlformats.org/presentationml/2006/main">
   <p:cSld>
-    <p:bg>
-      <p:bgPr>
-        <a:solidFill>
-          <a:schemeClr val="bg1"/>
-        </a:solidFill>
-        <a:effectLst/>
-      </p:bgPr>
-    </p:bg>
     <p:spTree>
       <p:nvGrpSpPr>
         <p:cNvPr id="1" name=""/>
@@ -7670,10 +9084,10 @@
       </p:grpSpPr>
       <p:pic>
         <p:nvPicPr>
-          <p:cNvPr id="4" name="Imagem 3">
-            <a:extLst>
-              <a:ext uri="{FF2B5EF4-FFF2-40B4-BE49-F238E27FC236}">
-                <a16:creationId xmlns:a16="http://schemas.microsoft.com/office/drawing/2014/main" id="{B209C2C9-A43E-4733-B56F-3F2914D00810}"/>
+          <p:cNvPr id="2" name="Imagem 1">
+            <a:extLst>
+              <a:ext uri="{FF2B5EF4-FFF2-40B4-BE49-F238E27FC236}">
+                <a16:creationId xmlns:a16="http://schemas.microsoft.com/office/drawing/2014/main" id="{17CC1BD6-D813-4835-AF95-799787762A17}"/>
               </a:ext>
             </a:extLst>
           </p:cNvPr>
@@ -7682,309 +9096,28 @@
           </p:cNvPicPr>
           <p:nvPr/>
         </p:nvPicPr>
-        <p:blipFill rotWithShape="1">
+        <p:blipFill>
           <a:blip r:embed="rId2"/>
-          <a:srcRect t="15587" b="9414"/>
-          <a:stretch/>
+          <a:stretch>
+            <a:fillRect/>
+          </a:stretch>
         </p:blipFill>
         <p:spPr>
           <a:xfrm>
-            <a:off x="-1" y="10"/>
-            <a:ext cx="12192000" cy="6857990"/>
+            <a:off x="642176" y="1778916"/>
+            <a:ext cx="3548824" cy="4177473"/>
           </a:xfrm>
           <a:prstGeom prst="rect">
             <a:avLst/>
           </a:prstGeom>
         </p:spPr>
       </p:pic>
-      <p:sp>
-        <p:nvSpPr>
-          <p:cNvPr id="9" name="Freeform 5">
-            <a:extLst>
-              <a:ext uri="{FF2B5EF4-FFF2-40B4-BE49-F238E27FC236}">
-                <a16:creationId xmlns:a16="http://schemas.microsoft.com/office/drawing/2014/main" id="{3CD9DF72-87A3-404E-A828-84CBF11A8303}"/>
-              </a:ext>
-              <a:ext uri="{C183D7F6-B498-43B3-948B-1728B52AA6E4}">
-                <adec:decorative xmlns:adec="http://schemas.microsoft.com/office/drawing/2017/decorative" val="1"/>
-              </a:ext>
-            </a:extLst>
-          </p:cNvPr>
-          <p:cNvSpPr>
-            <a:spLocks noGrp="1" noRot="1" noChangeAspect="1" noMove="1" noResize="1" noEditPoints="1" noAdjustHandles="1" noChangeArrowheads="1" noChangeShapeType="1" noTextEdit="1"/>
-          </p:cNvSpPr>
-          <p:nvPr>
-            <p:extLst>
-              <p:ext uri="{386F3935-93C4-4BCD-93E2-E3B085C9AB24}">
-                <p16:designElem xmlns:p16="http://schemas.microsoft.com/office/powerpoint/2015/main" val="1"/>
-              </p:ext>
-            </p:extLst>
-          </p:nvPr>
-        </p:nvSpPr>
-        <p:spPr bwMode="grayWhite">
-          <a:xfrm flipH="1">
-            <a:off x="0" y="998175"/>
-            <a:ext cx="6017172" cy="5859825"/>
-          </a:xfrm>
-          <a:custGeom>
-            <a:avLst/>
-            <a:gdLst>
-              <a:gd name="T0" fmla="*/ 1333 w 1333"/>
-              <a:gd name="T1" fmla="*/ 1031 h 1298"/>
-              <a:gd name="T2" fmla="*/ 1333 w 1333"/>
-              <a:gd name="T3" fmla="*/ 380 h 1298"/>
-              <a:gd name="T4" fmla="*/ 706 w 1333"/>
-              <a:gd name="T5" fmla="*/ 0 h 1298"/>
-              <a:gd name="T6" fmla="*/ 0 w 1333"/>
-              <a:gd name="T7" fmla="*/ 706 h 1298"/>
-              <a:gd name="T8" fmla="*/ 323 w 1333"/>
-              <a:gd name="T9" fmla="*/ 1298 h 1298"/>
-              <a:gd name="T10" fmla="*/ 1090 w 1333"/>
-              <a:gd name="T11" fmla="*/ 1298 h 1298"/>
-              <a:gd name="T12" fmla="*/ 1333 w 1333"/>
-              <a:gd name="T13" fmla="*/ 1031 h 1298"/>
-            </a:gdLst>
-            <a:ahLst/>
-            <a:cxnLst>
-              <a:cxn ang="0">
-                <a:pos x="T0" y="T1"/>
-              </a:cxn>
-              <a:cxn ang="0">
-                <a:pos x="T2" y="T3"/>
-              </a:cxn>
-              <a:cxn ang="0">
-                <a:pos x="T4" y="T5"/>
-              </a:cxn>
-              <a:cxn ang="0">
-                <a:pos x="T6" y="T7"/>
-              </a:cxn>
-              <a:cxn ang="0">
-                <a:pos x="T8" y="T9"/>
-              </a:cxn>
-              <a:cxn ang="0">
-                <a:pos x="T10" y="T11"/>
-              </a:cxn>
-              <a:cxn ang="0">
-                <a:pos x="T12" y="T13"/>
-              </a:cxn>
-            </a:cxnLst>
-            <a:rect l="0" t="0" r="r" b="b"/>
-            <a:pathLst>
-              <a:path w="1333" h="1298">
-                <a:moveTo>
-                  <a:pt x="1333" y="1031"/>
-                </a:moveTo>
-                <a:cubicBezTo>
-                  <a:pt x="1333" y="380"/>
-                  <a:pt x="1333" y="380"/>
-                  <a:pt x="1333" y="380"/>
-                </a:cubicBezTo>
-                <a:cubicBezTo>
-                  <a:pt x="1215" y="154"/>
-                  <a:pt x="979" y="0"/>
-                  <a:pt x="706" y="0"/>
-                </a:cubicBezTo>
-                <a:cubicBezTo>
-                  <a:pt x="317" y="0"/>
-                  <a:pt x="0" y="316"/>
-                  <a:pt x="0" y="706"/>
-                </a:cubicBezTo>
-                <a:cubicBezTo>
-                  <a:pt x="0" y="954"/>
-                  <a:pt x="129" y="1172"/>
-                  <a:pt x="323" y="1298"/>
-                </a:cubicBezTo>
-                <a:cubicBezTo>
-                  <a:pt x="1090" y="1298"/>
-                  <a:pt x="1090" y="1298"/>
-                  <a:pt x="1090" y="1298"/>
-                </a:cubicBezTo>
-                <a:cubicBezTo>
-                  <a:pt x="1193" y="1232"/>
-                  <a:pt x="1276" y="1140"/>
-                  <a:pt x="1333" y="1031"/>
-                </a:cubicBezTo>
-                <a:close/>
-              </a:path>
-            </a:pathLst>
-          </a:custGeom>
-          <a:solidFill>
-            <a:schemeClr val="bg1">
-              <a:alpha val="75000"/>
-            </a:schemeClr>
-          </a:solidFill>
-          <a:ln w="50800" cap="sq" cmpd="dbl">
-            <a:noFill/>
-            <a:miter lim="800000"/>
-          </a:ln>
-          <a:effectLst/>
-        </p:spPr>
-        <p:txBody>
-          <a:bodyPr vert="horz" lIns="91440" tIns="45720" rIns="91440" bIns="45720" rtlCol="0" anchor="t">
-            <a:normAutofit/>
-          </a:bodyPr>
-          <a:lstStyle/>
-          <a:p>
-            <a:pPr algn="ctr">
-              <a:spcAft>
-                <a:spcPts val="1000"/>
-              </a:spcAft>
-              <a:buClr>
-                <a:schemeClr val="tx1"/>
-              </a:buClr>
-              <a:buSzPct val="100000"/>
-              <a:buFont typeface="Arial"/>
-              <a:buNone/>
-            </a:pPr>
-            <a:endParaRPr lang="en-US" sz="1600" cap="all"/>
-          </a:p>
-        </p:txBody>
-      </p:sp>
-      <p:sp>
-        <p:nvSpPr>
-          <p:cNvPr id="2" name="Título 1">
-            <a:extLst>
-              <a:ext uri="{FF2B5EF4-FFF2-40B4-BE49-F238E27FC236}">
-                <a16:creationId xmlns:a16="http://schemas.microsoft.com/office/drawing/2014/main" id="{79D73150-65D3-4741-828B-B40CC69E5FD8}"/>
-              </a:ext>
-            </a:extLst>
-          </p:cNvPr>
-          <p:cNvSpPr>
-            <a:spLocks noGrp="1"/>
-          </p:cNvSpPr>
-          <p:nvPr>
-            <p:ph type="title"/>
-          </p:nvPr>
-        </p:nvSpPr>
-        <p:spPr>
-          <a:xfrm>
-            <a:off x="709448" y="1913950"/>
-            <a:ext cx="4204137" cy="1342754"/>
-          </a:xfrm>
-        </p:spPr>
-        <p:txBody>
-          <a:bodyPr>
-            <a:normAutofit/>
-          </a:bodyPr>
-          <a:lstStyle/>
-          <a:p>
-            <a:pPr algn="ctr"/>
-            <a:r>
-              <a:rPr lang="pt-BR" sz="3700" dirty="0">
-                <a:latin typeface="Arial" panose="020B0604020202020204" pitchFamily="34" charset="0"/>
-                <a:cs typeface="Arial" panose="020B0604020202020204" pitchFamily="34" charset="0"/>
-              </a:rPr>
-              <a:t>Custos</a:t>
-            </a:r>
-          </a:p>
-        </p:txBody>
-      </p:sp>
-      <p:cxnSp>
-        <p:nvCxnSpPr>
-          <p:cNvPr id="11" name="Straight Connector 10">
-            <a:extLst>
-              <a:ext uri="{FF2B5EF4-FFF2-40B4-BE49-F238E27FC236}">
-                <a16:creationId xmlns:a16="http://schemas.microsoft.com/office/drawing/2014/main" id="{20E3A342-4D61-4E3F-AF90-1AB42AEB96CC}"/>
-              </a:ext>
-              <a:ext uri="{C183D7F6-B498-43B3-948B-1728B52AA6E4}">
-                <adec:decorative xmlns:adec="http://schemas.microsoft.com/office/drawing/2017/decorative" val="1"/>
-              </a:ext>
-            </a:extLst>
-          </p:cNvPr>
-          <p:cNvCxnSpPr>
-            <a:cxnSpLocks noGrp="1" noRot="1" noChangeAspect="1" noMove="1" noResize="1" noEditPoints="1" noAdjustHandles="1" noChangeArrowheads="1" noChangeShapeType="1"/>
-          </p:cNvCxnSpPr>
-          <p:nvPr>
-            <p:extLst>
-              <p:ext uri="{386F3935-93C4-4BCD-93E2-E3B085C9AB24}">
-                <p16:designElem xmlns:p16="http://schemas.microsoft.com/office/powerpoint/2015/main" val="1"/>
-              </p:ext>
-            </p:extLst>
-          </p:nvPr>
-        </p:nvCxnSpPr>
-        <p:spPr>
-          <a:xfrm>
-            <a:off x="2287051" y="3337139"/>
-            <a:ext cx="935420" cy="0"/>
-          </a:xfrm>
-          <a:prstGeom prst="line">
-            <a:avLst/>
-          </a:prstGeom>
-          <a:ln w="25400" cap="sq">
-            <a:solidFill>
-              <a:schemeClr val="tx1">
-                <a:lumMod val="85000"/>
-                <a:lumOff val="15000"/>
-              </a:schemeClr>
-            </a:solidFill>
-            <a:bevel/>
-          </a:ln>
-        </p:spPr>
-        <p:style>
-          <a:lnRef idx="1">
-            <a:schemeClr val="accent1"/>
-          </a:lnRef>
-          <a:fillRef idx="0">
-            <a:schemeClr val="accent1"/>
-          </a:fillRef>
-          <a:effectRef idx="0">
-            <a:schemeClr val="accent1"/>
-          </a:effectRef>
-          <a:fontRef idx="minor">
-            <a:schemeClr val="tx1"/>
-          </a:fontRef>
-        </p:style>
-      </p:cxnSp>
-      <p:sp>
-        <p:nvSpPr>
-          <p:cNvPr id="5" name="CaixaDeTexto 4">
-            <a:extLst>
-              <a:ext uri="{FF2B5EF4-FFF2-40B4-BE49-F238E27FC236}">
-                <a16:creationId xmlns:a16="http://schemas.microsoft.com/office/drawing/2014/main" id="{F71043F8-F1AC-46A4-8531-5AB47FD52BAD}"/>
-              </a:ext>
-            </a:extLst>
-          </p:cNvPr>
-          <p:cNvSpPr txBox="1"/>
-          <p:nvPr/>
-        </p:nvSpPr>
-        <p:spPr>
-          <a:xfrm>
-            <a:off x="136328" y="3928087"/>
-            <a:ext cx="5880844" cy="1015663"/>
-          </a:xfrm>
-          <a:prstGeom prst="rect">
-            <a:avLst/>
-          </a:prstGeom>
-          <a:noFill/>
-        </p:spPr>
-        <p:txBody>
-          <a:bodyPr wrap="square" rtlCol="0">
-            <a:spAutoFit/>
-          </a:bodyPr>
-          <a:lstStyle/>
-          <a:p>
-            <a:r>
-              <a:rPr lang="pt-BR" sz="2000" dirty="0">
-                <a:effectLst>
-                  <a:outerShdw blurRad="38100" dist="38100" dir="2700000" algn="tl">
-                    <a:srgbClr val="000000">
-                      <a:alpha val="43137"/>
-                    </a:srgbClr>
-                  </a:outerShdw>
-                </a:effectLst>
-                <a:latin typeface="Arial" panose="020B0604020202020204" pitchFamily="34" charset="0"/>
-                <a:cs typeface="Arial" panose="020B0604020202020204" pitchFamily="34" charset="0"/>
-              </a:rPr>
-              <a:t>Não ter um prejuízo de estimados R$38 milhões mensais por vazamentos e somente ter um custo de estimados R$ 9 milhões por ano é:</a:t>
-            </a:r>
-          </a:p>
-        </p:txBody>
-      </p:sp>
       <p:pic>
         <p:nvPicPr>
-          <p:cNvPr id="8" name="Imagem 7">
-            <a:extLst>
-              <a:ext uri="{FF2B5EF4-FFF2-40B4-BE49-F238E27FC236}">
-                <a16:creationId xmlns:a16="http://schemas.microsoft.com/office/drawing/2014/main" id="{CF005EC4-8AA8-40E3-8432-45BD49F7C7F1}"/>
+          <p:cNvPr id="3" name="Imagem 2">
+            <a:extLst>
+              <a:ext uri="{FF2B5EF4-FFF2-40B4-BE49-F238E27FC236}">
+                <a16:creationId xmlns:a16="http://schemas.microsoft.com/office/drawing/2014/main" id="{0890E4AA-4730-4DD6-BECF-0678E65A1179}"/>
               </a:ext>
             </a:extLst>
           </p:cNvPr>
@@ -8001,18 +9134,311 @@
         </p:blipFill>
         <p:spPr>
           <a:xfrm>
-            <a:off x="53894" y="35169"/>
-            <a:ext cx="1035488" cy="1035488"/>
+            <a:off x="6771191" y="1778916"/>
+            <a:ext cx="3548824" cy="4444321"/>
           </a:xfrm>
           <a:prstGeom prst="rect">
             <a:avLst/>
           </a:prstGeom>
         </p:spPr>
       </p:pic>
+      <p:sp>
+        <p:nvSpPr>
+          <p:cNvPr id="6" name="CaixaDeTexto 5">
+            <a:extLst>
+              <a:ext uri="{FF2B5EF4-FFF2-40B4-BE49-F238E27FC236}">
+                <a16:creationId xmlns:a16="http://schemas.microsoft.com/office/drawing/2014/main" id="{A06F92AB-409D-4B71-81F0-71D388E89025}"/>
+              </a:ext>
+            </a:extLst>
+          </p:cNvPr>
+          <p:cNvSpPr txBox="1"/>
+          <p:nvPr/>
+        </p:nvSpPr>
+        <p:spPr>
+          <a:xfrm>
+            <a:off x="642176" y="995958"/>
+            <a:ext cx="4875606" cy="338554"/>
+          </a:xfrm>
+          <a:prstGeom prst="rect">
+            <a:avLst/>
+          </a:prstGeom>
+          <a:noFill/>
+        </p:spPr>
+        <p:txBody>
+          <a:bodyPr wrap="square" rtlCol="0">
+            <a:spAutoFit/>
+          </a:bodyPr>
+          <a:lstStyle>
+            <a:defPPr>
+              <a:defRPr lang="pt-BR"/>
+            </a:defPPr>
+            <a:lvl1pPr>
+              <a:defRPr sz="1600" b="1">
+                <a:latin typeface="Arial" panose="020B0604020202020204" pitchFamily="34" charset="0"/>
+                <a:cs typeface="Arial" panose="020B0604020202020204" pitchFamily="34" charset="0"/>
+              </a:defRPr>
+            </a:lvl1pPr>
+          </a:lstStyle>
+          <a:p>
+            <a:r>
+              <a:rPr lang="pt-BR" dirty="0"/>
+              <a:t>Criação do banco de dados e tabela tbClientes:</a:t>
+            </a:r>
+          </a:p>
+        </p:txBody>
+      </p:sp>
+      <p:sp>
+        <p:nvSpPr>
+          <p:cNvPr id="7" name="CaixaDeTexto 6">
+            <a:extLst>
+              <a:ext uri="{FF2B5EF4-FFF2-40B4-BE49-F238E27FC236}">
+                <a16:creationId xmlns:a16="http://schemas.microsoft.com/office/drawing/2014/main" id="{15DF4520-F06C-4C7B-89CE-71C48BC2EA7B}"/>
+              </a:ext>
+            </a:extLst>
+          </p:cNvPr>
+          <p:cNvSpPr txBox="1"/>
+          <p:nvPr/>
+        </p:nvSpPr>
+        <p:spPr>
+          <a:xfrm>
+            <a:off x="6674219" y="995958"/>
+            <a:ext cx="4579620" cy="338554"/>
+          </a:xfrm>
+          <a:prstGeom prst="rect">
+            <a:avLst/>
+          </a:prstGeom>
+          <a:noFill/>
+        </p:spPr>
+        <p:txBody>
+          <a:bodyPr wrap="square" rtlCol="0">
+            <a:spAutoFit/>
+          </a:bodyPr>
+          <a:lstStyle/>
+          <a:p>
+            <a:r>
+              <a:rPr lang="pt-BR" sz="1600" b="1" dirty="0">
+                <a:latin typeface="Arial" panose="020B0604020202020204" pitchFamily="34" charset="0"/>
+                <a:cs typeface="Arial" panose="020B0604020202020204" pitchFamily="34" charset="0"/>
+              </a:rPr>
+              <a:t>Criação das tabelas tbRua e tbSensores:</a:t>
+            </a:r>
+          </a:p>
+        </p:txBody>
+      </p:sp>
     </p:spTree>
     <p:extLst>
       <p:ext uri="{BB962C8B-B14F-4D97-AF65-F5344CB8AC3E}">
-        <p14:creationId xmlns:p14="http://schemas.microsoft.com/office/powerpoint/2010/main" val="3707752108"/>
+        <p14:creationId xmlns:p14="http://schemas.microsoft.com/office/powerpoint/2010/main" val="1605510380"/>
+      </p:ext>
+    </p:extLst>
+  </p:cSld>
+  <p:clrMapOvr>
+    <a:masterClrMapping/>
+  </p:clrMapOvr>
+</p:sld>
+</file>
+
+<file path=ppt/slides/slide8.xml><?xml version="1.0" encoding="utf-8"?>
+<p:sld xmlns:a="http://schemas.openxmlformats.org/drawingml/2006/main" xmlns:r="http://schemas.openxmlformats.org/officeDocument/2006/relationships" xmlns:p="http://schemas.openxmlformats.org/presentationml/2006/main">
+  <p:cSld>
+    <p:spTree>
+      <p:nvGrpSpPr>
+        <p:cNvPr id="1" name=""/>
+        <p:cNvGrpSpPr/>
+        <p:nvPr/>
+      </p:nvGrpSpPr>
+      <p:grpSpPr>
+        <a:xfrm>
+          <a:off x="0" y="0"/>
+          <a:ext cx="0" cy="0"/>
+          <a:chOff x="0" y="0"/>
+          <a:chExt cx="0" cy="0"/>
+        </a:xfrm>
+      </p:grpSpPr>
+      <p:pic>
+        <p:nvPicPr>
+          <p:cNvPr id="2" name="Imagem 1">
+            <a:extLst>
+              <a:ext uri="{FF2B5EF4-FFF2-40B4-BE49-F238E27FC236}">
+                <a16:creationId xmlns:a16="http://schemas.microsoft.com/office/drawing/2014/main" id="{C19F7BEF-21A4-4EBE-ADD4-B61FF1C86AE9}"/>
+              </a:ext>
+            </a:extLst>
+          </p:cNvPr>
+          <p:cNvPicPr>
+            <a:picLocks noChangeAspect="1"/>
+          </p:cNvPicPr>
+          <p:nvPr/>
+        </p:nvPicPr>
+        <p:blipFill>
+          <a:blip r:embed="rId2"/>
+          <a:stretch>
+            <a:fillRect/>
+          </a:stretch>
+        </p:blipFill>
+        <p:spPr>
+          <a:xfrm>
+            <a:off x="398336" y="865966"/>
+            <a:ext cx="8085521" cy="1577477"/>
+          </a:xfrm>
+          <a:prstGeom prst="rect">
+            <a:avLst/>
+          </a:prstGeom>
+        </p:spPr>
+      </p:pic>
+      <p:pic>
+        <p:nvPicPr>
+          <p:cNvPr id="3" name="Imagem 2">
+            <a:extLst>
+              <a:ext uri="{FF2B5EF4-FFF2-40B4-BE49-F238E27FC236}">
+                <a16:creationId xmlns:a16="http://schemas.microsoft.com/office/drawing/2014/main" id="{58C1A49D-2DB9-43C7-B0F5-F68E4A3D03E8}"/>
+              </a:ext>
+            </a:extLst>
+          </p:cNvPr>
+          <p:cNvPicPr>
+            <a:picLocks noChangeAspect="1"/>
+          </p:cNvPicPr>
+          <p:nvPr/>
+        </p:nvPicPr>
+        <p:blipFill>
+          <a:blip r:embed="rId3"/>
+          <a:stretch>
+            <a:fillRect/>
+          </a:stretch>
+        </p:blipFill>
+        <p:spPr>
+          <a:xfrm>
+            <a:off x="8446279" y="946508"/>
+            <a:ext cx="3482642" cy="1341236"/>
+          </a:xfrm>
+          <a:prstGeom prst="rect">
+            <a:avLst/>
+          </a:prstGeom>
+        </p:spPr>
+      </p:pic>
+      <p:pic>
+        <p:nvPicPr>
+          <p:cNvPr id="4" name="Imagem 3">
+            <a:extLst>
+              <a:ext uri="{FF2B5EF4-FFF2-40B4-BE49-F238E27FC236}">
+                <a16:creationId xmlns:a16="http://schemas.microsoft.com/office/drawing/2014/main" id="{C7C04DB2-C0B7-468D-85EC-B66F2571B0F7}"/>
+              </a:ext>
+            </a:extLst>
+          </p:cNvPr>
+          <p:cNvPicPr>
+            <a:picLocks noChangeAspect="1"/>
+          </p:cNvPicPr>
+          <p:nvPr/>
+        </p:nvPicPr>
+        <p:blipFill>
+          <a:blip r:embed="rId4"/>
+          <a:stretch>
+            <a:fillRect/>
+          </a:stretch>
+        </p:blipFill>
+        <p:spPr>
+          <a:xfrm>
+            <a:off x="3810592" y="3103126"/>
+            <a:ext cx="4673265" cy="3715985"/>
+          </a:xfrm>
+          <a:prstGeom prst="rect">
+            <a:avLst/>
+          </a:prstGeom>
+        </p:spPr>
+      </p:pic>
+      <p:sp>
+        <p:nvSpPr>
+          <p:cNvPr id="5" name="CaixaDeTexto 4">
+            <a:extLst>
+              <a:ext uri="{FF2B5EF4-FFF2-40B4-BE49-F238E27FC236}">
+                <a16:creationId xmlns:a16="http://schemas.microsoft.com/office/drawing/2014/main" id="{D05F348A-5DC1-4D17-AC3B-97B6FC677767}"/>
+              </a:ext>
+            </a:extLst>
+          </p:cNvPr>
+          <p:cNvSpPr txBox="1"/>
+          <p:nvPr/>
+        </p:nvSpPr>
+        <p:spPr>
+          <a:xfrm>
+            <a:off x="4091940" y="184666"/>
+            <a:ext cx="4008120" cy="369332"/>
+          </a:xfrm>
+          <a:prstGeom prst="rect">
+            <a:avLst/>
+          </a:prstGeom>
+          <a:noFill/>
+        </p:spPr>
+        <p:txBody>
+          <a:bodyPr wrap="square" rtlCol="0">
+            <a:spAutoFit/>
+          </a:bodyPr>
+          <a:lstStyle>
+            <a:defPPr>
+              <a:defRPr lang="pt-BR"/>
+            </a:defPPr>
+            <a:lvl1pPr>
+              <a:defRPr sz="1600" b="1">
+                <a:latin typeface="Arial" panose="020B0604020202020204" pitchFamily="34" charset="0"/>
+                <a:cs typeface="Arial" panose="020B0604020202020204" pitchFamily="34" charset="0"/>
+              </a:defRPr>
+            </a:lvl1pPr>
+          </a:lstStyle>
+          <a:p>
+            <a:r>
+              <a:rPr lang="pt-BR" dirty="0"/>
+              <a:t>Inserção de dados na tabela Clientes:</a:t>
+            </a:r>
+          </a:p>
+        </p:txBody>
+      </p:sp>
+      <p:sp>
+        <p:nvSpPr>
+          <p:cNvPr id="6" name="CaixaDeTexto 5">
+            <a:extLst>
+              <a:ext uri="{FF2B5EF4-FFF2-40B4-BE49-F238E27FC236}">
+                <a16:creationId xmlns:a16="http://schemas.microsoft.com/office/drawing/2014/main" id="{897B9B6D-A61B-4497-825B-7A0E52DFBFE7}"/>
+              </a:ext>
+            </a:extLst>
+          </p:cNvPr>
+          <p:cNvSpPr txBox="1"/>
+          <p:nvPr/>
+        </p:nvSpPr>
+        <p:spPr>
+          <a:xfrm>
+            <a:off x="4091940" y="2588618"/>
+            <a:ext cx="4008120" cy="369332"/>
+          </a:xfrm>
+          <a:prstGeom prst="rect">
+            <a:avLst/>
+          </a:prstGeom>
+          <a:noFill/>
+        </p:spPr>
+        <p:txBody>
+          <a:bodyPr wrap="square" rtlCol="0">
+            <a:spAutoFit/>
+          </a:bodyPr>
+          <a:lstStyle>
+            <a:defPPr>
+              <a:defRPr lang="pt-BR"/>
+            </a:defPPr>
+            <a:lvl1pPr>
+              <a:defRPr sz="1600" b="1">
+                <a:latin typeface="Arial" panose="020B0604020202020204" pitchFamily="34" charset="0"/>
+                <a:cs typeface="Arial" panose="020B0604020202020204" pitchFamily="34" charset="0"/>
+              </a:defRPr>
+            </a:lvl1pPr>
+          </a:lstStyle>
+          <a:p>
+            <a:r>
+              <a:rPr lang="pt-BR" dirty="0"/>
+              <a:t>Inserção de dados na tabela Clientes:</a:t>
+            </a:r>
+          </a:p>
+        </p:txBody>
+      </p:sp>
+    </p:spTree>
+    <p:extLst>
+      <p:ext uri="{BB962C8B-B14F-4D97-AF65-F5344CB8AC3E}">
+        <p14:creationId xmlns:p14="http://schemas.microsoft.com/office/powerpoint/2010/main" val="2411807073"/>
       </p:ext>
     </p:extLst>
   </p:cSld>
@@ -8039,734 +9465,12 @@
           <a:chExt cx="0" cy="0"/>
         </a:xfrm>
       </p:grpSpPr>
-      <p:sp>
-        <p:nvSpPr>
-          <p:cNvPr id="2" name="Título 1">
-            <a:extLst>
-              <a:ext uri="{FF2B5EF4-FFF2-40B4-BE49-F238E27FC236}">
-                <a16:creationId xmlns:a16="http://schemas.microsoft.com/office/drawing/2014/main" id="{81717266-6AEC-4E54-ABDD-4B3A2718C4F3}"/>
-              </a:ext>
-            </a:extLst>
-          </p:cNvPr>
-          <p:cNvSpPr>
-            <a:spLocks noGrp="1"/>
-          </p:cNvSpPr>
-          <p:nvPr>
-            <p:ph type="title"/>
-          </p:nvPr>
-        </p:nvSpPr>
-        <p:spPr>
-          <a:xfrm>
-            <a:off x="830896" y="18255"/>
-            <a:ext cx="10515600" cy="1325563"/>
-          </a:xfrm>
-        </p:spPr>
-        <p:txBody>
-          <a:bodyPr>
-            <a:normAutofit/>
-          </a:bodyPr>
-          <a:lstStyle/>
-          <a:p>
-            <a:pPr algn="ctr"/>
-            <a:r>
-              <a:rPr lang="pt-BR" sz="3700" dirty="0">
-                <a:latin typeface="Arial" panose="020B0604020202020204" pitchFamily="34" charset="0"/>
-                <a:cs typeface="Arial" panose="020B0604020202020204" pitchFamily="34" charset="0"/>
-              </a:rPr>
-              <a:t>Onde os dados são armazenados?</a:t>
-            </a:r>
-          </a:p>
-        </p:txBody>
-      </p:sp>
-      <p:sp>
-        <p:nvSpPr>
-          <p:cNvPr id="3" name="Espaço Reservado para Conteúdo 2">
-            <a:extLst>
-              <a:ext uri="{FF2B5EF4-FFF2-40B4-BE49-F238E27FC236}">
-                <a16:creationId xmlns:a16="http://schemas.microsoft.com/office/drawing/2014/main" id="{E317D884-3835-4901-A2A5-B94BB67813BB}"/>
-              </a:ext>
-            </a:extLst>
-          </p:cNvPr>
-          <p:cNvSpPr>
-            <a:spLocks noGrp="1"/>
-          </p:cNvSpPr>
-          <p:nvPr>
-            <p:ph idx="1"/>
-          </p:nvPr>
-        </p:nvSpPr>
-        <p:spPr/>
-        <p:txBody>
-          <a:bodyPr>
-            <a:normAutofit/>
-          </a:bodyPr>
-          <a:lstStyle/>
-          <a:p>
-            <a:r>
-              <a:rPr lang="pt-BR" sz="2000">
-                <a:latin typeface="Arial" panose="020B0604020202020204" pitchFamily="34" charset="0"/>
-                <a:cs typeface="Arial" panose="020B0604020202020204" pitchFamily="34" charset="0"/>
-              </a:rPr>
-              <a:t>Os dados serão armazenados em nosso banco de dados, todas as informações pedidas para o cadastro serão armazenadas e os sensores atribuídos a seus respectivos clientes</a:t>
-            </a:r>
-            <a:endParaRPr lang="pt-BR" sz="2000" dirty="0">
-              <a:latin typeface="Arial" panose="020B0604020202020204" pitchFamily="34" charset="0"/>
-              <a:cs typeface="Arial" panose="020B0604020202020204" pitchFamily="34" charset="0"/>
-            </a:endParaRPr>
-          </a:p>
-        </p:txBody>
-      </p:sp>
       <p:pic>
         <p:nvPicPr>
-          <p:cNvPr id="4" name="Picture 2" descr="Waste Water Treatment Leakage Broke Svg Png Icon Free Download (#569149) -  OnlineWebFonts.COM">
-            <a:extLst>
-              <a:ext uri="{FF2B5EF4-FFF2-40B4-BE49-F238E27FC236}">
-                <a16:creationId xmlns:a16="http://schemas.microsoft.com/office/drawing/2014/main" id="{A9027475-A512-4FFC-B95F-6730DF59B3DE}"/>
-              </a:ext>
-            </a:extLst>
-          </p:cNvPr>
-          <p:cNvPicPr>
-            <a:picLocks noChangeAspect="1" noChangeArrowheads="1"/>
-          </p:cNvPicPr>
-          <p:nvPr/>
-        </p:nvPicPr>
-        <p:blipFill rotWithShape="1">
-          <a:blip r:embed="rId2">
-            <a:alphaModFix/>
-            <a:extLst>
-              <a:ext uri="{28A0092B-C50C-407E-A947-70E740481C1C}">
-                <a14:useLocalDpi xmlns:a14="http://schemas.microsoft.com/office/drawing/2010/main" val="0"/>
-              </a:ext>
-            </a:extLst>
-          </a:blip>
-          <a:srcRect r="548"/>
-          <a:stretch/>
-        </p:blipFill>
-        <p:spPr bwMode="auto">
-          <a:xfrm>
-            <a:off x="314372" y="4851908"/>
-            <a:ext cx="1870411" cy="2006092"/>
-          </a:xfrm>
-          <a:prstGeom prst="rect">
-            <a:avLst/>
-          </a:prstGeom>
-          <a:noFill/>
-          <a:extLst>
-            <a:ext uri="{909E8E84-426E-40DD-AFC4-6F175D3DCCD1}">
-              <a14:hiddenFill xmlns:a14="http://schemas.microsoft.com/office/drawing/2010/main">
-                <a:solidFill>
-                  <a:srgbClr val="FFFFFF"/>
-                </a:solidFill>
-              </a14:hiddenFill>
-            </a:ext>
-          </a:extLst>
-        </p:spPr>
-      </p:pic>
-      <p:pic>
-        <p:nvPicPr>
-          <p:cNvPr id="5" name="Picture 6" descr="temperature and humidity sensor">
-            <a:extLst>
-              <a:ext uri="{FF2B5EF4-FFF2-40B4-BE49-F238E27FC236}">
-                <a16:creationId xmlns:a16="http://schemas.microsoft.com/office/drawing/2014/main" id="{B285B2BE-0AF8-4A57-823E-D0EFFB44C254}"/>
-              </a:ext>
-            </a:extLst>
-          </p:cNvPr>
-          <p:cNvPicPr>
-            <a:picLocks noChangeAspect="1" noChangeArrowheads="1"/>
-          </p:cNvPicPr>
-          <p:nvPr/>
-        </p:nvPicPr>
-        <p:blipFill>
-          <a:blip r:embed="rId3">
-            <a:extLst>
-              <a:ext uri="{28A0092B-C50C-407E-A947-70E740481C1C}">
-                <a14:useLocalDpi xmlns:a14="http://schemas.microsoft.com/office/drawing/2010/main" val="0"/>
-              </a:ext>
-            </a:extLst>
-          </a:blip>
-          <a:srcRect/>
-          <a:stretch>
-            <a:fillRect/>
-          </a:stretch>
-        </p:blipFill>
-        <p:spPr bwMode="auto">
-          <a:xfrm rot="18635752">
-            <a:off x="1092002" y="6225041"/>
-            <a:ext cx="315149" cy="315149"/>
-          </a:xfrm>
-          <a:prstGeom prst="rect">
-            <a:avLst/>
-          </a:prstGeom>
-          <a:noFill/>
-          <a:extLst>
-            <a:ext uri="{909E8E84-426E-40DD-AFC4-6F175D3DCCD1}">
-              <a14:hiddenFill xmlns:a14="http://schemas.microsoft.com/office/drawing/2010/main">
-                <a:solidFill>
-                  <a:srgbClr val="FFFFFF"/>
-                </a:solidFill>
-              </a14:hiddenFill>
-            </a:ext>
-          </a:extLst>
-        </p:spPr>
-      </p:pic>
-      <p:pic>
-        <p:nvPicPr>
-          <p:cNvPr id="6" name="Picture 8" descr="Alert Alt Svg Png Icon Free Download (#565392) - OnlineWebFonts.COM">
-            <a:extLst>
-              <a:ext uri="{FF2B5EF4-FFF2-40B4-BE49-F238E27FC236}">
-                <a16:creationId xmlns:a16="http://schemas.microsoft.com/office/drawing/2014/main" id="{2E7665F3-0BAE-4C54-AF17-EF1B6CAB0B8F}"/>
-              </a:ext>
-            </a:extLst>
-          </p:cNvPr>
-          <p:cNvPicPr>
-            <a:picLocks noChangeAspect="1" noChangeArrowheads="1"/>
-          </p:cNvPicPr>
-          <p:nvPr/>
-        </p:nvPicPr>
-        <p:blipFill rotWithShape="1">
-          <a:blip r:embed="rId4">
-            <a:duotone>
-              <a:schemeClr val="accent2">
-                <a:shade val="45000"/>
-                <a:satMod val="135000"/>
-              </a:schemeClr>
-              <a:prstClr val="white"/>
-            </a:duotone>
-            <a:alphaModFix/>
-            <a:extLst>
-              <a:ext uri="{BEBA8EAE-BF5A-486C-A8C5-ECC9F3942E4B}">
-                <a14:imgProps xmlns:a14="http://schemas.microsoft.com/office/drawing/2010/main">
-                  <a14:imgLayer r:embed="rId5">
-                    <a14:imgEffect>
-                      <a14:colorTemperature colorTemp="6360"/>
-                    </a14:imgEffect>
-                    <a14:imgEffect>
-                      <a14:saturation sat="191000"/>
-                    </a14:imgEffect>
-                  </a14:imgLayer>
-                </a14:imgProps>
-              </a:ext>
-              <a:ext uri="{28A0092B-C50C-407E-A947-70E740481C1C}">
-                <a14:useLocalDpi xmlns:a14="http://schemas.microsoft.com/office/drawing/2010/main" val="0"/>
-              </a:ext>
-            </a:extLst>
-          </a:blip>
-          <a:srcRect b="72111"/>
-          <a:stretch/>
-        </p:blipFill>
-        <p:spPr bwMode="auto">
-          <a:xfrm rot="13158707">
-            <a:off x="841771" y="6471416"/>
-            <a:ext cx="491158" cy="209764"/>
-          </a:xfrm>
-          <a:prstGeom prst="rect">
-            <a:avLst/>
-          </a:prstGeom>
-          <a:noFill/>
-          <a:ln>
-            <a:noFill/>
-          </a:ln>
-        </p:spPr>
-      </p:pic>
-      <p:pic>
-        <p:nvPicPr>
-          <p:cNvPr id="1026" name="Picture 2" descr="poste elétrico - ícones de eletrônicos grátis">
-            <a:extLst>
-              <a:ext uri="{FF2B5EF4-FFF2-40B4-BE49-F238E27FC236}">
-                <a16:creationId xmlns:a16="http://schemas.microsoft.com/office/drawing/2014/main" id="{49B43E45-D4D5-48F4-8B57-4A932C3C7CD5}"/>
-              </a:ext>
-            </a:extLst>
-          </p:cNvPr>
-          <p:cNvPicPr>
-            <a:picLocks noChangeAspect="1" noChangeArrowheads="1"/>
-          </p:cNvPicPr>
-          <p:nvPr/>
-        </p:nvPicPr>
-        <p:blipFill>
-          <a:blip r:embed="rId6">
-            <a:extLst>
-              <a:ext uri="{28A0092B-C50C-407E-A947-70E740481C1C}">
-                <a14:useLocalDpi xmlns:a14="http://schemas.microsoft.com/office/drawing/2010/main" val="0"/>
-              </a:ext>
-            </a:extLst>
-          </a:blip>
-          <a:srcRect/>
-          <a:stretch>
-            <a:fillRect/>
-          </a:stretch>
-        </p:blipFill>
-        <p:spPr bwMode="auto">
-          <a:xfrm>
-            <a:off x="2708610" y="3143029"/>
-            <a:ext cx="1708879" cy="1708879"/>
-          </a:xfrm>
-          <a:prstGeom prst="rect">
-            <a:avLst/>
-          </a:prstGeom>
-          <a:noFill/>
-          <a:extLst>
-            <a:ext uri="{909E8E84-426E-40DD-AFC4-6F175D3DCCD1}">
-              <a14:hiddenFill xmlns:a14="http://schemas.microsoft.com/office/drawing/2010/main">
-                <a:solidFill>
-                  <a:srgbClr val="FFFFFF"/>
-                </a:solidFill>
-              </a14:hiddenFill>
-            </a:ext>
-          </a:extLst>
-        </p:spPr>
-      </p:pic>
-      <p:pic>
-        <p:nvPicPr>
-          <p:cNvPr id="1030" name="Picture 6" descr="Roteador Wi-Fi Ícone - Download Grátis, PNG e Vetores">
-            <a:extLst>
-              <a:ext uri="{FF2B5EF4-FFF2-40B4-BE49-F238E27FC236}">
-                <a16:creationId xmlns:a16="http://schemas.microsoft.com/office/drawing/2014/main" id="{7A8BDA75-8082-4131-8F58-CCE859769CBD}"/>
-              </a:ext>
-            </a:extLst>
-          </p:cNvPr>
-          <p:cNvPicPr>
-            <a:picLocks noChangeAspect="1" noChangeArrowheads="1"/>
-          </p:cNvPicPr>
-          <p:nvPr/>
-        </p:nvPicPr>
-        <p:blipFill rotWithShape="1">
-          <a:blip r:embed="rId7">
-            <a:extLst>
-              <a:ext uri="{28A0092B-C50C-407E-A947-70E740481C1C}">
-                <a14:useLocalDpi xmlns:a14="http://schemas.microsoft.com/office/drawing/2010/main" val="0"/>
-              </a:ext>
-            </a:extLst>
-          </a:blip>
-          <a:srcRect r="5484" b="5242"/>
-          <a:stretch/>
-        </p:blipFill>
-        <p:spPr bwMode="auto">
-          <a:xfrm>
-            <a:off x="2708612" y="2809952"/>
-            <a:ext cx="742512" cy="744410"/>
-          </a:xfrm>
-          <a:prstGeom prst="rect">
-            <a:avLst/>
-          </a:prstGeom>
-          <a:noFill/>
-          <a:extLst>
-            <a:ext uri="{909E8E84-426E-40DD-AFC4-6F175D3DCCD1}">
-              <a14:hiddenFill xmlns:a14="http://schemas.microsoft.com/office/drawing/2010/main">
-                <a:solidFill>
-                  <a:srgbClr val="FFFFFF"/>
-                </a:solidFill>
-              </a14:hiddenFill>
-            </a:ext>
-          </a:extLst>
-        </p:spPr>
-      </p:pic>
-      <p:pic>
-        <p:nvPicPr>
-          <p:cNvPr id="1032" name="Picture 8" descr="ícone Servidor Livre de WHCompare Isometric Web Hosting &amp; Servers">
-            <a:extLst>
-              <a:ext uri="{FF2B5EF4-FFF2-40B4-BE49-F238E27FC236}">
-                <a16:creationId xmlns:a16="http://schemas.microsoft.com/office/drawing/2014/main" id="{CBDCF82D-42C4-4EB5-BDEF-78695D8EACC1}"/>
-              </a:ext>
-            </a:extLst>
-          </p:cNvPr>
-          <p:cNvPicPr>
-            <a:picLocks noChangeAspect="1" noChangeArrowheads="1"/>
-          </p:cNvPicPr>
-          <p:nvPr/>
-        </p:nvPicPr>
-        <p:blipFill>
-          <a:blip r:embed="rId8">
-            <a:extLst>
-              <a:ext uri="{28A0092B-C50C-407E-A947-70E740481C1C}">
-                <a14:useLocalDpi xmlns:a14="http://schemas.microsoft.com/office/drawing/2010/main" val="0"/>
-              </a:ext>
-            </a:extLst>
-          </a:blip>
-          <a:srcRect/>
-          <a:stretch>
-            <a:fillRect/>
-          </a:stretch>
-        </p:blipFill>
-        <p:spPr bwMode="auto">
-          <a:xfrm>
-            <a:off x="4941316" y="4759790"/>
-            <a:ext cx="2190327" cy="2190327"/>
-          </a:xfrm>
-          <a:prstGeom prst="rect">
-            <a:avLst/>
-          </a:prstGeom>
-          <a:noFill/>
-          <a:extLst>
-            <a:ext uri="{909E8E84-426E-40DD-AFC4-6F175D3DCCD1}">
-              <a14:hiddenFill xmlns:a14="http://schemas.microsoft.com/office/drawing/2010/main">
-                <a:solidFill>
-                  <a:srgbClr val="FFFFFF"/>
-                </a:solidFill>
-              </a14:hiddenFill>
-            </a:ext>
-          </a:extLst>
-        </p:spPr>
-      </p:pic>
-      <p:pic>
-        <p:nvPicPr>
-          <p:cNvPr id="1034" name="Picture 10" descr="Person using computer icon vector illustration design.">
-            <a:extLst>
-              <a:ext uri="{FF2B5EF4-FFF2-40B4-BE49-F238E27FC236}">
-                <a16:creationId xmlns:a16="http://schemas.microsoft.com/office/drawing/2014/main" id="{54807AD0-A037-46D2-9142-5A86027BD3DE}"/>
-              </a:ext>
-            </a:extLst>
-          </p:cNvPr>
-          <p:cNvPicPr>
-            <a:picLocks noChangeAspect="1" noChangeArrowheads="1"/>
-          </p:cNvPicPr>
-          <p:nvPr/>
-        </p:nvPicPr>
-        <p:blipFill rotWithShape="1">
-          <a:blip r:embed="rId9">
-            <a:extLst>
-              <a:ext uri="{28A0092B-C50C-407E-A947-70E740481C1C}">
-                <a14:useLocalDpi xmlns:a14="http://schemas.microsoft.com/office/drawing/2010/main" val="0"/>
-              </a:ext>
-            </a:extLst>
-          </a:blip>
-          <a:srcRect b="20960"/>
-          <a:stretch/>
-        </p:blipFill>
-        <p:spPr bwMode="auto">
-          <a:xfrm>
-            <a:off x="7774512" y="2947883"/>
-            <a:ext cx="1940641" cy="1661705"/>
-          </a:xfrm>
-          <a:prstGeom prst="rect">
-            <a:avLst/>
-          </a:prstGeom>
-          <a:noFill/>
-          <a:extLst>
-            <a:ext uri="{909E8E84-426E-40DD-AFC4-6F175D3DCCD1}">
-              <a14:hiddenFill xmlns:a14="http://schemas.microsoft.com/office/drawing/2010/main">
-                <a:solidFill>
-                  <a:srgbClr val="FFFFFF"/>
-                </a:solidFill>
-              </a14:hiddenFill>
-            </a:ext>
-          </a:extLst>
-        </p:spPr>
-      </p:pic>
-      <p:pic>
-        <p:nvPicPr>
-          <p:cNvPr id="1036" name="Picture 12" descr="computer, desktop, laptop, mac, monitor, pc, screen icon | Conjunto de  ícones, Conjunto de">
-            <a:extLst>
-              <a:ext uri="{FF2B5EF4-FFF2-40B4-BE49-F238E27FC236}">
-                <a16:creationId xmlns:a16="http://schemas.microsoft.com/office/drawing/2014/main" id="{207611DD-ED0F-4EF6-86BE-D157312D68E1}"/>
-              </a:ext>
-            </a:extLst>
-          </p:cNvPr>
-          <p:cNvPicPr>
-            <a:picLocks noChangeAspect="1" noChangeArrowheads="1"/>
-          </p:cNvPicPr>
-          <p:nvPr/>
-        </p:nvPicPr>
-        <p:blipFill>
-          <a:blip r:embed="rId10">
-            <a:extLst>
-              <a:ext uri="{28A0092B-C50C-407E-A947-70E740481C1C}">
-                <a14:useLocalDpi xmlns:a14="http://schemas.microsoft.com/office/drawing/2010/main" val="0"/>
-              </a:ext>
-            </a:extLst>
-          </a:blip>
-          <a:srcRect/>
-          <a:stretch>
-            <a:fillRect/>
-          </a:stretch>
-        </p:blipFill>
-        <p:spPr bwMode="auto">
-          <a:xfrm>
-            <a:off x="9560874" y="2906200"/>
-            <a:ext cx="2190327" cy="1981045"/>
-          </a:xfrm>
-          <a:prstGeom prst="rect">
-            <a:avLst/>
-          </a:prstGeom>
-          <a:noFill/>
-          <a:extLst>
-            <a:ext uri="{909E8E84-426E-40DD-AFC4-6F175D3DCCD1}">
-              <a14:hiddenFill xmlns:a14="http://schemas.microsoft.com/office/drawing/2010/main">
-                <a:solidFill>
-                  <a:srgbClr val="FFFFFF"/>
-                </a:solidFill>
-              </a14:hiddenFill>
-            </a:ext>
-          </a:extLst>
-        </p:spPr>
-      </p:pic>
-      <p:sp>
-        <p:nvSpPr>
-          <p:cNvPr id="7" name="CaixaDeTexto 6">
-            <a:extLst>
-              <a:ext uri="{FF2B5EF4-FFF2-40B4-BE49-F238E27FC236}">
-                <a16:creationId xmlns:a16="http://schemas.microsoft.com/office/drawing/2014/main" id="{C3D9AF88-2C98-4553-B0A1-E0B2F86C0658}"/>
-              </a:ext>
-            </a:extLst>
-          </p:cNvPr>
-          <p:cNvSpPr txBox="1"/>
-          <p:nvPr/>
-        </p:nvSpPr>
-        <p:spPr>
-          <a:xfrm>
-            <a:off x="9674157" y="3169442"/>
-            <a:ext cx="2077044" cy="830997"/>
-          </a:xfrm>
-          <a:prstGeom prst="rect">
-            <a:avLst/>
-          </a:prstGeom>
-          <a:noFill/>
-        </p:spPr>
-        <p:txBody>
-          <a:bodyPr wrap="square" rtlCol="0">
-            <a:spAutoFit/>
-          </a:bodyPr>
-          <a:lstStyle/>
-          <a:p>
-            <a:r>
-              <a:rPr lang="pt-BR" sz="1600" b="1" dirty="0">
-                <a:latin typeface="Arial" panose="020B0604020202020204" pitchFamily="34" charset="0"/>
-                <a:cs typeface="Arial" panose="020B0604020202020204" pitchFamily="34" charset="0"/>
-              </a:rPr>
-              <a:t>Sensor 3 detectou um possível vazamento</a:t>
-            </a:r>
-          </a:p>
-        </p:txBody>
-      </p:sp>
-      <p:sp>
-        <p:nvSpPr>
-          <p:cNvPr id="12" name="Seta: Dobrada 11">
-            <a:extLst>
-              <a:ext uri="{FF2B5EF4-FFF2-40B4-BE49-F238E27FC236}">
-                <a16:creationId xmlns:a16="http://schemas.microsoft.com/office/drawing/2014/main" id="{4366ED66-17D2-466D-B291-EE6FBF8C3D21}"/>
-              </a:ext>
-            </a:extLst>
-          </p:cNvPr>
-          <p:cNvSpPr/>
-          <p:nvPr/>
-        </p:nvSpPr>
-        <p:spPr>
-          <a:xfrm>
-            <a:off x="1012728" y="3308498"/>
-            <a:ext cx="1459034" cy="1377939"/>
-          </a:xfrm>
-          <a:prstGeom prst="bentArrow">
-            <a:avLst/>
-          </a:prstGeom>
-          <a:solidFill>
-            <a:schemeClr val="tx1"/>
-          </a:solidFill>
-          <a:ln w="28575">
-            <a:solidFill>
-              <a:schemeClr val="accent1"/>
-            </a:solidFill>
-          </a:ln>
-        </p:spPr>
-        <p:style>
-          <a:lnRef idx="2">
-            <a:schemeClr val="accent1">
-              <a:shade val="50000"/>
-            </a:schemeClr>
-          </a:lnRef>
-          <a:fillRef idx="1">
-            <a:schemeClr val="accent1"/>
-          </a:fillRef>
-          <a:effectRef idx="0">
-            <a:schemeClr val="accent1"/>
-          </a:effectRef>
-          <a:fontRef idx="minor">
-            <a:schemeClr val="lt1"/>
-          </a:fontRef>
-        </p:style>
-        <p:txBody>
-          <a:bodyPr rtlCol="0" anchor="ctr"/>
-          <a:lstStyle/>
-          <a:p>
-            <a:pPr algn="ctr"/>
-            <a:endParaRPr lang="pt-BR">
-              <a:solidFill>
-                <a:schemeClr val="tx1"/>
-              </a:solidFill>
-            </a:endParaRPr>
-          </a:p>
-        </p:txBody>
-      </p:sp>
-      <p:sp>
-        <p:nvSpPr>
-          <p:cNvPr id="27" name="Seta: Dobrada 26">
-            <a:extLst>
-              <a:ext uri="{FF2B5EF4-FFF2-40B4-BE49-F238E27FC236}">
-                <a16:creationId xmlns:a16="http://schemas.microsoft.com/office/drawing/2014/main" id="{E1B164E1-E2B1-4315-87E5-DFE21A4AE3F1}"/>
-              </a:ext>
-            </a:extLst>
-          </p:cNvPr>
-          <p:cNvSpPr/>
-          <p:nvPr/>
-        </p:nvSpPr>
-        <p:spPr>
-          <a:xfrm rot="5400000">
-            <a:off x="4933089" y="3202886"/>
-            <a:ext cx="1258227" cy="1708879"/>
-          </a:xfrm>
-          <a:prstGeom prst="bentArrow">
-            <a:avLst>
-              <a:gd name="adj1" fmla="val 25000"/>
-              <a:gd name="adj2" fmla="val 25535"/>
-              <a:gd name="adj3" fmla="val 25000"/>
-              <a:gd name="adj4" fmla="val 43750"/>
-            </a:avLst>
-          </a:prstGeom>
-          <a:solidFill>
-            <a:schemeClr val="tx1"/>
-          </a:solidFill>
-          <a:ln w="28575">
-            <a:solidFill>
-              <a:schemeClr val="accent1"/>
-            </a:solidFill>
-          </a:ln>
-        </p:spPr>
-        <p:style>
-          <a:lnRef idx="2">
-            <a:schemeClr val="accent1">
-              <a:shade val="50000"/>
-            </a:schemeClr>
-          </a:lnRef>
-          <a:fillRef idx="1">
-            <a:schemeClr val="accent1"/>
-          </a:fillRef>
-          <a:effectRef idx="0">
-            <a:schemeClr val="accent1"/>
-          </a:effectRef>
-          <a:fontRef idx="minor">
-            <a:schemeClr val="lt1"/>
-          </a:fontRef>
-        </p:style>
-        <p:txBody>
-          <a:bodyPr rtlCol="0" anchor="ctr"/>
-          <a:lstStyle/>
-          <a:p>
-            <a:pPr algn="ctr"/>
-            <a:endParaRPr lang="pt-BR">
-              <a:solidFill>
-                <a:schemeClr val="tx1"/>
-              </a:solidFill>
-            </a:endParaRPr>
-          </a:p>
-        </p:txBody>
-      </p:sp>
-      <p:sp>
-        <p:nvSpPr>
-          <p:cNvPr id="30" name="Seta: Dobrada 29">
-            <a:extLst>
-              <a:ext uri="{FF2B5EF4-FFF2-40B4-BE49-F238E27FC236}">
-                <a16:creationId xmlns:a16="http://schemas.microsoft.com/office/drawing/2014/main" id="{CDD5915B-A970-438D-BF62-32FB5A19344B}"/>
-              </a:ext>
-            </a:extLst>
-          </p:cNvPr>
-          <p:cNvSpPr/>
-          <p:nvPr/>
-        </p:nvSpPr>
-        <p:spPr>
-          <a:xfrm rot="5400000" flipH="1">
-            <a:off x="7666041" y="4223741"/>
-            <a:ext cx="1360433" cy="2429231"/>
-          </a:xfrm>
-          <a:prstGeom prst="bentArrow">
-            <a:avLst>
-              <a:gd name="adj1" fmla="val 25000"/>
-              <a:gd name="adj2" fmla="val 25535"/>
-              <a:gd name="adj3" fmla="val 25000"/>
-              <a:gd name="adj4" fmla="val 43750"/>
-            </a:avLst>
-          </a:prstGeom>
-          <a:solidFill>
-            <a:schemeClr val="tx1"/>
-          </a:solidFill>
-          <a:ln w="28575">
-            <a:solidFill>
-              <a:schemeClr val="accent1"/>
-            </a:solidFill>
-          </a:ln>
-        </p:spPr>
-        <p:style>
-          <a:lnRef idx="2">
-            <a:schemeClr val="accent1">
-              <a:shade val="50000"/>
-            </a:schemeClr>
-          </a:lnRef>
-          <a:fillRef idx="1">
-            <a:schemeClr val="accent1"/>
-          </a:fillRef>
-          <a:effectRef idx="0">
-            <a:schemeClr val="accent1"/>
-          </a:effectRef>
-          <a:fontRef idx="minor">
-            <a:schemeClr val="lt1"/>
-          </a:fontRef>
-        </p:style>
-        <p:txBody>
-          <a:bodyPr rtlCol="0" anchor="ctr"/>
-          <a:lstStyle/>
-          <a:p>
-            <a:pPr algn="ctr"/>
-            <a:endParaRPr lang="pt-BR">
-              <a:solidFill>
-                <a:schemeClr val="tx1"/>
-              </a:solidFill>
-            </a:endParaRPr>
-          </a:p>
-        </p:txBody>
-      </p:sp>
-      <p:cxnSp>
-        <p:nvCxnSpPr>
-          <p:cNvPr id="18" name="Conector reto 17">
-            <a:extLst>
-              <a:ext uri="{FF2B5EF4-FFF2-40B4-BE49-F238E27FC236}">
-                <a16:creationId xmlns:a16="http://schemas.microsoft.com/office/drawing/2014/main" id="{6105CB52-E11F-4E14-B6A3-6554486FA74A}"/>
-              </a:ext>
-            </a:extLst>
-          </p:cNvPr>
-          <p:cNvCxnSpPr/>
-          <p:nvPr/>
-        </p:nvCxnSpPr>
-        <p:spPr>
-          <a:xfrm>
-            <a:off x="314372" y="2625213"/>
-            <a:ext cx="11436829" cy="0"/>
-          </a:xfrm>
-          <a:prstGeom prst="line">
-            <a:avLst/>
-          </a:prstGeom>
-          <a:ln>
-            <a:solidFill>
-              <a:schemeClr val="tx1"/>
-            </a:solidFill>
-          </a:ln>
-        </p:spPr>
-        <p:style>
-          <a:lnRef idx="3">
-            <a:schemeClr val="dk1"/>
-          </a:lnRef>
-          <a:fillRef idx="0">
-            <a:schemeClr val="dk1"/>
-          </a:fillRef>
-          <a:effectRef idx="2">
-            <a:schemeClr val="dk1"/>
-          </a:effectRef>
-          <a:fontRef idx="minor">
-            <a:schemeClr val="tx1"/>
-          </a:fontRef>
-        </p:style>
-      </p:cxnSp>
-      <p:pic>
-        <p:nvPicPr>
-          <p:cNvPr id="33" name="Imagem 32">
-            <a:extLst>
-              <a:ext uri="{FF2B5EF4-FFF2-40B4-BE49-F238E27FC236}">
-                <a16:creationId xmlns:a16="http://schemas.microsoft.com/office/drawing/2014/main" id="{B7DA62BD-20DE-46B7-A3D7-DC7738701FEC}"/>
+          <p:cNvPr id="2" name="Imagem 1">
+            <a:extLst>
+              <a:ext uri="{FF2B5EF4-FFF2-40B4-BE49-F238E27FC236}">
+                <a16:creationId xmlns:a16="http://schemas.microsoft.com/office/drawing/2014/main" id="{46447FED-6765-4E73-AE34-F23C7D378E29}"/>
               </a:ext>
             </a:extLst>
           </p:cNvPr>
@@ -8776,25 +9480,250 @@
           <p:nvPr/>
         </p:nvPicPr>
         <p:blipFill>
-          <a:blip r:embed="rId11"/>
+          <a:blip r:embed="rId2"/>
           <a:stretch>
             <a:fillRect/>
           </a:stretch>
         </p:blipFill>
         <p:spPr>
           <a:xfrm>
-            <a:off x="53894" y="35169"/>
-            <a:ext cx="1035488" cy="1035488"/>
+            <a:off x="0" y="969616"/>
+            <a:ext cx="10046987" cy="1626927"/>
           </a:xfrm>
           <a:prstGeom prst="rect">
             <a:avLst/>
           </a:prstGeom>
         </p:spPr>
       </p:pic>
+      <p:pic>
+        <p:nvPicPr>
+          <p:cNvPr id="3" name="Imagem 2">
+            <a:extLst>
+              <a:ext uri="{FF2B5EF4-FFF2-40B4-BE49-F238E27FC236}">
+                <a16:creationId xmlns:a16="http://schemas.microsoft.com/office/drawing/2014/main" id="{349DA353-C641-4866-875D-4AAB4915DB8A}"/>
+              </a:ext>
+            </a:extLst>
+          </p:cNvPr>
+          <p:cNvPicPr>
+            <a:picLocks noChangeAspect="1"/>
+          </p:cNvPicPr>
+          <p:nvPr/>
+        </p:nvPicPr>
+        <p:blipFill>
+          <a:blip r:embed="rId3"/>
+          <a:stretch>
+            <a:fillRect/>
+          </a:stretch>
+        </p:blipFill>
+        <p:spPr>
+          <a:xfrm>
+            <a:off x="10029735" y="969616"/>
+            <a:ext cx="1036198" cy="1609675"/>
+          </a:xfrm>
+          <a:prstGeom prst="rect">
+            <a:avLst/>
+          </a:prstGeom>
+        </p:spPr>
+      </p:pic>
+      <p:pic>
+        <p:nvPicPr>
+          <p:cNvPr id="4" name="Imagem 3">
+            <a:extLst>
+              <a:ext uri="{FF2B5EF4-FFF2-40B4-BE49-F238E27FC236}">
+                <a16:creationId xmlns:a16="http://schemas.microsoft.com/office/drawing/2014/main" id="{E2D19421-69D7-4531-B451-85EF98AF7B04}"/>
+              </a:ext>
+            </a:extLst>
+          </p:cNvPr>
+          <p:cNvPicPr>
+            <a:picLocks noChangeAspect="1"/>
+          </p:cNvPicPr>
+          <p:nvPr/>
+        </p:nvPicPr>
+        <p:blipFill>
+          <a:blip r:embed="rId4"/>
+          <a:stretch>
+            <a:fillRect/>
+          </a:stretch>
+        </p:blipFill>
+        <p:spPr>
+          <a:xfrm>
+            <a:off x="457200" y="3853513"/>
+            <a:ext cx="4112506" cy="1986942"/>
+          </a:xfrm>
+          <a:prstGeom prst="rect">
+            <a:avLst/>
+          </a:prstGeom>
+        </p:spPr>
+      </p:pic>
+      <p:pic>
+        <p:nvPicPr>
+          <p:cNvPr id="5" name="Imagem 4">
+            <a:extLst>
+              <a:ext uri="{FF2B5EF4-FFF2-40B4-BE49-F238E27FC236}">
+                <a16:creationId xmlns:a16="http://schemas.microsoft.com/office/drawing/2014/main" id="{0F6E4D36-B9BA-49A8-BAB3-2E6471FF5591}"/>
+              </a:ext>
+            </a:extLst>
+          </p:cNvPr>
+          <p:cNvPicPr>
+            <a:picLocks noChangeAspect="1"/>
+          </p:cNvPicPr>
+          <p:nvPr/>
+        </p:nvPicPr>
+        <p:blipFill>
+          <a:blip r:embed="rId5"/>
+          <a:stretch>
+            <a:fillRect/>
+          </a:stretch>
+        </p:blipFill>
+        <p:spPr>
+          <a:xfrm>
+            <a:off x="6644275" y="3853513"/>
+            <a:ext cx="4942358" cy="1886887"/>
+          </a:xfrm>
+          <a:prstGeom prst="rect">
+            <a:avLst/>
+          </a:prstGeom>
+        </p:spPr>
+      </p:pic>
+      <p:sp>
+        <p:nvSpPr>
+          <p:cNvPr id="6" name="CaixaDeTexto 5">
+            <a:extLst>
+              <a:ext uri="{FF2B5EF4-FFF2-40B4-BE49-F238E27FC236}">
+                <a16:creationId xmlns:a16="http://schemas.microsoft.com/office/drawing/2014/main" id="{ABD0B5B1-7BAF-419E-9C90-8C3DC283210A}"/>
+              </a:ext>
+            </a:extLst>
+          </p:cNvPr>
+          <p:cNvSpPr txBox="1"/>
+          <p:nvPr/>
+        </p:nvSpPr>
+        <p:spPr>
+          <a:xfrm>
+            <a:off x="3441700" y="185698"/>
+            <a:ext cx="4597400" cy="369332"/>
+          </a:xfrm>
+          <a:prstGeom prst="rect">
+            <a:avLst/>
+          </a:prstGeom>
+          <a:noFill/>
+        </p:spPr>
+        <p:txBody>
+          <a:bodyPr wrap="square" rtlCol="0">
+            <a:spAutoFit/>
+          </a:bodyPr>
+          <a:lstStyle>
+            <a:defPPr>
+              <a:defRPr lang="pt-BR"/>
+            </a:defPPr>
+            <a:lvl1pPr>
+              <a:defRPr sz="1600" b="1">
+                <a:latin typeface="Arial" panose="020B0604020202020204" pitchFamily="34" charset="0"/>
+                <a:cs typeface="Arial" panose="020B0604020202020204" pitchFamily="34" charset="0"/>
+              </a:defRPr>
+            </a:lvl1pPr>
+          </a:lstStyle>
+          <a:p>
+            <a:r>
+              <a:rPr lang="pt-BR" dirty="0"/>
+              <a:t>Buscando os dados da tabela tbClientes:</a:t>
+            </a:r>
+          </a:p>
+        </p:txBody>
+      </p:sp>
+      <p:sp>
+        <p:nvSpPr>
+          <p:cNvPr id="7" name="CaixaDeTexto 6">
+            <a:extLst>
+              <a:ext uri="{FF2B5EF4-FFF2-40B4-BE49-F238E27FC236}">
+                <a16:creationId xmlns:a16="http://schemas.microsoft.com/office/drawing/2014/main" id="{2E11BFA2-0178-4AFE-8FF0-9F3D56EABE5B}"/>
+              </a:ext>
+            </a:extLst>
+          </p:cNvPr>
+          <p:cNvSpPr txBox="1"/>
+          <p:nvPr/>
+        </p:nvSpPr>
+        <p:spPr>
+          <a:xfrm>
+            <a:off x="457200" y="3244334"/>
+            <a:ext cx="4597400" cy="369332"/>
+          </a:xfrm>
+          <a:prstGeom prst="rect">
+            <a:avLst/>
+          </a:prstGeom>
+          <a:noFill/>
+        </p:spPr>
+        <p:txBody>
+          <a:bodyPr wrap="square" rtlCol="0">
+            <a:spAutoFit/>
+          </a:bodyPr>
+          <a:lstStyle>
+            <a:defPPr>
+              <a:defRPr lang="pt-BR"/>
+            </a:defPPr>
+            <a:lvl1pPr>
+              <a:defRPr sz="1600" b="1">
+                <a:latin typeface="Arial" panose="020B0604020202020204" pitchFamily="34" charset="0"/>
+                <a:cs typeface="Arial" panose="020B0604020202020204" pitchFamily="34" charset="0"/>
+              </a:defRPr>
+            </a:lvl1pPr>
+          </a:lstStyle>
+          <a:p>
+            <a:r>
+              <a:rPr lang="pt-BR" dirty="0"/>
+              <a:t>Buscando os dados da tabela tbRua:</a:t>
+            </a:r>
+          </a:p>
+        </p:txBody>
+      </p:sp>
+      <p:sp>
+        <p:nvSpPr>
+          <p:cNvPr id="8" name="CaixaDeTexto 7">
+            <a:extLst>
+              <a:ext uri="{FF2B5EF4-FFF2-40B4-BE49-F238E27FC236}">
+                <a16:creationId xmlns:a16="http://schemas.microsoft.com/office/drawing/2014/main" id="{90C7EB6A-7384-419D-8FBE-AB3D2D267A80}"/>
+              </a:ext>
+            </a:extLst>
+          </p:cNvPr>
+          <p:cNvSpPr txBox="1"/>
+          <p:nvPr/>
+        </p:nvSpPr>
+        <p:spPr>
+          <a:xfrm>
+            <a:off x="7137400" y="3244334"/>
+            <a:ext cx="4597400" cy="369332"/>
+          </a:xfrm>
+          <a:prstGeom prst="rect">
+            <a:avLst/>
+          </a:prstGeom>
+          <a:noFill/>
+        </p:spPr>
+        <p:txBody>
+          <a:bodyPr wrap="square" rtlCol="0">
+            <a:spAutoFit/>
+          </a:bodyPr>
+          <a:lstStyle>
+            <a:defPPr>
+              <a:defRPr lang="pt-BR"/>
+            </a:defPPr>
+            <a:lvl1pPr>
+              <a:defRPr sz="1600" b="1">
+                <a:latin typeface="Arial" panose="020B0604020202020204" pitchFamily="34" charset="0"/>
+                <a:cs typeface="Arial" panose="020B0604020202020204" pitchFamily="34" charset="0"/>
+              </a:defRPr>
+            </a:lvl1pPr>
+          </a:lstStyle>
+          <a:p>
+            <a:r>
+              <a:rPr lang="pt-BR" dirty="0"/>
+              <a:t>Buscando os dados da tabela tbSensores:</a:t>
+            </a:r>
+          </a:p>
+        </p:txBody>
+      </p:sp>
     </p:spTree>
     <p:extLst>
       <p:ext uri="{BB962C8B-B14F-4D97-AF65-F5344CB8AC3E}">
-        <p14:creationId xmlns:p14="http://schemas.microsoft.com/office/powerpoint/2010/main" val="1654437090"/>
+        <p14:creationId xmlns:p14="http://schemas.microsoft.com/office/powerpoint/2010/main" val="1740331572"/>
       </p:ext>
     </p:extLst>
   </p:cSld>

--- a/SUSTABIL - Apresentação didatico.pptx
+++ b/SUSTABIL - Apresentação didatico.pptx
@@ -9,15 +9,15 @@
     <p:sldId id="257" r:id="rId3"/>
     <p:sldId id="264" r:id="rId4"/>
     <p:sldId id="258" r:id="rId5"/>
-    <p:sldId id="263" r:id="rId6"/>
-    <p:sldId id="268" r:id="rId7"/>
-    <p:sldId id="265" r:id="rId8"/>
-    <p:sldId id="266" r:id="rId9"/>
-    <p:sldId id="267" r:id="rId10"/>
-    <p:sldId id="259" r:id="rId11"/>
-    <p:sldId id="260" r:id="rId12"/>
-    <p:sldId id="261" r:id="rId13"/>
-    <p:sldId id="262" r:id="rId14"/>
+    <p:sldId id="259" r:id="rId6"/>
+    <p:sldId id="260" r:id="rId7"/>
+    <p:sldId id="263" r:id="rId8"/>
+    <p:sldId id="268" r:id="rId9"/>
+    <p:sldId id="262" r:id="rId10"/>
+    <p:sldId id="265" r:id="rId11"/>
+    <p:sldId id="266" r:id="rId12"/>
+    <p:sldId id="267" r:id="rId13"/>
+    <p:sldId id="261" r:id="rId14"/>
   </p:sldIdLst>
   <p:sldSz cx="12192000" cy="6858000"/>
   <p:notesSz cx="6858000" cy="9144000"/>
@@ -4609,14 +4609,6 @@
 <file path=ppt/slides/slide10.xml><?xml version="1.0" encoding="utf-8"?>
 <p:sld xmlns:a="http://schemas.openxmlformats.org/drawingml/2006/main" xmlns:r="http://schemas.openxmlformats.org/officeDocument/2006/relationships" xmlns:p="http://schemas.openxmlformats.org/presentationml/2006/main">
   <p:cSld>
-    <p:bg>
-      <p:bgPr>
-        <a:solidFill>
-          <a:schemeClr val="bg1"/>
-        </a:solidFill>
-        <a:effectLst/>
-      </p:bgPr>
-    </p:bg>
     <p:spTree>
       <p:nvGrpSpPr>
         <p:cNvPr id="1" name=""/>
@@ -4633,314 +4625,10 @@
       </p:grpSpPr>
       <p:pic>
         <p:nvPicPr>
-          <p:cNvPr id="3074" name="Picture 2" descr="Waste Water Treatment Leakage Broke Svg Png Icon Free Download (#569149) -  OnlineWebFonts.COM">
-            <a:extLst>
-              <a:ext uri="{FF2B5EF4-FFF2-40B4-BE49-F238E27FC236}">
-                <a16:creationId xmlns:a16="http://schemas.microsoft.com/office/drawing/2014/main" id="{348C5914-0332-44A9-A263-874DBD14E147}"/>
-              </a:ext>
-            </a:extLst>
-          </p:cNvPr>
-          <p:cNvPicPr>
-            <a:picLocks noChangeAspect="1" noChangeArrowheads="1"/>
-          </p:cNvPicPr>
-          <p:nvPr/>
-        </p:nvPicPr>
-        <p:blipFill rotWithShape="1">
-          <a:blip r:embed="rId2">
-            <a:alphaModFix/>
-            <a:extLst>
-              <a:ext uri="{28A0092B-C50C-407E-A947-70E740481C1C}">
-                <a14:useLocalDpi xmlns:a14="http://schemas.microsoft.com/office/drawing/2010/main" val="0"/>
-              </a:ext>
-            </a:extLst>
-          </a:blip>
-          <a:srcRect r="548"/>
-          <a:stretch/>
-        </p:blipFill>
-        <p:spPr bwMode="auto">
-          <a:xfrm>
-            <a:off x="6683974" y="1454277"/>
-            <a:ext cx="4703028" cy="5044190"/>
-          </a:xfrm>
-          <a:prstGeom prst="rect">
-            <a:avLst/>
-          </a:prstGeom>
-          <a:noFill/>
-          <a:extLst>
-            <a:ext uri="{909E8E84-426E-40DD-AFC4-6F175D3DCCD1}">
-              <a14:hiddenFill xmlns:a14="http://schemas.microsoft.com/office/drawing/2010/main">
-                <a:solidFill>
-                  <a:srgbClr val="FFFFFF"/>
-                </a:solidFill>
-              </a14:hiddenFill>
-            </a:ext>
-          </a:extLst>
-        </p:spPr>
-      </p:pic>
-      <p:pic>
-        <p:nvPicPr>
-          <p:cNvPr id="3076" name="Picture 134">
-            <a:extLst>
-              <a:ext uri="{FF2B5EF4-FFF2-40B4-BE49-F238E27FC236}">
-                <a16:creationId xmlns:a16="http://schemas.microsoft.com/office/drawing/2014/main" id="{54DDEBDD-D8BD-41A6-8A0D-B00E3768B0F9}"/>
-              </a:ext>
-              <a:ext uri="{C183D7F6-B498-43B3-948B-1728B52AA6E4}">
-                <adec:decorative xmlns:adec="http://schemas.microsoft.com/office/drawing/2017/decorative" val="1"/>
-              </a:ext>
-            </a:extLst>
-          </p:cNvPr>
-          <p:cNvPicPr>
-            <a:picLocks noGrp="1" noRot="1" noChangeAspect="1" noMove="1" noResize="1" noEditPoints="1" noAdjustHandles="1" noChangeArrowheads="1" noChangeShapeType="1" noCrop="1"/>
-          </p:cNvPicPr>
-          <p:nvPr>
-            <p:extLst>
-              <p:ext uri="{386F3935-93C4-4BCD-93E2-E3B085C9AB24}">
-                <p16:designElem xmlns:p16="http://schemas.microsoft.com/office/powerpoint/2015/main" val="1"/>
-              </p:ext>
-            </p:extLst>
-          </p:nvPr>
-        </p:nvPicPr>
-        <p:blipFill>
-          <a:blip r:embed="rId3">
-            <a:extLst>
-              <a:ext uri="{28A0092B-C50C-407E-A947-70E740481C1C}">
-                <a14:useLocalDpi xmlns:a14="http://schemas.microsoft.com/office/drawing/2010/main" val="0"/>
-              </a:ext>
-            </a:extLst>
-          </a:blip>
-          <a:stretch>
-            <a:fillRect/>
-          </a:stretch>
-        </p:blipFill>
-        <p:spPr>
-          <a:xfrm flipH="1" flipV="1">
-            <a:off x="0" y="0"/>
-            <a:ext cx="12192000" cy="6858000"/>
-          </a:xfrm>
-          <a:prstGeom prst="rect">
-            <a:avLst/>
-          </a:prstGeom>
-        </p:spPr>
-      </p:pic>
-      <p:sp>
-        <p:nvSpPr>
-          <p:cNvPr id="2" name="Título 1">
-            <a:extLst>
-              <a:ext uri="{FF2B5EF4-FFF2-40B4-BE49-F238E27FC236}">
-                <a16:creationId xmlns:a16="http://schemas.microsoft.com/office/drawing/2014/main" id="{B202CBA9-2D61-4174-A1AC-83B90BFD8A36}"/>
-              </a:ext>
-            </a:extLst>
-          </p:cNvPr>
-          <p:cNvSpPr>
-            <a:spLocks noGrp="1"/>
-          </p:cNvSpPr>
-          <p:nvPr>
-            <p:ph type="title"/>
-          </p:nvPr>
-        </p:nvSpPr>
-        <p:spPr>
-          <a:xfrm>
-            <a:off x="571638" y="554596"/>
-            <a:ext cx="5878976" cy="1311664"/>
-          </a:xfrm>
-        </p:spPr>
-        <p:txBody>
-          <a:bodyPr>
-            <a:normAutofit/>
-          </a:bodyPr>
-          <a:lstStyle/>
-          <a:p>
-            <a:pPr algn="ctr"/>
-            <a:r>
-              <a:rPr lang="pt-BR" dirty="0">
-                <a:solidFill>
-                  <a:srgbClr val="000000"/>
-                </a:solidFill>
-                <a:latin typeface="Arial" panose="020B0604020202020204" pitchFamily="34" charset="0"/>
-                <a:cs typeface="Arial" panose="020B0604020202020204" pitchFamily="34" charset="0"/>
-              </a:rPr>
-              <a:t>Solução do Problema</a:t>
-            </a:r>
-          </a:p>
-        </p:txBody>
-      </p:sp>
-      <p:sp>
-        <p:nvSpPr>
-          <p:cNvPr id="3" name="Espaço Reservado para Conteúdo 2">
-            <a:extLst>
-              <a:ext uri="{FF2B5EF4-FFF2-40B4-BE49-F238E27FC236}">
-                <a16:creationId xmlns:a16="http://schemas.microsoft.com/office/drawing/2014/main" id="{A8A22FE0-C875-4748-927C-26336D5968F9}"/>
-              </a:ext>
-            </a:extLst>
-          </p:cNvPr>
-          <p:cNvSpPr>
-            <a:spLocks noGrp="1"/>
-          </p:cNvSpPr>
-          <p:nvPr>
-            <p:ph idx="1"/>
-          </p:nvPr>
-        </p:nvSpPr>
-        <p:spPr>
-          <a:xfrm>
-            <a:off x="804998" y="2172440"/>
-            <a:ext cx="5073979" cy="4379380"/>
-          </a:xfrm>
-        </p:spPr>
-        <p:txBody>
-          <a:bodyPr anchor="ctr">
-            <a:normAutofit/>
-          </a:bodyPr>
-          <a:lstStyle/>
-          <a:p>
-            <a:r>
-              <a:rPr lang="pt-BR" sz="2000" dirty="0">
-                <a:solidFill>
-                  <a:srgbClr val="000000"/>
-                </a:solidFill>
-                <a:latin typeface="Arial" panose="020B0604020202020204" pitchFamily="34" charset="0"/>
-                <a:cs typeface="Arial" panose="020B0604020202020204" pitchFamily="34" charset="0"/>
-              </a:rPr>
-              <a:t>A solução proposta pela Sustabil foi implantar sensores de umidade (DHT11) nos encanamentos onde os dados passariam por roteadores das ruas e chegariam no servidor da Sustabil onde terá um site para acessar e checar as informações transmitidas em gráficos. </a:t>
-            </a:r>
-          </a:p>
-          <a:p>
-            <a:r>
-              <a:rPr lang="pt-BR" sz="2000" dirty="0">
-                <a:solidFill>
-                  <a:srgbClr val="000000"/>
-                </a:solidFill>
-                <a:latin typeface="Arial" panose="020B0604020202020204" pitchFamily="34" charset="0"/>
-                <a:cs typeface="Arial" panose="020B0604020202020204" pitchFamily="34" charset="0"/>
-              </a:rPr>
-              <a:t>Fixados em partes externas dos canos para detecção do vazamento e futuros prejuízos gigantescos.</a:t>
-            </a:r>
-          </a:p>
-          <a:p>
-            <a:r>
-              <a:rPr lang="pt-BR" sz="2000" dirty="0">
-                <a:solidFill>
-                  <a:srgbClr val="000000"/>
-                </a:solidFill>
-                <a:latin typeface="Arial" panose="020B0604020202020204" pitchFamily="34" charset="0"/>
-                <a:cs typeface="Arial" panose="020B0604020202020204" pitchFamily="34" charset="0"/>
-              </a:rPr>
-              <a:t>Sinal de vazamento? O sensor emitiria um alerta que será possível visualizar no site e assim entraremos em contato com o cliente o mais rápido possível.</a:t>
-            </a:r>
-          </a:p>
-        </p:txBody>
-      </p:sp>
-      <p:pic>
-        <p:nvPicPr>
-          <p:cNvPr id="3078" name="Picture 6" descr="temperature and humidity sensor">
-            <a:extLst>
-              <a:ext uri="{FF2B5EF4-FFF2-40B4-BE49-F238E27FC236}">
-                <a16:creationId xmlns:a16="http://schemas.microsoft.com/office/drawing/2014/main" id="{C38E409A-CA7F-4DB1-8501-637D116F091E}"/>
-              </a:ext>
-            </a:extLst>
-          </p:cNvPr>
-          <p:cNvPicPr>
-            <a:picLocks noChangeAspect="1" noChangeArrowheads="1"/>
-          </p:cNvPicPr>
-          <p:nvPr/>
-        </p:nvPicPr>
-        <p:blipFill>
-          <a:blip r:embed="rId4">
-            <a:extLst>
-              <a:ext uri="{28A0092B-C50C-407E-A947-70E740481C1C}">
-                <a14:useLocalDpi xmlns:a14="http://schemas.microsoft.com/office/drawing/2010/main" val="0"/>
-              </a:ext>
-            </a:extLst>
-          </a:blip>
-          <a:srcRect/>
-          <a:stretch>
-            <a:fillRect/>
-          </a:stretch>
-        </p:blipFill>
-        <p:spPr bwMode="auto">
-          <a:xfrm rot="18635752">
-            <a:off x="8902044" y="5087401"/>
-            <a:ext cx="632643" cy="632643"/>
-          </a:xfrm>
-          <a:prstGeom prst="rect">
-            <a:avLst/>
-          </a:prstGeom>
-          <a:noFill/>
-          <a:extLst>
-            <a:ext uri="{909E8E84-426E-40DD-AFC4-6F175D3DCCD1}">
-              <a14:hiddenFill xmlns:a14="http://schemas.microsoft.com/office/drawing/2010/main">
-                <a:solidFill>
-                  <a:srgbClr val="FFFFFF"/>
-                </a:solidFill>
-              </a14:hiddenFill>
-            </a:ext>
-          </a:extLst>
-        </p:spPr>
-      </p:pic>
-      <p:pic>
-        <p:nvPicPr>
-          <p:cNvPr id="3080" name="Picture 8" descr="Alert Alt Svg Png Icon Free Download (#565392) - OnlineWebFonts.COM">
-            <a:extLst>
-              <a:ext uri="{FF2B5EF4-FFF2-40B4-BE49-F238E27FC236}">
-                <a16:creationId xmlns:a16="http://schemas.microsoft.com/office/drawing/2014/main" id="{B68E42DD-DD1B-45E6-9C9F-C39EA0794FED}"/>
-              </a:ext>
-            </a:extLst>
-          </p:cNvPr>
-          <p:cNvPicPr>
-            <a:picLocks noChangeAspect="1" noChangeArrowheads="1"/>
-          </p:cNvPicPr>
-          <p:nvPr/>
-        </p:nvPicPr>
-        <p:blipFill rotWithShape="1">
-          <a:blip r:embed="rId5">
-            <a:duotone>
-              <a:schemeClr val="accent2">
-                <a:shade val="45000"/>
-                <a:satMod val="135000"/>
-              </a:schemeClr>
-              <a:prstClr val="white"/>
-            </a:duotone>
-            <a:alphaModFix/>
-            <a:extLst>
-              <a:ext uri="{BEBA8EAE-BF5A-486C-A8C5-ECC9F3942E4B}">
-                <a14:imgProps xmlns:a14="http://schemas.microsoft.com/office/drawing/2010/main">
-                  <a14:imgLayer r:embed="rId6">
-                    <a14:imgEffect>
-                      <a14:colorTemperature colorTemp="6360"/>
-                    </a14:imgEffect>
-                    <a14:imgEffect>
-                      <a14:saturation sat="191000"/>
-                    </a14:imgEffect>
-                  </a14:imgLayer>
-                </a14:imgProps>
-              </a:ext>
-              <a:ext uri="{28A0092B-C50C-407E-A947-70E740481C1C}">
-                <a14:useLocalDpi xmlns:a14="http://schemas.microsoft.com/office/drawing/2010/main" val="0"/>
-              </a:ext>
-            </a:extLst>
-          </a:blip>
-          <a:srcRect b="72111"/>
-          <a:stretch/>
-        </p:blipFill>
-        <p:spPr bwMode="auto">
-          <a:xfrm rot="13158707">
-            <a:off x="8479838" y="5585981"/>
-            <a:ext cx="975042" cy="416421"/>
-          </a:xfrm>
-          <a:prstGeom prst="rect">
-            <a:avLst/>
-          </a:prstGeom>
-          <a:noFill/>
-          <a:ln>
-            <a:noFill/>
-          </a:ln>
-        </p:spPr>
-      </p:pic>
-      <p:pic>
-        <p:nvPicPr>
-          <p:cNvPr id="8" name="Imagem 7">
-            <a:extLst>
-              <a:ext uri="{FF2B5EF4-FFF2-40B4-BE49-F238E27FC236}">
-                <a16:creationId xmlns:a16="http://schemas.microsoft.com/office/drawing/2014/main" id="{D2A77FA0-C3E9-4E63-BED4-0B3B92519E0D}"/>
+          <p:cNvPr id="2" name="Imagem 1">
+            <a:extLst>
+              <a:ext uri="{FF2B5EF4-FFF2-40B4-BE49-F238E27FC236}">
+                <a16:creationId xmlns:a16="http://schemas.microsoft.com/office/drawing/2014/main" id="{17CC1BD6-D813-4835-AF95-799787762A17}"/>
               </a:ext>
             </a:extLst>
           </p:cNvPr>
@@ -4950,25 +4638,138 @@
           <p:nvPr/>
         </p:nvPicPr>
         <p:blipFill>
-          <a:blip r:embed="rId7"/>
+          <a:blip r:embed="rId2"/>
           <a:stretch>
             <a:fillRect/>
           </a:stretch>
         </p:blipFill>
         <p:spPr>
           <a:xfrm>
-            <a:off x="53894" y="35169"/>
-            <a:ext cx="1035488" cy="1035488"/>
+            <a:off x="642176" y="1778916"/>
+            <a:ext cx="3548824" cy="4177473"/>
           </a:xfrm>
           <a:prstGeom prst="rect">
             <a:avLst/>
           </a:prstGeom>
         </p:spPr>
       </p:pic>
+      <p:pic>
+        <p:nvPicPr>
+          <p:cNvPr id="3" name="Imagem 2">
+            <a:extLst>
+              <a:ext uri="{FF2B5EF4-FFF2-40B4-BE49-F238E27FC236}">
+                <a16:creationId xmlns:a16="http://schemas.microsoft.com/office/drawing/2014/main" id="{0890E4AA-4730-4DD6-BECF-0678E65A1179}"/>
+              </a:ext>
+            </a:extLst>
+          </p:cNvPr>
+          <p:cNvPicPr>
+            <a:picLocks noChangeAspect="1"/>
+          </p:cNvPicPr>
+          <p:nvPr/>
+        </p:nvPicPr>
+        <p:blipFill>
+          <a:blip r:embed="rId3"/>
+          <a:stretch>
+            <a:fillRect/>
+          </a:stretch>
+        </p:blipFill>
+        <p:spPr>
+          <a:xfrm>
+            <a:off x="6771191" y="1778916"/>
+            <a:ext cx="3548824" cy="4444321"/>
+          </a:xfrm>
+          <a:prstGeom prst="rect">
+            <a:avLst/>
+          </a:prstGeom>
+        </p:spPr>
+      </p:pic>
+      <p:sp>
+        <p:nvSpPr>
+          <p:cNvPr id="6" name="CaixaDeTexto 5">
+            <a:extLst>
+              <a:ext uri="{FF2B5EF4-FFF2-40B4-BE49-F238E27FC236}">
+                <a16:creationId xmlns:a16="http://schemas.microsoft.com/office/drawing/2014/main" id="{A06F92AB-409D-4B71-81F0-71D388E89025}"/>
+              </a:ext>
+            </a:extLst>
+          </p:cNvPr>
+          <p:cNvSpPr txBox="1"/>
+          <p:nvPr/>
+        </p:nvSpPr>
+        <p:spPr>
+          <a:xfrm>
+            <a:off x="642176" y="995958"/>
+            <a:ext cx="4875606" cy="338554"/>
+          </a:xfrm>
+          <a:prstGeom prst="rect">
+            <a:avLst/>
+          </a:prstGeom>
+          <a:noFill/>
+        </p:spPr>
+        <p:txBody>
+          <a:bodyPr wrap="square" rtlCol="0">
+            <a:spAutoFit/>
+          </a:bodyPr>
+          <a:lstStyle>
+            <a:defPPr>
+              <a:defRPr lang="pt-BR"/>
+            </a:defPPr>
+            <a:lvl1pPr>
+              <a:defRPr sz="1600" b="1">
+                <a:latin typeface="Arial" panose="020B0604020202020204" pitchFamily="34" charset="0"/>
+                <a:cs typeface="Arial" panose="020B0604020202020204" pitchFamily="34" charset="0"/>
+              </a:defRPr>
+            </a:lvl1pPr>
+          </a:lstStyle>
+          <a:p>
+            <a:r>
+              <a:rPr lang="pt-BR" dirty="0"/>
+              <a:t>Criação do banco de dados e tabela tbClientes:</a:t>
+            </a:r>
+          </a:p>
+        </p:txBody>
+      </p:sp>
+      <p:sp>
+        <p:nvSpPr>
+          <p:cNvPr id="7" name="CaixaDeTexto 6">
+            <a:extLst>
+              <a:ext uri="{FF2B5EF4-FFF2-40B4-BE49-F238E27FC236}">
+                <a16:creationId xmlns:a16="http://schemas.microsoft.com/office/drawing/2014/main" id="{15DF4520-F06C-4C7B-89CE-71C48BC2EA7B}"/>
+              </a:ext>
+            </a:extLst>
+          </p:cNvPr>
+          <p:cNvSpPr txBox="1"/>
+          <p:nvPr/>
+        </p:nvSpPr>
+        <p:spPr>
+          <a:xfrm>
+            <a:off x="6674219" y="995958"/>
+            <a:ext cx="4579620" cy="338554"/>
+          </a:xfrm>
+          <a:prstGeom prst="rect">
+            <a:avLst/>
+          </a:prstGeom>
+          <a:noFill/>
+        </p:spPr>
+        <p:txBody>
+          <a:bodyPr wrap="square" rtlCol="0">
+            <a:spAutoFit/>
+          </a:bodyPr>
+          <a:lstStyle/>
+          <a:p>
+            <a:r>
+              <a:rPr lang="pt-BR" sz="1600" b="1" dirty="0">
+                <a:latin typeface="Arial" panose="020B0604020202020204" pitchFamily="34" charset="0"/>
+                <a:cs typeface="Arial" panose="020B0604020202020204" pitchFamily="34" charset="0"/>
+              </a:rPr>
+              <a:t>Criação das tabelas tbRua e tbSensores:</a:t>
+            </a:r>
+          </a:p>
+        </p:txBody>
+      </p:sp>
     </p:spTree>
     <p:extLst>
       <p:ext uri="{BB962C8B-B14F-4D97-AF65-F5344CB8AC3E}">
-        <p14:creationId xmlns:p14="http://schemas.microsoft.com/office/powerpoint/2010/main" val="3377260643"/>
+        <p14:creationId xmlns:p14="http://schemas.microsoft.com/office/powerpoint/2010/main" val="1605510380"/>
       </p:ext>
     </p:extLst>
   </p:cSld>
@@ -4981,14 +4782,6 @@
 <file path=ppt/slides/slide11.xml><?xml version="1.0" encoding="utf-8"?>
 <p:sld xmlns:a="http://schemas.openxmlformats.org/drawingml/2006/main" xmlns:r="http://schemas.openxmlformats.org/officeDocument/2006/relationships" xmlns:p="http://schemas.openxmlformats.org/presentationml/2006/main">
   <p:cSld>
-    <p:bg>
-      <p:bgPr>
-        <a:solidFill>
-          <a:schemeClr val="bg1"/>
-        </a:solidFill>
-        <a:effectLst/>
-      </p:bgPr>
-    </p:bg>
     <p:spTree>
       <p:nvGrpSpPr>
         <p:cNvPr id="1" name=""/>
@@ -5003,423 +4796,12 @@
           <a:chExt cx="0" cy="0"/>
         </a:xfrm>
       </p:grpSpPr>
-      <p:sp useBgFill="1">
-        <p:nvSpPr>
-          <p:cNvPr id="45" name="Rectangle 39">
-            <a:extLst>
-              <a:ext uri="{FF2B5EF4-FFF2-40B4-BE49-F238E27FC236}">
-                <a16:creationId xmlns:a16="http://schemas.microsoft.com/office/drawing/2014/main" id="{1ECAB1E8-8195-4748-BE71-FF806D86892E}"/>
-              </a:ext>
-              <a:ext uri="{C183D7F6-B498-43B3-948B-1728B52AA6E4}">
-                <adec:decorative xmlns:adec="http://schemas.microsoft.com/office/drawing/2017/decorative" val="1"/>
-              </a:ext>
-            </a:extLst>
-          </p:cNvPr>
-          <p:cNvSpPr>
-            <a:spLocks noGrp="1" noRot="1" noChangeAspect="1" noMove="1" noResize="1" noEditPoints="1" noAdjustHandles="1" noChangeArrowheads="1" noChangeShapeType="1" noTextEdit="1"/>
-          </p:cNvSpPr>
-          <p:nvPr>
-            <p:extLst>
-              <p:ext uri="{386F3935-93C4-4BCD-93E2-E3B085C9AB24}">
-                <p16:designElem xmlns:p16="http://schemas.microsoft.com/office/powerpoint/2015/main" val="1"/>
-              </p:ext>
-            </p:extLst>
-          </p:nvPr>
-        </p:nvSpPr>
-        <p:spPr>
-          <a:xfrm>
-            <a:off x="0" y="0"/>
-            <a:ext cx="12192000" cy="6858000"/>
-          </a:xfrm>
-          <a:prstGeom prst="rect">
-            <a:avLst/>
-          </a:prstGeom>
-          <a:ln>
-            <a:noFill/>
-          </a:ln>
-        </p:spPr>
-        <p:style>
-          <a:lnRef idx="2">
-            <a:schemeClr val="accent1">
-              <a:shade val="50000"/>
-            </a:schemeClr>
-          </a:lnRef>
-          <a:fillRef idx="1">
-            <a:schemeClr val="accent1"/>
-          </a:fillRef>
-          <a:effectRef idx="0">
-            <a:schemeClr val="accent1"/>
-          </a:effectRef>
-          <a:fontRef idx="minor">
-            <a:schemeClr val="lt1"/>
-          </a:fontRef>
-        </p:style>
-        <p:txBody>
-          <a:bodyPr rtlCol="0" anchor="ctr"/>
-          <a:lstStyle/>
-          <a:p>
-            <a:pPr algn="ctr"/>
-            <a:endParaRPr lang="en-US"/>
-          </a:p>
-        </p:txBody>
-      </p:sp>
-      <p:sp useBgFill="1">
-        <p:nvSpPr>
-          <p:cNvPr id="47" name="Rectangle 41">
-            <a:extLst>
-              <a:ext uri="{FF2B5EF4-FFF2-40B4-BE49-F238E27FC236}">
-                <a16:creationId xmlns:a16="http://schemas.microsoft.com/office/drawing/2014/main" id="{57F6BDD4-E066-4008-8011-6CC31AEB4556}"/>
-              </a:ext>
-              <a:ext uri="{C183D7F6-B498-43B3-948B-1728B52AA6E4}">
-                <adec:decorative xmlns:adec="http://schemas.microsoft.com/office/drawing/2017/decorative" val="1"/>
-              </a:ext>
-            </a:extLst>
-          </p:cNvPr>
-          <p:cNvSpPr>
-            <a:spLocks noGrp="1" noRot="1" noChangeAspect="1" noMove="1" noResize="1" noEditPoints="1" noAdjustHandles="1" noChangeArrowheads="1" noChangeShapeType="1" noTextEdit="1"/>
-          </p:cNvSpPr>
-          <p:nvPr>
-            <p:extLst>
-              <p:ext uri="{386F3935-93C4-4BCD-93E2-E3B085C9AB24}">
-                <p16:designElem xmlns:p16="http://schemas.microsoft.com/office/powerpoint/2015/main" val="1"/>
-              </p:ext>
-            </p:extLst>
-          </p:nvPr>
-        </p:nvSpPr>
-        <p:spPr>
-          <a:xfrm>
-            <a:off x="409575" y="633619"/>
-            <a:ext cx="4279383" cy="5495925"/>
-          </a:xfrm>
-          <a:prstGeom prst="rect">
-            <a:avLst/>
-          </a:prstGeom>
-          <a:ln w="9525">
-            <a:solidFill>
-              <a:srgbClr val="E1E1E1"/>
-            </a:solidFill>
-          </a:ln>
-          <a:effectLst>
-            <a:outerShdw blurRad="50800" dist="38100" dir="2700000" algn="tl" rotWithShape="0">
-              <a:schemeClr val="bg1">
-                <a:lumMod val="85000"/>
-                <a:alpha val="50000"/>
-              </a:schemeClr>
-            </a:outerShdw>
-          </a:effectLst>
-        </p:spPr>
-        <p:style>
-          <a:lnRef idx="2">
-            <a:schemeClr val="accent1">
-              <a:shade val="50000"/>
-            </a:schemeClr>
-          </a:lnRef>
-          <a:fillRef idx="1">
-            <a:schemeClr val="accent1"/>
-          </a:fillRef>
-          <a:effectRef idx="0">
-            <a:schemeClr val="accent1"/>
-          </a:effectRef>
-          <a:fontRef idx="minor">
-            <a:schemeClr val="lt1"/>
-          </a:fontRef>
-        </p:style>
-        <p:txBody>
-          <a:bodyPr rtlCol="0" anchor="ctr"/>
-          <a:lstStyle/>
-          <a:p>
-            <a:pPr marL="0" marR="0" lvl="0" indent="0" algn="ctr" defTabSz="914400" rtl="0" eaLnBrk="1" fontAlgn="auto" latinLnBrk="0" hangingPunct="1">
-              <a:lnSpc>
-                <a:spcPct val="100000"/>
-              </a:lnSpc>
-              <a:spcBef>
-                <a:spcPts val="0"/>
-              </a:spcBef>
-              <a:spcAft>
-                <a:spcPts val="0"/>
-              </a:spcAft>
-              <a:buClrTx/>
-              <a:buSzTx/>
-              <a:buFontTx/>
-              <a:buNone/>
-              <a:tabLst/>
-              <a:defRPr/>
-            </a:pPr>
-            <a:endParaRPr kumimoji="0" lang="en-US" sz="1800" b="0" i="0" u="none" strike="noStrike" kern="1200" cap="none" spc="0" normalizeH="0" baseline="0" noProof="0">
-              <a:ln>
-                <a:noFill/>
-              </a:ln>
-              <a:solidFill>
-                <a:prstClr val="white"/>
-              </a:solidFill>
-              <a:effectLst/>
-              <a:uLnTx/>
-              <a:uFillTx/>
-              <a:latin typeface="Calibri" panose="020F0502020204030204"/>
-              <a:ea typeface="+mn-ea"/>
-              <a:cs typeface="+mn-cs"/>
-            </a:endParaRPr>
-          </a:p>
-        </p:txBody>
-      </p:sp>
-      <p:sp>
-        <p:nvSpPr>
-          <p:cNvPr id="2" name="Título 1">
-            <a:extLst>
-              <a:ext uri="{FF2B5EF4-FFF2-40B4-BE49-F238E27FC236}">
-                <a16:creationId xmlns:a16="http://schemas.microsoft.com/office/drawing/2014/main" id="{622E59CC-F430-4678-9423-C4E72D202EEB}"/>
-              </a:ext>
-            </a:extLst>
-          </p:cNvPr>
-          <p:cNvSpPr>
-            <a:spLocks noGrp="1"/>
-          </p:cNvSpPr>
-          <p:nvPr>
-            <p:ph type="title"/>
-          </p:nvPr>
-        </p:nvSpPr>
-        <p:spPr>
-          <a:xfrm>
-            <a:off x="841247" y="978619"/>
-            <a:ext cx="3410712" cy="1106424"/>
-          </a:xfrm>
-        </p:spPr>
-        <p:txBody>
-          <a:bodyPr>
-            <a:normAutofit/>
-          </a:bodyPr>
-          <a:lstStyle/>
-          <a:p>
-            <a:pPr algn="ctr"/>
-            <a:r>
-              <a:rPr lang="pt-BR" sz="3700" dirty="0">
-                <a:latin typeface="Arial" panose="020B0604020202020204" pitchFamily="34" charset="0"/>
-                <a:cs typeface="Arial" panose="020B0604020202020204" pitchFamily="34" charset="0"/>
-              </a:rPr>
-              <a:t>Onde verificar?</a:t>
-            </a:r>
-          </a:p>
-        </p:txBody>
-      </p:sp>
-      <p:sp>
-        <p:nvSpPr>
-          <p:cNvPr id="44" name="Rectangle 43">
-            <a:extLst>
-              <a:ext uri="{FF2B5EF4-FFF2-40B4-BE49-F238E27FC236}">
-                <a16:creationId xmlns:a16="http://schemas.microsoft.com/office/drawing/2014/main" id="{2711A8FB-68FC-45FC-B01E-38F809E2D439}"/>
-              </a:ext>
-              <a:ext uri="{C183D7F6-B498-43B3-948B-1728B52AA6E4}">
-                <adec:decorative xmlns:adec="http://schemas.microsoft.com/office/drawing/2017/decorative" val="1"/>
-              </a:ext>
-            </a:extLst>
-          </p:cNvPr>
-          <p:cNvSpPr>
-            <a:spLocks noGrp="1" noRot="1" noChangeAspect="1" noMove="1" noResize="1" noEditPoints="1" noAdjustHandles="1" noChangeArrowheads="1" noChangeShapeType="1" noTextEdit="1"/>
-          </p:cNvSpPr>
-          <p:nvPr>
-            <p:extLst>
-              <p:ext uri="{386F3935-93C4-4BCD-93E2-E3B085C9AB24}">
-                <p16:designElem xmlns:p16="http://schemas.microsoft.com/office/powerpoint/2015/main" val="1"/>
-              </p:ext>
-            </p:extLst>
-          </p:nvPr>
-        </p:nvSpPr>
-        <p:spPr>
-          <a:xfrm>
-            <a:off x="345567" y="1170432"/>
-            <a:ext cx="128016" cy="704088"/>
-          </a:xfrm>
-          <a:prstGeom prst="rect">
-            <a:avLst/>
-          </a:prstGeom>
-          <a:solidFill>
-            <a:schemeClr val="accent2"/>
-          </a:solidFill>
-          <a:ln>
-            <a:noFill/>
-          </a:ln>
-        </p:spPr>
-        <p:style>
-          <a:lnRef idx="2">
-            <a:schemeClr val="accent1">
-              <a:shade val="50000"/>
-            </a:schemeClr>
-          </a:lnRef>
-          <a:fillRef idx="1">
-            <a:schemeClr val="accent1"/>
-          </a:fillRef>
-          <a:effectRef idx="0">
-            <a:schemeClr val="accent1"/>
-          </a:effectRef>
-          <a:fontRef idx="minor">
-            <a:schemeClr val="lt1"/>
-          </a:fontRef>
-        </p:style>
-        <p:txBody>
-          <a:bodyPr rtlCol="0" anchor="ctr"/>
-          <a:lstStyle/>
-          <a:p>
-            <a:pPr algn="ctr"/>
-            <a:endParaRPr lang="en-US">
-              <a:solidFill>
-                <a:prstClr val="white"/>
-              </a:solidFill>
-              <a:latin typeface="Calibri" panose="020F0502020204030204"/>
-            </a:endParaRPr>
-          </a:p>
-        </p:txBody>
-      </p:sp>
-      <p:sp>
-        <p:nvSpPr>
-          <p:cNvPr id="46" name="Rectangle 45">
-            <a:extLst>
-              <a:ext uri="{FF2B5EF4-FFF2-40B4-BE49-F238E27FC236}">
-                <a16:creationId xmlns:a16="http://schemas.microsoft.com/office/drawing/2014/main" id="{2A865FE3-5FC9-4049-87CF-30019C46C0F5}"/>
-              </a:ext>
-              <a:ext uri="{C183D7F6-B498-43B3-948B-1728B52AA6E4}">
-                <adec:decorative xmlns:adec="http://schemas.microsoft.com/office/drawing/2017/decorative" val="1"/>
-              </a:ext>
-            </a:extLst>
-          </p:cNvPr>
-          <p:cNvSpPr>
-            <a:spLocks noGrp="1" noRot="1" noChangeAspect="1" noMove="1" noResize="1" noEditPoints="1" noAdjustHandles="1" noChangeArrowheads="1" noChangeShapeType="1" noTextEdit="1"/>
-          </p:cNvSpPr>
-          <p:nvPr>
-            <p:extLst>
-              <p:ext uri="{386F3935-93C4-4BCD-93E2-E3B085C9AB24}">
-                <p16:designElem xmlns:p16="http://schemas.microsoft.com/office/powerpoint/2015/main" val="1"/>
-              </p:ext>
-            </p:extLst>
-          </p:nvPr>
-        </p:nvSpPr>
-        <p:spPr>
-          <a:xfrm>
-            <a:off x="877459" y="2121408"/>
-            <a:ext cx="3328416" cy="9144"/>
-          </a:xfrm>
-          <a:prstGeom prst="rect">
-            <a:avLst/>
-          </a:prstGeom>
-          <a:solidFill>
-            <a:srgbClr val="D5D5D5"/>
-          </a:solidFill>
-          <a:ln w="3175">
-            <a:noFill/>
-          </a:ln>
-          <a:effectLst/>
-        </p:spPr>
-        <p:style>
-          <a:lnRef idx="2">
-            <a:schemeClr val="accent1">
-              <a:shade val="50000"/>
-            </a:schemeClr>
-          </a:lnRef>
-          <a:fillRef idx="1">
-            <a:schemeClr val="accent1"/>
-          </a:fillRef>
-          <a:effectRef idx="0">
-            <a:schemeClr val="accent1"/>
-          </a:effectRef>
-          <a:fontRef idx="minor">
-            <a:schemeClr val="lt1"/>
-          </a:fontRef>
-        </p:style>
-        <p:txBody>
-          <a:bodyPr rtlCol="0" anchor="ctr"/>
-          <a:lstStyle/>
-          <a:p>
-            <a:pPr marL="0" marR="0" lvl="0" indent="0" algn="ctr" defTabSz="914400" rtl="0" eaLnBrk="1" fontAlgn="auto" latinLnBrk="0" hangingPunct="1">
-              <a:lnSpc>
-                <a:spcPct val="100000"/>
-              </a:lnSpc>
-              <a:spcBef>
-                <a:spcPts val="0"/>
-              </a:spcBef>
-              <a:spcAft>
-                <a:spcPts val="0"/>
-              </a:spcAft>
-              <a:buClrTx/>
-              <a:buSzTx/>
-              <a:buFontTx/>
-              <a:buNone/>
-              <a:tabLst/>
-              <a:defRPr/>
-            </a:pPr>
-            <a:endParaRPr kumimoji="0" lang="en-US" sz="1800" b="0" i="0" u="none" strike="noStrike" kern="1200" cap="none" spc="0" normalizeH="0" baseline="0" noProof="0">
-              <a:ln>
-                <a:noFill/>
-              </a:ln>
-              <a:solidFill>
-                <a:prstClr val="white"/>
-              </a:solidFill>
-              <a:effectLst/>
-              <a:uLnTx/>
-              <a:uFillTx/>
-              <a:latin typeface="Calibri" panose="020F0502020204030204"/>
-              <a:ea typeface="+mn-ea"/>
-              <a:cs typeface="+mn-cs"/>
-            </a:endParaRPr>
-          </a:p>
-        </p:txBody>
-      </p:sp>
-      <p:sp>
-        <p:nvSpPr>
-          <p:cNvPr id="3" name="Espaço Reservado para Conteúdo 2">
-            <a:extLst>
-              <a:ext uri="{FF2B5EF4-FFF2-40B4-BE49-F238E27FC236}">
-                <a16:creationId xmlns:a16="http://schemas.microsoft.com/office/drawing/2014/main" id="{C0D01A9E-3F7D-4D09-A3E9-8876F598F074}"/>
-              </a:ext>
-            </a:extLst>
-          </p:cNvPr>
-          <p:cNvSpPr>
-            <a:spLocks noGrp="1"/>
-          </p:cNvSpPr>
-          <p:nvPr>
-            <p:ph idx="1"/>
-          </p:nvPr>
-        </p:nvSpPr>
-        <p:spPr>
-          <a:xfrm>
-            <a:off x="841247" y="2359152"/>
-            <a:ext cx="3410712" cy="3425043"/>
-          </a:xfrm>
-        </p:spPr>
-        <p:txBody>
-          <a:bodyPr>
-            <a:normAutofit/>
-          </a:bodyPr>
-          <a:lstStyle/>
-          <a:p>
-            <a:r>
-              <a:rPr lang="pt-BR" sz="1700" dirty="0">
-                <a:latin typeface="Arial" panose="020B0604020202020204" pitchFamily="34" charset="0"/>
-                <a:cs typeface="Arial" panose="020B0604020202020204" pitchFamily="34" charset="0"/>
-              </a:rPr>
-              <a:t>Criamos um site institucional para a verificação dos dados nos gráficos, o cliente tem acesso total para acompanhar, mas o </a:t>
-            </a:r>
-            <a:r>
-              <a:rPr lang="pt-BR" sz="2000" dirty="0">
-                <a:latin typeface="Arial" panose="020B0604020202020204" pitchFamily="34" charset="0"/>
-                <a:cs typeface="Arial" panose="020B0604020202020204" pitchFamily="34" charset="0"/>
-              </a:rPr>
-              <a:t>acompanhamento</a:t>
-            </a:r>
-            <a:r>
-              <a:rPr lang="pt-BR" sz="1700" dirty="0">
-                <a:latin typeface="Arial" panose="020B0604020202020204" pitchFamily="34" charset="0"/>
-                <a:cs typeface="Arial" panose="020B0604020202020204" pitchFamily="34" charset="0"/>
-              </a:rPr>
-              <a:t> seria de nossa equipe para o cliente não precisar ficar o dia inteiro olhando gráficos. </a:t>
-            </a:r>
-          </a:p>
-        </p:txBody>
-      </p:sp>
       <p:pic>
         <p:nvPicPr>
-          <p:cNvPr id="20" name="Imagem 19" descr="Tela de computador com texto preto sobre fundo branco&#10;&#10;Descrição gerada automaticamente">
-            <a:extLst>
-              <a:ext uri="{FF2B5EF4-FFF2-40B4-BE49-F238E27FC236}">
-                <a16:creationId xmlns:a16="http://schemas.microsoft.com/office/drawing/2014/main" id="{3A02DED5-E702-4845-AFB5-A488487D1DB0}"/>
+          <p:cNvPr id="2" name="Imagem 1">
+            <a:extLst>
+              <a:ext uri="{FF2B5EF4-FFF2-40B4-BE49-F238E27FC236}">
+                <a16:creationId xmlns:a16="http://schemas.microsoft.com/office/drawing/2014/main" id="{C19F7BEF-21A4-4EBE-ADD4-B61FF1C86AE9}"/>
               </a:ext>
             </a:extLst>
           </p:cNvPr>
@@ -5428,21 +4810,16 @@
           </p:cNvPicPr>
           <p:nvPr/>
         </p:nvPicPr>
-        <p:blipFill rotWithShape="1">
-          <a:blip r:embed="rId2">
-            <a:extLst>
-              <a:ext uri="{28A0092B-C50C-407E-A947-70E740481C1C}">
-                <a14:useLocalDpi xmlns:a14="http://schemas.microsoft.com/office/drawing/2010/main" val="0"/>
-              </a:ext>
-            </a:extLst>
-          </a:blip>
-          <a:srcRect l="2957" r="6182" b="-1"/>
-          <a:stretch/>
+        <p:blipFill>
+          <a:blip r:embed="rId2"/>
+          <a:stretch>
+            <a:fillRect/>
+          </a:stretch>
         </p:blipFill>
         <p:spPr>
           <a:xfrm>
-            <a:off x="5124450" y="634382"/>
-            <a:ext cx="6657213" cy="5495162"/>
+            <a:off x="398336" y="865966"/>
+            <a:ext cx="8085521" cy="1577477"/>
           </a:xfrm>
           <a:prstGeom prst="rect">
             <a:avLst/>
@@ -5451,10 +4828,10 @@
       </p:pic>
       <p:pic>
         <p:nvPicPr>
-          <p:cNvPr id="9" name="Imagem 8">
-            <a:extLst>
-              <a:ext uri="{FF2B5EF4-FFF2-40B4-BE49-F238E27FC236}">
-                <a16:creationId xmlns:a16="http://schemas.microsoft.com/office/drawing/2014/main" id="{F745EBB1-8D29-4430-8E72-390A36EEA934}"/>
+          <p:cNvPr id="3" name="Imagem 2">
+            <a:extLst>
+              <a:ext uri="{FF2B5EF4-FFF2-40B4-BE49-F238E27FC236}">
+                <a16:creationId xmlns:a16="http://schemas.microsoft.com/office/drawing/2014/main" id="{58C1A49D-2DB9-43C7-B0F5-F68E4A3D03E8}"/>
               </a:ext>
             </a:extLst>
           </p:cNvPr>
@@ -5471,18 +4848,138 @@
         </p:blipFill>
         <p:spPr>
           <a:xfrm>
-            <a:off x="53894" y="35169"/>
-            <a:ext cx="1035488" cy="1035488"/>
+            <a:off x="8446279" y="946508"/>
+            <a:ext cx="3482642" cy="1341236"/>
           </a:xfrm>
           <a:prstGeom prst="rect">
             <a:avLst/>
           </a:prstGeom>
         </p:spPr>
       </p:pic>
+      <p:pic>
+        <p:nvPicPr>
+          <p:cNvPr id="4" name="Imagem 3">
+            <a:extLst>
+              <a:ext uri="{FF2B5EF4-FFF2-40B4-BE49-F238E27FC236}">
+                <a16:creationId xmlns:a16="http://schemas.microsoft.com/office/drawing/2014/main" id="{C7C04DB2-C0B7-468D-85EC-B66F2571B0F7}"/>
+              </a:ext>
+            </a:extLst>
+          </p:cNvPr>
+          <p:cNvPicPr>
+            <a:picLocks noChangeAspect="1"/>
+          </p:cNvPicPr>
+          <p:nvPr/>
+        </p:nvPicPr>
+        <p:blipFill>
+          <a:blip r:embed="rId4"/>
+          <a:stretch>
+            <a:fillRect/>
+          </a:stretch>
+        </p:blipFill>
+        <p:spPr>
+          <a:xfrm>
+            <a:off x="3810592" y="3103126"/>
+            <a:ext cx="4673265" cy="3715985"/>
+          </a:xfrm>
+          <a:prstGeom prst="rect">
+            <a:avLst/>
+          </a:prstGeom>
+        </p:spPr>
+      </p:pic>
+      <p:sp>
+        <p:nvSpPr>
+          <p:cNvPr id="5" name="CaixaDeTexto 4">
+            <a:extLst>
+              <a:ext uri="{FF2B5EF4-FFF2-40B4-BE49-F238E27FC236}">
+                <a16:creationId xmlns:a16="http://schemas.microsoft.com/office/drawing/2014/main" id="{D05F348A-5DC1-4D17-AC3B-97B6FC677767}"/>
+              </a:ext>
+            </a:extLst>
+          </p:cNvPr>
+          <p:cNvSpPr txBox="1"/>
+          <p:nvPr/>
+        </p:nvSpPr>
+        <p:spPr>
+          <a:xfrm>
+            <a:off x="4091940" y="184666"/>
+            <a:ext cx="4008120" cy="369332"/>
+          </a:xfrm>
+          <a:prstGeom prst="rect">
+            <a:avLst/>
+          </a:prstGeom>
+          <a:noFill/>
+        </p:spPr>
+        <p:txBody>
+          <a:bodyPr wrap="square" rtlCol="0">
+            <a:spAutoFit/>
+          </a:bodyPr>
+          <a:lstStyle>
+            <a:defPPr>
+              <a:defRPr lang="pt-BR"/>
+            </a:defPPr>
+            <a:lvl1pPr>
+              <a:defRPr sz="1600" b="1">
+                <a:latin typeface="Arial" panose="020B0604020202020204" pitchFamily="34" charset="0"/>
+                <a:cs typeface="Arial" panose="020B0604020202020204" pitchFamily="34" charset="0"/>
+              </a:defRPr>
+            </a:lvl1pPr>
+          </a:lstStyle>
+          <a:p>
+            <a:r>
+              <a:rPr lang="pt-BR" dirty="0"/>
+              <a:t>Inserção de dados na tabela Clientes:</a:t>
+            </a:r>
+          </a:p>
+        </p:txBody>
+      </p:sp>
+      <p:sp>
+        <p:nvSpPr>
+          <p:cNvPr id="6" name="CaixaDeTexto 5">
+            <a:extLst>
+              <a:ext uri="{FF2B5EF4-FFF2-40B4-BE49-F238E27FC236}">
+                <a16:creationId xmlns:a16="http://schemas.microsoft.com/office/drawing/2014/main" id="{897B9B6D-A61B-4497-825B-7A0E52DFBFE7}"/>
+              </a:ext>
+            </a:extLst>
+          </p:cNvPr>
+          <p:cNvSpPr txBox="1"/>
+          <p:nvPr/>
+        </p:nvSpPr>
+        <p:spPr>
+          <a:xfrm>
+            <a:off x="4091940" y="2588618"/>
+            <a:ext cx="4008120" cy="369332"/>
+          </a:xfrm>
+          <a:prstGeom prst="rect">
+            <a:avLst/>
+          </a:prstGeom>
+          <a:noFill/>
+        </p:spPr>
+        <p:txBody>
+          <a:bodyPr wrap="square" rtlCol="0">
+            <a:spAutoFit/>
+          </a:bodyPr>
+          <a:lstStyle>
+            <a:defPPr>
+              <a:defRPr lang="pt-BR"/>
+            </a:defPPr>
+            <a:lvl1pPr>
+              <a:defRPr sz="1600" b="1">
+                <a:latin typeface="Arial" panose="020B0604020202020204" pitchFamily="34" charset="0"/>
+                <a:cs typeface="Arial" panose="020B0604020202020204" pitchFamily="34" charset="0"/>
+              </a:defRPr>
+            </a:lvl1pPr>
+          </a:lstStyle>
+          <a:p>
+            <a:r>
+              <a:rPr lang="pt-BR" dirty="0"/>
+              <a:t>Inserção de dados na tabela Clientes:</a:t>
+            </a:r>
+          </a:p>
+        </p:txBody>
+      </p:sp>
     </p:spTree>
     <p:extLst>
       <p:ext uri="{BB962C8B-B14F-4D97-AF65-F5344CB8AC3E}">
-        <p14:creationId xmlns:p14="http://schemas.microsoft.com/office/powerpoint/2010/main" val="4091551892"/>
+        <p14:creationId xmlns:p14="http://schemas.microsoft.com/office/powerpoint/2010/main" val="2411807073"/>
       </p:ext>
     </p:extLst>
   </p:cSld>
@@ -5493,6 +4990,291 @@
 </file>
 
 <file path=ppt/slides/slide12.xml><?xml version="1.0" encoding="utf-8"?>
+<p:sld xmlns:a="http://schemas.openxmlformats.org/drawingml/2006/main" xmlns:r="http://schemas.openxmlformats.org/officeDocument/2006/relationships" xmlns:p="http://schemas.openxmlformats.org/presentationml/2006/main">
+  <p:cSld>
+    <p:spTree>
+      <p:nvGrpSpPr>
+        <p:cNvPr id="1" name=""/>
+        <p:cNvGrpSpPr/>
+        <p:nvPr/>
+      </p:nvGrpSpPr>
+      <p:grpSpPr>
+        <a:xfrm>
+          <a:off x="0" y="0"/>
+          <a:ext cx="0" cy="0"/>
+          <a:chOff x="0" y="0"/>
+          <a:chExt cx="0" cy="0"/>
+        </a:xfrm>
+      </p:grpSpPr>
+      <p:pic>
+        <p:nvPicPr>
+          <p:cNvPr id="2" name="Imagem 1">
+            <a:extLst>
+              <a:ext uri="{FF2B5EF4-FFF2-40B4-BE49-F238E27FC236}">
+                <a16:creationId xmlns:a16="http://schemas.microsoft.com/office/drawing/2014/main" id="{46447FED-6765-4E73-AE34-F23C7D378E29}"/>
+              </a:ext>
+            </a:extLst>
+          </p:cNvPr>
+          <p:cNvPicPr>
+            <a:picLocks noChangeAspect="1"/>
+          </p:cNvPicPr>
+          <p:nvPr/>
+        </p:nvPicPr>
+        <p:blipFill>
+          <a:blip r:embed="rId2"/>
+          <a:stretch>
+            <a:fillRect/>
+          </a:stretch>
+        </p:blipFill>
+        <p:spPr>
+          <a:xfrm>
+            <a:off x="0" y="969616"/>
+            <a:ext cx="10046987" cy="1626927"/>
+          </a:xfrm>
+          <a:prstGeom prst="rect">
+            <a:avLst/>
+          </a:prstGeom>
+        </p:spPr>
+      </p:pic>
+      <p:pic>
+        <p:nvPicPr>
+          <p:cNvPr id="3" name="Imagem 2">
+            <a:extLst>
+              <a:ext uri="{FF2B5EF4-FFF2-40B4-BE49-F238E27FC236}">
+                <a16:creationId xmlns:a16="http://schemas.microsoft.com/office/drawing/2014/main" id="{349DA353-C641-4866-875D-4AAB4915DB8A}"/>
+              </a:ext>
+            </a:extLst>
+          </p:cNvPr>
+          <p:cNvPicPr>
+            <a:picLocks noChangeAspect="1"/>
+          </p:cNvPicPr>
+          <p:nvPr/>
+        </p:nvPicPr>
+        <p:blipFill>
+          <a:blip r:embed="rId3"/>
+          <a:stretch>
+            <a:fillRect/>
+          </a:stretch>
+        </p:blipFill>
+        <p:spPr>
+          <a:xfrm>
+            <a:off x="10029735" y="969616"/>
+            <a:ext cx="1036198" cy="1609675"/>
+          </a:xfrm>
+          <a:prstGeom prst="rect">
+            <a:avLst/>
+          </a:prstGeom>
+        </p:spPr>
+      </p:pic>
+      <p:pic>
+        <p:nvPicPr>
+          <p:cNvPr id="4" name="Imagem 3">
+            <a:extLst>
+              <a:ext uri="{FF2B5EF4-FFF2-40B4-BE49-F238E27FC236}">
+                <a16:creationId xmlns:a16="http://schemas.microsoft.com/office/drawing/2014/main" id="{E2D19421-69D7-4531-B451-85EF98AF7B04}"/>
+              </a:ext>
+            </a:extLst>
+          </p:cNvPr>
+          <p:cNvPicPr>
+            <a:picLocks noChangeAspect="1"/>
+          </p:cNvPicPr>
+          <p:nvPr/>
+        </p:nvPicPr>
+        <p:blipFill>
+          <a:blip r:embed="rId4"/>
+          <a:stretch>
+            <a:fillRect/>
+          </a:stretch>
+        </p:blipFill>
+        <p:spPr>
+          <a:xfrm>
+            <a:off x="457200" y="3853513"/>
+            <a:ext cx="4112506" cy="1986942"/>
+          </a:xfrm>
+          <a:prstGeom prst="rect">
+            <a:avLst/>
+          </a:prstGeom>
+        </p:spPr>
+      </p:pic>
+      <p:pic>
+        <p:nvPicPr>
+          <p:cNvPr id="5" name="Imagem 4">
+            <a:extLst>
+              <a:ext uri="{FF2B5EF4-FFF2-40B4-BE49-F238E27FC236}">
+                <a16:creationId xmlns:a16="http://schemas.microsoft.com/office/drawing/2014/main" id="{0F6E4D36-B9BA-49A8-BAB3-2E6471FF5591}"/>
+              </a:ext>
+            </a:extLst>
+          </p:cNvPr>
+          <p:cNvPicPr>
+            <a:picLocks noChangeAspect="1"/>
+          </p:cNvPicPr>
+          <p:nvPr/>
+        </p:nvPicPr>
+        <p:blipFill>
+          <a:blip r:embed="rId5"/>
+          <a:stretch>
+            <a:fillRect/>
+          </a:stretch>
+        </p:blipFill>
+        <p:spPr>
+          <a:xfrm>
+            <a:off x="6644275" y="3853513"/>
+            <a:ext cx="4942358" cy="1886887"/>
+          </a:xfrm>
+          <a:prstGeom prst="rect">
+            <a:avLst/>
+          </a:prstGeom>
+        </p:spPr>
+      </p:pic>
+      <p:sp>
+        <p:nvSpPr>
+          <p:cNvPr id="6" name="CaixaDeTexto 5">
+            <a:extLst>
+              <a:ext uri="{FF2B5EF4-FFF2-40B4-BE49-F238E27FC236}">
+                <a16:creationId xmlns:a16="http://schemas.microsoft.com/office/drawing/2014/main" id="{ABD0B5B1-7BAF-419E-9C90-8C3DC283210A}"/>
+              </a:ext>
+            </a:extLst>
+          </p:cNvPr>
+          <p:cNvSpPr txBox="1"/>
+          <p:nvPr/>
+        </p:nvSpPr>
+        <p:spPr>
+          <a:xfrm>
+            <a:off x="3441700" y="185698"/>
+            <a:ext cx="4597400" cy="369332"/>
+          </a:xfrm>
+          <a:prstGeom prst="rect">
+            <a:avLst/>
+          </a:prstGeom>
+          <a:noFill/>
+        </p:spPr>
+        <p:txBody>
+          <a:bodyPr wrap="square" rtlCol="0">
+            <a:spAutoFit/>
+          </a:bodyPr>
+          <a:lstStyle>
+            <a:defPPr>
+              <a:defRPr lang="pt-BR"/>
+            </a:defPPr>
+            <a:lvl1pPr>
+              <a:defRPr sz="1600" b="1">
+                <a:latin typeface="Arial" panose="020B0604020202020204" pitchFamily="34" charset="0"/>
+                <a:cs typeface="Arial" panose="020B0604020202020204" pitchFamily="34" charset="0"/>
+              </a:defRPr>
+            </a:lvl1pPr>
+          </a:lstStyle>
+          <a:p>
+            <a:r>
+              <a:rPr lang="pt-BR" dirty="0"/>
+              <a:t>Buscando os dados da tabela tbClientes:</a:t>
+            </a:r>
+          </a:p>
+        </p:txBody>
+      </p:sp>
+      <p:sp>
+        <p:nvSpPr>
+          <p:cNvPr id="7" name="CaixaDeTexto 6">
+            <a:extLst>
+              <a:ext uri="{FF2B5EF4-FFF2-40B4-BE49-F238E27FC236}">
+                <a16:creationId xmlns:a16="http://schemas.microsoft.com/office/drawing/2014/main" id="{2E11BFA2-0178-4AFE-8FF0-9F3D56EABE5B}"/>
+              </a:ext>
+            </a:extLst>
+          </p:cNvPr>
+          <p:cNvSpPr txBox="1"/>
+          <p:nvPr/>
+        </p:nvSpPr>
+        <p:spPr>
+          <a:xfrm>
+            <a:off x="457200" y="3244334"/>
+            <a:ext cx="4597400" cy="369332"/>
+          </a:xfrm>
+          <a:prstGeom prst="rect">
+            <a:avLst/>
+          </a:prstGeom>
+          <a:noFill/>
+        </p:spPr>
+        <p:txBody>
+          <a:bodyPr wrap="square" rtlCol="0">
+            <a:spAutoFit/>
+          </a:bodyPr>
+          <a:lstStyle>
+            <a:defPPr>
+              <a:defRPr lang="pt-BR"/>
+            </a:defPPr>
+            <a:lvl1pPr>
+              <a:defRPr sz="1600" b="1">
+                <a:latin typeface="Arial" panose="020B0604020202020204" pitchFamily="34" charset="0"/>
+                <a:cs typeface="Arial" panose="020B0604020202020204" pitchFamily="34" charset="0"/>
+              </a:defRPr>
+            </a:lvl1pPr>
+          </a:lstStyle>
+          <a:p>
+            <a:r>
+              <a:rPr lang="pt-BR" dirty="0"/>
+              <a:t>Buscando os dados da tabela tbRua:</a:t>
+            </a:r>
+          </a:p>
+        </p:txBody>
+      </p:sp>
+      <p:sp>
+        <p:nvSpPr>
+          <p:cNvPr id="8" name="CaixaDeTexto 7">
+            <a:extLst>
+              <a:ext uri="{FF2B5EF4-FFF2-40B4-BE49-F238E27FC236}">
+                <a16:creationId xmlns:a16="http://schemas.microsoft.com/office/drawing/2014/main" id="{90C7EB6A-7384-419D-8FBE-AB3D2D267A80}"/>
+              </a:ext>
+            </a:extLst>
+          </p:cNvPr>
+          <p:cNvSpPr txBox="1"/>
+          <p:nvPr/>
+        </p:nvSpPr>
+        <p:spPr>
+          <a:xfrm>
+            <a:off x="7137400" y="3244334"/>
+            <a:ext cx="4597400" cy="369332"/>
+          </a:xfrm>
+          <a:prstGeom prst="rect">
+            <a:avLst/>
+          </a:prstGeom>
+          <a:noFill/>
+        </p:spPr>
+        <p:txBody>
+          <a:bodyPr wrap="square" rtlCol="0">
+            <a:spAutoFit/>
+          </a:bodyPr>
+          <a:lstStyle>
+            <a:defPPr>
+              <a:defRPr lang="pt-BR"/>
+            </a:defPPr>
+            <a:lvl1pPr>
+              <a:defRPr sz="1600" b="1">
+                <a:latin typeface="Arial" panose="020B0604020202020204" pitchFamily="34" charset="0"/>
+                <a:cs typeface="Arial" panose="020B0604020202020204" pitchFamily="34" charset="0"/>
+              </a:defRPr>
+            </a:lvl1pPr>
+          </a:lstStyle>
+          <a:p>
+            <a:r>
+              <a:rPr lang="pt-BR" dirty="0"/>
+              <a:t>Buscando os dados da tabela tbSensores:</a:t>
+            </a:r>
+          </a:p>
+        </p:txBody>
+      </p:sp>
+    </p:spTree>
+    <p:extLst>
+      <p:ext uri="{BB962C8B-B14F-4D97-AF65-F5344CB8AC3E}">
+        <p14:creationId xmlns:p14="http://schemas.microsoft.com/office/powerpoint/2010/main" val="1740331572"/>
+      </p:ext>
+    </p:extLst>
+  </p:cSld>
+  <p:clrMapOvr>
+    <a:masterClrMapping/>
+  </p:clrMapOvr>
+</p:sld>
+</file>
+
+<file path=ppt/slides/slide13.xml><?xml version="1.0" encoding="utf-8"?>
 <p:sld xmlns:a="http://schemas.openxmlformats.org/drawingml/2006/main" xmlns:r="http://schemas.openxmlformats.org/officeDocument/2006/relationships" xmlns:p="http://schemas.openxmlformats.org/presentationml/2006/main">
   <p:cSld>
     <p:bg>
@@ -5862,788 +5644,6 @@
     <p:extLst>
       <p:ext uri="{BB962C8B-B14F-4D97-AF65-F5344CB8AC3E}">
         <p14:creationId xmlns:p14="http://schemas.microsoft.com/office/powerpoint/2010/main" val="3707752108"/>
-      </p:ext>
-    </p:extLst>
-  </p:cSld>
-  <p:clrMapOvr>
-    <a:masterClrMapping/>
-  </p:clrMapOvr>
-</p:sld>
-</file>
-
-<file path=ppt/slides/slide13.xml><?xml version="1.0" encoding="utf-8"?>
-<p:sld xmlns:a="http://schemas.openxmlformats.org/drawingml/2006/main" xmlns:r="http://schemas.openxmlformats.org/officeDocument/2006/relationships" xmlns:p="http://schemas.openxmlformats.org/presentationml/2006/main">
-  <p:cSld>
-    <p:spTree>
-      <p:nvGrpSpPr>
-        <p:cNvPr id="1" name=""/>
-        <p:cNvGrpSpPr/>
-        <p:nvPr/>
-      </p:nvGrpSpPr>
-      <p:grpSpPr>
-        <a:xfrm>
-          <a:off x="0" y="0"/>
-          <a:ext cx="0" cy="0"/>
-          <a:chOff x="0" y="0"/>
-          <a:chExt cx="0" cy="0"/>
-        </a:xfrm>
-      </p:grpSpPr>
-      <p:sp>
-        <p:nvSpPr>
-          <p:cNvPr id="2" name="Título 1">
-            <a:extLst>
-              <a:ext uri="{FF2B5EF4-FFF2-40B4-BE49-F238E27FC236}">
-                <a16:creationId xmlns:a16="http://schemas.microsoft.com/office/drawing/2014/main" id="{81717266-6AEC-4E54-ABDD-4B3A2718C4F3}"/>
-              </a:ext>
-            </a:extLst>
-          </p:cNvPr>
-          <p:cNvSpPr>
-            <a:spLocks noGrp="1"/>
-          </p:cNvSpPr>
-          <p:nvPr>
-            <p:ph type="title"/>
-          </p:nvPr>
-        </p:nvSpPr>
-        <p:spPr>
-          <a:xfrm>
-            <a:off x="830896" y="18255"/>
-            <a:ext cx="10515600" cy="1325563"/>
-          </a:xfrm>
-        </p:spPr>
-        <p:txBody>
-          <a:bodyPr>
-            <a:normAutofit/>
-          </a:bodyPr>
-          <a:lstStyle/>
-          <a:p>
-            <a:pPr algn="ctr"/>
-            <a:r>
-              <a:rPr lang="pt-BR" sz="3700" dirty="0">
-                <a:latin typeface="Arial" panose="020B0604020202020204" pitchFamily="34" charset="0"/>
-                <a:cs typeface="Arial" panose="020B0604020202020204" pitchFamily="34" charset="0"/>
-              </a:rPr>
-              <a:t>Onde os dados são armazenados?</a:t>
-            </a:r>
-          </a:p>
-        </p:txBody>
-      </p:sp>
-      <p:sp>
-        <p:nvSpPr>
-          <p:cNvPr id="3" name="Espaço Reservado para Conteúdo 2">
-            <a:extLst>
-              <a:ext uri="{FF2B5EF4-FFF2-40B4-BE49-F238E27FC236}">
-                <a16:creationId xmlns:a16="http://schemas.microsoft.com/office/drawing/2014/main" id="{E317D884-3835-4901-A2A5-B94BB67813BB}"/>
-              </a:ext>
-            </a:extLst>
-          </p:cNvPr>
-          <p:cNvSpPr>
-            <a:spLocks noGrp="1"/>
-          </p:cNvSpPr>
-          <p:nvPr>
-            <p:ph idx="1"/>
-          </p:nvPr>
-        </p:nvSpPr>
-        <p:spPr/>
-        <p:txBody>
-          <a:bodyPr>
-            <a:normAutofit/>
-          </a:bodyPr>
-          <a:lstStyle/>
-          <a:p>
-            <a:r>
-              <a:rPr lang="pt-BR" sz="2000">
-                <a:latin typeface="Arial" panose="020B0604020202020204" pitchFamily="34" charset="0"/>
-                <a:cs typeface="Arial" panose="020B0604020202020204" pitchFamily="34" charset="0"/>
-              </a:rPr>
-              <a:t>Os dados serão armazenados em nosso banco de dados, todas as informações pedidas para o cadastro serão armazenadas e os sensores atribuídos a seus respectivos clientes</a:t>
-            </a:r>
-            <a:endParaRPr lang="pt-BR" sz="2000" dirty="0">
-              <a:latin typeface="Arial" panose="020B0604020202020204" pitchFamily="34" charset="0"/>
-              <a:cs typeface="Arial" panose="020B0604020202020204" pitchFamily="34" charset="0"/>
-            </a:endParaRPr>
-          </a:p>
-        </p:txBody>
-      </p:sp>
-      <p:pic>
-        <p:nvPicPr>
-          <p:cNvPr id="4" name="Picture 2" descr="Waste Water Treatment Leakage Broke Svg Png Icon Free Download (#569149) -  OnlineWebFonts.COM">
-            <a:extLst>
-              <a:ext uri="{FF2B5EF4-FFF2-40B4-BE49-F238E27FC236}">
-                <a16:creationId xmlns:a16="http://schemas.microsoft.com/office/drawing/2014/main" id="{A9027475-A512-4FFC-B95F-6730DF59B3DE}"/>
-              </a:ext>
-            </a:extLst>
-          </p:cNvPr>
-          <p:cNvPicPr>
-            <a:picLocks noChangeAspect="1" noChangeArrowheads="1"/>
-          </p:cNvPicPr>
-          <p:nvPr/>
-        </p:nvPicPr>
-        <p:blipFill rotWithShape="1">
-          <a:blip r:embed="rId2">
-            <a:alphaModFix/>
-            <a:extLst>
-              <a:ext uri="{28A0092B-C50C-407E-A947-70E740481C1C}">
-                <a14:useLocalDpi xmlns:a14="http://schemas.microsoft.com/office/drawing/2010/main" val="0"/>
-              </a:ext>
-            </a:extLst>
-          </a:blip>
-          <a:srcRect r="548"/>
-          <a:stretch/>
-        </p:blipFill>
-        <p:spPr bwMode="auto">
-          <a:xfrm>
-            <a:off x="314372" y="4851908"/>
-            <a:ext cx="1870411" cy="2006092"/>
-          </a:xfrm>
-          <a:prstGeom prst="rect">
-            <a:avLst/>
-          </a:prstGeom>
-          <a:noFill/>
-          <a:extLst>
-            <a:ext uri="{909E8E84-426E-40DD-AFC4-6F175D3DCCD1}">
-              <a14:hiddenFill xmlns:a14="http://schemas.microsoft.com/office/drawing/2010/main">
-                <a:solidFill>
-                  <a:srgbClr val="FFFFFF"/>
-                </a:solidFill>
-              </a14:hiddenFill>
-            </a:ext>
-          </a:extLst>
-        </p:spPr>
-      </p:pic>
-      <p:pic>
-        <p:nvPicPr>
-          <p:cNvPr id="5" name="Picture 6" descr="temperature and humidity sensor">
-            <a:extLst>
-              <a:ext uri="{FF2B5EF4-FFF2-40B4-BE49-F238E27FC236}">
-                <a16:creationId xmlns:a16="http://schemas.microsoft.com/office/drawing/2014/main" id="{B285B2BE-0AF8-4A57-823E-D0EFFB44C254}"/>
-              </a:ext>
-            </a:extLst>
-          </p:cNvPr>
-          <p:cNvPicPr>
-            <a:picLocks noChangeAspect="1" noChangeArrowheads="1"/>
-          </p:cNvPicPr>
-          <p:nvPr/>
-        </p:nvPicPr>
-        <p:blipFill>
-          <a:blip r:embed="rId3">
-            <a:extLst>
-              <a:ext uri="{28A0092B-C50C-407E-A947-70E740481C1C}">
-                <a14:useLocalDpi xmlns:a14="http://schemas.microsoft.com/office/drawing/2010/main" val="0"/>
-              </a:ext>
-            </a:extLst>
-          </a:blip>
-          <a:srcRect/>
-          <a:stretch>
-            <a:fillRect/>
-          </a:stretch>
-        </p:blipFill>
-        <p:spPr bwMode="auto">
-          <a:xfrm rot="18635752">
-            <a:off x="1092002" y="6225041"/>
-            <a:ext cx="315149" cy="315149"/>
-          </a:xfrm>
-          <a:prstGeom prst="rect">
-            <a:avLst/>
-          </a:prstGeom>
-          <a:noFill/>
-          <a:extLst>
-            <a:ext uri="{909E8E84-426E-40DD-AFC4-6F175D3DCCD1}">
-              <a14:hiddenFill xmlns:a14="http://schemas.microsoft.com/office/drawing/2010/main">
-                <a:solidFill>
-                  <a:srgbClr val="FFFFFF"/>
-                </a:solidFill>
-              </a14:hiddenFill>
-            </a:ext>
-          </a:extLst>
-        </p:spPr>
-      </p:pic>
-      <p:pic>
-        <p:nvPicPr>
-          <p:cNvPr id="6" name="Picture 8" descr="Alert Alt Svg Png Icon Free Download (#565392) - OnlineWebFonts.COM">
-            <a:extLst>
-              <a:ext uri="{FF2B5EF4-FFF2-40B4-BE49-F238E27FC236}">
-                <a16:creationId xmlns:a16="http://schemas.microsoft.com/office/drawing/2014/main" id="{2E7665F3-0BAE-4C54-AF17-EF1B6CAB0B8F}"/>
-              </a:ext>
-            </a:extLst>
-          </p:cNvPr>
-          <p:cNvPicPr>
-            <a:picLocks noChangeAspect="1" noChangeArrowheads="1"/>
-          </p:cNvPicPr>
-          <p:nvPr/>
-        </p:nvPicPr>
-        <p:blipFill rotWithShape="1">
-          <a:blip r:embed="rId4">
-            <a:duotone>
-              <a:schemeClr val="accent2">
-                <a:shade val="45000"/>
-                <a:satMod val="135000"/>
-              </a:schemeClr>
-              <a:prstClr val="white"/>
-            </a:duotone>
-            <a:alphaModFix/>
-            <a:extLst>
-              <a:ext uri="{BEBA8EAE-BF5A-486C-A8C5-ECC9F3942E4B}">
-                <a14:imgProps xmlns:a14="http://schemas.microsoft.com/office/drawing/2010/main">
-                  <a14:imgLayer r:embed="rId5">
-                    <a14:imgEffect>
-                      <a14:colorTemperature colorTemp="6360"/>
-                    </a14:imgEffect>
-                    <a14:imgEffect>
-                      <a14:saturation sat="191000"/>
-                    </a14:imgEffect>
-                  </a14:imgLayer>
-                </a14:imgProps>
-              </a:ext>
-              <a:ext uri="{28A0092B-C50C-407E-A947-70E740481C1C}">
-                <a14:useLocalDpi xmlns:a14="http://schemas.microsoft.com/office/drawing/2010/main" val="0"/>
-              </a:ext>
-            </a:extLst>
-          </a:blip>
-          <a:srcRect b="72111"/>
-          <a:stretch/>
-        </p:blipFill>
-        <p:spPr bwMode="auto">
-          <a:xfrm rot="13158707">
-            <a:off x="841771" y="6471416"/>
-            <a:ext cx="491158" cy="209764"/>
-          </a:xfrm>
-          <a:prstGeom prst="rect">
-            <a:avLst/>
-          </a:prstGeom>
-          <a:noFill/>
-          <a:ln>
-            <a:noFill/>
-          </a:ln>
-        </p:spPr>
-      </p:pic>
-      <p:pic>
-        <p:nvPicPr>
-          <p:cNvPr id="1026" name="Picture 2" descr="poste elétrico - ícones de eletrônicos grátis">
-            <a:extLst>
-              <a:ext uri="{FF2B5EF4-FFF2-40B4-BE49-F238E27FC236}">
-                <a16:creationId xmlns:a16="http://schemas.microsoft.com/office/drawing/2014/main" id="{49B43E45-D4D5-48F4-8B57-4A932C3C7CD5}"/>
-              </a:ext>
-            </a:extLst>
-          </p:cNvPr>
-          <p:cNvPicPr>
-            <a:picLocks noChangeAspect="1" noChangeArrowheads="1"/>
-          </p:cNvPicPr>
-          <p:nvPr/>
-        </p:nvPicPr>
-        <p:blipFill>
-          <a:blip r:embed="rId6">
-            <a:extLst>
-              <a:ext uri="{28A0092B-C50C-407E-A947-70E740481C1C}">
-                <a14:useLocalDpi xmlns:a14="http://schemas.microsoft.com/office/drawing/2010/main" val="0"/>
-              </a:ext>
-            </a:extLst>
-          </a:blip>
-          <a:srcRect/>
-          <a:stretch>
-            <a:fillRect/>
-          </a:stretch>
-        </p:blipFill>
-        <p:spPr bwMode="auto">
-          <a:xfrm>
-            <a:off x="2708610" y="3143029"/>
-            <a:ext cx="1708879" cy="1708879"/>
-          </a:xfrm>
-          <a:prstGeom prst="rect">
-            <a:avLst/>
-          </a:prstGeom>
-          <a:noFill/>
-          <a:extLst>
-            <a:ext uri="{909E8E84-426E-40DD-AFC4-6F175D3DCCD1}">
-              <a14:hiddenFill xmlns:a14="http://schemas.microsoft.com/office/drawing/2010/main">
-                <a:solidFill>
-                  <a:srgbClr val="FFFFFF"/>
-                </a:solidFill>
-              </a14:hiddenFill>
-            </a:ext>
-          </a:extLst>
-        </p:spPr>
-      </p:pic>
-      <p:pic>
-        <p:nvPicPr>
-          <p:cNvPr id="1030" name="Picture 6" descr="Roteador Wi-Fi Ícone - Download Grátis, PNG e Vetores">
-            <a:extLst>
-              <a:ext uri="{FF2B5EF4-FFF2-40B4-BE49-F238E27FC236}">
-                <a16:creationId xmlns:a16="http://schemas.microsoft.com/office/drawing/2014/main" id="{7A8BDA75-8082-4131-8F58-CCE859769CBD}"/>
-              </a:ext>
-            </a:extLst>
-          </p:cNvPr>
-          <p:cNvPicPr>
-            <a:picLocks noChangeAspect="1" noChangeArrowheads="1"/>
-          </p:cNvPicPr>
-          <p:nvPr/>
-        </p:nvPicPr>
-        <p:blipFill rotWithShape="1">
-          <a:blip r:embed="rId7">
-            <a:extLst>
-              <a:ext uri="{28A0092B-C50C-407E-A947-70E740481C1C}">
-                <a14:useLocalDpi xmlns:a14="http://schemas.microsoft.com/office/drawing/2010/main" val="0"/>
-              </a:ext>
-            </a:extLst>
-          </a:blip>
-          <a:srcRect r="5484" b="5242"/>
-          <a:stretch/>
-        </p:blipFill>
-        <p:spPr bwMode="auto">
-          <a:xfrm>
-            <a:off x="2708612" y="2809952"/>
-            <a:ext cx="742512" cy="744410"/>
-          </a:xfrm>
-          <a:prstGeom prst="rect">
-            <a:avLst/>
-          </a:prstGeom>
-          <a:noFill/>
-          <a:extLst>
-            <a:ext uri="{909E8E84-426E-40DD-AFC4-6F175D3DCCD1}">
-              <a14:hiddenFill xmlns:a14="http://schemas.microsoft.com/office/drawing/2010/main">
-                <a:solidFill>
-                  <a:srgbClr val="FFFFFF"/>
-                </a:solidFill>
-              </a14:hiddenFill>
-            </a:ext>
-          </a:extLst>
-        </p:spPr>
-      </p:pic>
-      <p:pic>
-        <p:nvPicPr>
-          <p:cNvPr id="1032" name="Picture 8" descr="ícone Servidor Livre de WHCompare Isometric Web Hosting &amp; Servers">
-            <a:extLst>
-              <a:ext uri="{FF2B5EF4-FFF2-40B4-BE49-F238E27FC236}">
-                <a16:creationId xmlns:a16="http://schemas.microsoft.com/office/drawing/2014/main" id="{CBDCF82D-42C4-4EB5-BDEF-78695D8EACC1}"/>
-              </a:ext>
-            </a:extLst>
-          </p:cNvPr>
-          <p:cNvPicPr>
-            <a:picLocks noChangeAspect="1" noChangeArrowheads="1"/>
-          </p:cNvPicPr>
-          <p:nvPr/>
-        </p:nvPicPr>
-        <p:blipFill>
-          <a:blip r:embed="rId8">
-            <a:extLst>
-              <a:ext uri="{28A0092B-C50C-407E-A947-70E740481C1C}">
-                <a14:useLocalDpi xmlns:a14="http://schemas.microsoft.com/office/drawing/2010/main" val="0"/>
-              </a:ext>
-            </a:extLst>
-          </a:blip>
-          <a:srcRect/>
-          <a:stretch>
-            <a:fillRect/>
-          </a:stretch>
-        </p:blipFill>
-        <p:spPr bwMode="auto">
-          <a:xfrm>
-            <a:off x="4941316" y="4759790"/>
-            <a:ext cx="2190327" cy="2190327"/>
-          </a:xfrm>
-          <a:prstGeom prst="rect">
-            <a:avLst/>
-          </a:prstGeom>
-          <a:noFill/>
-          <a:extLst>
-            <a:ext uri="{909E8E84-426E-40DD-AFC4-6F175D3DCCD1}">
-              <a14:hiddenFill xmlns:a14="http://schemas.microsoft.com/office/drawing/2010/main">
-                <a:solidFill>
-                  <a:srgbClr val="FFFFFF"/>
-                </a:solidFill>
-              </a14:hiddenFill>
-            </a:ext>
-          </a:extLst>
-        </p:spPr>
-      </p:pic>
-      <p:pic>
-        <p:nvPicPr>
-          <p:cNvPr id="1034" name="Picture 10" descr="Person using computer icon vector illustration design.">
-            <a:extLst>
-              <a:ext uri="{FF2B5EF4-FFF2-40B4-BE49-F238E27FC236}">
-                <a16:creationId xmlns:a16="http://schemas.microsoft.com/office/drawing/2014/main" id="{54807AD0-A037-46D2-9142-5A86027BD3DE}"/>
-              </a:ext>
-            </a:extLst>
-          </p:cNvPr>
-          <p:cNvPicPr>
-            <a:picLocks noChangeAspect="1" noChangeArrowheads="1"/>
-          </p:cNvPicPr>
-          <p:nvPr/>
-        </p:nvPicPr>
-        <p:blipFill rotWithShape="1">
-          <a:blip r:embed="rId9">
-            <a:extLst>
-              <a:ext uri="{28A0092B-C50C-407E-A947-70E740481C1C}">
-                <a14:useLocalDpi xmlns:a14="http://schemas.microsoft.com/office/drawing/2010/main" val="0"/>
-              </a:ext>
-            </a:extLst>
-          </a:blip>
-          <a:srcRect b="20960"/>
-          <a:stretch/>
-        </p:blipFill>
-        <p:spPr bwMode="auto">
-          <a:xfrm>
-            <a:off x="7774512" y="2947883"/>
-            <a:ext cx="1940641" cy="1661705"/>
-          </a:xfrm>
-          <a:prstGeom prst="rect">
-            <a:avLst/>
-          </a:prstGeom>
-          <a:noFill/>
-          <a:extLst>
-            <a:ext uri="{909E8E84-426E-40DD-AFC4-6F175D3DCCD1}">
-              <a14:hiddenFill xmlns:a14="http://schemas.microsoft.com/office/drawing/2010/main">
-                <a:solidFill>
-                  <a:srgbClr val="FFFFFF"/>
-                </a:solidFill>
-              </a14:hiddenFill>
-            </a:ext>
-          </a:extLst>
-        </p:spPr>
-      </p:pic>
-      <p:pic>
-        <p:nvPicPr>
-          <p:cNvPr id="1036" name="Picture 12" descr="computer, desktop, laptop, mac, monitor, pc, screen icon | Conjunto de  ícones, Conjunto de">
-            <a:extLst>
-              <a:ext uri="{FF2B5EF4-FFF2-40B4-BE49-F238E27FC236}">
-                <a16:creationId xmlns:a16="http://schemas.microsoft.com/office/drawing/2014/main" id="{207611DD-ED0F-4EF6-86BE-D157312D68E1}"/>
-              </a:ext>
-            </a:extLst>
-          </p:cNvPr>
-          <p:cNvPicPr>
-            <a:picLocks noChangeAspect="1" noChangeArrowheads="1"/>
-          </p:cNvPicPr>
-          <p:nvPr/>
-        </p:nvPicPr>
-        <p:blipFill>
-          <a:blip r:embed="rId10">
-            <a:extLst>
-              <a:ext uri="{28A0092B-C50C-407E-A947-70E740481C1C}">
-                <a14:useLocalDpi xmlns:a14="http://schemas.microsoft.com/office/drawing/2010/main" val="0"/>
-              </a:ext>
-            </a:extLst>
-          </a:blip>
-          <a:srcRect/>
-          <a:stretch>
-            <a:fillRect/>
-          </a:stretch>
-        </p:blipFill>
-        <p:spPr bwMode="auto">
-          <a:xfrm>
-            <a:off x="9560874" y="2906200"/>
-            <a:ext cx="2190327" cy="1981045"/>
-          </a:xfrm>
-          <a:prstGeom prst="rect">
-            <a:avLst/>
-          </a:prstGeom>
-          <a:noFill/>
-          <a:extLst>
-            <a:ext uri="{909E8E84-426E-40DD-AFC4-6F175D3DCCD1}">
-              <a14:hiddenFill xmlns:a14="http://schemas.microsoft.com/office/drawing/2010/main">
-                <a:solidFill>
-                  <a:srgbClr val="FFFFFF"/>
-                </a:solidFill>
-              </a14:hiddenFill>
-            </a:ext>
-          </a:extLst>
-        </p:spPr>
-      </p:pic>
-      <p:sp>
-        <p:nvSpPr>
-          <p:cNvPr id="7" name="CaixaDeTexto 6">
-            <a:extLst>
-              <a:ext uri="{FF2B5EF4-FFF2-40B4-BE49-F238E27FC236}">
-                <a16:creationId xmlns:a16="http://schemas.microsoft.com/office/drawing/2014/main" id="{C3D9AF88-2C98-4553-B0A1-E0B2F86C0658}"/>
-              </a:ext>
-            </a:extLst>
-          </p:cNvPr>
-          <p:cNvSpPr txBox="1"/>
-          <p:nvPr/>
-        </p:nvSpPr>
-        <p:spPr>
-          <a:xfrm>
-            <a:off x="9674157" y="3169442"/>
-            <a:ext cx="2077044" cy="830997"/>
-          </a:xfrm>
-          <a:prstGeom prst="rect">
-            <a:avLst/>
-          </a:prstGeom>
-          <a:noFill/>
-        </p:spPr>
-        <p:txBody>
-          <a:bodyPr wrap="square" rtlCol="0">
-            <a:spAutoFit/>
-          </a:bodyPr>
-          <a:lstStyle/>
-          <a:p>
-            <a:r>
-              <a:rPr lang="pt-BR" sz="1600" b="1" dirty="0">
-                <a:latin typeface="Arial" panose="020B0604020202020204" pitchFamily="34" charset="0"/>
-                <a:cs typeface="Arial" panose="020B0604020202020204" pitchFamily="34" charset="0"/>
-              </a:rPr>
-              <a:t>Sensor 3 detectou um possível vazamento</a:t>
-            </a:r>
-          </a:p>
-        </p:txBody>
-      </p:sp>
-      <p:sp>
-        <p:nvSpPr>
-          <p:cNvPr id="12" name="Seta: Dobrada 11">
-            <a:extLst>
-              <a:ext uri="{FF2B5EF4-FFF2-40B4-BE49-F238E27FC236}">
-                <a16:creationId xmlns:a16="http://schemas.microsoft.com/office/drawing/2014/main" id="{4366ED66-17D2-466D-B291-EE6FBF8C3D21}"/>
-              </a:ext>
-            </a:extLst>
-          </p:cNvPr>
-          <p:cNvSpPr/>
-          <p:nvPr/>
-        </p:nvSpPr>
-        <p:spPr>
-          <a:xfrm>
-            <a:off x="1012728" y="3308498"/>
-            <a:ext cx="1459034" cy="1377939"/>
-          </a:xfrm>
-          <a:prstGeom prst="bentArrow">
-            <a:avLst/>
-          </a:prstGeom>
-          <a:solidFill>
-            <a:schemeClr val="tx1"/>
-          </a:solidFill>
-          <a:ln w="28575">
-            <a:solidFill>
-              <a:schemeClr val="accent1"/>
-            </a:solidFill>
-          </a:ln>
-        </p:spPr>
-        <p:style>
-          <a:lnRef idx="2">
-            <a:schemeClr val="accent1">
-              <a:shade val="50000"/>
-            </a:schemeClr>
-          </a:lnRef>
-          <a:fillRef idx="1">
-            <a:schemeClr val="accent1"/>
-          </a:fillRef>
-          <a:effectRef idx="0">
-            <a:schemeClr val="accent1"/>
-          </a:effectRef>
-          <a:fontRef idx="minor">
-            <a:schemeClr val="lt1"/>
-          </a:fontRef>
-        </p:style>
-        <p:txBody>
-          <a:bodyPr rtlCol="0" anchor="ctr"/>
-          <a:lstStyle/>
-          <a:p>
-            <a:pPr algn="ctr"/>
-            <a:endParaRPr lang="pt-BR">
-              <a:solidFill>
-                <a:schemeClr val="tx1"/>
-              </a:solidFill>
-            </a:endParaRPr>
-          </a:p>
-        </p:txBody>
-      </p:sp>
-      <p:sp>
-        <p:nvSpPr>
-          <p:cNvPr id="27" name="Seta: Dobrada 26">
-            <a:extLst>
-              <a:ext uri="{FF2B5EF4-FFF2-40B4-BE49-F238E27FC236}">
-                <a16:creationId xmlns:a16="http://schemas.microsoft.com/office/drawing/2014/main" id="{E1B164E1-E2B1-4315-87E5-DFE21A4AE3F1}"/>
-              </a:ext>
-            </a:extLst>
-          </p:cNvPr>
-          <p:cNvSpPr/>
-          <p:nvPr/>
-        </p:nvSpPr>
-        <p:spPr>
-          <a:xfrm rot="5400000">
-            <a:off x="4933089" y="3202886"/>
-            <a:ext cx="1258227" cy="1708879"/>
-          </a:xfrm>
-          <a:prstGeom prst="bentArrow">
-            <a:avLst>
-              <a:gd name="adj1" fmla="val 25000"/>
-              <a:gd name="adj2" fmla="val 25535"/>
-              <a:gd name="adj3" fmla="val 25000"/>
-              <a:gd name="adj4" fmla="val 43750"/>
-            </a:avLst>
-          </a:prstGeom>
-          <a:solidFill>
-            <a:schemeClr val="tx1"/>
-          </a:solidFill>
-          <a:ln w="28575">
-            <a:solidFill>
-              <a:schemeClr val="accent1"/>
-            </a:solidFill>
-          </a:ln>
-        </p:spPr>
-        <p:style>
-          <a:lnRef idx="2">
-            <a:schemeClr val="accent1">
-              <a:shade val="50000"/>
-            </a:schemeClr>
-          </a:lnRef>
-          <a:fillRef idx="1">
-            <a:schemeClr val="accent1"/>
-          </a:fillRef>
-          <a:effectRef idx="0">
-            <a:schemeClr val="accent1"/>
-          </a:effectRef>
-          <a:fontRef idx="minor">
-            <a:schemeClr val="lt1"/>
-          </a:fontRef>
-        </p:style>
-        <p:txBody>
-          <a:bodyPr rtlCol="0" anchor="ctr"/>
-          <a:lstStyle/>
-          <a:p>
-            <a:pPr algn="ctr"/>
-            <a:endParaRPr lang="pt-BR">
-              <a:solidFill>
-                <a:schemeClr val="tx1"/>
-              </a:solidFill>
-            </a:endParaRPr>
-          </a:p>
-        </p:txBody>
-      </p:sp>
-      <p:sp>
-        <p:nvSpPr>
-          <p:cNvPr id="30" name="Seta: Dobrada 29">
-            <a:extLst>
-              <a:ext uri="{FF2B5EF4-FFF2-40B4-BE49-F238E27FC236}">
-                <a16:creationId xmlns:a16="http://schemas.microsoft.com/office/drawing/2014/main" id="{CDD5915B-A970-438D-BF62-32FB5A19344B}"/>
-              </a:ext>
-            </a:extLst>
-          </p:cNvPr>
-          <p:cNvSpPr/>
-          <p:nvPr/>
-        </p:nvSpPr>
-        <p:spPr>
-          <a:xfrm rot="5400000" flipH="1">
-            <a:off x="7666041" y="4223741"/>
-            <a:ext cx="1360433" cy="2429231"/>
-          </a:xfrm>
-          <a:prstGeom prst="bentArrow">
-            <a:avLst>
-              <a:gd name="adj1" fmla="val 25000"/>
-              <a:gd name="adj2" fmla="val 25535"/>
-              <a:gd name="adj3" fmla="val 25000"/>
-              <a:gd name="adj4" fmla="val 43750"/>
-            </a:avLst>
-          </a:prstGeom>
-          <a:solidFill>
-            <a:schemeClr val="tx1"/>
-          </a:solidFill>
-          <a:ln w="28575">
-            <a:solidFill>
-              <a:schemeClr val="accent1"/>
-            </a:solidFill>
-          </a:ln>
-        </p:spPr>
-        <p:style>
-          <a:lnRef idx="2">
-            <a:schemeClr val="accent1">
-              <a:shade val="50000"/>
-            </a:schemeClr>
-          </a:lnRef>
-          <a:fillRef idx="1">
-            <a:schemeClr val="accent1"/>
-          </a:fillRef>
-          <a:effectRef idx="0">
-            <a:schemeClr val="accent1"/>
-          </a:effectRef>
-          <a:fontRef idx="minor">
-            <a:schemeClr val="lt1"/>
-          </a:fontRef>
-        </p:style>
-        <p:txBody>
-          <a:bodyPr rtlCol="0" anchor="ctr"/>
-          <a:lstStyle/>
-          <a:p>
-            <a:pPr algn="ctr"/>
-            <a:endParaRPr lang="pt-BR">
-              <a:solidFill>
-                <a:schemeClr val="tx1"/>
-              </a:solidFill>
-            </a:endParaRPr>
-          </a:p>
-        </p:txBody>
-      </p:sp>
-      <p:cxnSp>
-        <p:nvCxnSpPr>
-          <p:cNvPr id="18" name="Conector reto 17">
-            <a:extLst>
-              <a:ext uri="{FF2B5EF4-FFF2-40B4-BE49-F238E27FC236}">
-                <a16:creationId xmlns:a16="http://schemas.microsoft.com/office/drawing/2014/main" id="{6105CB52-E11F-4E14-B6A3-6554486FA74A}"/>
-              </a:ext>
-            </a:extLst>
-          </p:cNvPr>
-          <p:cNvCxnSpPr/>
-          <p:nvPr/>
-        </p:nvCxnSpPr>
-        <p:spPr>
-          <a:xfrm>
-            <a:off x="314372" y="2625213"/>
-            <a:ext cx="11436829" cy="0"/>
-          </a:xfrm>
-          <a:prstGeom prst="line">
-            <a:avLst/>
-          </a:prstGeom>
-          <a:ln>
-            <a:solidFill>
-              <a:schemeClr val="tx1"/>
-            </a:solidFill>
-          </a:ln>
-        </p:spPr>
-        <p:style>
-          <a:lnRef idx="3">
-            <a:schemeClr val="dk1"/>
-          </a:lnRef>
-          <a:fillRef idx="0">
-            <a:schemeClr val="dk1"/>
-          </a:fillRef>
-          <a:effectRef idx="2">
-            <a:schemeClr val="dk1"/>
-          </a:effectRef>
-          <a:fontRef idx="minor">
-            <a:schemeClr val="tx1"/>
-          </a:fontRef>
-        </p:style>
-      </p:cxnSp>
-      <p:pic>
-        <p:nvPicPr>
-          <p:cNvPr id="33" name="Imagem 32">
-            <a:extLst>
-              <a:ext uri="{FF2B5EF4-FFF2-40B4-BE49-F238E27FC236}">
-                <a16:creationId xmlns:a16="http://schemas.microsoft.com/office/drawing/2014/main" id="{B7DA62BD-20DE-46B7-A3D7-DC7738701FEC}"/>
-              </a:ext>
-            </a:extLst>
-          </p:cNvPr>
-          <p:cNvPicPr>
-            <a:picLocks noChangeAspect="1"/>
-          </p:cNvPicPr>
-          <p:nvPr/>
-        </p:nvPicPr>
-        <p:blipFill>
-          <a:blip r:embed="rId11"/>
-          <a:stretch>
-            <a:fillRect/>
-          </a:stretch>
-        </p:blipFill>
-        <p:spPr>
-          <a:xfrm>
-            <a:off x="53894" y="35169"/>
-            <a:ext cx="1035488" cy="1035488"/>
-          </a:xfrm>
-          <a:prstGeom prst="rect">
-            <a:avLst/>
-          </a:prstGeom>
-        </p:spPr>
-      </p:pic>
-    </p:spTree>
-    <p:extLst>
-      <p:ext uri="{BB962C8B-B14F-4D97-AF65-F5344CB8AC3E}">
-        <p14:creationId xmlns:p14="http://schemas.microsoft.com/office/powerpoint/2010/main" val="1654437090"/>
       </p:ext>
     </p:extLst>
   </p:cSld>
@@ -8465,6 +7465,892 @@
           <a:chExt cx="0" cy="0"/>
         </a:xfrm>
       </p:grpSpPr>
+      <p:pic>
+        <p:nvPicPr>
+          <p:cNvPr id="3074" name="Picture 2" descr="Waste Water Treatment Leakage Broke Svg Png Icon Free Download (#569149) -  OnlineWebFonts.COM">
+            <a:extLst>
+              <a:ext uri="{FF2B5EF4-FFF2-40B4-BE49-F238E27FC236}">
+                <a16:creationId xmlns:a16="http://schemas.microsoft.com/office/drawing/2014/main" id="{348C5914-0332-44A9-A263-874DBD14E147}"/>
+              </a:ext>
+            </a:extLst>
+          </p:cNvPr>
+          <p:cNvPicPr>
+            <a:picLocks noChangeAspect="1" noChangeArrowheads="1"/>
+          </p:cNvPicPr>
+          <p:nvPr/>
+        </p:nvPicPr>
+        <p:blipFill rotWithShape="1">
+          <a:blip r:embed="rId2">
+            <a:alphaModFix/>
+            <a:extLst>
+              <a:ext uri="{28A0092B-C50C-407E-A947-70E740481C1C}">
+                <a14:useLocalDpi xmlns:a14="http://schemas.microsoft.com/office/drawing/2010/main" val="0"/>
+              </a:ext>
+            </a:extLst>
+          </a:blip>
+          <a:srcRect r="548"/>
+          <a:stretch/>
+        </p:blipFill>
+        <p:spPr bwMode="auto">
+          <a:xfrm>
+            <a:off x="6683974" y="1454277"/>
+            <a:ext cx="4703028" cy="5044190"/>
+          </a:xfrm>
+          <a:prstGeom prst="rect">
+            <a:avLst/>
+          </a:prstGeom>
+          <a:noFill/>
+          <a:extLst>
+            <a:ext uri="{909E8E84-426E-40DD-AFC4-6F175D3DCCD1}">
+              <a14:hiddenFill xmlns:a14="http://schemas.microsoft.com/office/drawing/2010/main">
+                <a:solidFill>
+                  <a:srgbClr val="FFFFFF"/>
+                </a:solidFill>
+              </a14:hiddenFill>
+            </a:ext>
+          </a:extLst>
+        </p:spPr>
+      </p:pic>
+      <p:pic>
+        <p:nvPicPr>
+          <p:cNvPr id="3076" name="Picture 134">
+            <a:extLst>
+              <a:ext uri="{FF2B5EF4-FFF2-40B4-BE49-F238E27FC236}">
+                <a16:creationId xmlns:a16="http://schemas.microsoft.com/office/drawing/2014/main" id="{54DDEBDD-D8BD-41A6-8A0D-B00E3768B0F9}"/>
+              </a:ext>
+              <a:ext uri="{C183D7F6-B498-43B3-948B-1728B52AA6E4}">
+                <adec:decorative xmlns:adec="http://schemas.microsoft.com/office/drawing/2017/decorative" val="1"/>
+              </a:ext>
+            </a:extLst>
+          </p:cNvPr>
+          <p:cNvPicPr>
+            <a:picLocks noGrp="1" noRot="1" noChangeAspect="1" noMove="1" noResize="1" noEditPoints="1" noAdjustHandles="1" noChangeArrowheads="1" noChangeShapeType="1" noCrop="1"/>
+          </p:cNvPicPr>
+          <p:nvPr>
+            <p:extLst>
+              <p:ext uri="{386F3935-93C4-4BCD-93E2-E3B085C9AB24}">
+                <p16:designElem xmlns:p16="http://schemas.microsoft.com/office/powerpoint/2015/main" val="1"/>
+              </p:ext>
+            </p:extLst>
+          </p:nvPr>
+        </p:nvPicPr>
+        <p:blipFill>
+          <a:blip r:embed="rId3">
+            <a:extLst>
+              <a:ext uri="{28A0092B-C50C-407E-A947-70E740481C1C}">
+                <a14:useLocalDpi xmlns:a14="http://schemas.microsoft.com/office/drawing/2010/main" val="0"/>
+              </a:ext>
+            </a:extLst>
+          </a:blip>
+          <a:stretch>
+            <a:fillRect/>
+          </a:stretch>
+        </p:blipFill>
+        <p:spPr>
+          <a:xfrm flipH="1" flipV="1">
+            <a:off x="0" y="0"/>
+            <a:ext cx="12192000" cy="6858000"/>
+          </a:xfrm>
+          <a:prstGeom prst="rect">
+            <a:avLst/>
+          </a:prstGeom>
+        </p:spPr>
+      </p:pic>
+      <p:sp>
+        <p:nvSpPr>
+          <p:cNvPr id="2" name="Título 1">
+            <a:extLst>
+              <a:ext uri="{FF2B5EF4-FFF2-40B4-BE49-F238E27FC236}">
+                <a16:creationId xmlns:a16="http://schemas.microsoft.com/office/drawing/2014/main" id="{B202CBA9-2D61-4174-A1AC-83B90BFD8A36}"/>
+              </a:ext>
+            </a:extLst>
+          </p:cNvPr>
+          <p:cNvSpPr>
+            <a:spLocks noGrp="1"/>
+          </p:cNvSpPr>
+          <p:nvPr>
+            <p:ph type="title"/>
+          </p:nvPr>
+        </p:nvSpPr>
+        <p:spPr>
+          <a:xfrm>
+            <a:off x="571638" y="554596"/>
+            <a:ext cx="5878976" cy="1311664"/>
+          </a:xfrm>
+        </p:spPr>
+        <p:txBody>
+          <a:bodyPr>
+            <a:normAutofit/>
+          </a:bodyPr>
+          <a:lstStyle/>
+          <a:p>
+            <a:pPr algn="ctr"/>
+            <a:r>
+              <a:rPr lang="pt-BR" dirty="0">
+                <a:solidFill>
+                  <a:srgbClr val="000000"/>
+                </a:solidFill>
+                <a:latin typeface="Arial" panose="020B0604020202020204" pitchFamily="34" charset="0"/>
+                <a:cs typeface="Arial" panose="020B0604020202020204" pitchFamily="34" charset="0"/>
+              </a:rPr>
+              <a:t>Solução do Problema</a:t>
+            </a:r>
+          </a:p>
+        </p:txBody>
+      </p:sp>
+      <p:sp>
+        <p:nvSpPr>
+          <p:cNvPr id="3" name="Espaço Reservado para Conteúdo 2">
+            <a:extLst>
+              <a:ext uri="{FF2B5EF4-FFF2-40B4-BE49-F238E27FC236}">
+                <a16:creationId xmlns:a16="http://schemas.microsoft.com/office/drawing/2014/main" id="{A8A22FE0-C875-4748-927C-26336D5968F9}"/>
+              </a:ext>
+            </a:extLst>
+          </p:cNvPr>
+          <p:cNvSpPr>
+            <a:spLocks noGrp="1"/>
+          </p:cNvSpPr>
+          <p:nvPr>
+            <p:ph idx="1"/>
+          </p:nvPr>
+        </p:nvSpPr>
+        <p:spPr>
+          <a:xfrm>
+            <a:off x="804998" y="2172440"/>
+            <a:ext cx="5073979" cy="4379380"/>
+          </a:xfrm>
+        </p:spPr>
+        <p:txBody>
+          <a:bodyPr anchor="ctr">
+            <a:normAutofit/>
+          </a:bodyPr>
+          <a:lstStyle/>
+          <a:p>
+            <a:r>
+              <a:rPr lang="pt-BR" sz="2000" dirty="0">
+                <a:solidFill>
+                  <a:srgbClr val="000000"/>
+                </a:solidFill>
+                <a:latin typeface="Arial" panose="020B0604020202020204" pitchFamily="34" charset="0"/>
+                <a:cs typeface="Arial" panose="020B0604020202020204" pitchFamily="34" charset="0"/>
+              </a:rPr>
+              <a:t>A solução proposta pela Sustabil foi implantar sensores de umidade (DHT11) nos encanamentos onde os dados passariam por roteadores das ruas e chegariam no servidor da Sustabil onde terá um site para acessar e checar as informações transmitidas em gráficos. </a:t>
+            </a:r>
+          </a:p>
+          <a:p>
+            <a:r>
+              <a:rPr lang="pt-BR" sz="2000" dirty="0">
+                <a:solidFill>
+                  <a:srgbClr val="000000"/>
+                </a:solidFill>
+                <a:latin typeface="Arial" panose="020B0604020202020204" pitchFamily="34" charset="0"/>
+                <a:cs typeface="Arial" panose="020B0604020202020204" pitchFamily="34" charset="0"/>
+              </a:rPr>
+              <a:t>Fixados em partes externas dos canos para detecção do vazamento e futuros prejuízos gigantescos.</a:t>
+            </a:r>
+          </a:p>
+          <a:p>
+            <a:r>
+              <a:rPr lang="pt-BR" sz="2000" dirty="0">
+                <a:solidFill>
+                  <a:srgbClr val="000000"/>
+                </a:solidFill>
+                <a:latin typeface="Arial" panose="020B0604020202020204" pitchFamily="34" charset="0"/>
+                <a:cs typeface="Arial" panose="020B0604020202020204" pitchFamily="34" charset="0"/>
+              </a:rPr>
+              <a:t>Sinal de vazamento? O sensor emitiria um alerta que será possível visualizar no site e assim entraremos em contato com o cliente o mais rápido possível.</a:t>
+            </a:r>
+          </a:p>
+        </p:txBody>
+      </p:sp>
+      <p:pic>
+        <p:nvPicPr>
+          <p:cNvPr id="3078" name="Picture 6" descr="temperature and humidity sensor">
+            <a:extLst>
+              <a:ext uri="{FF2B5EF4-FFF2-40B4-BE49-F238E27FC236}">
+                <a16:creationId xmlns:a16="http://schemas.microsoft.com/office/drawing/2014/main" id="{C38E409A-CA7F-4DB1-8501-637D116F091E}"/>
+              </a:ext>
+            </a:extLst>
+          </p:cNvPr>
+          <p:cNvPicPr>
+            <a:picLocks noChangeAspect="1" noChangeArrowheads="1"/>
+          </p:cNvPicPr>
+          <p:nvPr/>
+        </p:nvPicPr>
+        <p:blipFill>
+          <a:blip r:embed="rId4">
+            <a:extLst>
+              <a:ext uri="{28A0092B-C50C-407E-A947-70E740481C1C}">
+                <a14:useLocalDpi xmlns:a14="http://schemas.microsoft.com/office/drawing/2010/main" val="0"/>
+              </a:ext>
+            </a:extLst>
+          </a:blip>
+          <a:srcRect/>
+          <a:stretch>
+            <a:fillRect/>
+          </a:stretch>
+        </p:blipFill>
+        <p:spPr bwMode="auto">
+          <a:xfrm rot="18635752">
+            <a:off x="8902044" y="5087401"/>
+            <a:ext cx="632643" cy="632643"/>
+          </a:xfrm>
+          <a:prstGeom prst="rect">
+            <a:avLst/>
+          </a:prstGeom>
+          <a:noFill/>
+          <a:extLst>
+            <a:ext uri="{909E8E84-426E-40DD-AFC4-6F175D3DCCD1}">
+              <a14:hiddenFill xmlns:a14="http://schemas.microsoft.com/office/drawing/2010/main">
+                <a:solidFill>
+                  <a:srgbClr val="FFFFFF"/>
+                </a:solidFill>
+              </a14:hiddenFill>
+            </a:ext>
+          </a:extLst>
+        </p:spPr>
+      </p:pic>
+      <p:pic>
+        <p:nvPicPr>
+          <p:cNvPr id="3080" name="Picture 8" descr="Alert Alt Svg Png Icon Free Download (#565392) - OnlineWebFonts.COM">
+            <a:extLst>
+              <a:ext uri="{FF2B5EF4-FFF2-40B4-BE49-F238E27FC236}">
+                <a16:creationId xmlns:a16="http://schemas.microsoft.com/office/drawing/2014/main" id="{B68E42DD-DD1B-45E6-9C9F-C39EA0794FED}"/>
+              </a:ext>
+            </a:extLst>
+          </p:cNvPr>
+          <p:cNvPicPr>
+            <a:picLocks noChangeAspect="1" noChangeArrowheads="1"/>
+          </p:cNvPicPr>
+          <p:nvPr/>
+        </p:nvPicPr>
+        <p:blipFill rotWithShape="1">
+          <a:blip r:embed="rId5">
+            <a:duotone>
+              <a:schemeClr val="accent2">
+                <a:shade val="45000"/>
+                <a:satMod val="135000"/>
+              </a:schemeClr>
+              <a:prstClr val="white"/>
+            </a:duotone>
+            <a:alphaModFix/>
+            <a:extLst>
+              <a:ext uri="{BEBA8EAE-BF5A-486C-A8C5-ECC9F3942E4B}">
+                <a14:imgProps xmlns:a14="http://schemas.microsoft.com/office/drawing/2010/main">
+                  <a14:imgLayer r:embed="rId6">
+                    <a14:imgEffect>
+                      <a14:colorTemperature colorTemp="6360"/>
+                    </a14:imgEffect>
+                    <a14:imgEffect>
+                      <a14:saturation sat="191000"/>
+                    </a14:imgEffect>
+                  </a14:imgLayer>
+                </a14:imgProps>
+              </a:ext>
+              <a:ext uri="{28A0092B-C50C-407E-A947-70E740481C1C}">
+                <a14:useLocalDpi xmlns:a14="http://schemas.microsoft.com/office/drawing/2010/main" val="0"/>
+              </a:ext>
+            </a:extLst>
+          </a:blip>
+          <a:srcRect b="72111"/>
+          <a:stretch/>
+        </p:blipFill>
+        <p:spPr bwMode="auto">
+          <a:xfrm rot="13158707">
+            <a:off x="8479838" y="5585981"/>
+            <a:ext cx="975042" cy="416421"/>
+          </a:xfrm>
+          <a:prstGeom prst="rect">
+            <a:avLst/>
+          </a:prstGeom>
+          <a:noFill/>
+          <a:ln>
+            <a:noFill/>
+          </a:ln>
+        </p:spPr>
+      </p:pic>
+      <p:pic>
+        <p:nvPicPr>
+          <p:cNvPr id="8" name="Imagem 7">
+            <a:extLst>
+              <a:ext uri="{FF2B5EF4-FFF2-40B4-BE49-F238E27FC236}">
+                <a16:creationId xmlns:a16="http://schemas.microsoft.com/office/drawing/2014/main" id="{D2A77FA0-C3E9-4E63-BED4-0B3B92519E0D}"/>
+              </a:ext>
+            </a:extLst>
+          </p:cNvPr>
+          <p:cNvPicPr>
+            <a:picLocks noChangeAspect="1"/>
+          </p:cNvPicPr>
+          <p:nvPr/>
+        </p:nvPicPr>
+        <p:blipFill>
+          <a:blip r:embed="rId7"/>
+          <a:stretch>
+            <a:fillRect/>
+          </a:stretch>
+        </p:blipFill>
+        <p:spPr>
+          <a:xfrm>
+            <a:off x="53894" y="35169"/>
+            <a:ext cx="1035488" cy="1035488"/>
+          </a:xfrm>
+          <a:prstGeom prst="rect">
+            <a:avLst/>
+          </a:prstGeom>
+        </p:spPr>
+      </p:pic>
+    </p:spTree>
+    <p:extLst>
+      <p:ext uri="{BB962C8B-B14F-4D97-AF65-F5344CB8AC3E}">
+        <p14:creationId xmlns:p14="http://schemas.microsoft.com/office/powerpoint/2010/main" val="3377260643"/>
+      </p:ext>
+    </p:extLst>
+  </p:cSld>
+  <p:clrMapOvr>
+    <a:masterClrMapping/>
+  </p:clrMapOvr>
+</p:sld>
+</file>
+
+<file path=ppt/slides/slide6.xml><?xml version="1.0" encoding="utf-8"?>
+<p:sld xmlns:a="http://schemas.openxmlformats.org/drawingml/2006/main" xmlns:r="http://schemas.openxmlformats.org/officeDocument/2006/relationships" xmlns:p="http://schemas.openxmlformats.org/presentationml/2006/main">
+  <p:cSld>
+    <p:bg>
+      <p:bgPr>
+        <a:solidFill>
+          <a:schemeClr val="bg1"/>
+        </a:solidFill>
+        <a:effectLst/>
+      </p:bgPr>
+    </p:bg>
+    <p:spTree>
+      <p:nvGrpSpPr>
+        <p:cNvPr id="1" name=""/>
+        <p:cNvGrpSpPr/>
+        <p:nvPr/>
+      </p:nvGrpSpPr>
+      <p:grpSpPr>
+        <a:xfrm>
+          <a:off x="0" y="0"/>
+          <a:ext cx="0" cy="0"/>
+          <a:chOff x="0" y="0"/>
+          <a:chExt cx="0" cy="0"/>
+        </a:xfrm>
+      </p:grpSpPr>
+      <p:sp useBgFill="1">
+        <p:nvSpPr>
+          <p:cNvPr id="45" name="Rectangle 39">
+            <a:extLst>
+              <a:ext uri="{FF2B5EF4-FFF2-40B4-BE49-F238E27FC236}">
+                <a16:creationId xmlns:a16="http://schemas.microsoft.com/office/drawing/2014/main" id="{1ECAB1E8-8195-4748-BE71-FF806D86892E}"/>
+              </a:ext>
+              <a:ext uri="{C183D7F6-B498-43B3-948B-1728B52AA6E4}">
+                <adec:decorative xmlns:adec="http://schemas.microsoft.com/office/drawing/2017/decorative" val="1"/>
+              </a:ext>
+            </a:extLst>
+          </p:cNvPr>
+          <p:cNvSpPr>
+            <a:spLocks noGrp="1" noRot="1" noChangeAspect="1" noMove="1" noResize="1" noEditPoints="1" noAdjustHandles="1" noChangeArrowheads="1" noChangeShapeType="1" noTextEdit="1"/>
+          </p:cNvSpPr>
+          <p:nvPr>
+            <p:extLst>
+              <p:ext uri="{386F3935-93C4-4BCD-93E2-E3B085C9AB24}">
+                <p16:designElem xmlns:p16="http://schemas.microsoft.com/office/powerpoint/2015/main" val="1"/>
+              </p:ext>
+            </p:extLst>
+          </p:nvPr>
+        </p:nvSpPr>
+        <p:spPr>
+          <a:xfrm>
+            <a:off x="0" y="0"/>
+            <a:ext cx="12192000" cy="6858000"/>
+          </a:xfrm>
+          <a:prstGeom prst="rect">
+            <a:avLst/>
+          </a:prstGeom>
+          <a:ln>
+            <a:noFill/>
+          </a:ln>
+        </p:spPr>
+        <p:style>
+          <a:lnRef idx="2">
+            <a:schemeClr val="accent1">
+              <a:shade val="50000"/>
+            </a:schemeClr>
+          </a:lnRef>
+          <a:fillRef idx="1">
+            <a:schemeClr val="accent1"/>
+          </a:fillRef>
+          <a:effectRef idx="0">
+            <a:schemeClr val="accent1"/>
+          </a:effectRef>
+          <a:fontRef idx="minor">
+            <a:schemeClr val="lt1"/>
+          </a:fontRef>
+        </p:style>
+        <p:txBody>
+          <a:bodyPr rtlCol="0" anchor="ctr"/>
+          <a:lstStyle/>
+          <a:p>
+            <a:pPr algn="ctr"/>
+            <a:endParaRPr lang="en-US"/>
+          </a:p>
+        </p:txBody>
+      </p:sp>
+      <p:sp useBgFill="1">
+        <p:nvSpPr>
+          <p:cNvPr id="47" name="Rectangle 41">
+            <a:extLst>
+              <a:ext uri="{FF2B5EF4-FFF2-40B4-BE49-F238E27FC236}">
+                <a16:creationId xmlns:a16="http://schemas.microsoft.com/office/drawing/2014/main" id="{57F6BDD4-E066-4008-8011-6CC31AEB4556}"/>
+              </a:ext>
+              <a:ext uri="{C183D7F6-B498-43B3-948B-1728B52AA6E4}">
+                <adec:decorative xmlns:adec="http://schemas.microsoft.com/office/drawing/2017/decorative" val="1"/>
+              </a:ext>
+            </a:extLst>
+          </p:cNvPr>
+          <p:cNvSpPr>
+            <a:spLocks noGrp="1" noRot="1" noChangeAspect="1" noMove="1" noResize="1" noEditPoints="1" noAdjustHandles="1" noChangeArrowheads="1" noChangeShapeType="1" noTextEdit="1"/>
+          </p:cNvSpPr>
+          <p:nvPr>
+            <p:extLst>
+              <p:ext uri="{386F3935-93C4-4BCD-93E2-E3B085C9AB24}">
+                <p16:designElem xmlns:p16="http://schemas.microsoft.com/office/powerpoint/2015/main" val="1"/>
+              </p:ext>
+            </p:extLst>
+          </p:nvPr>
+        </p:nvSpPr>
+        <p:spPr>
+          <a:xfrm>
+            <a:off x="409575" y="633619"/>
+            <a:ext cx="4279383" cy="5495925"/>
+          </a:xfrm>
+          <a:prstGeom prst="rect">
+            <a:avLst/>
+          </a:prstGeom>
+          <a:ln w="9525">
+            <a:solidFill>
+              <a:srgbClr val="E1E1E1"/>
+            </a:solidFill>
+          </a:ln>
+          <a:effectLst>
+            <a:outerShdw blurRad="50800" dist="38100" dir="2700000" algn="tl" rotWithShape="0">
+              <a:schemeClr val="bg1">
+                <a:lumMod val="85000"/>
+                <a:alpha val="50000"/>
+              </a:schemeClr>
+            </a:outerShdw>
+          </a:effectLst>
+        </p:spPr>
+        <p:style>
+          <a:lnRef idx="2">
+            <a:schemeClr val="accent1">
+              <a:shade val="50000"/>
+            </a:schemeClr>
+          </a:lnRef>
+          <a:fillRef idx="1">
+            <a:schemeClr val="accent1"/>
+          </a:fillRef>
+          <a:effectRef idx="0">
+            <a:schemeClr val="accent1"/>
+          </a:effectRef>
+          <a:fontRef idx="minor">
+            <a:schemeClr val="lt1"/>
+          </a:fontRef>
+        </p:style>
+        <p:txBody>
+          <a:bodyPr rtlCol="0" anchor="ctr"/>
+          <a:lstStyle/>
+          <a:p>
+            <a:pPr marL="0" marR="0" lvl="0" indent="0" algn="ctr" defTabSz="914400" rtl="0" eaLnBrk="1" fontAlgn="auto" latinLnBrk="0" hangingPunct="1">
+              <a:lnSpc>
+                <a:spcPct val="100000"/>
+              </a:lnSpc>
+              <a:spcBef>
+                <a:spcPts val="0"/>
+              </a:spcBef>
+              <a:spcAft>
+                <a:spcPts val="0"/>
+              </a:spcAft>
+              <a:buClrTx/>
+              <a:buSzTx/>
+              <a:buFontTx/>
+              <a:buNone/>
+              <a:tabLst/>
+              <a:defRPr/>
+            </a:pPr>
+            <a:endParaRPr kumimoji="0" lang="en-US" sz="1800" b="0" i="0" u="none" strike="noStrike" kern="1200" cap="none" spc="0" normalizeH="0" baseline="0" noProof="0">
+              <a:ln>
+                <a:noFill/>
+              </a:ln>
+              <a:solidFill>
+                <a:prstClr val="white"/>
+              </a:solidFill>
+              <a:effectLst/>
+              <a:uLnTx/>
+              <a:uFillTx/>
+              <a:latin typeface="Calibri" panose="020F0502020204030204"/>
+              <a:ea typeface="+mn-ea"/>
+              <a:cs typeface="+mn-cs"/>
+            </a:endParaRPr>
+          </a:p>
+        </p:txBody>
+      </p:sp>
+      <p:sp>
+        <p:nvSpPr>
+          <p:cNvPr id="2" name="Título 1">
+            <a:extLst>
+              <a:ext uri="{FF2B5EF4-FFF2-40B4-BE49-F238E27FC236}">
+                <a16:creationId xmlns:a16="http://schemas.microsoft.com/office/drawing/2014/main" id="{622E59CC-F430-4678-9423-C4E72D202EEB}"/>
+              </a:ext>
+            </a:extLst>
+          </p:cNvPr>
+          <p:cNvSpPr>
+            <a:spLocks noGrp="1"/>
+          </p:cNvSpPr>
+          <p:nvPr>
+            <p:ph type="title"/>
+          </p:nvPr>
+        </p:nvSpPr>
+        <p:spPr>
+          <a:xfrm>
+            <a:off x="841247" y="978619"/>
+            <a:ext cx="3410712" cy="1106424"/>
+          </a:xfrm>
+        </p:spPr>
+        <p:txBody>
+          <a:bodyPr>
+            <a:normAutofit/>
+          </a:bodyPr>
+          <a:lstStyle/>
+          <a:p>
+            <a:pPr algn="ctr"/>
+            <a:r>
+              <a:rPr lang="pt-BR" sz="3700" dirty="0">
+                <a:latin typeface="Arial" panose="020B0604020202020204" pitchFamily="34" charset="0"/>
+                <a:cs typeface="Arial" panose="020B0604020202020204" pitchFamily="34" charset="0"/>
+              </a:rPr>
+              <a:t>Onde verificar?</a:t>
+            </a:r>
+          </a:p>
+        </p:txBody>
+      </p:sp>
+      <p:sp>
+        <p:nvSpPr>
+          <p:cNvPr id="44" name="Rectangle 43">
+            <a:extLst>
+              <a:ext uri="{FF2B5EF4-FFF2-40B4-BE49-F238E27FC236}">
+                <a16:creationId xmlns:a16="http://schemas.microsoft.com/office/drawing/2014/main" id="{2711A8FB-68FC-45FC-B01E-38F809E2D439}"/>
+              </a:ext>
+              <a:ext uri="{C183D7F6-B498-43B3-948B-1728B52AA6E4}">
+                <adec:decorative xmlns:adec="http://schemas.microsoft.com/office/drawing/2017/decorative" val="1"/>
+              </a:ext>
+            </a:extLst>
+          </p:cNvPr>
+          <p:cNvSpPr>
+            <a:spLocks noGrp="1" noRot="1" noChangeAspect="1" noMove="1" noResize="1" noEditPoints="1" noAdjustHandles="1" noChangeArrowheads="1" noChangeShapeType="1" noTextEdit="1"/>
+          </p:cNvSpPr>
+          <p:nvPr>
+            <p:extLst>
+              <p:ext uri="{386F3935-93C4-4BCD-93E2-E3B085C9AB24}">
+                <p16:designElem xmlns:p16="http://schemas.microsoft.com/office/powerpoint/2015/main" val="1"/>
+              </p:ext>
+            </p:extLst>
+          </p:nvPr>
+        </p:nvSpPr>
+        <p:spPr>
+          <a:xfrm>
+            <a:off x="345567" y="1170432"/>
+            <a:ext cx="128016" cy="704088"/>
+          </a:xfrm>
+          <a:prstGeom prst="rect">
+            <a:avLst/>
+          </a:prstGeom>
+          <a:solidFill>
+            <a:schemeClr val="accent2"/>
+          </a:solidFill>
+          <a:ln>
+            <a:noFill/>
+          </a:ln>
+        </p:spPr>
+        <p:style>
+          <a:lnRef idx="2">
+            <a:schemeClr val="accent1">
+              <a:shade val="50000"/>
+            </a:schemeClr>
+          </a:lnRef>
+          <a:fillRef idx="1">
+            <a:schemeClr val="accent1"/>
+          </a:fillRef>
+          <a:effectRef idx="0">
+            <a:schemeClr val="accent1"/>
+          </a:effectRef>
+          <a:fontRef idx="minor">
+            <a:schemeClr val="lt1"/>
+          </a:fontRef>
+        </p:style>
+        <p:txBody>
+          <a:bodyPr rtlCol="0" anchor="ctr"/>
+          <a:lstStyle/>
+          <a:p>
+            <a:pPr algn="ctr"/>
+            <a:endParaRPr lang="en-US">
+              <a:solidFill>
+                <a:prstClr val="white"/>
+              </a:solidFill>
+              <a:latin typeface="Calibri" panose="020F0502020204030204"/>
+            </a:endParaRPr>
+          </a:p>
+        </p:txBody>
+      </p:sp>
+      <p:sp>
+        <p:nvSpPr>
+          <p:cNvPr id="46" name="Rectangle 45">
+            <a:extLst>
+              <a:ext uri="{FF2B5EF4-FFF2-40B4-BE49-F238E27FC236}">
+                <a16:creationId xmlns:a16="http://schemas.microsoft.com/office/drawing/2014/main" id="{2A865FE3-5FC9-4049-87CF-30019C46C0F5}"/>
+              </a:ext>
+              <a:ext uri="{C183D7F6-B498-43B3-948B-1728B52AA6E4}">
+                <adec:decorative xmlns:adec="http://schemas.microsoft.com/office/drawing/2017/decorative" val="1"/>
+              </a:ext>
+            </a:extLst>
+          </p:cNvPr>
+          <p:cNvSpPr>
+            <a:spLocks noGrp="1" noRot="1" noChangeAspect="1" noMove="1" noResize="1" noEditPoints="1" noAdjustHandles="1" noChangeArrowheads="1" noChangeShapeType="1" noTextEdit="1"/>
+          </p:cNvSpPr>
+          <p:nvPr>
+            <p:extLst>
+              <p:ext uri="{386F3935-93C4-4BCD-93E2-E3B085C9AB24}">
+                <p16:designElem xmlns:p16="http://schemas.microsoft.com/office/powerpoint/2015/main" val="1"/>
+              </p:ext>
+            </p:extLst>
+          </p:nvPr>
+        </p:nvSpPr>
+        <p:spPr>
+          <a:xfrm>
+            <a:off x="877459" y="2121408"/>
+            <a:ext cx="3328416" cy="9144"/>
+          </a:xfrm>
+          <a:prstGeom prst="rect">
+            <a:avLst/>
+          </a:prstGeom>
+          <a:solidFill>
+            <a:srgbClr val="D5D5D5"/>
+          </a:solidFill>
+          <a:ln w="3175">
+            <a:noFill/>
+          </a:ln>
+          <a:effectLst/>
+        </p:spPr>
+        <p:style>
+          <a:lnRef idx="2">
+            <a:schemeClr val="accent1">
+              <a:shade val="50000"/>
+            </a:schemeClr>
+          </a:lnRef>
+          <a:fillRef idx="1">
+            <a:schemeClr val="accent1"/>
+          </a:fillRef>
+          <a:effectRef idx="0">
+            <a:schemeClr val="accent1"/>
+          </a:effectRef>
+          <a:fontRef idx="minor">
+            <a:schemeClr val="lt1"/>
+          </a:fontRef>
+        </p:style>
+        <p:txBody>
+          <a:bodyPr rtlCol="0" anchor="ctr"/>
+          <a:lstStyle/>
+          <a:p>
+            <a:pPr marL="0" marR="0" lvl="0" indent="0" algn="ctr" defTabSz="914400" rtl="0" eaLnBrk="1" fontAlgn="auto" latinLnBrk="0" hangingPunct="1">
+              <a:lnSpc>
+                <a:spcPct val="100000"/>
+              </a:lnSpc>
+              <a:spcBef>
+                <a:spcPts val="0"/>
+              </a:spcBef>
+              <a:spcAft>
+                <a:spcPts val="0"/>
+              </a:spcAft>
+              <a:buClrTx/>
+              <a:buSzTx/>
+              <a:buFontTx/>
+              <a:buNone/>
+              <a:tabLst/>
+              <a:defRPr/>
+            </a:pPr>
+            <a:endParaRPr kumimoji="0" lang="en-US" sz="1800" b="0" i="0" u="none" strike="noStrike" kern="1200" cap="none" spc="0" normalizeH="0" baseline="0" noProof="0">
+              <a:ln>
+                <a:noFill/>
+              </a:ln>
+              <a:solidFill>
+                <a:prstClr val="white"/>
+              </a:solidFill>
+              <a:effectLst/>
+              <a:uLnTx/>
+              <a:uFillTx/>
+              <a:latin typeface="Calibri" panose="020F0502020204030204"/>
+              <a:ea typeface="+mn-ea"/>
+              <a:cs typeface="+mn-cs"/>
+            </a:endParaRPr>
+          </a:p>
+        </p:txBody>
+      </p:sp>
+      <p:sp>
+        <p:nvSpPr>
+          <p:cNvPr id="3" name="Espaço Reservado para Conteúdo 2">
+            <a:extLst>
+              <a:ext uri="{FF2B5EF4-FFF2-40B4-BE49-F238E27FC236}">
+                <a16:creationId xmlns:a16="http://schemas.microsoft.com/office/drawing/2014/main" id="{C0D01A9E-3F7D-4D09-A3E9-8876F598F074}"/>
+              </a:ext>
+            </a:extLst>
+          </p:cNvPr>
+          <p:cNvSpPr>
+            <a:spLocks noGrp="1"/>
+          </p:cNvSpPr>
+          <p:nvPr>
+            <p:ph idx="1"/>
+          </p:nvPr>
+        </p:nvSpPr>
+        <p:spPr>
+          <a:xfrm>
+            <a:off x="841247" y="2359152"/>
+            <a:ext cx="3410712" cy="3425043"/>
+          </a:xfrm>
+        </p:spPr>
+        <p:txBody>
+          <a:bodyPr>
+            <a:normAutofit/>
+          </a:bodyPr>
+          <a:lstStyle/>
+          <a:p>
+            <a:r>
+              <a:rPr lang="pt-BR" sz="1700" dirty="0">
+                <a:latin typeface="Arial" panose="020B0604020202020204" pitchFamily="34" charset="0"/>
+                <a:cs typeface="Arial" panose="020B0604020202020204" pitchFamily="34" charset="0"/>
+              </a:rPr>
+              <a:t>Criamos um site institucional para a verificação dos dados nos gráficos, o cliente tem acesso total para acompanhar, mas o </a:t>
+            </a:r>
+            <a:r>
+              <a:rPr lang="pt-BR" sz="2000" dirty="0">
+                <a:latin typeface="Arial" panose="020B0604020202020204" pitchFamily="34" charset="0"/>
+                <a:cs typeface="Arial" panose="020B0604020202020204" pitchFamily="34" charset="0"/>
+              </a:rPr>
+              <a:t>acompanhamento</a:t>
+            </a:r>
+            <a:r>
+              <a:rPr lang="pt-BR" sz="1700" dirty="0">
+                <a:latin typeface="Arial" panose="020B0604020202020204" pitchFamily="34" charset="0"/>
+                <a:cs typeface="Arial" panose="020B0604020202020204" pitchFamily="34" charset="0"/>
+              </a:rPr>
+              <a:t> seria de nossa equipe para o cliente não precisar ficar o dia inteiro olhando gráficos. </a:t>
+            </a:r>
+          </a:p>
+        </p:txBody>
+      </p:sp>
+      <p:pic>
+        <p:nvPicPr>
+          <p:cNvPr id="20" name="Imagem 19" descr="Tela de computador com texto preto sobre fundo branco&#10;&#10;Descrição gerada automaticamente">
+            <a:extLst>
+              <a:ext uri="{FF2B5EF4-FFF2-40B4-BE49-F238E27FC236}">
+                <a16:creationId xmlns:a16="http://schemas.microsoft.com/office/drawing/2014/main" id="{3A02DED5-E702-4845-AFB5-A488487D1DB0}"/>
+              </a:ext>
+            </a:extLst>
+          </p:cNvPr>
+          <p:cNvPicPr>
+            <a:picLocks noChangeAspect="1"/>
+          </p:cNvPicPr>
+          <p:nvPr/>
+        </p:nvPicPr>
+        <p:blipFill rotWithShape="1">
+          <a:blip r:embed="rId2">
+            <a:extLst>
+              <a:ext uri="{28A0092B-C50C-407E-A947-70E740481C1C}">
+                <a14:useLocalDpi xmlns:a14="http://schemas.microsoft.com/office/drawing/2010/main" val="0"/>
+              </a:ext>
+            </a:extLst>
+          </a:blip>
+          <a:srcRect l="2957" r="6182" b="-1"/>
+          <a:stretch/>
+        </p:blipFill>
+        <p:spPr>
+          <a:xfrm>
+            <a:off x="5124450" y="634382"/>
+            <a:ext cx="6657213" cy="5495162"/>
+          </a:xfrm>
+          <a:prstGeom prst="rect">
+            <a:avLst/>
+          </a:prstGeom>
+        </p:spPr>
+      </p:pic>
+      <p:pic>
+        <p:nvPicPr>
+          <p:cNvPr id="9" name="Imagem 8">
+            <a:extLst>
+              <a:ext uri="{FF2B5EF4-FFF2-40B4-BE49-F238E27FC236}">
+                <a16:creationId xmlns:a16="http://schemas.microsoft.com/office/drawing/2014/main" id="{F745EBB1-8D29-4430-8E72-390A36EEA934}"/>
+              </a:ext>
+            </a:extLst>
+          </p:cNvPr>
+          <p:cNvPicPr>
+            <a:picLocks noChangeAspect="1"/>
+          </p:cNvPicPr>
+          <p:nvPr/>
+        </p:nvPicPr>
+        <p:blipFill>
+          <a:blip r:embed="rId3"/>
+          <a:stretch>
+            <a:fillRect/>
+          </a:stretch>
+        </p:blipFill>
+        <p:spPr>
+          <a:xfrm>
+            <a:off x="53894" y="35169"/>
+            <a:ext cx="1035488" cy="1035488"/>
+          </a:xfrm>
+          <a:prstGeom prst="rect">
+            <a:avLst/>
+          </a:prstGeom>
+        </p:spPr>
+      </p:pic>
+    </p:spTree>
+    <p:extLst>
+      <p:ext uri="{BB962C8B-B14F-4D97-AF65-F5344CB8AC3E}">
+        <p14:creationId xmlns:p14="http://schemas.microsoft.com/office/powerpoint/2010/main" val="4091551892"/>
+      </p:ext>
+    </p:extLst>
+  </p:cSld>
+  <p:clrMapOvr>
+    <a:masterClrMapping/>
+  </p:clrMapOvr>
+</p:sld>
+</file>
+
+<file path=ppt/slides/slide7.xml><?xml version="1.0" encoding="utf-8"?>
+<p:sld xmlns:a="http://schemas.openxmlformats.org/drawingml/2006/main" xmlns:r="http://schemas.openxmlformats.org/officeDocument/2006/relationships" xmlns:p="http://schemas.openxmlformats.org/presentationml/2006/main">
+  <p:cSld>
+    <p:bg>
+      <p:bgPr>
+        <a:solidFill>
+          <a:schemeClr val="bg1"/>
+        </a:solidFill>
+        <a:effectLst/>
+      </p:bgPr>
+    </p:bg>
+    <p:spTree>
+      <p:nvGrpSpPr>
+        <p:cNvPr id="1" name=""/>
+        <p:cNvGrpSpPr/>
+        <p:nvPr/>
+      </p:nvGrpSpPr>
+      <p:grpSpPr>
+        <a:xfrm>
+          <a:off x="0" y="0"/>
+          <a:ext cx="0" cy="0"/>
+          <a:chOff x="0" y="0"/>
+          <a:chExt cx="0" cy="0"/>
+        </a:xfrm>
+      </p:grpSpPr>
       <p:sp>
         <p:nvSpPr>
           <p:cNvPr id="50" name="Rectangle 49">
@@ -8765,7 +8651,7 @@
 </p:sld>
 </file>
 
-<file path=ppt/slides/slide6.xml><?xml version="1.0" encoding="utf-8"?>
+<file path=ppt/slides/slide8.xml><?xml version="1.0" encoding="utf-8"?>
 <p:sld xmlns:a="http://schemas.openxmlformats.org/drawingml/2006/main" xmlns:r="http://schemas.openxmlformats.org/officeDocument/2006/relationships" xmlns:p="http://schemas.openxmlformats.org/presentationml/2006/main">
   <p:cSld>
     <p:bg>
@@ -9065,389 +8951,6 @@
 </p:sld>
 </file>
 
-<file path=ppt/slides/slide7.xml><?xml version="1.0" encoding="utf-8"?>
-<p:sld xmlns:a="http://schemas.openxmlformats.org/drawingml/2006/main" xmlns:r="http://schemas.openxmlformats.org/officeDocument/2006/relationships" xmlns:p="http://schemas.openxmlformats.org/presentationml/2006/main">
-  <p:cSld>
-    <p:spTree>
-      <p:nvGrpSpPr>
-        <p:cNvPr id="1" name=""/>
-        <p:cNvGrpSpPr/>
-        <p:nvPr/>
-      </p:nvGrpSpPr>
-      <p:grpSpPr>
-        <a:xfrm>
-          <a:off x="0" y="0"/>
-          <a:ext cx="0" cy="0"/>
-          <a:chOff x="0" y="0"/>
-          <a:chExt cx="0" cy="0"/>
-        </a:xfrm>
-      </p:grpSpPr>
-      <p:pic>
-        <p:nvPicPr>
-          <p:cNvPr id="2" name="Imagem 1">
-            <a:extLst>
-              <a:ext uri="{FF2B5EF4-FFF2-40B4-BE49-F238E27FC236}">
-                <a16:creationId xmlns:a16="http://schemas.microsoft.com/office/drawing/2014/main" id="{17CC1BD6-D813-4835-AF95-799787762A17}"/>
-              </a:ext>
-            </a:extLst>
-          </p:cNvPr>
-          <p:cNvPicPr>
-            <a:picLocks noChangeAspect="1"/>
-          </p:cNvPicPr>
-          <p:nvPr/>
-        </p:nvPicPr>
-        <p:blipFill>
-          <a:blip r:embed="rId2"/>
-          <a:stretch>
-            <a:fillRect/>
-          </a:stretch>
-        </p:blipFill>
-        <p:spPr>
-          <a:xfrm>
-            <a:off x="642176" y="1778916"/>
-            <a:ext cx="3548824" cy="4177473"/>
-          </a:xfrm>
-          <a:prstGeom prst="rect">
-            <a:avLst/>
-          </a:prstGeom>
-        </p:spPr>
-      </p:pic>
-      <p:pic>
-        <p:nvPicPr>
-          <p:cNvPr id="3" name="Imagem 2">
-            <a:extLst>
-              <a:ext uri="{FF2B5EF4-FFF2-40B4-BE49-F238E27FC236}">
-                <a16:creationId xmlns:a16="http://schemas.microsoft.com/office/drawing/2014/main" id="{0890E4AA-4730-4DD6-BECF-0678E65A1179}"/>
-              </a:ext>
-            </a:extLst>
-          </p:cNvPr>
-          <p:cNvPicPr>
-            <a:picLocks noChangeAspect="1"/>
-          </p:cNvPicPr>
-          <p:nvPr/>
-        </p:nvPicPr>
-        <p:blipFill>
-          <a:blip r:embed="rId3"/>
-          <a:stretch>
-            <a:fillRect/>
-          </a:stretch>
-        </p:blipFill>
-        <p:spPr>
-          <a:xfrm>
-            <a:off x="6771191" y="1778916"/>
-            <a:ext cx="3548824" cy="4444321"/>
-          </a:xfrm>
-          <a:prstGeom prst="rect">
-            <a:avLst/>
-          </a:prstGeom>
-        </p:spPr>
-      </p:pic>
-      <p:sp>
-        <p:nvSpPr>
-          <p:cNvPr id="6" name="CaixaDeTexto 5">
-            <a:extLst>
-              <a:ext uri="{FF2B5EF4-FFF2-40B4-BE49-F238E27FC236}">
-                <a16:creationId xmlns:a16="http://schemas.microsoft.com/office/drawing/2014/main" id="{A06F92AB-409D-4B71-81F0-71D388E89025}"/>
-              </a:ext>
-            </a:extLst>
-          </p:cNvPr>
-          <p:cNvSpPr txBox="1"/>
-          <p:nvPr/>
-        </p:nvSpPr>
-        <p:spPr>
-          <a:xfrm>
-            <a:off x="642176" y="995958"/>
-            <a:ext cx="4875606" cy="338554"/>
-          </a:xfrm>
-          <a:prstGeom prst="rect">
-            <a:avLst/>
-          </a:prstGeom>
-          <a:noFill/>
-        </p:spPr>
-        <p:txBody>
-          <a:bodyPr wrap="square" rtlCol="0">
-            <a:spAutoFit/>
-          </a:bodyPr>
-          <a:lstStyle>
-            <a:defPPr>
-              <a:defRPr lang="pt-BR"/>
-            </a:defPPr>
-            <a:lvl1pPr>
-              <a:defRPr sz="1600" b="1">
-                <a:latin typeface="Arial" panose="020B0604020202020204" pitchFamily="34" charset="0"/>
-                <a:cs typeface="Arial" panose="020B0604020202020204" pitchFamily="34" charset="0"/>
-              </a:defRPr>
-            </a:lvl1pPr>
-          </a:lstStyle>
-          <a:p>
-            <a:r>
-              <a:rPr lang="pt-BR" dirty="0"/>
-              <a:t>Criação do banco de dados e tabela tbClientes:</a:t>
-            </a:r>
-          </a:p>
-        </p:txBody>
-      </p:sp>
-      <p:sp>
-        <p:nvSpPr>
-          <p:cNvPr id="7" name="CaixaDeTexto 6">
-            <a:extLst>
-              <a:ext uri="{FF2B5EF4-FFF2-40B4-BE49-F238E27FC236}">
-                <a16:creationId xmlns:a16="http://schemas.microsoft.com/office/drawing/2014/main" id="{15DF4520-F06C-4C7B-89CE-71C48BC2EA7B}"/>
-              </a:ext>
-            </a:extLst>
-          </p:cNvPr>
-          <p:cNvSpPr txBox="1"/>
-          <p:nvPr/>
-        </p:nvSpPr>
-        <p:spPr>
-          <a:xfrm>
-            <a:off x="6674219" y="995958"/>
-            <a:ext cx="4579620" cy="338554"/>
-          </a:xfrm>
-          <a:prstGeom prst="rect">
-            <a:avLst/>
-          </a:prstGeom>
-          <a:noFill/>
-        </p:spPr>
-        <p:txBody>
-          <a:bodyPr wrap="square" rtlCol="0">
-            <a:spAutoFit/>
-          </a:bodyPr>
-          <a:lstStyle/>
-          <a:p>
-            <a:r>
-              <a:rPr lang="pt-BR" sz="1600" b="1" dirty="0">
-                <a:latin typeface="Arial" panose="020B0604020202020204" pitchFamily="34" charset="0"/>
-                <a:cs typeface="Arial" panose="020B0604020202020204" pitchFamily="34" charset="0"/>
-              </a:rPr>
-              <a:t>Criação das tabelas tbRua e tbSensores:</a:t>
-            </a:r>
-          </a:p>
-        </p:txBody>
-      </p:sp>
-    </p:spTree>
-    <p:extLst>
-      <p:ext uri="{BB962C8B-B14F-4D97-AF65-F5344CB8AC3E}">
-        <p14:creationId xmlns:p14="http://schemas.microsoft.com/office/powerpoint/2010/main" val="1605510380"/>
-      </p:ext>
-    </p:extLst>
-  </p:cSld>
-  <p:clrMapOvr>
-    <a:masterClrMapping/>
-  </p:clrMapOvr>
-</p:sld>
-</file>
-
-<file path=ppt/slides/slide8.xml><?xml version="1.0" encoding="utf-8"?>
-<p:sld xmlns:a="http://schemas.openxmlformats.org/drawingml/2006/main" xmlns:r="http://schemas.openxmlformats.org/officeDocument/2006/relationships" xmlns:p="http://schemas.openxmlformats.org/presentationml/2006/main">
-  <p:cSld>
-    <p:spTree>
-      <p:nvGrpSpPr>
-        <p:cNvPr id="1" name=""/>
-        <p:cNvGrpSpPr/>
-        <p:nvPr/>
-      </p:nvGrpSpPr>
-      <p:grpSpPr>
-        <a:xfrm>
-          <a:off x="0" y="0"/>
-          <a:ext cx="0" cy="0"/>
-          <a:chOff x="0" y="0"/>
-          <a:chExt cx="0" cy="0"/>
-        </a:xfrm>
-      </p:grpSpPr>
-      <p:pic>
-        <p:nvPicPr>
-          <p:cNvPr id="2" name="Imagem 1">
-            <a:extLst>
-              <a:ext uri="{FF2B5EF4-FFF2-40B4-BE49-F238E27FC236}">
-                <a16:creationId xmlns:a16="http://schemas.microsoft.com/office/drawing/2014/main" id="{C19F7BEF-21A4-4EBE-ADD4-B61FF1C86AE9}"/>
-              </a:ext>
-            </a:extLst>
-          </p:cNvPr>
-          <p:cNvPicPr>
-            <a:picLocks noChangeAspect="1"/>
-          </p:cNvPicPr>
-          <p:nvPr/>
-        </p:nvPicPr>
-        <p:blipFill>
-          <a:blip r:embed="rId2"/>
-          <a:stretch>
-            <a:fillRect/>
-          </a:stretch>
-        </p:blipFill>
-        <p:spPr>
-          <a:xfrm>
-            <a:off x="398336" y="865966"/>
-            <a:ext cx="8085521" cy="1577477"/>
-          </a:xfrm>
-          <a:prstGeom prst="rect">
-            <a:avLst/>
-          </a:prstGeom>
-        </p:spPr>
-      </p:pic>
-      <p:pic>
-        <p:nvPicPr>
-          <p:cNvPr id="3" name="Imagem 2">
-            <a:extLst>
-              <a:ext uri="{FF2B5EF4-FFF2-40B4-BE49-F238E27FC236}">
-                <a16:creationId xmlns:a16="http://schemas.microsoft.com/office/drawing/2014/main" id="{58C1A49D-2DB9-43C7-B0F5-F68E4A3D03E8}"/>
-              </a:ext>
-            </a:extLst>
-          </p:cNvPr>
-          <p:cNvPicPr>
-            <a:picLocks noChangeAspect="1"/>
-          </p:cNvPicPr>
-          <p:nvPr/>
-        </p:nvPicPr>
-        <p:blipFill>
-          <a:blip r:embed="rId3"/>
-          <a:stretch>
-            <a:fillRect/>
-          </a:stretch>
-        </p:blipFill>
-        <p:spPr>
-          <a:xfrm>
-            <a:off x="8446279" y="946508"/>
-            <a:ext cx="3482642" cy="1341236"/>
-          </a:xfrm>
-          <a:prstGeom prst="rect">
-            <a:avLst/>
-          </a:prstGeom>
-        </p:spPr>
-      </p:pic>
-      <p:pic>
-        <p:nvPicPr>
-          <p:cNvPr id="4" name="Imagem 3">
-            <a:extLst>
-              <a:ext uri="{FF2B5EF4-FFF2-40B4-BE49-F238E27FC236}">
-                <a16:creationId xmlns:a16="http://schemas.microsoft.com/office/drawing/2014/main" id="{C7C04DB2-C0B7-468D-85EC-B66F2571B0F7}"/>
-              </a:ext>
-            </a:extLst>
-          </p:cNvPr>
-          <p:cNvPicPr>
-            <a:picLocks noChangeAspect="1"/>
-          </p:cNvPicPr>
-          <p:nvPr/>
-        </p:nvPicPr>
-        <p:blipFill>
-          <a:blip r:embed="rId4"/>
-          <a:stretch>
-            <a:fillRect/>
-          </a:stretch>
-        </p:blipFill>
-        <p:spPr>
-          <a:xfrm>
-            <a:off x="3810592" y="3103126"/>
-            <a:ext cx="4673265" cy="3715985"/>
-          </a:xfrm>
-          <a:prstGeom prst="rect">
-            <a:avLst/>
-          </a:prstGeom>
-        </p:spPr>
-      </p:pic>
-      <p:sp>
-        <p:nvSpPr>
-          <p:cNvPr id="5" name="CaixaDeTexto 4">
-            <a:extLst>
-              <a:ext uri="{FF2B5EF4-FFF2-40B4-BE49-F238E27FC236}">
-                <a16:creationId xmlns:a16="http://schemas.microsoft.com/office/drawing/2014/main" id="{D05F348A-5DC1-4D17-AC3B-97B6FC677767}"/>
-              </a:ext>
-            </a:extLst>
-          </p:cNvPr>
-          <p:cNvSpPr txBox="1"/>
-          <p:nvPr/>
-        </p:nvSpPr>
-        <p:spPr>
-          <a:xfrm>
-            <a:off x="4091940" y="184666"/>
-            <a:ext cx="4008120" cy="369332"/>
-          </a:xfrm>
-          <a:prstGeom prst="rect">
-            <a:avLst/>
-          </a:prstGeom>
-          <a:noFill/>
-        </p:spPr>
-        <p:txBody>
-          <a:bodyPr wrap="square" rtlCol="0">
-            <a:spAutoFit/>
-          </a:bodyPr>
-          <a:lstStyle>
-            <a:defPPr>
-              <a:defRPr lang="pt-BR"/>
-            </a:defPPr>
-            <a:lvl1pPr>
-              <a:defRPr sz="1600" b="1">
-                <a:latin typeface="Arial" panose="020B0604020202020204" pitchFamily="34" charset="0"/>
-                <a:cs typeface="Arial" panose="020B0604020202020204" pitchFamily="34" charset="0"/>
-              </a:defRPr>
-            </a:lvl1pPr>
-          </a:lstStyle>
-          <a:p>
-            <a:r>
-              <a:rPr lang="pt-BR" dirty="0"/>
-              <a:t>Inserção de dados na tabela Clientes:</a:t>
-            </a:r>
-          </a:p>
-        </p:txBody>
-      </p:sp>
-      <p:sp>
-        <p:nvSpPr>
-          <p:cNvPr id="6" name="CaixaDeTexto 5">
-            <a:extLst>
-              <a:ext uri="{FF2B5EF4-FFF2-40B4-BE49-F238E27FC236}">
-                <a16:creationId xmlns:a16="http://schemas.microsoft.com/office/drawing/2014/main" id="{897B9B6D-A61B-4497-825B-7A0E52DFBFE7}"/>
-              </a:ext>
-            </a:extLst>
-          </p:cNvPr>
-          <p:cNvSpPr txBox="1"/>
-          <p:nvPr/>
-        </p:nvSpPr>
-        <p:spPr>
-          <a:xfrm>
-            <a:off x="4091940" y="2588618"/>
-            <a:ext cx="4008120" cy="369332"/>
-          </a:xfrm>
-          <a:prstGeom prst="rect">
-            <a:avLst/>
-          </a:prstGeom>
-          <a:noFill/>
-        </p:spPr>
-        <p:txBody>
-          <a:bodyPr wrap="square" rtlCol="0">
-            <a:spAutoFit/>
-          </a:bodyPr>
-          <a:lstStyle>
-            <a:defPPr>
-              <a:defRPr lang="pt-BR"/>
-            </a:defPPr>
-            <a:lvl1pPr>
-              <a:defRPr sz="1600" b="1">
-                <a:latin typeface="Arial" panose="020B0604020202020204" pitchFamily="34" charset="0"/>
-                <a:cs typeface="Arial" panose="020B0604020202020204" pitchFamily="34" charset="0"/>
-              </a:defRPr>
-            </a:lvl1pPr>
-          </a:lstStyle>
-          <a:p>
-            <a:r>
-              <a:rPr lang="pt-BR" dirty="0"/>
-              <a:t>Inserção de dados na tabela Clientes:</a:t>
-            </a:r>
-          </a:p>
-        </p:txBody>
-      </p:sp>
-    </p:spTree>
-    <p:extLst>
-      <p:ext uri="{BB962C8B-B14F-4D97-AF65-F5344CB8AC3E}">
-        <p14:creationId xmlns:p14="http://schemas.microsoft.com/office/powerpoint/2010/main" val="2411807073"/>
-      </p:ext>
-    </p:extLst>
-  </p:cSld>
-  <p:clrMapOvr>
-    <a:masterClrMapping/>
-  </p:clrMapOvr>
-</p:sld>
-</file>
-
 <file path=ppt/slides/slide9.xml><?xml version="1.0" encoding="utf-8"?>
 <p:sld xmlns:a="http://schemas.openxmlformats.org/drawingml/2006/main" xmlns:r="http://schemas.openxmlformats.org/officeDocument/2006/relationships" xmlns:p="http://schemas.openxmlformats.org/presentationml/2006/main">
   <p:cSld>
@@ -9465,12 +8968,734 @@
           <a:chExt cx="0" cy="0"/>
         </a:xfrm>
       </p:grpSpPr>
+      <p:sp>
+        <p:nvSpPr>
+          <p:cNvPr id="2" name="Título 1">
+            <a:extLst>
+              <a:ext uri="{FF2B5EF4-FFF2-40B4-BE49-F238E27FC236}">
+                <a16:creationId xmlns:a16="http://schemas.microsoft.com/office/drawing/2014/main" id="{81717266-6AEC-4E54-ABDD-4B3A2718C4F3}"/>
+              </a:ext>
+            </a:extLst>
+          </p:cNvPr>
+          <p:cNvSpPr>
+            <a:spLocks noGrp="1"/>
+          </p:cNvSpPr>
+          <p:nvPr>
+            <p:ph type="title"/>
+          </p:nvPr>
+        </p:nvSpPr>
+        <p:spPr>
+          <a:xfrm>
+            <a:off x="830896" y="18255"/>
+            <a:ext cx="10515600" cy="1325563"/>
+          </a:xfrm>
+        </p:spPr>
+        <p:txBody>
+          <a:bodyPr>
+            <a:normAutofit/>
+          </a:bodyPr>
+          <a:lstStyle/>
+          <a:p>
+            <a:pPr algn="ctr"/>
+            <a:r>
+              <a:rPr lang="pt-BR" sz="3700" dirty="0">
+                <a:latin typeface="Arial" panose="020B0604020202020204" pitchFamily="34" charset="0"/>
+                <a:cs typeface="Arial" panose="020B0604020202020204" pitchFamily="34" charset="0"/>
+              </a:rPr>
+              <a:t>Onde os dados são armazenados?</a:t>
+            </a:r>
+          </a:p>
+        </p:txBody>
+      </p:sp>
+      <p:sp>
+        <p:nvSpPr>
+          <p:cNvPr id="3" name="Espaço Reservado para Conteúdo 2">
+            <a:extLst>
+              <a:ext uri="{FF2B5EF4-FFF2-40B4-BE49-F238E27FC236}">
+                <a16:creationId xmlns:a16="http://schemas.microsoft.com/office/drawing/2014/main" id="{E317D884-3835-4901-A2A5-B94BB67813BB}"/>
+              </a:ext>
+            </a:extLst>
+          </p:cNvPr>
+          <p:cNvSpPr>
+            <a:spLocks noGrp="1"/>
+          </p:cNvSpPr>
+          <p:nvPr>
+            <p:ph idx="1"/>
+          </p:nvPr>
+        </p:nvSpPr>
+        <p:spPr/>
+        <p:txBody>
+          <a:bodyPr>
+            <a:normAutofit/>
+          </a:bodyPr>
+          <a:lstStyle/>
+          <a:p>
+            <a:r>
+              <a:rPr lang="pt-BR" sz="2000">
+                <a:latin typeface="Arial" panose="020B0604020202020204" pitchFamily="34" charset="0"/>
+                <a:cs typeface="Arial" panose="020B0604020202020204" pitchFamily="34" charset="0"/>
+              </a:rPr>
+              <a:t>Os dados serão armazenados em nosso banco de dados, todas as informações pedidas para o cadastro serão armazenadas e os sensores atribuídos a seus respectivos clientes</a:t>
+            </a:r>
+            <a:endParaRPr lang="pt-BR" sz="2000" dirty="0">
+              <a:latin typeface="Arial" panose="020B0604020202020204" pitchFamily="34" charset="0"/>
+              <a:cs typeface="Arial" panose="020B0604020202020204" pitchFamily="34" charset="0"/>
+            </a:endParaRPr>
+          </a:p>
+        </p:txBody>
+      </p:sp>
       <p:pic>
         <p:nvPicPr>
-          <p:cNvPr id="2" name="Imagem 1">
-            <a:extLst>
-              <a:ext uri="{FF2B5EF4-FFF2-40B4-BE49-F238E27FC236}">
-                <a16:creationId xmlns:a16="http://schemas.microsoft.com/office/drawing/2014/main" id="{46447FED-6765-4E73-AE34-F23C7D378E29}"/>
+          <p:cNvPr id="4" name="Picture 2" descr="Waste Water Treatment Leakage Broke Svg Png Icon Free Download (#569149) -  OnlineWebFonts.COM">
+            <a:extLst>
+              <a:ext uri="{FF2B5EF4-FFF2-40B4-BE49-F238E27FC236}">
+                <a16:creationId xmlns:a16="http://schemas.microsoft.com/office/drawing/2014/main" id="{A9027475-A512-4FFC-B95F-6730DF59B3DE}"/>
+              </a:ext>
+            </a:extLst>
+          </p:cNvPr>
+          <p:cNvPicPr>
+            <a:picLocks noChangeAspect="1" noChangeArrowheads="1"/>
+          </p:cNvPicPr>
+          <p:nvPr/>
+        </p:nvPicPr>
+        <p:blipFill rotWithShape="1">
+          <a:blip r:embed="rId2">
+            <a:alphaModFix/>
+            <a:extLst>
+              <a:ext uri="{28A0092B-C50C-407E-A947-70E740481C1C}">
+                <a14:useLocalDpi xmlns:a14="http://schemas.microsoft.com/office/drawing/2010/main" val="0"/>
+              </a:ext>
+            </a:extLst>
+          </a:blip>
+          <a:srcRect r="548"/>
+          <a:stretch/>
+        </p:blipFill>
+        <p:spPr bwMode="auto">
+          <a:xfrm>
+            <a:off x="314372" y="4851908"/>
+            <a:ext cx="1870411" cy="2006092"/>
+          </a:xfrm>
+          <a:prstGeom prst="rect">
+            <a:avLst/>
+          </a:prstGeom>
+          <a:noFill/>
+          <a:extLst>
+            <a:ext uri="{909E8E84-426E-40DD-AFC4-6F175D3DCCD1}">
+              <a14:hiddenFill xmlns:a14="http://schemas.microsoft.com/office/drawing/2010/main">
+                <a:solidFill>
+                  <a:srgbClr val="FFFFFF"/>
+                </a:solidFill>
+              </a14:hiddenFill>
+            </a:ext>
+          </a:extLst>
+        </p:spPr>
+      </p:pic>
+      <p:pic>
+        <p:nvPicPr>
+          <p:cNvPr id="5" name="Picture 6" descr="temperature and humidity sensor">
+            <a:extLst>
+              <a:ext uri="{FF2B5EF4-FFF2-40B4-BE49-F238E27FC236}">
+                <a16:creationId xmlns:a16="http://schemas.microsoft.com/office/drawing/2014/main" id="{B285B2BE-0AF8-4A57-823E-D0EFFB44C254}"/>
+              </a:ext>
+            </a:extLst>
+          </p:cNvPr>
+          <p:cNvPicPr>
+            <a:picLocks noChangeAspect="1" noChangeArrowheads="1"/>
+          </p:cNvPicPr>
+          <p:nvPr/>
+        </p:nvPicPr>
+        <p:blipFill>
+          <a:blip r:embed="rId3">
+            <a:extLst>
+              <a:ext uri="{28A0092B-C50C-407E-A947-70E740481C1C}">
+                <a14:useLocalDpi xmlns:a14="http://schemas.microsoft.com/office/drawing/2010/main" val="0"/>
+              </a:ext>
+            </a:extLst>
+          </a:blip>
+          <a:srcRect/>
+          <a:stretch>
+            <a:fillRect/>
+          </a:stretch>
+        </p:blipFill>
+        <p:spPr bwMode="auto">
+          <a:xfrm rot="18635752">
+            <a:off x="1092002" y="6225041"/>
+            <a:ext cx="315149" cy="315149"/>
+          </a:xfrm>
+          <a:prstGeom prst="rect">
+            <a:avLst/>
+          </a:prstGeom>
+          <a:noFill/>
+          <a:extLst>
+            <a:ext uri="{909E8E84-426E-40DD-AFC4-6F175D3DCCD1}">
+              <a14:hiddenFill xmlns:a14="http://schemas.microsoft.com/office/drawing/2010/main">
+                <a:solidFill>
+                  <a:srgbClr val="FFFFFF"/>
+                </a:solidFill>
+              </a14:hiddenFill>
+            </a:ext>
+          </a:extLst>
+        </p:spPr>
+      </p:pic>
+      <p:pic>
+        <p:nvPicPr>
+          <p:cNvPr id="6" name="Picture 8" descr="Alert Alt Svg Png Icon Free Download (#565392) - OnlineWebFonts.COM">
+            <a:extLst>
+              <a:ext uri="{FF2B5EF4-FFF2-40B4-BE49-F238E27FC236}">
+                <a16:creationId xmlns:a16="http://schemas.microsoft.com/office/drawing/2014/main" id="{2E7665F3-0BAE-4C54-AF17-EF1B6CAB0B8F}"/>
+              </a:ext>
+            </a:extLst>
+          </p:cNvPr>
+          <p:cNvPicPr>
+            <a:picLocks noChangeAspect="1" noChangeArrowheads="1"/>
+          </p:cNvPicPr>
+          <p:nvPr/>
+        </p:nvPicPr>
+        <p:blipFill rotWithShape="1">
+          <a:blip r:embed="rId4">
+            <a:duotone>
+              <a:schemeClr val="accent2">
+                <a:shade val="45000"/>
+                <a:satMod val="135000"/>
+              </a:schemeClr>
+              <a:prstClr val="white"/>
+            </a:duotone>
+            <a:alphaModFix/>
+            <a:extLst>
+              <a:ext uri="{BEBA8EAE-BF5A-486C-A8C5-ECC9F3942E4B}">
+                <a14:imgProps xmlns:a14="http://schemas.microsoft.com/office/drawing/2010/main">
+                  <a14:imgLayer r:embed="rId5">
+                    <a14:imgEffect>
+                      <a14:colorTemperature colorTemp="6360"/>
+                    </a14:imgEffect>
+                    <a14:imgEffect>
+                      <a14:saturation sat="191000"/>
+                    </a14:imgEffect>
+                  </a14:imgLayer>
+                </a14:imgProps>
+              </a:ext>
+              <a:ext uri="{28A0092B-C50C-407E-A947-70E740481C1C}">
+                <a14:useLocalDpi xmlns:a14="http://schemas.microsoft.com/office/drawing/2010/main" val="0"/>
+              </a:ext>
+            </a:extLst>
+          </a:blip>
+          <a:srcRect b="72111"/>
+          <a:stretch/>
+        </p:blipFill>
+        <p:spPr bwMode="auto">
+          <a:xfrm rot="13158707">
+            <a:off x="841771" y="6471416"/>
+            <a:ext cx="491158" cy="209764"/>
+          </a:xfrm>
+          <a:prstGeom prst="rect">
+            <a:avLst/>
+          </a:prstGeom>
+          <a:noFill/>
+          <a:ln>
+            <a:noFill/>
+          </a:ln>
+        </p:spPr>
+      </p:pic>
+      <p:pic>
+        <p:nvPicPr>
+          <p:cNvPr id="1026" name="Picture 2" descr="poste elétrico - ícones de eletrônicos grátis">
+            <a:extLst>
+              <a:ext uri="{FF2B5EF4-FFF2-40B4-BE49-F238E27FC236}">
+                <a16:creationId xmlns:a16="http://schemas.microsoft.com/office/drawing/2014/main" id="{49B43E45-D4D5-48F4-8B57-4A932C3C7CD5}"/>
+              </a:ext>
+            </a:extLst>
+          </p:cNvPr>
+          <p:cNvPicPr>
+            <a:picLocks noChangeAspect="1" noChangeArrowheads="1"/>
+          </p:cNvPicPr>
+          <p:nvPr/>
+        </p:nvPicPr>
+        <p:blipFill>
+          <a:blip r:embed="rId6">
+            <a:extLst>
+              <a:ext uri="{28A0092B-C50C-407E-A947-70E740481C1C}">
+                <a14:useLocalDpi xmlns:a14="http://schemas.microsoft.com/office/drawing/2010/main" val="0"/>
+              </a:ext>
+            </a:extLst>
+          </a:blip>
+          <a:srcRect/>
+          <a:stretch>
+            <a:fillRect/>
+          </a:stretch>
+        </p:blipFill>
+        <p:spPr bwMode="auto">
+          <a:xfrm>
+            <a:off x="2708610" y="3143029"/>
+            <a:ext cx="1708879" cy="1708879"/>
+          </a:xfrm>
+          <a:prstGeom prst="rect">
+            <a:avLst/>
+          </a:prstGeom>
+          <a:noFill/>
+          <a:extLst>
+            <a:ext uri="{909E8E84-426E-40DD-AFC4-6F175D3DCCD1}">
+              <a14:hiddenFill xmlns:a14="http://schemas.microsoft.com/office/drawing/2010/main">
+                <a:solidFill>
+                  <a:srgbClr val="FFFFFF"/>
+                </a:solidFill>
+              </a14:hiddenFill>
+            </a:ext>
+          </a:extLst>
+        </p:spPr>
+      </p:pic>
+      <p:pic>
+        <p:nvPicPr>
+          <p:cNvPr id="1030" name="Picture 6" descr="Roteador Wi-Fi Ícone - Download Grátis, PNG e Vetores">
+            <a:extLst>
+              <a:ext uri="{FF2B5EF4-FFF2-40B4-BE49-F238E27FC236}">
+                <a16:creationId xmlns:a16="http://schemas.microsoft.com/office/drawing/2014/main" id="{7A8BDA75-8082-4131-8F58-CCE859769CBD}"/>
+              </a:ext>
+            </a:extLst>
+          </p:cNvPr>
+          <p:cNvPicPr>
+            <a:picLocks noChangeAspect="1" noChangeArrowheads="1"/>
+          </p:cNvPicPr>
+          <p:nvPr/>
+        </p:nvPicPr>
+        <p:blipFill rotWithShape="1">
+          <a:blip r:embed="rId7">
+            <a:extLst>
+              <a:ext uri="{28A0092B-C50C-407E-A947-70E740481C1C}">
+                <a14:useLocalDpi xmlns:a14="http://schemas.microsoft.com/office/drawing/2010/main" val="0"/>
+              </a:ext>
+            </a:extLst>
+          </a:blip>
+          <a:srcRect r="5484" b="5242"/>
+          <a:stretch/>
+        </p:blipFill>
+        <p:spPr bwMode="auto">
+          <a:xfrm>
+            <a:off x="2708612" y="2809952"/>
+            <a:ext cx="742512" cy="744410"/>
+          </a:xfrm>
+          <a:prstGeom prst="rect">
+            <a:avLst/>
+          </a:prstGeom>
+          <a:noFill/>
+          <a:extLst>
+            <a:ext uri="{909E8E84-426E-40DD-AFC4-6F175D3DCCD1}">
+              <a14:hiddenFill xmlns:a14="http://schemas.microsoft.com/office/drawing/2010/main">
+                <a:solidFill>
+                  <a:srgbClr val="FFFFFF"/>
+                </a:solidFill>
+              </a14:hiddenFill>
+            </a:ext>
+          </a:extLst>
+        </p:spPr>
+      </p:pic>
+      <p:pic>
+        <p:nvPicPr>
+          <p:cNvPr id="1032" name="Picture 8" descr="ícone Servidor Livre de WHCompare Isometric Web Hosting &amp; Servers">
+            <a:extLst>
+              <a:ext uri="{FF2B5EF4-FFF2-40B4-BE49-F238E27FC236}">
+                <a16:creationId xmlns:a16="http://schemas.microsoft.com/office/drawing/2014/main" id="{CBDCF82D-42C4-4EB5-BDEF-78695D8EACC1}"/>
+              </a:ext>
+            </a:extLst>
+          </p:cNvPr>
+          <p:cNvPicPr>
+            <a:picLocks noChangeAspect="1" noChangeArrowheads="1"/>
+          </p:cNvPicPr>
+          <p:nvPr/>
+        </p:nvPicPr>
+        <p:blipFill>
+          <a:blip r:embed="rId8">
+            <a:extLst>
+              <a:ext uri="{28A0092B-C50C-407E-A947-70E740481C1C}">
+                <a14:useLocalDpi xmlns:a14="http://schemas.microsoft.com/office/drawing/2010/main" val="0"/>
+              </a:ext>
+            </a:extLst>
+          </a:blip>
+          <a:srcRect/>
+          <a:stretch>
+            <a:fillRect/>
+          </a:stretch>
+        </p:blipFill>
+        <p:spPr bwMode="auto">
+          <a:xfrm>
+            <a:off x="4941316" y="4759790"/>
+            <a:ext cx="2190327" cy="2190327"/>
+          </a:xfrm>
+          <a:prstGeom prst="rect">
+            <a:avLst/>
+          </a:prstGeom>
+          <a:noFill/>
+          <a:extLst>
+            <a:ext uri="{909E8E84-426E-40DD-AFC4-6F175D3DCCD1}">
+              <a14:hiddenFill xmlns:a14="http://schemas.microsoft.com/office/drawing/2010/main">
+                <a:solidFill>
+                  <a:srgbClr val="FFFFFF"/>
+                </a:solidFill>
+              </a14:hiddenFill>
+            </a:ext>
+          </a:extLst>
+        </p:spPr>
+      </p:pic>
+      <p:pic>
+        <p:nvPicPr>
+          <p:cNvPr id="1034" name="Picture 10" descr="Person using computer icon vector illustration design.">
+            <a:extLst>
+              <a:ext uri="{FF2B5EF4-FFF2-40B4-BE49-F238E27FC236}">
+                <a16:creationId xmlns:a16="http://schemas.microsoft.com/office/drawing/2014/main" id="{54807AD0-A037-46D2-9142-5A86027BD3DE}"/>
+              </a:ext>
+            </a:extLst>
+          </p:cNvPr>
+          <p:cNvPicPr>
+            <a:picLocks noChangeAspect="1" noChangeArrowheads="1"/>
+          </p:cNvPicPr>
+          <p:nvPr/>
+        </p:nvPicPr>
+        <p:blipFill rotWithShape="1">
+          <a:blip r:embed="rId9">
+            <a:extLst>
+              <a:ext uri="{28A0092B-C50C-407E-A947-70E740481C1C}">
+                <a14:useLocalDpi xmlns:a14="http://schemas.microsoft.com/office/drawing/2010/main" val="0"/>
+              </a:ext>
+            </a:extLst>
+          </a:blip>
+          <a:srcRect b="20960"/>
+          <a:stretch/>
+        </p:blipFill>
+        <p:spPr bwMode="auto">
+          <a:xfrm>
+            <a:off x="7774512" y="2947883"/>
+            <a:ext cx="1940641" cy="1661705"/>
+          </a:xfrm>
+          <a:prstGeom prst="rect">
+            <a:avLst/>
+          </a:prstGeom>
+          <a:noFill/>
+          <a:extLst>
+            <a:ext uri="{909E8E84-426E-40DD-AFC4-6F175D3DCCD1}">
+              <a14:hiddenFill xmlns:a14="http://schemas.microsoft.com/office/drawing/2010/main">
+                <a:solidFill>
+                  <a:srgbClr val="FFFFFF"/>
+                </a:solidFill>
+              </a14:hiddenFill>
+            </a:ext>
+          </a:extLst>
+        </p:spPr>
+      </p:pic>
+      <p:pic>
+        <p:nvPicPr>
+          <p:cNvPr id="1036" name="Picture 12" descr="computer, desktop, laptop, mac, monitor, pc, screen icon | Conjunto de  ícones, Conjunto de">
+            <a:extLst>
+              <a:ext uri="{FF2B5EF4-FFF2-40B4-BE49-F238E27FC236}">
+                <a16:creationId xmlns:a16="http://schemas.microsoft.com/office/drawing/2014/main" id="{207611DD-ED0F-4EF6-86BE-D157312D68E1}"/>
+              </a:ext>
+            </a:extLst>
+          </p:cNvPr>
+          <p:cNvPicPr>
+            <a:picLocks noChangeAspect="1" noChangeArrowheads="1"/>
+          </p:cNvPicPr>
+          <p:nvPr/>
+        </p:nvPicPr>
+        <p:blipFill>
+          <a:blip r:embed="rId10">
+            <a:extLst>
+              <a:ext uri="{28A0092B-C50C-407E-A947-70E740481C1C}">
+                <a14:useLocalDpi xmlns:a14="http://schemas.microsoft.com/office/drawing/2010/main" val="0"/>
+              </a:ext>
+            </a:extLst>
+          </a:blip>
+          <a:srcRect/>
+          <a:stretch>
+            <a:fillRect/>
+          </a:stretch>
+        </p:blipFill>
+        <p:spPr bwMode="auto">
+          <a:xfrm>
+            <a:off x="9560874" y="2906200"/>
+            <a:ext cx="2190327" cy="1981045"/>
+          </a:xfrm>
+          <a:prstGeom prst="rect">
+            <a:avLst/>
+          </a:prstGeom>
+          <a:noFill/>
+          <a:extLst>
+            <a:ext uri="{909E8E84-426E-40DD-AFC4-6F175D3DCCD1}">
+              <a14:hiddenFill xmlns:a14="http://schemas.microsoft.com/office/drawing/2010/main">
+                <a:solidFill>
+                  <a:srgbClr val="FFFFFF"/>
+                </a:solidFill>
+              </a14:hiddenFill>
+            </a:ext>
+          </a:extLst>
+        </p:spPr>
+      </p:pic>
+      <p:sp>
+        <p:nvSpPr>
+          <p:cNvPr id="7" name="CaixaDeTexto 6">
+            <a:extLst>
+              <a:ext uri="{FF2B5EF4-FFF2-40B4-BE49-F238E27FC236}">
+                <a16:creationId xmlns:a16="http://schemas.microsoft.com/office/drawing/2014/main" id="{C3D9AF88-2C98-4553-B0A1-E0B2F86C0658}"/>
+              </a:ext>
+            </a:extLst>
+          </p:cNvPr>
+          <p:cNvSpPr txBox="1"/>
+          <p:nvPr/>
+        </p:nvSpPr>
+        <p:spPr>
+          <a:xfrm>
+            <a:off x="9674157" y="3169442"/>
+            <a:ext cx="2077044" cy="830997"/>
+          </a:xfrm>
+          <a:prstGeom prst="rect">
+            <a:avLst/>
+          </a:prstGeom>
+          <a:noFill/>
+        </p:spPr>
+        <p:txBody>
+          <a:bodyPr wrap="square" rtlCol="0">
+            <a:spAutoFit/>
+          </a:bodyPr>
+          <a:lstStyle/>
+          <a:p>
+            <a:r>
+              <a:rPr lang="pt-BR" sz="1600" b="1" dirty="0">
+                <a:latin typeface="Arial" panose="020B0604020202020204" pitchFamily="34" charset="0"/>
+                <a:cs typeface="Arial" panose="020B0604020202020204" pitchFamily="34" charset="0"/>
+              </a:rPr>
+              <a:t>Sensor 3 detectou um possível vazamento</a:t>
+            </a:r>
+          </a:p>
+        </p:txBody>
+      </p:sp>
+      <p:sp>
+        <p:nvSpPr>
+          <p:cNvPr id="12" name="Seta: Dobrada 11">
+            <a:extLst>
+              <a:ext uri="{FF2B5EF4-FFF2-40B4-BE49-F238E27FC236}">
+                <a16:creationId xmlns:a16="http://schemas.microsoft.com/office/drawing/2014/main" id="{4366ED66-17D2-466D-B291-EE6FBF8C3D21}"/>
+              </a:ext>
+            </a:extLst>
+          </p:cNvPr>
+          <p:cNvSpPr/>
+          <p:nvPr/>
+        </p:nvSpPr>
+        <p:spPr>
+          <a:xfrm>
+            <a:off x="1012728" y="3308498"/>
+            <a:ext cx="1459034" cy="1377939"/>
+          </a:xfrm>
+          <a:prstGeom prst="bentArrow">
+            <a:avLst/>
+          </a:prstGeom>
+          <a:solidFill>
+            <a:schemeClr val="tx1"/>
+          </a:solidFill>
+          <a:ln w="28575">
+            <a:solidFill>
+              <a:schemeClr val="accent1"/>
+            </a:solidFill>
+          </a:ln>
+        </p:spPr>
+        <p:style>
+          <a:lnRef idx="2">
+            <a:schemeClr val="accent1">
+              <a:shade val="50000"/>
+            </a:schemeClr>
+          </a:lnRef>
+          <a:fillRef idx="1">
+            <a:schemeClr val="accent1"/>
+          </a:fillRef>
+          <a:effectRef idx="0">
+            <a:schemeClr val="accent1"/>
+          </a:effectRef>
+          <a:fontRef idx="minor">
+            <a:schemeClr val="lt1"/>
+          </a:fontRef>
+        </p:style>
+        <p:txBody>
+          <a:bodyPr rtlCol="0" anchor="ctr"/>
+          <a:lstStyle/>
+          <a:p>
+            <a:pPr algn="ctr"/>
+            <a:endParaRPr lang="pt-BR">
+              <a:solidFill>
+                <a:schemeClr val="tx1"/>
+              </a:solidFill>
+            </a:endParaRPr>
+          </a:p>
+        </p:txBody>
+      </p:sp>
+      <p:sp>
+        <p:nvSpPr>
+          <p:cNvPr id="27" name="Seta: Dobrada 26">
+            <a:extLst>
+              <a:ext uri="{FF2B5EF4-FFF2-40B4-BE49-F238E27FC236}">
+                <a16:creationId xmlns:a16="http://schemas.microsoft.com/office/drawing/2014/main" id="{E1B164E1-E2B1-4315-87E5-DFE21A4AE3F1}"/>
+              </a:ext>
+            </a:extLst>
+          </p:cNvPr>
+          <p:cNvSpPr/>
+          <p:nvPr/>
+        </p:nvSpPr>
+        <p:spPr>
+          <a:xfrm rot="5400000">
+            <a:off x="4933089" y="3202886"/>
+            <a:ext cx="1258227" cy="1708879"/>
+          </a:xfrm>
+          <a:prstGeom prst="bentArrow">
+            <a:avLst>
+              <a:gd name="adj1" fmla="val 25000"/>
+              <a:gd name="adj2" fmla="val 25535"/>
+              <a:gd name="adj3" fmla="val 25000"/>
+              <a:gd name="adj4" fmla="val 43750"/>
+            </a:avLst>
+          </a:prstGeom>
+          <a:solidFill>
+            <a:schemeClr val="tx1"/>
+          </a:solidFill>
+          <a:ln w="28575">
+            <a:solidFill>
+              <a:schemeClr val="accent1"/>
+            </a:solidFill>
+          </a:ln>
+        </p:spPr>
+        <p:style>
+          <a:lnRef idx="2">
+            <a:schemeClr val="accent1">
+              <a:shade val="50000"/>
+            </a:schemeClr>
+          </a:lnRef>
+          <a:fillRef idx="1">
+            <a:schemeClr val="accent1"/>
+          </a:fillRef>
+          <a:effectRef idx="0">
+            <a:schemeClr val="accent1"/>
+          </a:effectRef>
+          <a:fontRef idx="minor">
+            <a:schemeClr val="lt1"/>
+          </a:fontRef>
+        </p:style>
+        <p:txBody>
+          <a:bodyPr rtlCol="0" anchor="ctr"/>
+          <a:lstStyle/>
+          <a:p>
+            <a:pPr algn="ctr"/>
+            <a:endParaRPr lang="pt-BR">
+              <a:solidFill>
+                <a:schemeClr val="tx1"/>
+              </a:solidFill>
+            </a:endParaRPr>
+          </a:p>
+        </p:txBody>
+      </p:sp>
+      <p:sp>
+        <p:nvSpPr>
+          <p:cNvPr id="30" name="Seta: Dobrada 29">
+            <a:extLst>
+              <a:ext uri="{FF2B5EF4-FFF2-40B4-BE49-F238E27FC236}">
+                <a16:creationId xmlns:a16="http://schemas.microsoft.com/office/drawing/2014/main" id="{CDD5915B-A970-438D-BF62-32FB5A19344B}"/>
+              </a:ext>
+            </a:extLst>
+          </p:cNvPr>
+          <p:cNvSpPr/>
+          <p:nvPr/>
+        </p:nvSpPr>
+        <p:spPr>
+          <a:xfrm rot="5400000" flipH="1">
+            <a:off x="7666041" y="4223741"/>
+            <a:ext cx="1360433" cy="2429231"/>
+          </a:xfrm>
+          <a:prstGeom prst="bentArrow">
+            <a:avLst>
+              <a:gd name="adj1" fmla="val 25000"/>
+              <a:gd name="adj2" fmla="val 25535"/>
+              <a:gd name="adj3" fmla="val 25000"/>
+              <a:gd name="adj4" fmla="val 43750"/>
+            </a:avLst>
+          </a:prstGeom>
+          <a:solidFill>
+            <a:schemeClr val="tx1"/>
+          </a:solidFill>
+          <a:ln w="28575">
+            <a:solidFill>
+              <a:schemeClr val="accent1"/>
+            </a:solidFill>
+          </a:ln>
+        </p:spPr>
+        <p:style>
+          <a:lnRef idx="2">
+            <a:schemeClr val="accent1">
+              <a:shade val="50000"/>
+            </a:schemeClr>
+          </a:lnRef>
+          <a:fillRef idx="1">
+            <a:schemeClr val="accent1"/>
+          </a:fillRef>
+          <a:effectRef idx="0">
+            <a:schemeClr val="accent1"/>
+          </a:effectRef>
+          <a:fontRef idx="minor">
+            <a:schemeClr val="lt1"/>
+          </a:fontRef>
+        </p:style>
+        <p:txBody>
+          <a:bodyPr rtlCol="0" anchor="ctr"/>
+          <a:lstStyle/>
+          <a:p>
+            <a:pPr algn="ctr"/>
+            <a:endParaRPr lang="pt-BR">
+              <a:solidFill>
+                <a:schemeClr val="tx1"/>
+              </a:solidFill>
+            </a:endParaRPr>
+          </a:p>
+        </p:txBody>
+      </p:sp>
+      <p:cxnSp>
+        <p:nvCxnSpPr>
+          <p:cNvPr id="18" name="Conector reto 17">
+            <a:extLst>
+              <a:ext uri="{FF2B5EF4-FFF2-40B4-BE49-F238E27FC236}">
+                <a16:creationId xmlns:a16="http://schemas.microsoft.com/office/drawing/2014/main" id="{6105CB52-E11F-4E14-B6A3-6554486FA74A}"/>
+              </a:ext>
+            </a:extLst>
+          </p:cNvPr>
+          <p:cNvCxnSpPr/>
+          <p:nvPr/>
+        </p:nvCxnSpPr>
+        <p:spPr>
+          <a:xfrm>
+            <a:off x="314372" y="2625213"/>
+            <a:ext cx="11436829" cy="0"/>
+          </a:xfrm>
+          <a:prstGeom prst="line">
+            <a:avLst/>
+          </a:prstGeom>
+          <a:ln>
+            <a:solidFill>
+              <a:schemeClr val="tx1"/>
+            </a:solidFill>
+          </a:ln>
+        </p:spPr>
+        <p:style>
+          <a:lnRef idx="3">
+            <a:schemeClr val="dk1"/>
+          </a:lnRef>
+          <a:fillRef idx="0">
+            <a:schemeClr val="dk1"/>
+          </a:fillRef>
+          <a:effectRef idx="2">
+            <a:schemeClr val="dk1"/>
+          </a:effectRef>
+          <a:fontRef idx="minor">
+            <a:schemeClr val="tx1"/>
+          </a:fontRef>
+        </p:style>
+      </p:cxnSp>
+      <p:pic>
+        <p:nvPicPr>
+          <p:cNvPr id="33" name="Imagem 32">
+            <a:extLst>
+              <a:ext uri="{FF2B5EF4-FFF2-40B4-BE49-F238E27FC236}">
+                <a16:creationId xmlns:a16="http://schemas.microsoft.com/office/drawing/2014/main" id="{B7DA62BD-20DE-46B7-A3D7-DC7738701FEC}"/>
               </a:ext>
             </a:extLst>
           </p:cNvPr>
@@ -9480,250 +9705,25 @@
           <p:nvPr/>
         </p:nvPicPr>
         <p:blipFill>
-          <a:blip r:embed="rId2"/>
+          <a:blip r:embed="rId11"/>
           <a:stretch>
             <a:fillRect/>
           </a:stretch>
         </p:blipFill>
         <p:spPr>
           <a:xfrm>
-            <a:off x="0" y="969616"/>
-            <a:ext cx="10046987" cy="1626927"/>
+            <a:off x="53894" y="35169"/>
+            <a:ext cx="1035488" cy="1035488"/>
           </a:xfrm>
           <a:prstGeom prst="rect">
             <a:avLst/>
           </a:prstGeom>
         </p:spPr>
       </p:pic>
-      <p:pic>
-        <p:nvPicPr>
-          <p:cNvPr id="3" name="Imagem 2">
-            <a:extLst>
-              <a:ext uri="{FF2B5EF4-FFF2-40B4-BE49-F238E27FC236}">
-                <a16:creationId xmlns:a16="http://schemas.microsoft.com/office/drawing/2014/main" id="{349DA353-C641-4866-875D-4AAB4915DB8A}"/>
-              </a:ext>
-            </a:extLst>
-          </p:cNvPr>
-          <p:cNvPicPr>
-            <a:picLocks noChangeAspect="1"/>
-          </p:cNvPicPr>
-          <p:nvPr/>
-        </p:nvPicPr>
-        <p:blipFill>
-          <a:blip r:embed="rId3"/>
-          <a:stretch>
-            <a:fillRect/>
-          </a:stretch>
-        </p:blipFill>
-        <p:spPr>
-          <a:xfrm>
-            <a:off x="10029735" y="969616"/>
-            <a:ext cx="1036198" cy="1609675"/>
-          </a:xfrm>
-          <a:prstGeom prst="rect">
-            <a:avLst/>
-          </a:prstGeom>
-        </p:spPr>
-      </p:pic>
-      <p:pic>
-        <p:nvPicPr>
-          <p:cNvPr id="4" name="Imagem 3">
-            <a:extLst>
-              <a:ext uri="{FF2B5EF4-FFF2-40B4-BE49-F238E27FC236}">
-                <a16:creationId xmlns:a16="http://schemas.microsoft.com/office/drawing/2014/main" id="{E2D19421-69D7-4531-B451-85EF98AF7B04}"/>
-              </a:ext>
-            </a:extLst>
-          </p:cNvPr>
-          <p:cNvPicPr>
-            <a:picLocks noChangeAspect="1"/>
-          </p:cNvPicPr>
-          <p:nvPr/>
-        </p:nvPicPr>
-        <p:blipFill>
-          <a:blip r:embed="rId4"/>
-          <a:stretch>
-            <a:fillRect/>
-          </a:stretch>
-        </p:blipFill>
-        <p:spPr>
-          <a:xfrm>
-            <a:off x="457200" y="3853513"/>
-            <a:ext cx="4112506" cy="1986942"/>
-          </a:xfrm>
-          <a:prstGeom prst="rect">
-            <a:avLst/>
-          </a:prstGeom>
-        </p:spPr>
-      </p:pic>
-      <p:pic>
-        <p:nvPicPr>
-          <p:cNvPr id="5" name="Imagem 4">
-            <a:extLst>
-              <a:ext uri="{FF2B5EF4-FFF2-40B4-BE49-F238E27FC236}">
-                <a16:creationId xmlns:a16="http://schemas.microsoft.com/office/drawing/2014/main" id="{0F6E4D36-B9BA-49A8-BAB3-2E6471FF5591}"/>
-              </a:ext>
-            </a:extLst>
-          </p:cNvPr>
-          <p:cNvPicPr>
-            <a:picLocks noChangeAspect="1"/>
-          </p:cNvPicPr>
-          <p:nvPr/>
-        </p:nvPicPr>
-        <p:blipFill>
-          <a:blip r:embed="rId5"/>
-          <a:stretch>
-            <a:fillRect/>
-          </a:stretch>
-        </p:blipFill>
-        <p:spPr>
-          <a:xfrm>
-            <a:off x="6644275" y="3853513"/>
-            <a:ext cx="4942358" cy="1886887"/>
-          </a:xfrm>
-          <a:prstGeom prst="rect">
-            <a:avLst/>
-          </a:prstGeom>
-        </p:spPr>
-      </p:pic>
-      <p:sp>
-        <p:nvSpPr>
-          <p:cNvPr id="6" name="CaixaDeTexto 5">
-            <a:extLst>
-              <a:ext uri="{FF2B5EF4-FFF2-40B4-BE49-F238E27FC236}">
-                <a16:creationId xmlns:a16="http://schemas.microsoft.com/office/drawing/2014/main" id="{ABD0B5B1-7BAF-419E-9C90-8C3DC283210A}"/>
-              </a:ext>
-            </a:extLst>
-          </p:cNvPr>
-          <p:cNvSpPr txBox="1"/>
-          <p:nvPr/>
-        </p:nvSpPr>
-        <p:spPr>
-          <a:xfrm>
-            <a:off x="3441700" y="185698"/>
-            <a:ext cx="4597400" cy="369332"/>
-          </a:xfrm>
-          <a:prstGeom prst="rect">
-            <a:avLst/>
-          </a:prstGeom>
-          <a:noFill/>
-        </p:spPr>
-        <p:txBody>
-          <a:bodyPr wrap="square" rtlCol="0">
-            <a:spAutoFit/>
-          </a:bodyPr>
-          <a:lstStyle>
-            <a:defPPr>
-              <a:defRPr lang="pt-BR"/>
-            </a:defPPr>
-            <a:lvl1pPr>
-              <a:defRPr sz="1600" b="1">
-                <a:latin typeface="Arial" panose="020B0604020202020204" pitchFamily="34" charset="0"/>
-                <a:cs typeface="Arial" panose="020B0604020202020204" pitchFamily="34" charset="0"/>
-              </a:defRPr>
-            </a:lvl1pPr>
-          </a:lstStyle>
-          <a:p>
-            <a:r>
-              <a:rPr lang="pt-BR" dirty="0"/>
-              <a:t>Buscando os dados da tabela tbClientes:</a:t>
-            </a:r>
-          </a:p>
-        </p:txBody>
-      </p:sp>
-      <p:sp>
-        <p:nvSpPr>
-          <p:cNvPr id="7" name="CaixaDeTexto 6">
-            <a:extLst>
-              <a:ext uri="{FF2B5EF4-FFF2-40B4-BE49-F238E27FC236}">
-                <a16:creationId xmlns:a16="http://schemas.microsoft.com/office/drawing/2014/main" id="{2E11BFA2-0178-4AFE-8FF0-9F3D56EABE5B}"/>
-              </a:ext>
-            </a:extLst>
-          </p:cNvPr>
-          <p:cNvSpPr txBox="1"/>
-          <p:nvPr/>
-        </p:nvSpPr>
-        <p:spPr>
-          <a:xfrm>
-            <a:off x="457200" y="3244334"/>
-            <a:ext cx="4597400" cy="369332"/>
-          </a:xfrm>
-          <a:prstGeom prst="rect">
-            <a:avLst/>
-          </a:prstGeom>
-          <a:noFill/>
-        </p:spPr>
-        <p:txBody>
-          <a:bodyPr wrap="square" rtlCol="0">
-            <a:spAutoFit/>
-          </a:bodyPr>
-          <a:lstStyle>
-            <a:defPPr>
-              <a:defRPr lang="pt-BR"/>
-            </a:defPPr>
-            <a:lvl1pPr>
-              <a:defRPr sz="1600" b="1">
-                <a:latin typeface="Arial" panose="020B0604020202020204" pitchFamily="34" charset="0"/>
-                <a:cs typeface="Arial" panose="020B0604020202020204" pitchFamily="34" charset="0"/>
-              </a:defRPr>
-            </a:lvl1pPr>
-          </a:lstStyle>
-          <a:p>
-            <a:r>
-              <a:rPr lang="pt-BR" dirty="0"/>
-              <a:t>Buscando os dados da tabela tbRua:</a:t>
-            </a:r>
-          </a:p>
-        </p:txBody>
-      </p:sp>
-      <p:sp>
-        <p:nvSpPr>
-          <p:cNvPr id="8" name="CaixaDeTexto 7">
-            <a:extLst>
-              <a:ext uri="{FF2B5EF4-FFF2-40B4-BE49-F238E27FC236}">
-                <a16:creationId xmlns:a16="http://schemas.microsoft.com/office/drawing/2014/main" id="{90C7EB6A-7384-419D-8FBE-AB3D2D267A80}"/>
-              </a:ext>
-            </a:extLst>
-          </p:cNvPr>
-          <p:cNvSpPr txBox="1"/>
-          <p:nvPr/>
-        </p:nvSpPr>
-        <p:spPr>
-          <a:xfrm>
-            <a:off x="7137400" y="3244334"/>
-            <a:ext cx="4597400" cy="369332"/>
-          </a:xfrm>
-          <a:prstGeom prst="rect">
-            <a:avLst/>
-          </a:prstGeom>
-          <a:noFill/>
-        </p:spPr>
-        <p:txBody>
-          <a:bodyPr wrap="square" rtlCol="0">
-            <a:spAutoFit/>
-          </a:bodyPr>
-          <a:lstStyle>
-            <a:defPPr>
-              <a:defRPr lang="pt-BR"/>
-            </a:defPPr>
-            <a:lvl1pPr>
-              <a:defRPr sz="1600" b="1">
-                <a:latin typeface="Arial" panose="020B0604020202020204" pitchFamily="34" charset="0"/>
-                <a:cs typeface="Arial" panose="020B0604020202020204" pitchFamily="34" charset="0"/>
-              </a:defRPr>
-            </a:lvl1pPr>
-          </a:lstStyle>
-          <a:p>
-            <a:r>
-              <a:rPr lang="pt-BR" dirty="0"/>
-              <a:t>Buscando os dados da tabela tbSensores:</a:t>
-            </a:r>
-          </a:p>
-        </p:txBody>
-      </p:sp>
     </p:spTree>
     <p:extLst>
       <p:ext uri="{BB962C8B-B14F-4D97-AF65-F5344CB8AC3E}">
-        <p14:creationId xmlns:p14="http://schemas.microsoft.com/office/powerpoint/2010/main" val="1740331572"/>
+        <p14:creationId xmlns:p14="http://schemas.microsoft.com/office/powerpoint/2010/main" val="1654437090"/>
       </p:ext>
     </p:extLst>
   </p:cSld>

--- a/SUSTABIL - Apresentação didatico.pptx
+++ b/SUSTABIL - Apresentação didatico.pptx
@@ -10,14 +10,17 @@
     <p:sldId id="264" r:id="rId4"/>
     <p:sldId id="258" r:id="rId5"/>
     <p:sldId id="259" r:id="rId6"/>
-    <p:sldId id="260" r:id="rId7"/>
-    <p:sldId id="263" r:id="rId8"/>
-    <p:sldId id="268" r:id="rId9"/>
-    <p:sldId id="262" r:id="rId10"/>
-    <p:sldId id="265" r:id="rId11"/>
-    <p:sldId id="266" r:id="rId12"/>
-    <p:sldId id="267" r:id="rId13"/>
-    <p:sldId id="261" r:id="rId14"/>
+    <p:sldId id="262" r:id="rId7"/>
+    <p:sldId id="272" r:id="rId8"/>
+    <p:sldId id="260" r:id="rId9"/>
+    <p:sldId id="263" r:id="rId10"/>
+    <p:sldId id="268" r:id="rId11"/>
+    <p:sldId id="273" r:id="rId12"/>
+    <p:sldId id="265" r:id="rId13"/>
+    <p:sldId id="266" r:id="rId14"/>
+    <p:sldId id="267" r:id="rId15"/>
+    <p:sldId id="261" r:id="rId16"/>
+    <p:sldId id="271" r:id="rId17"/>
   </p:sldIdLst>
   <p:sldSz cx="12192000" cy="6858000"/>
   <p:notesSz cx="6858000" cy="9144000"/>
@@ -297,7 +300,7 @@
           <a:p>
             <a:fld id="{5D8AFB0F-FD72-4B7A-9B91-BDD5A838F994}" type="datetimeFigureOut">
               <a:rPr lang="pt-BR" smtClean="0"/>
-              <a:t>21/09/20</a:t>
+              <a:t>22/09/20</a:t>
             </a:fld>
             <a:endParaRPr lang="pt-BR"/>
           </a:p>
@@ -495,7 +498,7 @@
           <a:p>
             <a:fld id="{5D8AFB0F-FD72-4B7A-9B91-BDD5A838F994}" type="datetimeFigureOut">
               <a:rPr lang="pt-BR" smtClean="0"/>
-              <a:t>21/09/20</a:t>
+              <a:t>22/09/20</a:t>
             </a:fld>
             <a:endParaRPr lang="pt-BR"/>
           </a:p>
@@ -703,7 +706,7 @@
           <a:p>
             <a:fld id="{5D8AFB0F-FD72-4B7A-9B91-BDD5A838F994}" type="datetimeFigureOut">
               <a:rPr lang="pt-BR" smtClean="0"/>
-              <a:t>21/09/20</a:t>
+              <a:t>22/09/20</a:t>
             </a:fld>
             <a:endParaRPr lang="pt-BR"/>
           </a:p>
@@ -901,7 +904,7 @@
           <a:p>
             <a:fld id="{5D8AFB0F-FD72-4B7A-9B91-BDD5A838F994}" type="datetimeFigureOut">
               <a:rPr lang="pt-BR" smtClean="0"/>
-              <a:t>21/09/20</a:t>
+              <a:t>22/09/20</a:t>
             </a:fld>
             <a:endParaRPr lang="pt-BR"/>
           </a:p>
@@ -1176,7 +1179,7 @@
           <a:p>
             <a:fld id="{5D8AFB0F-FD72-4B7A-9B91-BDD5A838F994}" type="datetimeFigureOut">
               <a:rPr lang="pt-BR" smtClean="0"/>
-              <a:t>21/09/20</a:t>
+              <a:t>22/09/20</a:t>
             </a:fld>
             <a:endParaRPr lang="pt-BR"/>
           </a:p>
@@ -1441,7 +1444,7 @@
           <a:p>
             <a:fld id="{5D8AFB0F-FD72-4B7A-9B91-BDD5A838F994}" type="datetimeFigureOut">
               <a:rPr lang="pt-BR" smtClean="0"/>
-              <a:t>21/09/20</a:t>
+              <a:t>22/09/20</a:t>
             </a:fld>
             <a:endParaRPr lang="pt-BR"/>
           </a:p>
@@ -1853,7 +1856,7 @@
           <a:p>
             <a:fld id="{5D8AFB0F-FD72-4B7A-9B91-BDD5A838F994}" type="datetimeFigureOut">
               <a:rPr lang="pt-BR" smtClean="0"/>
-              <a:t>21/09/20</a:t>
+              <a:t>22/09/20</a:t>
             </a:fld>
             <a:endParaRPr lang="pt-BR"/>
           </a:p>
@@ -1994,7 +1997,7 @@
           <a:p>
             <a:fld id="{5D8AFB0F-FD72-4B7A-9B91-BDD5A838F994}" type="datetimeFigureOut">
               <a:rPr lang="pt-BR" smtClean="0"/>
-              <a:t>21/09/20</a:t>
+              <a:t>22/09/20</a:t>
             </a:fld>
             <a:endParaRPr lang="pt-BR"/>
           </a:p>
@@ -2107,7 +2110,7 @@
           <a:p>
             <a:fld id="{5D8AFB0F-FD72-4B7A-9B91-BDD5A838F994}" type="datetimeFigureOut">
               <a:rPr lang="pt-BR" smtClean="0"/>
-              <a:t>21/09/20</a:t>
+              <a:t>22/09/20</a:t>
             </a:fld>
             <a:endParaRPr lang="pt-BR"/>
           </a:p>
@@ -2418,7 +2421,7 @@
           <a:p>
             <a:fld id="{5D8AFB0F-FD72-4B7A-9B91-BDD5A838F994}" type="datetimeFigureOut">
               <a:rPr lang="pt-BR" smtClean="0"/>
-              <a:t>21/09/20</a:t>
+              <a:t>22/09/20</a:t>
             </a:fld>
             <a:endParaRPr lang="pt-BR"/>
           </a:p>
@@ -2706,7 +2709,7 @@
           <a:p>
             <a:fld id="{5D8AFB0F-FD72-4B7A-9B91-BDD5A838F994}" type="datetimeFigureOut">
               <a:rPr lang="pt-BR" smtClean="0"/>
-              <a:t>21/09/20</a:t>
+              <a:t>22/09/20</a:t>
             </a:fld>
             <a:endParaRPr lang="pt-BR"/>
           </a:p>
@@ -2947,7 +2950,7 @@
           <a:p>
             <a:fld id="{5D8AFB0F-FD72-4B7A-9B91-BDD5A838F994}" type="datetimeFigureOut">
               <a:rPr lang="pt-BR" smtClean="0"/>
-              <a:t>21/09/20</a:t>
+              <a:t>22/09/20</a:t>
             </a:fld>
             <a:endParaRPr lang="pt-BR"/>
           </a:p>
@@ -4609,6 +4612,14 @@
 <file path=ppt/slides/slide10.xml><?xml version="1.0" encoding="utf-8"?>
 <p:sld xmlns:a="http://schemas.openxmlformats.org/drawingml/2006/main" xmlns:r="http://schemas.openxmlformats.org/officeDocument/2006/relationships" xmlns:p="http://schemas.openxmlformats.org/presentationml/2006/main">
   <p:cSld>
+    <p:bg>
+      <p:bgPr>
+        <a:solidFill>
+          <a:schemeClr val="bg1"/>
+        </a:solidFill>
+        <a:effectLst/>
+      </p:bgPr>
+    </p:bg>
     <p:spTree>
       <p:nvGrpSpPr>
         <p:cNvPr id="1" name=""/>
@@ -4623,12 +4634,166 @@
           <a:chExt cx="0" cy="0"/>
         </a:xfrm>
       </p:grpSpPr>
+      <p:sp useBgFill="1">
+        <p:nvSpPr>
+          <p:cNvPr id="8" name="Rectangle 7">
+            <a:extLst>
+              <a:ext uri="{FF2B5EF4-FFF2-40B4-BE49-F238E27FC236}">
+                <a16:creationId xmlns:a16="http://schemas.microsoft.com/office/drawing/2014/main" id="{11BE3FA7-0D70-4431-814F-D8C40576EA93}"/>
+              </a:ext>
+              <a:ext uri="{C183D7F6-B498-43B3-948B-1728B52AA6E4}">
+                <adec:decorative xmlns:adec="http://schemas.microsoft.com/office/drawing/2017/decorative" val="1"/>
+              </a:ext>
+            </a:extLst>
+          </p:cNvPr>
+          <p:cNvSpPr>
+            <a:spLocks noGrp="1" noRot="1" noChangeAspect="1" noMove="1" noResize="1" noEditPoints="1" noAdjustHandles="1" noChangeArrowheads="1" noChangeShapeType="1" noTextEdit="1"/>
+          </p:cNvSpPr>
+          <p:nvPr>
+            <p:extLst>
+              <p:ext uri="{386F3935-93C4-4BCD-93E2-E3B085C9AB24}">
+                <p16:designElem xmlns:p16="http://schemas.microsoft.com/office/powerpoint/2015/main" val="1"/>
+              </p:ext>
+            </p:extLst>
+          </p:nvPr>
+        </p:nvSpPr>
+        <p:spPr bwMode="white">
+          <a:xfrm>
+            <a:off x="1524" y="0"/>
+            <a:ext cx="12188952" cy="6858000"/>
+          </a:xfrm>
+          <a:prstGeom prst="rect">
+            <a:avLst/>
+          </a:prstGeom>
+          <a:ln>
+            <a:noFill/>
+          </a:ln>
+        </p:spPr>
+        <p:style>
+          <a:lnRef idx="2">
+            <a:schemeClr val="accent1">
+              <a:shade val="50000"/>
+            </a:schemeClr>
+          </a:lnRef>
+          <a:fillRef idx="1">
+            <a:schemeClr val="accent1"/>
+          </a:fillRef>
+          <a:effectRef idx="0">
+            <a:schemeClr val="accent1"/>
+          </a:effectRef>
+          <a:fontRef idx="minor">
+            <a:schemeClr val="lt1"/>
+          </a:fontRef>
+        </p:style>
+        <p:txBody>
+          <a:bodyPr rtlCol="0" anchor="ctr"/>
+          <a:lstStyle>
+            <a:defPPr>
+              <a:defRPr lang="en-US"/>
+            </a:defPPr>
+            <a:lvl1pPr marL="0" algn="l" defTabSz="914400" rtl="0" eaLnBrk="1" latinLnBrk="0" hangingPunct="1">
+              <a:defRPr sz="1800" kern="1200">
+                <a:solidFill>
+                  <a:schemeClr val="lt1"/>
+                </a:solidFill>
+                <a:latin typeface="+mn-lt"/>
+                <a:ea typeface="+mn-ea"/>
+                <a:cs typeface="+mn-cs"/>
+              </a:defRPr>
+            </a:lvl1pPr>
+            <a:lvl2pPr marL="457200" algn="l" defTabSz="914400" rtl="0" eaLnBrk="1" latinLnBrk="0" hangingPunct="1">
+              <a:defRPr sz="1800" kern="1200">
+                <a:solidFill>
+                  <a:schemeClr val="lt1"/>
+                </a:solidFill>
+                <a:latin typeface="+mn-lt"/>
+                <a:ea typeface="+mn-ea"/>
+                <a:cs typeface="+mn-cs"/>
+              </a:defRPr>
+            </a:lvl2pPr>
+            <a:lvl3pPr marL="914400" algn="l" defTabSz="914400" rtl="0" eaLnBrk="1" latinLnBrk="0" hangingPunct="1">
+              <a:defRPr sz="1800" kern="1200">
+                <a:solidFill>
+                  <a:schemeClr val="lt1"/>
+                </a:solidFill>
+                <a:latin typeface="+mn-lt"/>
+                <a:ea typeface="+mn-ea"/>
+                <a:cs typeface="+mn-cs"/>
+              </a:defRPr>
+            </a:lvl3pPr>
+            <a:lvl4pPr marL="1371600" algn="l" defTabSz="914400" rtl="0" eaLnBrk="1" latinLnBrk="0" hangingPunct="1">
+              <a:defRPr sz="1800" kern="1200">
+                <a:solidFill>
+                  <a:schemeClr val="lt1"/>
+                </a:solidFill>
+                <a:latin typeface="+mn-lt"/>
+                <a:ea typeface="+mn-ea"/>
+                <a:cs typeface="+mn-cs"/>
+              </a:defRPr>
+            </a:lvl4pPr>
+            <a:lvl5pPr marL="1828800" algn="l" defTabSz="914400" rtl="0" eaLnBrk="1" latinLnBrk="0" hangingPunct="1">
+              <a:defRPr sz="1800" kern="1200">
+                <a:solidFill>
+                  <a:schemeClr val="lt1"/>
+                </a:solidFill>
+                <a:latin typeface="+mn-lt"/>
+                <a:ea typeface="+mn-ea"/>
+                <a:cs typeface="+mn-cs"/>
+              </a:defRPr>
+            </a:lvl5pPr>
+            <a:lvl6pPr marL="2286000" algn="l" defTabSz="914400" rtl="0" eaLnBrk="1" latinLnBrk="0" hangingPunct="1">
+              <a:defRPr sz="1800" kern="1200">
+                <a:solidFill>
+                  <a:schemeClr val="lt1"/>
+                </a:solidFill>
+                <a:latin typeface="+mn-lt"/>
+                <a:ea typeface="+mn-ea"/>
+                <a:cs typeface="+mn-cs"/>
+              </a:defRPr>
+            </a:lvl6pPr>
+            <a:lvl7pPr marL="2743200" algn="l" defTabSz="914400" rtl="0" eaLnBrk="1" latinLnBrk="0" hangingPunct="1">
+              <a:defRPr sz="1800" kern="1200">
+                <a:solidFill>
+                  <a:schemeClr val="lt1"/>
+                </a:solidFill>
+                <a:latin typeface="+mn-lt"/>
+                <a:ea typeface="+mn-ea"/>
+                <a:cs typeface="+mn-cs"/>
+              </a:defRPr>
+            </a:lvl7pPr>
+            <a:lvl8pPr marL="3200400" algn="l" defTabSz="914400" rtl="0" eaLnBrk="1" latinLnBrk="0" hangingPunct="1">
+              <a:defRPr sz="1800" kern="1200">
+                <a:solidFill>
+                  <a:schemeClr val="lt1"/>
+                </a:solidFill>
+                <a:latin typeface="+mn-lt"/>
+                <a:ea typeface="+mn-ea"/>
+                <a:cs typeface="+mn-cs"/>
+              </a:defRPr>
+            </a:lvl8pPr>
+            <a:lvl9pPr marL="3657600" algn="l" defTabSz="914400" rtl="0" eaLnBrk="1" latinLnBrk="0" hangingPunct="1">
+              <a:defRPr sz="1800" kern="1200">
+                <a:solidFill>
+                  <a:schemeClr val="lt1"/>
+                </a:solidFill>
+                <a:latin typeface="+mn-lt"/>
+                <a:ea typeface="+mn-ea"/>
+                <a:cs typeface="+mn-cs"/>
+              </a:defRPr>
+            </a:lvl9pPr>
+          </a:lstStyle>
+          <a:p>
+            <a:pPr algn="ctr"/>
+            <a:endParaRPr lang="en-US"/>
+          </a:p>
+        </p:txBody>
+      </p:sp>
       <p:pic>
         <p:nvPicPr>
-          <p:cNvPr id="2" name="Imagem 1">
-            <a:extLst>
-              <a:ext uri="{FF2B5EF4-FFF2-40B4-BE49-F238E27FC236}">
-                <a16:creationId xmlns:a16="http://schemas.microsoft.com/office/drawing/2014/main" id="{17CC1BD6-D813-4835-AF95-799787762A17}"/>
+          <p:cNvPr id="2" name="Imagem 1" descr="Tela de celular com texto preto sobre fundo branco&#10;&#10;Descrição gerada automaticamente">
+            <a:extLst>
+              <a:ext uri="{FF2B5EF4-FFF2-40B4-BE49-F238E27FC236}">
+                <a16:creationId xmlns:a16="http://schemas.microsoft.com/office/drawing/2014/main" id="{88621860-DC98-495A-8724-3A4CEB09131B}"/>
               </a:ext>
             </a:extLst>
           </p:cNvPr>
@@ -4637,16 +4802,21 @@
           </p:cNvPicPr>
           <p:nvPr/>
         </p:nvPicPr>
-        <p:blipFill>
-          <a:blip r:embed="rId2"/>
-          <a:stretch>
-            <a:fillRect/>
-          </a:stretch>
+        <p:blipFill rotWithShape="1">
+          <a:blip r:embed="rId2">
+            <a:extLst>
+              <a:ext uri="{28A0092B-C50C-407E-A947-70E740481C1C}">
+                <a14:useLocalDpi xmlns:a14="http://schemas.microsoft.com/office/drawing/2010/main" val="0"/>
+              </a:ext>
+            </a:extLst>
+          </a:blip>
+          <a:srcRect l="15616" r="-1" b="-1"/>
+          <a:stretch/>
         </p:blipFill>
         <p:spPr>
           <a:xfrm>
-            <a:off x="642176" y="1778916"/>
-            <a:ext cx="3548824" cy="4177473"/>
+            <a:off x="321731" y="557189"/>
+            <a:ext cx="5668684" cy="5743618"/>
           </a:xfrm>
           <a:prstGeom prst="rect">
             <a:avLst/>
@@ -4655,121 +4825,81 @@
       </p:pic>
       <p:pic>
         <p:nvPicPr>
-          <p:cNvPr id="3" name="Imagem 2">
-            <a:extLst>
-              <a:ext uri="{FF2B5EF4-FFF2-40B4-BE49-F238E27FC236}">
-                <a16:creationId xmlns:a16="http://schemas.microsoft.com/office/drawing/2014/main" id="{0890E4AA-4730-4DD6-BECF-0678E65A1179}"/>
-              </a:ext>
-            </a:extLst>
-          </p:cNvPr>
-          <p:cNvPicPr>
-            <a:picLocks noChangeAspect="1"/>
-          </p:cNvPicPr>
+          <p:cNvPr id="3" name="Imagem 2" descr="Tela de computador com texto preto sobre fundo branco&#10;&#10;Descrição gerada automaticamente">
+            <a:extLst>
+              <a:ext uri="{FF2B5EF4-FFF2-40B4-BE49-F238E27FC236}">
+                <a16:creationId xmlns:a16="http://schemas.microsoft.com/office/drawing/2014/main" id="{BB301F1E-1159-49B4-AA43-82E455F0FC41}"/>
+              </a:ext>
+            </a:extLst>
+          </p:cNvPr>
+          <p:cNvPicPr/>
           <p:nvPr/>
         </p:nvPicPr>
-        <p:blipFill>
-          <a:blip r:embed="rId3"/>
-          <a:stretch>
-            <a:fillRect/>
-          </a:stretch>
+        <p:blipFill rotWithShape="1">
+          <a:blip r:embed="rId3" cstate="print">
+            <a:extLst>
+              <a:ext uri="{28A0092B-C50C-407E-A947-70E740481C1C}">
+                <a14:useLocalDpi xmlns:a14="http://schemas.microsoft.com/office/drawing/2010/main" val="0"/>
+              </a:ext>
+            </a:extLst>
+          </a:blip>
+          <a:srcRect l="11336" r="14560" b="-2"/>
+          <a:stretch/>
         </p:blipFill>
-        <p:spPr>
-          <a:xfrm>
-            <a:off x="6771191" y="1778916"/>
-            <a:ext cx="3548824" cy="4444321"/>
-          </a:xfrm>
-          <a:prstGeom prst="rect">
-            <a:avLst/>
-          </a:prstGeom>
-        </p:spPr>
-      </p:pic>
-      <p:sp>
-        <p:nvSpPr>
-          <p:cNvPr id="6" name="CaixaDeTexto 5">
-            <a:extLst>
-              <a:ext uri="{FF2B5EF4-FFF2-40B4-BE49-F238E27FC236}">
-                <a16:creationId xmlns:a16="http://schemas.microsoft.com/office/drawing/2014/main" id="{A06F92AB-409D-4B71-81F0-71D388E89025}"/>
-              </a:ext>
-            </a:extLst>
-          </p:cNvPr>
-          <p:cNvSpPr txBox="1"/>
-          <p:nvPr/>
-        </p:nvSpPr>
-        <p:spPr>
-          <a:xfrm>
-            <a:off x="642176" y="995958"/>
-            <a:ext cx="4875606" cy="338554"/>
+        <p:spPr bwMode="auto">
+          <a:xfrm>
+            <a:off x="6195375" y="557189"/>
+            <a:ext cx="5674893" cy="5743618"/>
           </a:xfrm>
           <a:prstGeom prst="rect">
             <a:avLst/>
           </a:prstGeom>
           <a:noFill/>
         </p:spPr>
-        <p:txBody>
-          <a:bodyPr wrap="square" rtlCol="0">
-            <a:spAutoFit/>
-          </a:bodyPr>
-          <a:lstStyle>
-            <a:defPPr>
-              <a:defRPr lang="pt-BR"/>
-            </a:defPPr>
-            <a:lvl1pPr>
-              <a:defRPr sz="1600" b="1">
-                <a:latin typeface="Arial" panose="020B0604020202020204" pitchFamily="34" charset="0"/>
-                <a:cs typeface="Arial" panose="020B0604020202020204" pitchFamily="34" charset="0"/>
-              </a:defRPr>
-            </a:lvl1pPr>
-          </a:lstStyle>
-          <a:p>
-            <a:r>
-              <a:rPr lang="pt-BR" dirty="0"/>
-              <a:t>Criação do banco de dados e tabela tbClientes:</a:t>
-            </a:r>
-          </a:p>
-        </p:txBody>
-      </p:sp>
-      <p:sp>
-        <p:nvSpPr>
-          <p:cNvPr id="7" name="CaixaDeTexto 6">
-            <a:extLst>
-              <a:ext uri="{FF2B5EF4-FFF2-40B4-BE49-F238E27FC236}">
-                <a16:creationId xmlns:a16="http://schemas.microsoft.com/office/drawing/2014/main" id="{15DF4520-F06C-4C7B-89CE-71C48BC2EA7B}"/>
-              </a:ext>
-            </a:extLst>
-          </p:cNvPr>
-          <p:cNvSpPr txBox="1"/>
+      </p:pic>
+      <p:cxnSp>
+        <p:nvCxnSpPr>
+          <p:cNvPr id="5" name="Conector reto 4">
+            <a:extLst>
+              <a:ext uri="{FF2B5EF4-FFF2-40B4-BE49-F238E27FC236}">
+                <a16:creationId xmlns:a16="http://schemas.microsoft.com/office/drawing/2014/main" id="{D90523EA-AF65-44BB-8210-EBEF2EABF735}"/>
+              </a:ext>
+            </a:extLst>
+          </p:cNvPr>
+          <p:cNvCxnSpPr>
+            <a:cxnSpLocks/>
+          </p:cNvCxnSpPr>
           <p:nvPr/>
-        </p:nvSpPr>
-        <p:spPr>
-          <a:xfrm>
-            <a:off x="6674219" y="995958"/>
-            <a:ext cx="4579620" cy="338554"/>
-          </a:xfrm>
-          <a:prstGeom prst="rect">
+        </p:nvCxnSpPr>
+        <p:spPr>
+          <a:xfrm>
+            <a:off x="6096000" y="330200"/>
+            <a:ext cx="0" cy="6134100"/>
+          </a:xfrm>
+          <a:prstGeom prst="line">
             <a:avLst/>
           </a:prstGeom>
-          <a:noFill/>
-        </p:spPr>
-        <p:txBody>
-          <a:bodyPr wrap="square" rtlCol="0">
-            <a:spAutoFit/>
-          </a:bodyPr>
-          <a:lstStyle/>
-          <a:p>
-            <a:r>
-              <a:rPr lang="pt-BR" sz="1600" b="1" dirty="0">
-                <a:latin typeface="Arial" panose="020B0604020202020204" pitchFamily="34" charset="0"/>
-                <a:cs typeface="Arial" panose="020B0604020202020204" pitchFamily="34" charset="0"/>
-              </a:rPr>
-              <a:t>Criação das tabelas tbRua e tbSensores:</a:t>
-            </a:r>
-          </a:p>
-        </p:txBody>
-      </p:sp>
+          <a:ln/>
+        </p:spPr>
+        <p:style>
+          <a:lnRef idx="3">
+            <a:schemeClr val="accent1"/>
+          </a:lnRef>
+          <a:fillRef idx="0">
+            <a:schemeClr val="accent1"/>
+          </a:fillRef>
+          <a:effectRef idx="2">
+            <a:schemeClr val="accent1"/>
+          </a:effectRef>
+          <a:fontRef idx="minor">
+            <a:schemeClr val="tx1"/>
+          </a:fontRef>
+        </p:style>
+      </p:cxnSp>
     </p:spTree>
     <p:extLst>
       <p:ext uri="{BB962C8B-B14F-4D97-AF65-F5344CB8AC3E}">
-        <p14:creationId xmlns:p14="http://schemas.microsoft.com/office/powerpoint/2010/main" val="1605510380"/>
+        <p14:creationId xmlns:p14="http://schemas.microsoft.com/office/powerpoint/2010/main" val="1307777368"/>
       </p:ext>
     </p:extLst>
   </p:cSld>
@@ -4796,190 +4926,148 @@
           <a:chExt cx="0" cy="0"/>
         </a:xfrm>
       </p:grpSpPr>
+      <p:sp>
+        <p:nvSpPr>
+          <p:cNvPr id="2" name="Título 1">
+            <a:extLst>
+              <a:ext uri="{FF2B5EF4-FFF2-40B4-BE49-F238E27FC236}">
+                <a16:creationId xmlns:a16="http://schemas.microsoft.com/office/drawing/2014/main" id="{76E79846-F68F-4F1C-8EFB-49E16F0987D8}"/>
+              </a:ext>
+            </a:extLst>
+          </p:cNvPr>
+          <p:cNvSpPr>
+            <a:spLocks noGrp="1"/>
+          </p:cNvSpPr>
+          <p:nvPr>
+            <p:ph type="title"/>
+          </p:nvPr>
+        </p:nvSpPr>
+        <p:spPr/>
+        <p:txBody>
+          <a:bodyPr vert="horz" lIns="91440" tIns="45720" rIns="91440" bIns="45720" rtlCol="0" anchor="ctr">
+            <a:normAutofit/>
+          </a:bodyPr>
+          <a:lstStyle/>
+          <a:p>
+            <a:pPr algn="ctr"/>
+            <a:r>
+              <a:rPr lang="pt-BR" sz="3700" dirty="0">
+                <a:latin typeface="Arial" panose="020B0604020202020204" pitchFamily="34" charset="0"/>
+                <a:cs typeface="Arial" panose="020B0604020202020204" pitchFamily="34" charset="0"/>
+              </a:rPr>
+              <a:t>Simulador Financeiro</a:t>
+            </a:r>
+          </a:p>
+        </p:txBody>
+      </p:sp>
+      <p:sp>
+        <p:nvSpPr>
+          <p:cNvPr id="3" name="CaixaDeTexto 2">
+            <a:extLst>
+              <a:ext uri="{FF2B5EF4-FFF2-40B4-BE49-F238E27FC236}">
+                <a16:creationId xmlns:a16="http://schemas.microsoft.com/office/drawing/2014/main" id="{87A51DD7-9150-47FA-8BCE-ED3D5E6ABDBD}"/>
+              </a:ext>
+            </a:extLst>
+          </p:cNvPr>
+          <p:cNvSpPr txBox="1"/>
+          <p:nvPr/>
+        </p:nvSpPr>
+        <p:spPr>
+          <a:xfrm>
+            <a:off x="3625949" y="3103600"/>
+            <a:ext cx="6695768" cy="369332"/>
+          </a:xfrm>
+          <a:prstGeom prst="rect">
+            <a:avLst/>
+          </a:prstGeom>
+          <a:noFill/>
+        </p:spPr>
+        <p:txBody>
+          <a:bodyPr wrap="square" rtlCol="0">
+            <a:spAutoFit/>
+          </a:bodyPr>
+          <a:lstStyle/>
+          <a:p>
+            <a:r>
+              <a:rPr lang="pt-BR" dirty="0">
+                <a:effectLst>
+                  <a:outerShdw blurRad="38100" dist="38100" dir="2700000" algn="tl">
+                    <a:srgbClr val="000000">
+                      <a:alpha val="43137"/>
+                    </a:srgbClr>
+                  </a:outerShdw>
+                </a:effectLst>
+                <a:latin typeface="Arial" panose="020B0604020202020204" pitchFamily="34" charset="0"/>
+                <a:cs typeface="Arial" panose="020B0604020202020204" pitchFamily="34" charset="0"/>
+              </a:rPr>
+              <a:t>Simulador Financeiro: </a:t>
+            </a:r>
+            <a:r>
+              <a:rPr lang="pt-BR" dirty="0">
+                <a:latin typeface="Arial" panose="020B0604020202020204" pitchFamily="34" charset="0"/>
+                <a:cs typeface="Arial" panose="020B0604020202020204" pitchFamily="34" charset="0"/>
+                <a:hlinkClick r:id="rId2"/>
+              </a:rPr>
+              <a:t>https://simuladorfinanceiro.netlify.app/</a:t>
+            </a:r>
+            <a:endParaRPr lang="pt-BR" dirty="0">
+              <a:latin typeface="Arial" panose="020B0604020202020204" pitchFamily="34" charset="0"/>
+              <a:cs typeface="Arial" panose="020B0604020202020204" pitchFamily="34" charset="0"/>
+            </a:endParaRPr>
+          </a:p>
+        </p:txBody>
+      </p:sp>
       <p:pic>
         <p:nvPicPr>
-          <p:cNvPr id="2" name="Imagem 1">
-            <a:extLst>
-              <a:ext uri="{FF2B5EF4-FFF2-40B4-BE49-F238E27FC236}">
-                <a16:creationId xmlns:a16="http://schemas.microsoft.com/office/drawing/2014/main" id="{C19F7BEF-21A4-4EBE-ADD4-B61FF1C86AE9}"/>
+          <p:cNvPr id="7" name="Picture 2" descr="Sistema de Financeiro | Sistema de Gestão | BlueFocus Software">
+            <a:extLst>
+              <a:ext uri="{FF2B5EF4-FFF2-40B4-BE49-F238E27FC236}">
+                <a16:creationId xmlns:a16="http://schemas.microsoft.com/office/drawing/2014/main" id="{1F6B3A44-3D0A-47A6-B0F4-9BFD06D881BB}"/>
               </a:ext>
             </a:extLst>
           </p:cNvPr>
           <p:cNvPicPr>
-            <a:picLocks noChangeAspect="1"/>
+            <a:picLocks noChangeAspect="1" noChangeArrowheads="1"/>
           </p:cNvPicPr>
           <p:nvPr/>
         </p:nvPicPr>
         <p:blipFill>
-          <a:blip r:embed="rId2"/>
+          <a:blip r:embed="rId3">
+            <a:extLst>
+              <a:ext uri="{28A0092B-C50C-407E-A947-70E740481C1C}">
+                <a14:useLocalDpi xmlns:a14="http://schemas.microsoft.com/office/drawing/2010/main" val="0"/>
+              </a:ext>
+            </a:extLst>
+          </a:blip>
+          <a:srcRect/>
           <a:stretch>
             <a:fillRect/>
           </a:stretch>
         </p:blipFill>
-        <p:spPr>
-          <a:xfrm>
-            <a:off x="398336" y="865966"/>
-            <a:ext cx="8085521" cy="1577477"/>
-          </a:xfrm>
-          <a:prstGeom prst="rect">
-            <a:avLst/>
-          </a:prstGeom>
-        </p:spPr>
-      </p:pic>
-      <p:pic>
-        <p:nvPicPr>
-          <p:cNvPr id="3" name="Imagem 2">
-            <a:extLst>
-              <a:ext uri="{FF2B5EF4-FFF2-40B4-BE49-F238E27FC236}">
-                <a16:creationId xmlns:a16="http://schemas.microsoft.com/office/drawing/2014/main" id="{58C1A49D-2DB9-43C7-B0F5-F68E4A3D03E8}"/>
-              </a:ext>
-            </a:extLst>
-          </p:cNvPr>
-          <p:cNvPicPr>
-            <a:picLocks noChangeAspect="1"/>
-          </p:cNvPicPr>
-          <p:nvPr/>
-        </p:nvPicPr>
-        <p:blipFill>
-          <a:blip r:embed="rId3"/>
-          <a:stretch>
-            <a:fillRect/>
-          </a:stretch>
-        </p:blipFill>
-        <p:spPr>
-          <a:xfrm>
-            <a:off x="8446279" y="946508"/>
-            <a:ext cx="3482642" cy="1341236"/>
-          </a:xfrm>
-          <a:prstGeom prst="rect">
-            <a:avLst/>
-          </a:prstGeom>
-        </p:spPr>
-      </p:pic>
-      <p:pic>
-        <p:nvPicPr>
-          <p:cNvPr id="4" name="Imagem 3">
-            <a:extLst>
-              <a:ext uri="{FF2B5EF4-FFF2-40B4-BE49-F238E27FC236}">
-                <a16:creationId xmlns:a16="http://schemas.microsoft.com/office/drawing/2014/main" id="{C7C04DB2-C0B7-468D-85EC-B66F2571B0F7}"/>
-              </a:ext>
-            </a:extLst>
-          </p:cNvPr>
-          <p:cNvPicPr>
-            <a:picLocks noChangeAspect="1"/>
-          </p:cNvPicPr>
-          <p:nvPr/>
-        </p:nvPicPr>
-        <p:blipFill>
-          <a:blip r:embed="rId4"/>
-          <a:stretch>
-            <a:fillRect/>
-          </a:stretch>
-        </p:blipFill>
-        <p:spPr>
-          <a:xfrm>
-            <a:off x="3810592" y="3103126"/>
-            <a:ext cx="4673265" cy="3715985"/>
-          </a:xfrm>
-          <a:prstGeom prst="rect">
-            <a:avLst/>
-          </a:prstGeom>
-        </p:spPr>
-      </p:pic>
-      <p:sp>
-        <p:nvSpPr>
-          <p:cNvPr id="5" name="CaixaDeTexto 4">
-            <a:extLst>
-              <a:ext uri="{FF2B5EF4-FFF2-40B4-BE49-F238E27FC236}">
-                <a16:creationId xmlns:a16="http://schemas.microsoft.com/office/drawing/2014/main" id="{D05F348A-5DC1-4D17-AC3B-97B6FC677767}"/>
-              </a:ext>
-            </a:extLst>
-          </p:cNvPr>
-          <p:cNvSpPr txBox="1"/>
-          <p:nvPr/>
-        </p:nvSpPr>
-        <p:spPr>
-          <a:xfrm>
-            <a:off x="4091940" y="184666"/>
-            <a:ext cx="4008120" cy="369332"/>
+        <p:spPr bwMode="auto">
+          <a:xfrm>
+            <a:off x="838200" y="1683001"/>
+            <a:ext cx="2787749" cy="2787749"/>
           </a:xfrm>
           <a:prstGeom prst="rect">
             <a:avLst/>
           </a:prstGeom>
           <a:noFill/>
-        </p:spPr>
-        <p:txBody>
-          <a:bodyPr wrap="square" rtlCol="0">
-            <a:spAutoFit/>
-          </a:bodyPr>
-          <a:lstStyle>
-            <a:defPPr>
-              <a:defRPr lang="pt-BR"/>
-            </a:defPPr>
-            <a:lvl1pPr>
-              <a:defRPr sz="1600" b="1">
-                <a:latin typeface="Arial" panose="020B0604020202020204" pitchFamily="34" charset="0"/>
-                <a:cs typeface="Arial" panose="020B0604020202020204" pitchFamily="34" charset="0"/>
-              </a:defRPr>
-            </a:lvl1pPr>
-          </a:lstStyle>
-          <a:p>
-            <a:r>
-              <a:rPr lang="pt-BR" dirty="0"/>
-              <a:t>Inserção de dados na tabela Clientes:</a:t>
-            </a:r>
-          </a:p>
-        </p:txBody>
-      </p:sp>
-      <p:sp>
-        <p:nvSpPr>
-          <p:cNvPr id="6" name="CaixaDeTexto 5">
-            <a:extLst>
-              <a:ext uri="{FF2B5EF4-FFF2-40B4-BE49-F238E27FC236}">
-                <a16:creationId xmlns:a16="http://schemas.microsoft.com/office/drawing/2014/main" id="{897B9B6D-A61B-4497-825B-7A0E52DFBFE7}"/>
-              </a:ext>
-            </a:extLst>
-          </p:cNvPr>
-          <p:cNvSpPr txBox="1"/>
-          <p:nvPr/>
-        </p:nvSpPr>
-        <p:spPr>
-          <a:xfrm>
-            <a:off x="4091940" y="2588618"/>
-            <a:ext cx="4008120" cy="369332"/>
-          </a:xfrm>
-          <a:prstGeom prst="rect">
-            <a:avLst/>
-          </a:prstGeom>
-          <a:noFill/>
-        </p:spPr>
-        <p:txBody>
-          <a:bodyPr wrap="square" rtlCol="0">
-            <a:spAutoFit/>
-          </a:bodyPr>
-          <a:lstStyle>
-            <a:defPPr>
-              <a:defRPr lang="pt-BR"/>
-            </a:defPPr>
-            <a:lvl1pPr>
-              <a:defRPr sz="1600" b="1">
-                <a:latin typeface="Arial" panose="020B0604020202020204" pitchFamily="34" charset="0"/>
-                <a:cs typeface="Arial" panose="020B0604020202020204" pitchFamily="34" charset="0"/>
-              </a:defRPr>
-            </a:lvl1pPr>
-          </a:lstStyle>
-          <a:p>
-            <a:r>
-              <a:rPr lang="pt-BR" dirty="0"/>
-              <a:t>Inserção de dados na tabela Clientes:</a:t>
-            </a:r>
-          </a:p>
-        </p:txBody>
-      </p:sp>
+          <a:extLst>
+            <a:ext uri="{909E8E84-426E-40DD-AFC4-6F175D3DCCD1}">
+              <a14:hiddenFill xmlns:a14="http://schemas.microsoft.com/office/drawing/2010/main">
+                <a:solidFill>
+                  <a:srgbClr val="FFFFFF"/>
+                </a:solidFill>
+              </a14:hiddenFill>
+            </a:ext>
+          </a:extLst>
+        </p:spPr>
+      </p:pic>
     </p:spTree>
     <p:extLst>
       <p:ext uri="{BB962C8B-B14F-4D97-AF65-F5344CB8AC3E}">
-        <p14:creationId xmlns:p14="http://schemas.microsoft.com/office/powerpoint/2010/main" val="2411807073"/>
+        <p14:creationId xmlns:p14="http://schemas.microsoft.com/office/powerpoint/2010/main" val="882302102"/>
       </p:ext>
     </p:extLst>
   </p:cSld>
@@ -5011,7 +5099,7 @@
           <p:cNvPr id="2" name="Imagem 1">
             <a:extLst>
               <a:ext uri="{FF2B5EF4-FFF2-40B4-BE49-F238E27FC236}">
-                <a16:creationId xmlns:a16="http://schemas.microsoft.com/office/drawing/2014/main" id="{46447FED-6765-4E73-AE34-F23C7D378E29}"/>
+                <a16:creationId xmlns:a16="http://schemas.microsoft.com/office/drawing/2014/main" id="{17CC1BD6-D813-4835-AF95-799787762A17}"/>
               </a:ext>
             </a:extLst>
           </p:cNvPr>
@@ -5028,8 +5116,8 @@
         </p:blipFill>
         <p:spPr>
           <a:xfrm>
-            <a:off x="0" y="969616"/>
-            <a:ext cx="10046987" cy="1626927"/>
+            <a:off x="642176" y="1778916"/>
+            <a:ext cx="3548824" cy="4177473"/>
           </a:xfrm>
           <a:prstGeom prst="rect">
             <a:avLst/>
@@ -5041,7 +5129,7 @@
           <p:cNvPr id="3" name="Imagem 2">
             <a:extLst>
               <a:ext uri="{FF2B5EF4-FFF2-40B4-BE49-F238E27FC236}">
-                <a16:creationId xmlns:a16="http://schemas.microsoft.com/office/drawing/2014/main" id="{349DA353-C641-4866-875D-4AAB4915DB8A}"/>
+                <a16:creationId xmlns:a16="http://schemas.microsoft.com/office/drawing/2014/main" id="{0890E4AA-4730-4DD6-BECF-0678E65A1179}"/>
               </a:ext>
             </a:extLst>
           </p:cNvPr>
@@ -5058,80 +5146,20 @@
         </p:blipFill>
         <p:spPr>
           <a:xfrm>
-            <a:off x="10029735" y="969616"/>
-            <a:ext cx="1036198" cy="1609675"/>
+            <a:off x="6771191" y="1778916"/>
+            <a:ext cx="3548824" cy="4444321"/>
           </a:xfrm>
           <a:prstGeom prst="rect">
             <a:avLst/>
           </a:prstGeom>
         </p:spPr>
       </p:pic>
-      <p:pic>
-        <p:nvPicPr>
-          <p:cNvPr id="4" name="Imagem 3">
-            <a:extLst>
-              <a:ext uri="{FF2B5EF4-FFF2-40B4-BE49-F238E27FC236}">
-                <a16:creationId xmlns:a16="http://schemas.microsoft.com/office/drawing/2014/main" id="{E2D19421-69D7-4531-B451-85EF98AF7B04}"/>
-              </a:ext>
-            </a:extLst>
-          </p:cNvPr>
-          <p:cNvPicPr>
-            <a:picLocks noChangeAspect="1"/>
-          </p:cNvPicPr>
-          <p:nvPr/>
-        </p:nvPicPr>
-        <p:blipFill>
-          <a:blip r:embed="rId4"/>
-          <a:stretch>
-            <a:fillRect/>
-          </a:stretch>
-        </p:blipFill>
-        <p:spPr>
-          <a:xfrm>
-            <a:off x="457200" y="3853513"/>
-            <a:ext cx="4112506" cy="1986942"/>
-          </a:xfrm>
-          <a:prstGeom prst="rect">
-            <a:avLst/>
-          </a:prstGeom>
-        </p:spPr>
-      </p:pic>
-      <p:pic>
-        <p:nvPicPr>
-          <p:cNvPr id="5" name="Imagem 4">
-            <a:extLst>
-              <a:ext uri="{FF2B5EF4-FFF2-40B4-BE49-F238E27FC236}">
-                <a16:creationId xmlns:a16="http://schemas.microsoft.com/office/drawing/2014/main" id="{0F6E4D36-B9BA-49A8-BAB3-2E6471FF5591}"/>
-              </a:ext>
-            </a:extLst>
-          </p:cNvPr>
-          <p:cNvPicPr>
-            <a:picLocks noChangeAspect="1"/>
-          </p:cNvPicPr>
-          <p:nvPr/>
-        </p:nvPicPr>
-        <p:blipFill>
-          <a:blip r:embed="rId5"/>
-          <a:stretch>
-            <a:fillRect/>
-          </a:stretch>
-        </p:blipFill>
-        <p:spPr>
-          <a:xfrm>
-            <a:off x="6644275" y="3853513"/>
-            <a:ext cx="4942358" cy="1886887"/>
-          </a:xfrm>
-          <a:prstGeom prst="rect">
-            <a:avLst/>
-          </a:prstGeom>
-        </p:spPr>
-      </p:pic>
       <p:sp>
         <p:nvSpPr>
           <p:cNvPr id="6" name="CaixaDeTexto 5">
             <a:extLst>
               <a:ext uri="{FF2B5EF4-FFF2-40B4-BE49-F238E27FC236}">
-                <a16:creationId xmlns:a16="http://schemas.microsoft.com/office/drawing/2014/main" id="{ABD0B5B1-7BAF-419E-9C90-8C3DC283210A}"/>
+                <a16:creationId xmlns:a16="http://schemas.microsoft.com/office/drawing/2014/main" id="{A06F92AB-409D-4B71-81F0-71D388E89025}"/>
               </a:ext>
             </a:extLst>
           </p:cNvPr>
@@ -5140,8 +5168,8 @@
         </p:nvSpPr>
         <p:spPr>
           <a:xfrm>
-            <a:off x="3441700" y="185698"/>
-            <a:ext cx="4597400" cy="369332"/>
+            <a:off x="642176" y="995958"/>
+            <a:ext cx="4875606" cy="338554"/>
           </a:xfrm>
           <a:prstGeom prst="rect">
             <a:avLst/>
@@ -5166,7 +5194,7 @@
           <a:p>
             <a:r>
               <a:rPr lang="pt-BR" dirty="0"/>
-              <a:t>Buscando os dados da tabela tbClientes:</a:t>
+              <a:t>Criação do banco de dados e tabela tbClientes:</a:t>
             </a:r>
           </a:p>
         </p:txBody>
@@ -5176,7 +5204,7 @@
           <p:cNvPr id="7" name="CaixaDeTexto 6">
             <a:extLst>
               <a:ext uri="{FF2B5EF4-FFF2-40B4-BE49-F238E27FC236}">
-                <a16:creationId xmlns:a16="http://schemas.microsoft.com/office/drawing/2014/main" id="{2E11BFA2-0178-4AFE-8FF0-9F3D56EABE5B}"/>
+                <a16:creationId xmlns:a16="http://schemas.microsoft.com/office/drawing/2014/main" id="{15DF4520-F06C-4C7B-89CE-71C48BC2EA7B}"/>
               </a:ext>
             </a:extLst>
           </p:cNvPr>
@@ -5185,8 +5213,166 @@
         </p:nvSpPr>
         <p:spPr>
           <a:xfrm>
-            <a:off x="457200" y="3244334"/>
-            <a:ext cx="4597400" cy="369332"/>
+            <a:off x="6674219" y="995958"/>
+            <a:ext cx="4579620" cy="338554"/>
+          </a:xfrm>
+          <a:prstGeom prst="rect">
+            <a:avLst/>
+          </a:prstGeom>
+          <a:noFill/>
+        </p:spPr>
+        <p:txBody>
+          <a:bodyPr wrap="square" rtlCol="0">
+            <a:spAutoFit/>
+          </a:bodyPr>
+          <a:lstStyle/>
+          <a:p>
+            <a:r>
+              <a:rPr lang="pt-BR" sz="1600" b="1" dirty="0">
+                <a:latin typeface="Arial" panose="020B0604020202020204" pitchFamily="34" charset="0"/>
+                <a:cs typeface="Arial" panose="020B0604020202020204" pitchFamily="34" charset="0"/>
+              </a:rPr>
+              <a:t>Criação das tabelas tbRua e tbSensores:</a:t>
+            </a:r>
+          </a:p>
+        </p:txBody>
+      </p:sp>
+    </p:spTree>
+    <p:extLst>
+      <p:ext uri="{BB962C8B-B14F-4D97-AF65-F5344CB8AC3E}">
+        <p14:creationId xmlns:p14="http://schemas.microsoft.com/office/powerpoint/2010/main" val="1605510380"/>
+      </p:ext>
+    </p:extLst>
+  </p:cSld>
+  <p:clrMapOvr>
+    <a:masterClrMapping/>
+  </p:clrMapOvr>
+</p:sld>
+</file>
+
+<file path=ppt/slides/slide13.xml><?xml version="1.0" encoding="utf-8"?>
+<p:sld xmlns:a="http://schemas.openxmlformats.org/drawingml/2006/main" xmlns:r="http://schemas.openxmlformats.org/officeDocument/2006/relationships" xmlns:p="http://schemas.openxmlformats.org/presentationml/2006/main">
+  <p:cSld>
+    <p:spTree>
+      <p:nvGrpSpPr>
+        <p:cNvPr id="1" name=""/>
+        <p:cNvGrpSpPr/>
+        <p:nvPr/>
+      </p:nvGrpSpPr>
+      <p:grpSpPr>
+        <a:xfrm>
+          <a:off x="0" y="0"/>
+          <a:ext cx="0" cy="0"/>
+          <a:chOff x="0" y="0"/>
+          <a:chExt cx="0" cy="0"/>
+        </a:xfrm>
+      </p:grpSpPr>
+      <p:pic>
+        <p:nvPicPr>
+          <p:cNvPr id="2" name="Imagem 1">
+            <a:extLst>
+              <a:ext uri="{FF2B5EF4-FFF2-40B4-BE49-F238E27FC236}">
+                <a16:creationId xmlns:a16="http://schemas.microsoft.com/office/drawing/2014/main" id="{C19F7BEF-21A4-4EBE-ADD4-B61FF1C86AE9}"/>
+              </a:ext>
+            </a:extLst>
+          </p:cNvPr>
+          <p:cNvPicPr>
+            <a:picLocks noChangeAspect="1"/>
+          </p:cNvPicPr>
+          <p:nvPr/>
+        </p:nvPicPr>
+        <p:blipFill>
+          <a:blip r:embed="rId2"/>
+          <a:stretch>
+            <a:fillRect/>
+          </a:stretch>
+        </p:blipFill>
+        <p:spPr>
+          <a:xfrm>
+            <a:off x="398336" y="865966"/>
+            <a:ext cx="8085521" cy="1577477"/>
+          </a:xfrm>
+          <a:prstGeom prst="rect">
+            <a:avLst/>
+          </a:prstGeom>
+        </p:spPr>
+      </p:pic>
+      <p:pic>
+        <p:nvPicPr>
+          <p:cNvPr id="3" name="Imagem 2">
+            <a:extLst>
+              <a:ext uri="{FF2B5EF4-FFF2-40B4-BE49-F238E27FC236}">
+                <a16:creationId xmlns:a16="http://schemas.microsoft.com/office/drawing/2014/main" id="{58C1A49D-2DB9-43C7-B0F5-F68E4A3D03E8}"/>
+              </a:ext>
+            </a:extLst>
+          </p:cNvPr>
+          <p:cNvPicPr>
+            <a:picLocks noChangeAspect="1"/>
+          </p:cNvPicPr>
+          <p:nvPr/>
+        </p:nvPicPr>
+        <p:blipFill>
+          <a:blip r:embed="rId3"/>
+          <a:stretch>
+            <a:fillRect/>
+          </a:stretch>
+        </p:blipFill>
+        <p:spPr>
+          <a:xfrm>
+            <a:off x="8446279" y="946508"/>
+            <a:ext cx="3482642" cy="1341236"/>
+          </a:xfrm>
+          <a:prstGeom prst="rect">
+            <a:avLst/>
+          </a:prstGeom>
+        </p:spPr>
+      </p:pic>
+      <p:pic>
+        <p:nvPicPr>
+          <p:cNvPr id="4" name="Imagem 3">
+            <a:extLst>
+              <a:ext uri="{FF2B5EF4-FFF2-40B4-BE49-F238E27FC236}">
+                <a16:creationId xmlns:a16="http://schemas.microsoft.com/office/drawing/2014/main" id="{C7C04DB2-C0B7-468D-85EC-B66F2571B0F7}"/>
+              </a:ext>
+            </a:extLst>
+          </p:cNvPr>
+          <p:cNvPicPr>
+            <a:picLocks noChangeAspect="1"/>
+          </p:cNvPicPr>
+          <p:nvPr/>
+        </p:nvPicPr>
+        <p:blipFill>
+          <a:blip r:embed="rId4"/>
+          <a:stretch>
+            <a:fillRect/>
+          </a:stretch>
+        </p:blipFill>
+        <p:spPr>
+          <a:xfrm>
+            <a:off x="3810592" y="3103126"/>
+            <a:ext cx="4673265" cy="3715985"/>
+          </a:xfrm>
+          <a:prstGeom prst="rect">
+            <a:avLst/>
+          </a:prstGeom>
+        </p:spPr>
+      </p:pic>
+      <p:sp>
+        <p:nvSpPr>
+          <p:cNvPr id="5" name="CaixaDeTexto 4">
+            <a:extLst>
+              <a:ext uri="{FF2B5EF4-FFF2-40B4-BE49-F238E27FC236}">
+                <a16:creationId xmlns:a16="http://schemas.microsoft.com/office/drawing/2014/main" id="{D05F348A-5DC1-4D17-AC3B-97B6FC677767}"/>
+              </a:ext>
+            </a:extLst>
+          </p:cNvPr>
+          <p:cNvSpPr txBox="1"/>
+          <p:nvPr/>
+        </p:nvSpPr>
+        <p:spPr>
+          <a:xfrm>
+            <a:off x="4091940" y="184666"/>
+            <a:ext cx="4008120" cy="369332"/>
           </a:xfrm>
           <a:prstGeom prst="rect">
             <a:avLst/>
@@ -5211,17 +5397,17 @@
           <a:p>
             <a:r>
               <a:rPr lang="pt-BR" dirty="0"/>
-              <a:t>Buscando os dados da tabela tbRua:</a:t>
-            </a:r>
-          </a:p>
-        </p:txBody>
-      </p:sp>
-      <p:sp>
-        <p:nvSpPr>
-          <p:cNvPr id="8" name="CaixaDeTexto 7">
-            <a:extLst>
-              <a:ext uri="{FF2B5EF4-FFF2-40B4-BE49-F238E27FC236}">
-                <a16:creationId xmlns:a16="http://schemas.microsoft.com/office/drawing/2014/main" id="{90C7EB6A-7384-419D-8FBE-AB3D2D267A80}"/>
+              <a:t>Inserção de dados na tabela Clientes:</a:t>
+            </a:r>
+          </a:p>
+        </p:txBody>
+      </p:sp>
+      <p:sp>
+        <p:nvSpPr>
+          <p:cNvPr id="6" name="CaixaDeTexto 5">
+            <a:extLst>
+              <a:ext uri="{FF2B5EF4-FFF2-40B4-BE49-F238E27FC236}">
+                <a16:creationId xmlns:a16="http://schemas.microsoft.com/office/drawing/2014/main" id="{897B9B6D-A61B-4497-825B-7A0E52DFBFE7}"/>
               </a:ext>
             </a:extLst>
           </p:cNvPr>
@@ -5230,8 +5416,8 @@
         </p:nvSpPr>
         <p:spPr>
           <a:xfrm>
-            <a:off x="7137400" y="3244334"/>
-            <a:ext cx="4597400" cy="369332"/>
+            <a:off x="4091940" y="2588618"/>
+            <a:ext cx="4008120" cy="369332"/>
           </a:xfrm>
           <a:prstGeom prst="rect">
             <a:avLst/>
@@ -5256,6 +5442,291 @@
           <a:p>
             <a:r>
               <a:rPr lang="pt-BR" dirty="0"/>
+              <a:t>Inserção de dados na tabela Clientes:</a:t>
+            </a:r>
+          </a:p>
+        </p:txBody>
+      </p:sp>
+    </p:spTree>
+    <p:extLst>
+      <p:ext uri="{BB962C8B-B14F-4D97-AF65-F5344CB8AC3E}">
+        <p14:creationId xmlns:p14="http://schemas.microsoft.com/office/powerpoint/2010/main" val="2411807073"/>
+      </p:ext>
+    </p:extLst>
+  </p:cSld>
+  <p:clrMapOvr>
+    <a:masterClrMapping/>
+  </p:clrMapOvr>
+</p:sld>
+</file>
+
+<file path=ppt/slides/slide14.xml><?xml version="1.0" encoding="utf-8"?>
+<p:sld xmlns:a="http://schemas.openxmlformats.org/drawingml/2006/main" xmlns:r="http://schemas.openxmlformats.org/officeDocument/2006/relationships" xmlns:p="http://schemas.openxmlformats.org/presentationml/2006/main">
+  <p:cSld>
+    <p:spTree>
+      <p:nvGrpSpPr>
+        <p:cNvPr id="1" name=""/>
+        <p:cNvGrpSpPr/>
+        <p:nvPr/>
+      </p:nvGrpSpPr>
+      <p:grpSpPr>
+        <a:xfrm>
+          <a:off x="0" y="0"/>
+          <a:ext cx="0" cy="0"/>
+          <a:chOff x="0" y="0"/>
+          <a:chExt cx="0" cy="0"/>
+        </a:xfrm>
+      </p:grpSpPr>
+      <p:pic>
+        <p:nvPicPr>
+          <p:cNvPr id="2" name="Imagem 1">
+            <a:extLst>
+              <a:ext uri="{FF2B5EF4-FFF2-40B4-BE49-F238E27FC236}">
+                <a16:creationId xmlns:a16="http://schemas.microsoft.com/office/drawing/2014/main" id="{46447FED-6765-4E73-AE34-F23C7D378E29}"/>
+              </a:ext>
+            </a:extLst>
+          </p:cNvPr>
+          <p:cNvPicPr>
+            <a:picLocks noChangeAspect="1"/>
+          </p:cNvPicPr>
+          <p:nvPr/>
+        </p:nvPicPr>
+        <p:blipFill>
+          <a:blip r:embed="rId2"/>
+          <a:stretch>
+            <a:fillRect/>
+          </a:stretch>
+        </p:blipFill>
+        <p:spPr>
+          <a:xfrm>
+            <a:off x="0" y="969616"/>
+            <a:ext cx="10046987" cy="1626927"/>
+          </a:xfrm>
+          <a:prstGeom prst="rect">
+            <a:avLst/>
+          </a:prstGeom>
+        </p:spPr>
+      </p:pic>
+      <p:pic>
+        <p:nvPicPr>
+          <p:cNvPr id="3" name="Imagem 2">
+            <a:extLst>
+              <a:ext uri="{FF2B5EF4-FFF2-40B4-BE49-F238E27FC236}">
+                <a16:creationId xmlns:a16="http://schemas.microsoft.com/office/drawing/2014/main" id="{349DA353-C641-4866-875D-4AAB4915DB8A}"/>
+              </a:ext>
+            </a:extLst>
+          </p:cNvPr>
+          <p:cNvPicPr>
+            <a:picLocks noChangeAspect="1"/>
+          </p:cNvPicPr>
+          <p:nvPr/>
+        </p:nvPicPr>
+        <p:blipFill>
+          <a:blip r:embed="rId3"/>
+          <a:stretch>
+            <a:fillRect/>
+          </a:stretch>
+        </p:blipFill>
+        <p:spPr>
+          <a:xfrm>
+            <a:off x="10029735" y="969616"/>
+            <a:ext cx="1036198" cy="1609675"/>
+          </a:xfrm>
+          <a:prstGeom prst="rect">
+            <a:avLst/>
+          </a:prstGeom>
+        </p:spPr>
+      </p:pic>
+      <p:pic>
+        <p:nvPicPr>
+          <p:cNvPr id="4" name="Imagem 3">
+            <a:extLst>
+              <a:ext uri="{FF2B5EF4-FFF2-40B4-BE49-F238E27FC236}">
+                <a16:creationId xmlns:a16="http://schemas.microsoft.com/office/drawing/2014/main" id="{E2D19421-69D7-4531-B451-85EF98AF7B04}"/>
+              </a:ext>
+            </a:extLst>
+          </p:cNvPr>
+          <p:cNvPicPr>
+            <a:picLocks noChangeAspect="1"/>
+          </p:cNvPicPr>
+          <p:nvPr/>
+        </p:nvPicPr>
+        <p:blipFill>
+          <a:blip r:embed="rId4"/>
+          <a:stretch>
+            <a:fillRect/>
+          </a:stretch>
+        </p:blipFill>
+        <p:spPr>
+          <a:xfrm>
+            <a:off x="457200" y="3853513"/>
+            <a:ext cx="4112506" cy="1986942"/>
+          </a:xfrm>
+          <a:prstGeom prst="rect">
+            <a:avLst/>
+          </a:prstGeom>
+        </p:spPr>
+      </p:pic>
+      <p:pic>
+        <p:nvPicPr>
+          <p:cNvPr id="5" name="Imagem 4">
+            <a:extLst>
+              <a:ext uri="{FF2B5EF4-FFF2-40B4-BE49-F238E27FC236}">
+                <a16:creationId xmlns:a16="http://schemas.microsoft.com/office/drawing/2014/main" id="{0F6E4D36-B9BA-49A8-BAB3-2E6471FF5591}"/>
+              </a:ext>
+            </a:extLst>
+          </p:cNvPr>
+          <p:cNvPicPr>
+            <a:picLocks noChangeAspect="1"/>
+          </p:cNvPicPr>
+          <p:nvPr/>
+        </p:nvPicPr>
+        <p:blipFill>
+          <a:blip r:embed="rId5"/>
+          <a:stretch>
+            <a:fillRect/>
+          </a:stretch>
+        </p:blipFill>
+        <p:spPr>
+          <a:xfrm>
+            <a:off x="6644275" y="3853513"/>
+            <a:ext cx="4942358" cy="1886887"/>
+          </a:xfrm>
+          <a:prstGeom prst="rect">
+            <a:avLst/>
+          </a:prstGeom>
+        </p:spPr>
+      </p:pic>
+      <p:sp>
+        <p:nvSpPr>
+          <p:cNvPr id="6" name="CaixaDeTexto 5">
+            <a:extLst>
+              <a:ext uri="{FF2B5EF4-FFF2-40B4-BE49-F238E27FC236}">
+                <a16:creationId xmlns:a16="http://schemas.microsoft.com/office/drawing/2014/main" id="{ABD0B5B1-7BAF-419E-9C90-8C3DC283210A}"/>
+              </a:ext>
+            </a:extLst>
+          </p:cNvPr>
+          <p:cNvSpPr txBox="1"/>
+          <p:nvPr/>
+        </p:nvSpPr>
+        <p:spPr>
+          <a:xfrm>
+            <a:off x="3441700" y="185698"/>
+            <a:ext cx="4597400" cy="369332"/>
+          </a:xfrm>
+          <a:prstGeom prst="rect">
+            <a:avLst/>
+          </a:prstGeom>
+          <a:noFill/>
+        </p:spPr>
+        <p:txBody>
+          <a:bodyPr wrap="square" rtlCol="0">
+            <a:spAutoFit/>
+          </a:bodyPr>
+          <a:lstStyle>
+            <a:defPPr>
+              <a:defRPr lang="pt-BR"/>
+            </a:defPPr>
+            <a:lvl1pPr>
+              <a:defRPr sz="1600" b="1">
+                <a:latin typeface="Arial" panose="020B0604020202020204" pitchFamily="34" charset="0"/>
+                <a:cs typeface="Arial" panose="020B0604020202020204" pitchFamily="34" charset="0"/>
+              </a:defRPr>
+            </a:lvl1pPr>
+          </a:lstStyle>
+          <a:p>
+            <a:r>
+              <a:rPr lang="pt-BR" dirty="0"/>
+              <a:t>Buscando os dados da tabela tbClientes:</a:t>
+            </a:r>
+          </a:p>
+        </p:txBody>
+      </p:sp>
+      <p:sp>
+        <p:nvSpPr>
+          <p:cNvPr id="7" name="CaixaDeTexto 6">
+            <a:extLst>
+              <a:ext uri="{FF2B5EF4-FFF2-40B4-BE49-F238E27FC236}">
+                <a16:creationId xmlns:a16="http://schemas.microsoft.com/office/drawing/2014/main" id="{2E11BFA2-0178-4AFE-8FF0-9F3D56EABE5B}"/>
+              </a:ext>
+            </a:extLst>
+          </p:cNvPr>
+          <p:cNvSpPr txBox="1"/>
+          <p:nvPr/>
+        </p:nvSpPr>
+        <p:spPr>
+          <a:xfrm>
+            <a:off x="457200" y="3244334"/>
+            <a:ext cx="4597400" cy="369332"/>
+          </a:xfrm>
+          <a:prstGeom prst="rect">
+            <a:avLst/>
+          </a:prstGeom>
+          <a:noFill/>
+        </p:spPr>
+        <p:txBody>
+          <a:bodyPr wrap="square" rtlCol="0">
+            <a:spAutoFit/>
+          </a:bodyPr>
+          <a:lstStyle>
+            <a:defPPr>
+              <a:defRPr lang="pt-BR"/>
+            </a:defPPr>
+            <a:lvl1pPr>
+              <a:defRPr sz="1600" b="1">
+                <a:latin typeface="Arial" panose="020B0604020202020204" pitchFamily="34" charset="0"/>
+                <a:cs typeface="Arial" panose="020B0604020202020204" pitchFamily="34" charset="0"/>
+              </a:defRPr>
+            </a:lvl1pPr>
+          </a:lstStyle>
+          <a:p>
+            <a:r>
+              <a:rPr lang="pt-BR" dirty="0"/>
+              <a:t>Buscando os dados da tabela tbRua:</a:t>
+            </a:r>
+          </a:p>
+        </p:txBody>
+      </p:sp>
+      <p:sp>
+        <p:nvSpPr>
+          <p:cNvPr id="8" name="CaixaDeTexto 7">
+            <a:extLst>
+              <a:ext uri="{FF2B5EF4-FFF2-40B4-BE49-F238E27FC236}">
+                <a16:creationId xmlns:a16="http://schemas.microsoft.com/office/drawing/2014/main" id="{90C7EB6A-7384-419D-8FBE-AB3D2D267A80}"/>
+              </a:ext>
+            </a:extLst>
+          </p:cNvPr>
+          <p:cNvSpPr txBox="1"/>
+          <p:nvPr/>
+        </p:nvSpPr>
+        <p:spPr>
+          <a:xfrm>
+            <a:off x="7137400" y="3244334"/>
+            <a:ext cx="4597400" cy="369332"/>
+          </a:xfrm>
+          <a:prstGeom prst="rect">
+            <a:avLst/>
+          </a:prstGeom>
+          <a:noFill/>
+        </p:spPr>
+        <p:txBody>
+          <a:bodyPr wrap="square" rtlCol="0">
+            <a:spAutoFit/>
+          </a:bodyPr>
+          <a:lstStyle>
+            <a:defPPr>
+              <a:defRPr lang="pt-BR"/>
+            </a:defPPr>
+            <a:lvl1pPr>
+              <a:defRPr sz="1600" b="1">
+                <a:latin typeface="Arial" panose="020B0604020202020204" pitchFamily="34" charset="0"/>
+                <a:cs typeface="Arial" panose="020B0604020202020204" pitchFamily="34" charset="0"/>
+              </a:defRPr>
+            </a:lvl1pPr>
+          </a:lstStyle>
+          <a:p>
+            <a:r>
+              <a:rPr lang="pt-BR" dirty="0"/>
               <a:t>Buscando os dados da tabela tbSensores:</a:t>
             </a:r>
           </a:p>
@@ -5274,7 +5745,7 @@
 </p:sld>
 </file>
 
-<file path=ppt/slides/slide13.xml><?xml version="1.0" encoding="utf-8"?>
+<file path=ppt/slides/slide15.xml><?xml version="1.0" encoding="utf-8"?>
 <p:sld xmlns:a="http://schemas.openxmlformats.org/drawingml/2006/main" xmlns:r="http://schemas.openxmlformats.org/officeDocument/2006/relationships" xmlns:p="http://schemas.openxmlformats.org/presentationml/2006/main">
   <p:cSld>
     <p:bg>
@@ -5644,6 +6115,300 @@
     <p:extLst>
       <p:ext uri="{BB962C8B-B14F-4D97-AF65-F5344CB8AC3E}">
         <p14:creationId xmlns:p14="http://schemas.microsoft.com/office/powerpoint/2010/main" val="3707752108"/>
+      </p:ext>
+    </p:extLst>
+  </p:cSld>
+  <p:clrMapOvr>
+    <a:masterClrMapping/>
+  </p:clrMapOvr>
+</p:sld>
+</file>
+
+<file path=ppt/slides/slide16.xml><?xml version="1.0" encoding="utf-8"?>
+<p:sld xmlns:a="http://schemas.openxmlformats.org/drawingml/2006/main" xmlns:r="http://schemas.openxmlformats.org/officeDocument/2006/relationships" xmlns:p="http://schemas.openxmlformats.org/presentationml/2006/main">
+  <p:cSld>
+    <p:spTree>
+      <p:nvGrpSpPr>
+        <p:cNvPr id="1" name=""/>
+        <p:cNvGrpSpPr/>
+        <p:nvPr/>
+      </p:nvGrpSpPr>
+      <p:grpSpPr>
+        <a:xfrm>
+          <a:off x="0" y="0"/>
+          <a:ext cx="0" cy="0"/>
+          <a:chOff x="0" y="0"/>
+          <a:chExt cx="0" cy="0"/>
+        </a:xfrm>
+      </p:grpSpPr>
+      <p:sp>
+        <p:nvSpPr>
+          <p:cNvPr id="2" name="Título 1">
+            <a:extLst>
+              <a:ext uri="{FF2B5EF4-FFF2-40B4-BE49-F238E27FC236}">
+                <a16:creationId xmlns:a16="http://schemas.microsoft.com/office/drawing/2014/main" id="{256D159D-F40E-49A0-9109-60513704A390}"/>
+              </a:ext>
+            </a:extLst>
+          </p:cNvPr>
+          <p:cNvSpPr>
+            <a:spLocks noGrp="1"/>
+          </p:cNvSpPr>
+          <p:nvPr>
+            <p:ph type="title"/>
+          </p:nvPr>
+        </p:nvSpPr>
+        <p:spPr>
+          <a:xfrm>
+            <a:off x="640079" y="2053641"/>
+            <a:ext cx="3669161" cy="2760098"/>
+          </a:xfrm>
+        </p:spPr>
+        <p:txBody>
+          <a:bodyPr>
+            <a:normAutofit/>
+          </a:bodyPr>
+          <a:lstStyle/>
+          <a:p>
+            <a:r>
+              <a:rPr lang="pt-BR" b="1">
+                <a:solidFill>
+                  <a:srgbClr val="FFFFFF"/>
+                </a:solidFill>
+                <a:latin typeface="Arial" panose="020B0604020202020204" pitchFamily="34" charset="0"/>
+                <a:cs typeface="Arial" panose="020B0604020202020204" pitchFamily="34" charset="0"/>
+              </a:rPr>
+              <a:t>A Sustabil agradece pela atenção de todos</a:t>
+            </a:r>
+          </a:p>
+        </p:txBody>
+      </p:sp>
+      <p:sp>
+        <p:nvSpPr>
+          <p:cNvPr id="3" name="Espaço Reservado para Conteúdo 2">
+            <a:extLst>
+              <a:ext uri="{FF2B5EF4-FFF2-40B4-BE49-F238E27FC236}">
+                <a16:creationId xmlns:a16="http://schemas.microsoft.com/office/drawing/2014/main" id="{5440C41A-5943-4012-80B3-389EB74618C2}"/>
+              </a:ext>
+            </a:extLst>
+          </p:cNvPr>
+          <p:cNvSpPr>
+            <a:spLocks noGrp="1"/>
+          </p:cNvSpPr>
+          <p:nvPr>
+            <p:ph idx="1"/>
+          </p:nvPr>
+        </p:nvSpPr>
+        <p:spPr>
+          <a:xfrm>
+            <a:off x="6090574" y="801866"/>
+            <a:ext cx="5306084" cy="5230634"/>
+          </a:xfrm>
+        </p:spPr>
+        <p:txBody>
+          <a:bodyPr anchor="ctr">
+            <a:normAutofit/>
+          </a:bodyPr>
+          <a:lstStyle/>
+          <a:p>
+            <a:r>
+              <a:rPr lang="pt-BR" sz="2400" b="1" dirty="0">
+                <a:solidFill>
+                  <a:srgbClr val="000000"/>
+                </a:solidFill>
+                <a:latin typeface="Arial" panose="020B0604020202020204" pitchFamily="34" charset="0"/>
+                <a:cs typeface="Arial" panose="020B0604020202020204" pitchFamily="34" charset="0"/>
+              </a:rPr>
+              <a:t>Nossos contatos</a:t>
+            </a:r>
+            <a:r>
+              <a:rPr lang="pt-BR" sz="2400" dirty="0">
+                <a:solidFill>
+                  <a:srgbClr val="000000"/>
+                </a:solidFill>
+                <a:latin typeface="Arial" panose="020B0604020202020204" pitchFamily="34" charset="0"/>
+                <a:cs typeface="Arial" panose="020B0604020202020204" pitchFamily="34" charset="0"/>
+              </a:rPr>
+              <a:t>:</a:t>
+            </a:r>
+          </a:p>
+          <a:p>
+            <a:pPr marL="0" indent="0">
+              <a:buNone/>
+            </a:pPr>
+            <a:endParaRPr lang="pt-BR" sz="2400" dirty="0">
+              <a:solidFill>
+                <a:srgbClr val="000000"/>
+              </a:solidFill>
+              <a:latin typeface="Arial" panose="020B0604020202020204" pitchFamily="34" charset="0"/>
+              <a:cs typeface="Arial" panose="020B0604020202020204" pitchFamily="34" charset="0"/>
+            </a:endParaRPr>
+          </a:p>
+          <a:p>
+            <a:pPr>
+              <a:buFont typeface="Wingdings" panose="05000000000000000000" pitchFamily="2" charset="2"/>
+              <a:buChar char="Ø"/>
+            </a:pPr>
+            <a:r>
+              <a:rPr lang="pt-BR" sz="2400" dirty="0">
+                <a:solidFill>
+                  <a:srgbClr val="000000"/>
+                </a:solidFill>
+                <a:effectLst>
+                  <a:outerShdw blurRad="38100" dist="38100" dir="2700000" algn="tl">
+                    <a:srgbClr val="000000">
+                      <a:alpha val="43137"/>
+                    </a:srgbClr>
+                  </a:outerShdw>
+                </a:effectLst>
+                <a:latin typeface="Arial" panose="020B0604020202020204" pitchFamily="34" charset="0"/>
+                <a:cs typeface="Arial" panose="020B0604020202020204" pitchFamily="34" charset="0"/>
+              </a:rPr>
+              <a:t>Celular</a:t>
+            </a:r>
+            <a:r>
+              <a:rPr lang="pt-BR" sz="2400" dirty="0">
+                <a:solidFill>
+                  <a:srgbClr val="000000"/>
+                </a:solidFill>
+                <a:latin typeface="Arial" panose="020B0604020202020204" pitchFamily="34" charset="0"/>
+                <a:cs typeface="Arial" panose="020B0604020202020204" pitchFamily="34" charset="0"/>
+              </a:rPr>
+              <a:t>: (11) 94834-8922</a:t>
+            </a:r>
+          </a:p>
+          <a:p>
+            <a:pPr>
+              <a:buFont typeface="Wingdings" panose="05000000000000000000" pitchFamily="2" charset="2"/>
+              <a:buChar char="Ø"/>
+            </a:pPr>
+            <a:r>
+              <a:rPr lang="pt-BR" sz="2400" dirty="0">
+                <a:solidFill>
+                  <a:srgbClr val="000000"/>
+                </a:solidFill>
+                <a:effectLst>
+                  <a:outerShdw blurRad="38100" dist="38100" dir="2700000" algn="tl">
+                    <a:srgbClr val="000000">
+                      <a:alpha val="43137"/>
+                    </a:srgbClr>
+                  </a:outerShdw>
+                </a:effectLst>
+                <a:latin typeface="Arial" panose="020B0604020202020204" pitchFamily="34" charset="0"/>
+                <a:cs typeface="Arial" panose="020B0604020202020204" pitchFamily="34" charset="0"/>
+              </a:rPr>
+              <a:t>Tel. Comercial</a:t>
+            </a:r>
+            <a:r>
+              <a:rPr lang="pt-BR" sz="2400" dirty="0">
+                <a:solidFill>
+                  <a:srgbClr val="000000"/>
+                </a:solidFill>
+                <a:latin typeface="Arial" panose="020B0604020202020204" pitchFamily="34" charset="0"/>
+                <a:cs typeface="Arial" panose="020B0604020202020204" pitchFamily="34" charset="0"/>
+              </a:rPr>
+              <a:t>: (11) 5514-3258</a:t>
+            </a:r>
+          </a:p>
+          <a:p>
+            <a:pPr>
+              <a:buFont typeface="Wingdings" panose="05000000000000000000" pitchFamily="2" charset="2"/>
+              <a:buChar char="Ø"/>
+            </a:pPr>
+            <a:endParaRPr lang="pt-BR" sz="2400" dirty="0">
+              <a:solidFill>
+                <a:srgbClr val="000000"/>
+              </a:solidFill>
+              <a:latin typeface="Arial" panose="020B0604020202020204" pitchFamily="34" charset="0"/>
+              <a:cs typeface="Arial" panose="020B0604020202020204" pitchFamily="34" charset="0"/>
+            </a:endParaRPr>
+          </a:p>
+          <a:p>
+            <a:pPr>
+              <a:buFont typeface="Wingdings" panose="05000000000000000000" pitchFamily="2" charset="2"/>
+              <a:buChar char="Ø"/>
+            </a:pPr>
+            <a:r>
+              <a:rPr lang="pt-BR" sz="2400" dirty="0">
+                <a:solidFill>
+                  <a:srgbClr val="000000"/>
+                </a:solidFill>
+                <a:effectLst>
+                  <a:outerShdw blurRad="38100" dist="38100" dir="2700000" algn="tl">
+                    <a:srgbClr val="000000">
+                      <a:alpha val="43137"/>
+                    </a:srgbClr>
+                  </a:outerShdw>
+                </a:effectLst>
+                <a:latin typeface="Arial" panose="020B0604020202020204" pitchFamily="34" charset="0"/>
+                <a:cs typeface="Arial" panose="020B0604020202020204" pitchFamily="34" charset="0"/>
+              </a:rPr>
+              <a:t>E-mail</a:t>
+            </a:r>
+            <a:r>
+              <a:rPr lang="pt-BR" sz="2400" dirty="0">
+                <a:solidFill>
+                  <a:srgbClr val="000000"/>
+                </a:solidFill>
+                <a:latin typeface="Arial" panose="020B0604020202020204" pitchFamily="34" charset="0"/>
+                <a:cs typeface="Arial" panose="020B0604020202020204" pitchFamily="34" charset="0"/>
+              </a:rPr>
+              <a:t>: </a:t>
+            </a:r>
+            <a:r>
+              <a:rPr lang="pt-BR" sz="2400" dirty="0">
+                <a:solidFill>
+                  <a:srgbClr val="000000"/>
+                </a:solidFill>
+                <a:latin typeface="Arial" panose="020B0604020202020204" pitchFamily="34" charset="0"/>
+                <a:cs typeface="Arial" panose="020B0604020202020204" pitchFamily="34" charset="0"/>
+                <a:hlinkClick r:id="rId2"/>
+              </a:rPr>
+              <a:t>sustabil@bandtec.com.br</a:t>
+            </a:r>
+            <a:endParaRPr lang="pt-BR" sz="2400" dirty="0">
+              <a:solidFill>
+                <a:srgbClr val="000000"/>
+              </a:solidFill>
+              <a:latin typeface="Arial" panose="020B0604020202020204" pitchFamily="34" charset="0"/>
+              <a:cs typeface="Arial" panose="020B0604020202020204" pitchFamily="34" charset="0"/>
+            </a:endParaRPr>
+          </a:p>
+        </p:txBody>
+      </p:sp>
+      <p:pic>
+        <p:nvPicPr>
+          <p:cNvPr id="4" name="Imagem 3">
+            <a:extLst>
+              <a:ext uri="{FF2B5EF4-FFF2-40B4-BE49-F238E27FC236}">
+                <a16:creationId xmlns:a16="http://schemas.microsoft.com/office/drawing/2014/main" id="{FC14E8B6-392A-4C5B-BF9E-8118C887D996}"/>
+              </a:ext>
+            </a:extLst>
+          </p:cNvPr>
+          <p:cNvPicPr>
+            <a:picLocks noChangeAspect="1"/>
+          </p:cNvPicPr>
+          <p:nvPr/>
+        </p:nvPicPr>
+        <p:blipFill>
+          <a:blip r:embed="rId3"/>
+          <a:stretch>
+            <a:fillRect/>
+          </a:stretch>
+        </p:blipFill>
+        <p:spPr>
+          <a:xfrm>
+            <a:off x="53894" y="35169"/>
+            <a:ext cx="1035488" cy="1035488"/>
+          </a:xfrm>
+          <a:prstGeom prst="rect">
+            <a:avLst/>
+          </a:prstGeom>
+        </p:spPr>
+      </p:pic>
+    </p:spTree>
+    <p:extLst>
+      <p:ext uri="{BB962C8B-B14F-4D97-AF65-F5344CB8AC3E}">
+        <p14:creationId xmlns:p14="http://schemas.microsoft.com/office/powerpoint/2010/main" val="725435928"/>
       </p:ext>
     </p:extLst>
   </p:cSld>
@@ -7815,14 +8580,6 @@
 <file path=ppt/slides/slide6.xml><?xml version="1.0" encoding="utf-8"?>
 <p:sld xmlns:a="http://schemas.openxmlformats.org/drawingml/2006/main" xmlns:r="http://schemas.openxmlformats.org/officeDocument/2006/relationships" xmlns:p="http://schemas.openxmlformats.org/presentationml/2006/main">
   <p:cSld>
-    <p:bg>
-      <p:bgPr>
-        <a:solidFill>
-          <a:schemeClr val="bg1"/>
-        </a:solidFill>
-        <a:effectLst/>
-      </p:bgPr>
-    </p:bg>
     <p:spTree>
       <p:nvGrpSpPr>
         <p:cNvPr id="1" name=""/>
@@ -7837,39 +8594,530 @@
           <a:chExt cx="0" cy="0"/>
         </a:xfrm>
       </p:grpSpPr>
-      <p:sp useBgFill="1">
-        <p:nvSpPr>
-          <p:cNvPr id="45" name="Rectangle 39">
-            <a:extLst>
-              <a:ext uri="{FF2B5EF4-FFF2-40B4-BE49-F238E27FC236}">
-                <a16:creationId xmlns:a16="http://schemas.microsoft.com/office/drawing/2014/main" id="{1ECAB1E8-8195-4748-BE71-FF806D86892E}"/>
-              </a:ext>
-              <a:ext uri="{C183D7F6-B498-43B3-948B-1728B52AA6E4}">
-                <adec:decorative xmlns:adec="http://schemas.microsoft.com/office/drawing/2017/decorative" val="1"/>
+      <p:sp>
+        <p:nvSpPr>
+          <p:cNvPr id="2" name="Título 1">
+            <a:extLst>
+              <a:ext uri="{FF2B5EF4-FFF2-40B4-BE49-F238E27FC236}">
+                <a16:creationId xmlns:a16="http://schemas.microsoft.com/office/drawing/2014/main" id="{81717266-6AEC-4E54-ABDD-4B3A2718C4F3}"/>
               </a:ext>
             </a:extLst>
           </p:cNvPr>
           <p:cNvSpPr>
-            <a:spLocks noGrp="1" noRot="1" noChangeAspect="1" noMove="1" noResize="1" noEditPoints="1" noAdjustHandles="1" noChangeArrowheads="1" noChangeShapeType="1" noTextEdit="1"/>
+            <a:spLocks noGrp="1"/>
           </p:cNvSpPr>
           <p:nvPr>
-            <p:extLst>
-              <p:ext uri="{386F3935-93C4-4BCD-93E2-E3B085C9AB24}">
-                <p16:designElem xmlns:p16="http://schemas.microsoft.com/office/powerpoint/2015/main" val="1"/>
-              </p:ext>
-            </p:extLst>
+            <p:ph type="title"/>
           </p:nvPr>
         </p:nvSpPr>
         <p:spPr>
           <a:xfrm>
-            <a:off x="0" y="0"/>
-            <a:ext cx="12192000" cy="6858000"/>
+            <a:off x="830896" y="18255"/>
+            <a:ext cx="10515600" cy="1325563"/>
+          </a:xfrm>
+        </p:spPr>
+        <p:txBody>
+          <a:bodyPr>
+            <a:normAutofit/>
+          </a:bodyPr>
+          <a:lstStyle/>
+          <a:p>
+            <a:pPr algn="ctr"/>
+            <a:r>
+              <a:rPr lang="pt-BR" sz="3700" dirty="0">
+                <a:latin typeface="Arial" panose="020B0604020202020204" pitchFamily="34" charset="0"/>
+                <a:cs typeface="Arial" panose="020B0604020202020204" pitchFamily="34" charset="0"/>
+              </a:rPr>
+              <a:t>Onde os dados são armazenados?</a:t>
+            </a:r>
+          </a:p>
+        </p:txBody>
+      </p:sp>
+      <p:sp>
+        <p:nvSpPr>
+          <p:cNvPr id="3" name="Espaço Reservado para Conteúdo 2">
+            <a:extLst>
+              <a:ext uri="{FF2B5EF4-FFF2-40B4-BE49-F238E27FC236}">
+                <a16:creationId xmlns:a16="http://schemas.microsoft.com/office/drawing/2014/main" id="{E317D884-3835-4901-A2A5-B94BB67813BB}"/>
+              </a:ext>
+            </a:extLst>
+          </p:cNvPr>
+          <p:cNvSpPr>
+            <a:spLocks noGrp="1"/>
+          </p:cNvSpPr>
+          <p:nvPr>
+            <p:ph idx="1"/>
+          </p:nvPr>
+        </p:nvSpPr>
+        <p:spPr/>
+        <p:txBody>
+          <a:bodyPr>
+            <a:normAutofit/>
+          </a:bodyPr>
+          <a:lstStyle/>
+          <a:p>
+            <a:r>
+              <a:rPr lang="pt-BR" sz="2000">
+                <a:latin typeface="Arial" panose="020B0604020202020204" pitchFamily="34" charset="0"/>
+                <a:cs typeface="Arial" panose="020B0604020202020204" pitchFamily="34" charset="0"/>
+              </a:rPr>
+              <a:t>Os dados serão armazenados em nosso banco de dados, todas as informações pedidas para o cadastro serão armazenadas e os sensores atribuídos a seus respectivos clientes</a:t>
+            </a:r>
+            <a:endParaRPr lang="pt-BR" sz="2000" dirty="0">
+              <a:latin typeface="Arial" panose="020B0604020202020204" pitchFamily="34" charset="0"/>
+              <a:cs typeface="Arial" panose="020B0604020202020204" pitchFamily="34" charset="0"/>
+            </a:endParaRPr>
+          </a:p>
+        </p:txBody>
+      </p:sp>
+      <p:pic>
+        <p:nvPicPr>
+          <p:cNvPr id="4" name="Picture 2" descr="Waste Water Treatment Leakage Broke Svg Png Icon Free Download (#569149) -  OnlineWebFonts.COM">
+            <a:extLst>
+              <a:ext uri="{FF2B5EF4-FFF2-40B4-BE49-F238E27FC236}">
+                <a16:creationId xmlns:a16="http://schemas.microsoft.com/office/drawing/2014/main" id="{A9027475-A512-4FFC-B95F-6730DF59B3DE}"/>
+              </a:ext>
+            </a:extLst>
+          </p:cNvPr>
+          <p:cNvPicPr>
+            <a:picLocks noChangeAspect="1" noChangeArrowheads="1"/>
+          </p:cNvPicPr>
+          <p:nvPr/>
+        </p:nvPicPr>
+        <p:blipFill rotWithShape="1">
+          <a:blip r:embed="rId2">
+            <a:alphaModFix/>
+            <a:extLst>
+              <a:ext uri="{28A0092B-C50C-407E-A947-70E740481C1C}">
+                <a14:useLocalDpi xmlns:a14="http://schemas.microsoft.com/office/drawing/2010/main" val="0"/>
+              </a:ext>
+            </a:extLst>
+          </a:blip>
+          <a:srcRect r="548"/>
+          <a:stretch/>
+        </p:blipFill>
+        <p:spPr bwMode="auto">
+          <a:xfrm>
+            <a:off x="314372" y="4851908"/>
+            <a:ext cx="1870411" cy="2006092"/>
           </a:xfrm>
           <a:prstGeom prst="rect">
             <a:avLst/>
           </a:prstGeom>
+          <a:noFill/>
+          <a:extLst>
+            <a:ext uri="{909E8E84-426E-40DD-AFC4-6F175D3DCCD1}">
+              <a14:hiddenFill xmlns:a14="http://schemas.microsoft.com/office/drawing/2010/main">
+                <a:solidFill>
+                  <a:srgbClr val="FFFFFF"/>
+                </a:solidFill>
+              </a14:hiddenFill>
+            </a:ext>
+          </a:extLst>
+        </p:spPr>
+      </p:pic>
+      <p:pic>
+        <p:nvPicPr>
+          <p:cNvPr id="5" name="Picture 6" descr="temperature and humidity sensor">
+            <a:extLst>
+              <a:ext uri="{FF2B5EF4-FFF2-40B4-BE49-F238E27FC236}">
+                <a16:creationId xmlns:a16="http://schemas.microsoft.com/office/drawing/2014/main" id="{B285B2BE-0AF8-4A57-823E-D0EFFB44C254}"/>
+              </a:ext>
+            </a:extLst>
+          </p:cNvPr>
+          <p:cNvPicPr>
+            <a:picLocks noChangeAspect="1" noChangeArrowheads="1"/>
+          </p:cNvPicPr>
+          <p:nvPr/>
+        </p:nvPicPr>
+        <p:blipFill>
+          <a:blip r:embed="rId3">
+            <a:extLst>
+              <a:ext uri="{28A0092B-C50C-407E-A947-70E740481C1C}">
+                <a14:useLocalDpi xmlns:a14="http://schemas.microsoft.com/office/drawing/2010/main" val="0"/>
+              </a:ext>
+            </a:extLst>
+          </a:blip>
+          <a:srcRect/>
+          <a:stretch>
+            <a:fillRect/>
+          </a:stretch>
+        </p:blipFill>
+        <p:spPr bwMode="auto">
+          <a:xfrm rot="18635752">
+            <a:off x="1092002" y="6225041"/>
+            <a:ext cx="315149" cy="315149"/>
+          </a:xfrm>
+          <a:prstGeom prst="rect">
+            <a:avLst/>
+          </a:prstGeom>
+          <a:noFill/>
+          <a:extLst>
+            <a:ext uri="{909E8E84-426E-40DD-AFC4-6F175D3DCCD1}">
+              <a14:hiddenFill xmlns:a14="http://schemas.microsoft.com/office/drawing/2010/main">
+                <a:solidFill>
+                  <a:srgbClr val="FFFFFF"/>
+                </a:solidFill>
+              </a14:hiddenFill>
+            </a:ext>
+          </a:extLst>
+        </p:spPr>
+      </p:pic>
+      <p:pic>
+        <p:nvPicPr>
+          <p:cNvPr id="6" name="Picture 8" descr="Alert Alt Svg Png Icon Free Download (#565392) - OnlineWebFonts.COM">
+            <a:extLst>
+              <a:ext uri="{FF2B5EF4-FFF2-40B4-BE49-F238E27FC236}">
+                <a16:creationId xmlns:a16="http://schemas.microsoft.com/office/drawing/2014/main" id="{2E7665F3-0BAE-4C54-AF17-EF1B6CAB0B8F}"/>
+              </a:ext>
+            </a:extLst>
+          </p:cNvPr>
+          <p:cNvPicPr>
+            <a:picLocks noChangeAspect="1" noChangeArrowheads="1"/>
+          </p:cNvPicPr>
+          <p:nvPr/>
+        </p:nvPicPr>
+        <p:blipFill rotWithShape="1">
+          <a:blip r:embed="rId4">
+            <a:duotone>
+              <a:schemeClr val="accent2">
+                <a:shade val="45000"/>
+                <a:satMod val="135000"/>
+              </a:schemeClr>
+              <a:prstClr val="white"/>
+            </a:duotone>
+            <a:alphaModFix/>
+            <a:extLst>
+              <a:ext uri="{BEBA8EAE-BF5A-486C-A8C5-ECC9F3942E4B}">
+                <a14:imgProps xmlns:a14="http://schemas.microsoft.com/office/drawing/2010/main">
+                  <a14:imgLayer r:embed="rId5">
+                    <a14:imgEffect>
+                      <a14:colorTemperature colorTemp="6360"/>
+                    </a14:imgEffect>
+                    <a14:imgEffect>
+                      <a14:saturation sat="191000"/>
+                    </a14:imgEffect>
+                  </a14:imgLayer>
+                </a14:imgProps>
+              </a:ext>
+              <a:ext uri="{28A0092B-C50C-407E-A947-70E740481C1C}">
+                <a14:useLocalDpi xmlns:a14="http://schemas.microsoft.com/office/drawing/2010/main" val="0"/>
+              </a:ext>
+            </a:extLst>
+          </a:blip>
+          <a:srcRect b="72111"/>
+          <a:stretch/>
+        </p:blipFill>
+        <p:spPr bwMode="auto">
+          <a:xfrm rot="13158707">
+            <a:off x="841771" y="6471416"/>
+            <a:ext cx="491158" cy="209764"/>
+          </a:xfrm>
+          <a:prstGeom prst="rect">
+            <a:avLst/>
+          </a:prstGeom>
+          <a:noFill/>
           <a:ln>
             <a:noFill/>
+          </a:ln>
+        </p:spPr>
+      </p:pic>
+      <p:pic>
+        <p:nvPicPr>
+          <p:cNvPr id="1026" name="Picture 2" descr="poste elétrico - ícones de eletrônicos grátis">
+            <a:extLst>
+              <a:ext uri="{FF2B5EF4-FFF2-40B4-BE49-F238E27FC236}">
+                <a16:creationId xmlns:a16="http://schemas.microsoft.com/office/drawing/2014/main" id="{49B43E45-D4D5-48F4-8B57-4A932C3C7CD5}"/>
+              </a:ext>
+            </a:extLst>
+          </p:cNvPr>
+          <p:cNvPicPr>
+            <a:picLocks noChangeAspect="1" noChangeArrowheads="1"/>
+          </p:cNvPicPr>
+          <p:nvPr/>
+        </p:nvPicPr>
+        <p:blipFill>
+          <a:blip r:embed="rId6">
+            <a:extLst>
+              <a:ext uri="{28A0092B-C50C-407E-A947-70E740481C1C}">
+                <a14:useLocalDpi xmlns:a14="http://schemas.microsoft.com/office/drawing/2010/main" val="0"/>
+              </a:ext>
+            </a:extLst>
+          </a:blip>
+          <a:srcRect/>
+          <a:stretch>
+            <a:fillRect/>
+          </a:stretch>
+        </p:blipFill>
+        <p:spPr bwMode="auto">
+          <a:xfrm>
+            <a:off x="2708610" y="3143029"/>
+            <a:ext cx="1708879" cy="1708879"/>
+          </a:xfrm>
+          <a:prstGeom prst="rect">
+            <a:avLst/>
+          </a:prstGeom>
+          <a:noFill/>
+          <a:extLst>
+            <a:ext uri="{909E8E84-426E-40DD-AFC4-6F175D3DCCD1}">
+              <a14:hiddenFill xmlns:a14="http://schemas.microsoft.com/office/drawing/2010/main">
+                <a:solidFill>
+                  <a:srgbClr val="FFFFFF"/>
+                </a:solidFill>
+              </a14:hiddenFill>
+            </a:ext>
+          </a:extLst>
+        </p:spPr>
+      </p:pic>
+      <p:pic>
+        <p:nvPicPr>
+          <p:cNvPr id="1030" name="Picture 6" descr="Roteador Wi-Fi Ícone - Download Grátis, PNG e Vetores">
+            <a:extLst>
+              <a:ext uri="{FF2B5EF4-FFF2-40B4-BE49-F238E27FC236}">
+                <a16:creationId xmlns:a16="http://schemas.microsoft.com/office/drawing/2014/main" id="{7A8BDA75-8082-4131-8F58-CCE859769CBD}"/>
+              </a:ext>
+            </a:extLst>
+          </p:cNvPr>
+          <p:cNvPicPr>
+            <a:picLocks noChangeAspect="1" noChangeArrowheads="1"/>
+          </p:cNvPicPr>
+          <p:nvPr/>
+        </p:nvPicPr>
+        <p:blipFill rotWithShape="1">
+          <a:blip r:embed="rId7">
+            <a:extLst>
+              <a:ext uri="{28A0092B-C50C-407E-A947-70E740481C1C}">
+                <a14:useLocalDpi xmlns:a14="http://schemas.microsoft.com/office/drawing/2010/main" val="0"/>
+              </a:ext>
+            </a:extLst>
+          </a:blip>
+          <a:srcRect r="5484" b="5242"/>
+          <a:stretch/>
+        </p:blipFill>
+        <p:spPr bwMode="auto">
+          <a:xfrm>
+            <a:off x="2708612" y="2809952"/>
+            <a:ext cx="742512" cy="744410"/>
+          </a:xfrm>
+          <a:prstGeom prst="rect">
+            <a:avLst/>
+          </a:prstGeom>
+          <a:noFill/>
+          <a:extLst>
+            <a:ext uri="{909E8E84-426E-40DD-AFC4-6F175D3DCCD1}">
+              <a14:hiddenFill xmlns:a14="http://schemas.microsoft.com/office/drawing/2010/main">
+                <a:solidFill>
+                  <a:srgbClr val="FFFFFF"/>
+                </a:solidFill>
+              </a14:hiddenFill>
+            </a:ext>
+          </a:extLst>
+        </p:spPr>
+      </p:pic>
+      <p:pic>
+        <p:nvPicPr>
+          <p:cNvPr id="1032" name="Picture 8" descr="ícone Servidor Livre de WHCompare Isometric Web Hosting &amp; Servers">
+            <a:extLst>
+              <a:ext uri="{FF2B5EF4-FFF2-40B4-BE49-F238E27FC236}">
+                <a16:creationId xmlns:a16="http://schemas.microsoft.com/office/drawing/2014/main" id="{CBDCF82D-42C4-4EB5-BDEF-78695D8EACC1}"/>
+              </a:ext>
+            </a:extLst>
+          </p:cNvPr>
+          <p:cNvPicPr>
+            <a:picLocks noChangeAspect="1" noChangeArrowheads="1"/>
+          </p:cNvPicPr>
+          <p:nvPr/>
+        </p:nvPicPr>
+        <p:blipFill>
+          <a:blip r:embed="rId8">
+            <a:extLst>
+              <a:ext uri="{28A0092B-C50C-407E-A947-70E740481C1C}">
+                <a14:useLocalDpi xmlns:a14="http://schemas.microsoft.com/office/drawing/2010/main" val="0"/>
+              </a:ext>
+            </a:extLst>
+          </a:blip>
+          <a:srcRect/>
+          <a:stretch>
+            <a:fillRect/>
+          </a:stretch>
+        </p:blipFill>
+        <p:spPr bwMode="auto">
+          <a:xfrm>
+            <a:off x="4941316" y="4759790"/>
+            <a:ext cx="2190327" cy="2190327"/>
+          </a:xfrm>
+          <a:prstGeom prst="rect">
+            <a:avLst/>
+          </a:prstGeom>
+          <a:noFill/>
+          <a:extLst>
+            <a:ext uri="{909E8E84-426E-40DD-AFC4-6F175D3DCCD1}">
+              <a14:hiddenFill xmlns:a14="http://schemas.microsoft.com/office/drawing/2010/main">
+                <a:solidFill>
+                  <a:srgbClr val="FFFFFF"/>
+                </a:solidFill>
+              </a14:hiddenFill>
+            </a:ext>
+          </a:extLst>
+        </p:spPr>
+      </p:pic>
+      <p:pic>
+        <p:nvPicPr>
+          <p:cNvPr id="1034" name="Picture 10" descr="Person using computer icon vector illustration design.">
+            <a:extLst>
+              <a:ext uri="{FF2B5EF4-FFF2-40B4-BE49-F238E27FC236}">
+                <a16:creationId xmlns:a16="http://schemas.microsoft.com/office/drawing/2014/main" id="{54807AD0-A037-46D2-9142-5A86027BD3DE}"/>
+              </a:ext>
+            </a:extLst>
+          </p:cNvPr>
+          <p:cNvPicPr>
+            <a:picLocks noChangeAspect="1" noChangeArrowheads="1"/>
+          </p:cNvPicPr>
+          <p:nvPr/>
+        </p:nvPicPr>
+        <p:blipFill rotWithShape="1">
+          <a:blip r:embed="rId9">
+            <a:extLst>
+              <a:ext uri="{28A0092B-C50C-407E-A947-70E740481C1C}">
+                <a14:useLocalDpi xmlns:a14="http://schemas.microsoft.com/office/drawing/2010/main" val="0"/>
+              </a:ext>
+            </a:extLst>
+          </a:blip>
+          <a:srcRect b="20960"/>
+          <a:stretch/>
+        </p:blipFill>
+        <p:spPr bwMode="auto">
+          <a:xfrm>
+            <a:off x="7774512" y="2947883"/>
+            <a:ext cx="1940641" cy="1661705"/>
+          </a:xfrm>
+          <a:prstGeom prst="rect">
+            <a:avLst/>
+          </a:prstGeom>
+          <a:noFill/>
+          <a:extLst>
+            <a:ext uri="{909E8E84-426E-40DD-AFC4-6F175D3DCCD1}">
+              <a14:hiddenFill xmlns:a14="http://schemas.microsoft.com/office/drawing/2010/main">
+                <a:solidFill>
+                  <a:srgbClr val="FFFFFF"/>
+                </a:solidFill>
+              </a14:hiddenFill>
+            </a:ext>
+          </a:extLst>
+        </p:spPr>
+      </p:pic>
+      <p:pic>
+        <p:nvPicPr>
+          <p:cNvPr id="1036" name="Picture 12" descr="computer, desktop, laptop, mac, monitor, pc, screen icon | Conjunto de  ícones, Conjunto de">
+            <a:extLst>
+              <a:ext uri="{FF2B5EF4-FFF2-40B4-BE49-F238E27FC236}">
+                <a16:creationId xmlns:a16="http://schemas.microsoft.com/office/drawing/2014/main" id="{207611DD-ED0F-4EF6-86BE-D157312D68E1}"/>
+              </a:ext>
+            </a:extLst>
+          </p:cNvPr>
+          <p:cNvPicPr>
+            <a:picLocks noChangeAspect="1" noChangeArrowheads="1"/>
+          </p:cNvPicPr>
+          <p:nvPr/>
+        </p:nvPicPr>
+        <p:blipFill>
+          <a:blip r:embed="rId10">
+            <a:extLst>
+              <a:ext uri="{28A0092B-C50C-407E-A947-70E740481C1C}">
+                <a14:useLocalDpi xmlns:a14="http://schemas.microsoft.com/office/drawing/2010/main" val="0"/>
+              </a:ext>
+            </a:extLst>
+          </a:blip>
+          <a:srcRect/>
+          <a:stretch>
+            <a:fillRect/>
+          </a:stretch>
+        </p:blipFill>
+        <p:spPr bwMode="auto">
+          <a:xfrm>
+            <a:off x="9560874" y="2906200"/>
+            <a:ext cx="2190327" cy="1981045"/>
+          </a:xfrm>
+          <a:prstGeom prst="rect">
+            <a:avLst/>
+          </a:prstGeom>
+          <a:noFill/>
+          <a:extLst>
+            <a:ext uri="{909E8E84-426E-40DD-AFC4-6F175D3DCCD1}">
+              <a14:hiddenFill xmlns:a14="http://schemas.microsoft.com/office/drawing/2010/main">
+                <a:solidFill>
+                  <a:srgbClr val="FFFFFF"/>
+                </a:solidFill>
+              </a14:hiddenFill>
+            </a:ext>
+          </a:extLst>
+        </p:spPr>
+      </p:pic>
+      <p:sp>
+        <p:nvSpPr>
+          <p:cNvPr id="7" name="CaixaDeTexto 6">
+            <a:extLst>
+              <a:ext uri="{FF2B5EF4-FFF2-40B4-BE49-F238E27FC236}">
+                <a16:creationId xmlns:a16="http://schemas.microsoft.com/office/drawing/2014/main" id="{C3D9AF88-2C98-4553-B0A1-E0B2F86C0658}"/>
+              </a:ext>
+            </a:extLst>
+          </p:cNvPr>
+          <p:cNvSpPr txBox="1"/>
+          <p:nvPr/>
+        </p:nvSpPr>
+        <p:spPr>
+          <a:xfrm>
+            <a:off x="9674157" y="3169442"/>
+            <a:ext cx="2077044" cy="830997"/>
+          </a:xfrm>
+          <a:prstGeom prst="rect">
+            <a:avLst/>
+          </a:prstGeom>
+          <a:noFill/>
+        </p:spPr>
+        <p:txBody>
+          <a:bodyPr wrap="square" rtlCol="0">
+            <a:spAutoFit/>
+          </a:bodyPr>
+          <a:lstStyle/>
+          <a:p>
+            <a:r>
+              <a:rPr lang="pt-BR" sz="1600" b="1" dirty="0">
+                <a:latin typeface="Arial" panose="020B0604020202020204" pitchFamily="34" charset="0"/>
+                <a:cs typeface="Arial" panose="020B0604020202020204" pitchFamily="34" charset="0"/>
+              </a:rPr>
+              <a:t>Sensor 3 detectou um possível vazamento</a:t>
+            </a:r>
+          </a:p>
+        </p:txBody>
+      </p:sp>
+      <p:sp>
+        <p:nvSpPr>
+          <p:cNvPr id="12" name="Seta: Dobrada 11">
+            <a:extLst>
+              <a:ext uri="{FF2B5EF4-FFF2-40B4-BE49-F238E27FC236}">
+                <a16:creationId xmlns:a16="http://schemas.microsoft.com/office/drawing/2014/main" id="{4366ED66-17D2-466D-B291-EE6FBF8C3D21}"/>
+              </a:ext>
+            </a:extLst>
+          </p:cNvPr>
+          <p:cNvSpPr/>
+          <p:nvPr/>
+        </p:nvSpPr>
+        <p:spPr>
+          <a:xfrm>
+            <a:off x="1012728" y="3308498"/>
+            <a:ext cx="1459034" cy="1377939"/>
+          </a:xfrm>
+          <a:prstGeom prst="bentArrow">
+            <a:avLst/>
+          </a:prstGeom>
+          <a:solidFill>
+            <a:schemeClr val="tx1"/>
+          </a:solidFill>
+          <a:ln w="28575">
+            <a:solidFill>
+              <a:schemeClr val="accent1"/>
+            </a:solidFill>
           </a:ln>
         </p:spPr>
         <p:style>
@@ -7893,54 +9141,47 @@
           <a:lstStyle/>
           <a:p>
             <a:pPr algn="ctr"/>
-            <a:endParaRPr lang="en-US"/>
-          </a:p>
-        </p:txBody>
-      </p:sp>
-      <p:sp useBgFill="1">
-        <p:nvSpPr>
-          <p:cNvPr id="47" name="Rectangle 41">
-            <a:extLst>
-              <a:ext uri="{FF2B5EF4-FFF2-40B4-BE49-F238E27FC236}">
-                <a16:creationId xmlns:a16="http://schemas.microsoft.com/office/drawing/2014/main" id="{57F6BDD4-E066-4008-8011-6CC31AEB4556}"/>
-              </a:ext>
-              <a:ext uri="{C183D7F6-B498-43B3-948B-1728B52AA6E4}">
-                <adec:decorative xmlns:adec="http://schemas.microsoft.com/office/drawing/2017/decorative" val="1"/>
-              </a:ext>
-            </a:extLst>
-          </p:cNvPr>
-          <p:cNvSpPr>
-            <a:spLocks noGrp="1" noRot="1" noChangeAspect="1" noMove="1" noResize="1" noEditPoints="1" noAdjustHandles="1" noChangeArrowheads="1" noChangeShapeType="1" noTextEdit="1"/>
-          </p:cNvSpPr>
-          <p:nvPr>
-            <p:extLst>
-              <p:ext uri="{386F3935-93C4-4BCD-93E2-E3B085C9AB24}">
-                <p16:designElem xmlns:p16="http://schemas.microsoft.com/office/powerpoint/2015/main" val="1"/>
-              </p:ext>
-            </p:extLst>
-          </p:nvPr>
-        </p:nvSpPr>
-        <p:spPr>
-          <a:xfrm>
-            <a:off x="409575" y="633619"/>
-            <a:ext cx="4279383" cy="5495925"/>
-          </a:xfrm>
-          <a:prstGeom prst="rect">
-            <a:avLst/>
+            <a:endParaRPr lang="pt-BR">
+              <a:solidFill>
+                <a:schemeClr val="tx1"/>
+              </a:solidFill>
+            </a:endParaRPr>
+          </a:p>
+        </p:txBody>
+      </p:sp>
+      <p:sp>
+        <p:nvSpPr>
+          <p:cNvPr id="27" name="Seta: Dobrada 26">
+            <a:extLst>
+              <a:ext uri="{FF2B5EF4-FFF2-40B4-BE49-F238E27FC236}">
+                <a16:creationId xmlns:a16="http://schemas.microsoft.com/office/drawing/2014/main" id="{E1B164E1-E2B1-4315-87E5-DFE21A4AE3F1}"/>
+              </a:ext>
+            </a:extLst>
+          </p:cNvPr>
+          <p:cNvSpPr/>
+          <p:nvPr/>
+        </p:nvSpPr>
+        <p:spPr>
+          <a:xfrm rot="5400000">
+            <a:off x="4933089" y="3202886"/>
+            <a:ext cx="1258227" cy="1708879"/>
+          </a:xfrm>
+          <a:prstGeom prst="bentArrow">
+            <a:avLst>
+              <a:gd name="adj1" fmla="val 25000"/>
+              <a:gd name="adj2" fmla="val 25535"/>
+              <a:gd name="adj3" fmla="val 25000"/>
+              <a:gd name="adj4" fmla="val 43750"/>
+            </a:avLst>
           </a:prstGeom>
-          <a:ln w="9525">
+          <a:solidFill>
+            <a:schemeClr val="tx1"/>
+          </a:solidFill>
+          <a:ln w="28575">
             <a:solidFill>
-              <a:srgbClr val="E1E1E1"/>
+              <a:schemeClr val="accent1"/>
             </a:solidFill>
           </a:ln>
-          <a:effectLst>
-            <a:outerShdw blurRad="50800" dist="38100" dir="2700000" algn="tl" rotWithShape="0">
-              <a:schemeClr val="bg1">
-                <a:lumMod val="85000"/>
-                <a:alpha val="50000"/>
-              </a:schemeClr>
-            </a:outerShdw>
-          </a:effectLst>
         </p:spPr>
         <p:style>
           <a:lnRef idx="2">
@@ -7962,115 +9203,47 @@
           <a:bodyPr rtlCol="0" anchor="ctr"/>
           <a:lstStyle/>
           <a:p>
-            <a:pPr marL="0" marR="0" lvl="0" indent="0" algn="ctr" defTabSz="914400" rtl="0" eaLnBrk="1" fontAlgn="auto" latinLnBrk="0" hangingPunct="1">
-              <a:lnSpc>
-                <a:spcPct val="100000"/>
-              </a:lnSpc>
-              <a:spcBef>
-                <a:spcPts val="0"/>
-              </a:spcBef>
-              <a:spcAft>
-                <a:spcPts val="0"/>
-              </a:spcAft>
-              <a:buClrTx/>
-              <a:buSzTx/>
-              <a:buFontTx/>
-              <a:buNone/>
-              <a:tabLst/>
-              <a:defRPr/>
-            </a:pPr>
-            <a:endParaRPr kumimoji="0" lang="en-US" sz="1800" b="0" i="0" u="none" strike="noStrike" kern="1200" cap="none" spc="0" normalizeH="0" baseline="0" noProof="0">
-              <a:ln>
-                <a:noFill/>
-              </a:ln>
+            <a:pPr algn="ctr"/>
+            <a:endParaRPr lang="pt-BR">
               <a:solidFill>
-                <a:prstClr val="white"/>
+                <a:schemeClr val="tx1"/>
               </a:solidFill>
-              <a:effectLst/>
-              <a:uLnTx/>
-              <a:uFillTx/>
-              <a:latin typeface="Calibri" panose="020F0502020204030204"/>
-              <a:ea typeface="+mn-ea"/>
-              <a:cs typeface="+mn-cs"/>
             </a:endParaRPr>
           </a:p>
         </p:txBody>
       </p:sp>
       <p:sp>
         <p:nvSpPr>
-          <p:cNvPr id="2" name="Título 1">
-            <a:extLst>
-              <a:ext uri="{FF2B5EF4-FFF2-40B4-BE49-F238E27FC236}">
-                <a16:creationId xmlns:a16="http://schemas.microsoft.com/office/drawing/2014/main" id="{622E59CC-F430-4678-9423-C4E72D202EEB}"/>
-              </a:ext>
-            </a:extLst>
-          </p:cNvPr>
-          <p:cNvSpPr>
-            <a:spLocks noGrp="1"/>
-          </p:cNvSpPr>
-          <p:nvPr>
-            <p:ph type="title"/>
-          </p:nvPr>
-        </p:nvSpPr>
-        <p:spPr>
-          <a:xfrm>
-            <a:off x="841247" y="978619"/>
-            <a:ext cx="3410712" cy="1106424"/>
-          </a:xfrm>
-        </p:spPr>
-        <p:txBody>
-          <a:bodyPr>
-            <a:normAutofit/>
-          </a:bodyPr>
-          <a:lstStyle/>
-          <a:p>
-            <a:pPr algn="ctr"/>
-            <a:r>
-              <a:rPr lang="pt-BR" sz="3700" dirty="0">
-                <a:latin typeface="Arial" panose="020B0604020202020204" pitchFamily="34" charset="0"/>
-                <a:cs typeface="Arial" panose="020B0604020202020204" pitchFamily="34" charset="0"/>
-              </a:rPr>
-              <a:t>Onde verificar?</a:t>
-            </a:r>
-          </a:p>
-        </p:txBody>
-      </p:sp>
-      <p:sp>
-        <p:nvSpPr>
-          <p:cNvPr id="44" name="Rectangle 43">
-            <a:extLst>
-              <a:ext uri="{FF2B5EF4-FFF2-40B4-BE49-F238E27FC236}">
-                <a16:creationId xmlns:a16="http://schemas.microsoft.com/office/drawing/2014/main" id="{2711A8FB-68FC-45FC-B01E-38F809E2D439}"/>
-              </a:ext>
-              <a:ext uri="{C183D7F6-B498-43B3-948B-1728B52AA6E4}">
-                <adec:decorative xmlns:adec="http://schemas.microsoft.com/office/drawing/2017/decorative" val="1"/>
-              </a:ext>
-            </a:extLst>
-          </p:cNvPr>
-          <p:cNvSpPr>
-            <a:spLocks noGrp="1" noRot="1" noChangeAspect="1" noMove="1" noResize="1" noEditPoints="1" noAdjustHandles="1" noChangeArrowheads="1" noChangeShapeType="1" noTextEdit="1"/>
-          </p:cNvSpPr>
-          <p:nvPr>
-            <p:extLst>
-              <p:ext uri="{386F3935-93C4-4BCD-93E2-E3B085C9AB24}">
-                <p16:designElem xmlns:p16="http://schemas.microsoft.com/office/powerpoint/2015/main" val="1"/>
-              </p:ext>
-            </p:extLst>
-          </p:nvPr>
-        </p:nvSpPr>
-        <p:spPr>
-          <a:xfrm>
-            <a:off x="345567" y="1170432"/>
-            <a:ext cx="128016" cy="704088"/>
-          </a:xfrm>
-          <a:prstGeom prst="rect">
-            <a:avLst/>
+          <p:cNvPr id="30" name="Seta: Dobrada 29">
+            <a:extLst>
+              <a:ext uri="{FF2B5EF4-FFF2-40B4-BE49-F238E27FC236}">
+                <a16:creationId xmlns:a16="http://schemas.microsoft.com/office/drawing/2014/main" id="{CDD5915B-A970-438D-BF62-32FB5A19344B}"/>
+              </a:ext>
+            </a:extLst>
+          </p:cNvPr>
+          <p:cNvSpPr/>
+          <p:nvPr/>
+        </p:nvSpPr>
+        <p:spPr>
+          <a:xfrm rot="5400000" flipH="1">
+            <a:off x="7666041" y="4223741"/>
+            <a:ext cx="1360433" cy="2429231"/>
+          </a:xfrm>
+          <a:prstGeom prst="bentArrow">
+            <a:avLst>
+              <a:gd name="adj1" fmla="val 25000"/>
+              <a:gd name="adj2" fmla="val 25535"/>
+              <a:gd name="adj3" fmla="val 25000"/>
+              <a:gd name="adj4" fmla="val 43750"/>
+            </a:avLst>
           </a:prstGeom>
           <a:solidFill>
-            <a:schemeClr val="accent2"/>
+            <a:schemeClr val="tx1"/>
           </a:solidFill>
-          <a:ln>
-            <a:noFill/>
+          <a:ln w="28575">
+            <a:solidFill>
+              <a:schemeClr val="accent1"/>
+            </a:solidFill>
           </a:ln>
         </p:spPr>
         <p:style>
@@ -8094,201 +9267,61 @@
           <a:lstStyle/>
           <a:p>
             <a:pPr algn="ctr"/>
-            <a:endParaRPr lang="en-US">
+            <a:endParaRPr lang="pt-BR">
               <a:solidFill>
-                <a:prstClr val="white"/>
+                <a:schemeClr val="tx1"/>
               </a:solidFill>
-              <a:latin typeface="Calibri" panose="020F0502020204030204"/>
             </a:endParaRPr>
           </a:p>
         </p:txBody>
       </p:sp>
-      <p:sp>
-        <p:nvSpPr>
-          <p:cNvPr id="46" name="Rectangle 45">
-            <a:extLst>
-              <a:ext uri="{FF2B5EF4-FFF2-40B4-BE49-F238E27FC236}">
-                <a16:creationId xmlns:a16="http://schemas.microsoft.com/office/drawing/2014/main" id="{2A865FE3-5FC9-4049-87CF-30019C46C0F5}"/>
-              </a:ext>
-              <a:ext uri="{C183D7F6-B498-43B3-948B-1728B52AA6E4}">
-                <adec:decorative xmlns:adec="http://schemas.microsoft.com/office/drawing/2017/decorative" val="1"/>
-              </a:ext>
-            </a:extLst>
-          </p:cNvPr>
-          <p:cNvSpPr>
-            <a:spLocks noGrp="1" noRot="1" noChangeAspect="1" noMove="1" noResize="1" noEditPoints="1" noAdjustHandles="1" noChangeArrowheads="1" noChangeShapeType="1" noTextEdit="1"/>
-          </p:cNvSpPr>
-          <p:nvPr>
-            <p:extLst>
-              <p:ext uri="{386F3935-93C4-4BCD-93E2-E3B085C9AB24}">
-                <p16:designElem xmlns:p16="http://schemas.microsoft.com/office/powerpoint/2015/main" val="1"/>
-              </p:ext>
-            </p:extLst>
-          </p:nvPr>
-        </p:nvSpPr>
-        <p:spPr>
-          <a:xfrm>
-            <a:off x="877459" y="2121408"/>
-            <a:ext cx="3328416" cy="9144"/>
-          </a:xfrm>
-          <a:prstGeom prst="rect">
+      <p:cxnSp>
+        <p:nvCxnSpPr>
+          <p:cNvPr id="18" name="Conector reto 17">
+            <a:extLst>
+              <a:ext uri="{FF2B5EF4-FFF2-40B4-BE49-F238E27FC236}">
+                <a16:creationId xmlns:a16="http://schemas.microsoft.com/office/drawing/2014/main" id="{6105CB52-E11F-4E14-B6A3-6554486FA74A}"/>
+              </a:ext>
+            </a:extLst>
+          </p:cNvPr>
+          <p:cNvCxnSpPr/>
+          <p:nvPr/>
+        </p:nvCxnSpPr>
+        <p:spPr>
+          <a:xfrm>
+            <a:off x="314372" y="2625213"/>
+            <a:ext cx="11436829" cy="0"/>
+          </a:xfrm>
+          <a:prstGeom prst="line">
             <a:avLst/>
           </a:prstGeom>
-          <a:solidFill>
-            <a:srgbClr val="D5D5D5"/>
-          </a:solidFill>
-          <a:ln w="3175">
-            <a:noFill/>
+          <a:ln>
+            <a:solidFill>
+              <a:schemeClr val="tx1"/>
+            </a:solidFill>
           </a:ln>
-          <a:effectLst/>
         </p:spPr>
         <p:style>
-          <a:lnRef idx="2">
-            <a:schemeClr val="accent1">
-              <a:shade val="50000"/>
-            </a:schemeClr>
+          <a:lnRef idx="3">
+            <a:schemeClr val="dk1"/>
           </a:lnRef>
-          <a:fillRef idx="1">
-            <a:schemeClr val="accent1"/>
+          <a:fillRef idx="0">
+            <a:schemeClr val="dk1"/>
           </a:fillRef>
-          <a:effectRef idx="0">
-            <a:schemeClr val="accent1"/>
+          <a:effectRef idx="2">
+            <a:schemeClr val="dk1"/>
           </a:effectRef>
           <a:fontRef idx="minor">
-            <a:schemeClr val="lt1"/>
+            <a:schemeClr val="tx1"/>
           </a:fontRef>
         </p:style>
-        <p:txBody>
-          <a:bodyPr rtlCol="0" anchor="ctr"/>
-          <a:lstStyle/>
-          <a:p>
-            <a:pPr marL="0" marR="0" lvl="0" indent="0" algn="ctr" defTabSz="914400" rtl="0" eaLnBrk="1" fontAlgn="auto" latinLnBrk="0" hangingPunct="1">
-              <a:lnSpc>
-                <a:spcPct val="100000"/>
-              </a:lnSpc>
-              <a:spcBef>
-                <a:spcPts val="0"/>
-              </a:spcBef>
-              <a:spcAft>
-                <a:spcPts val="0"/>
-              </a:spcAft>
-              <a:buClrTx/>
-              <a:buSzTx/>
-              <a:buFontTx/>
-              <a:buNone/>
-              <a:tabLst/>
-              <a:defRPr/>
-            </a:pPr>
-            <a:endParaRPr kumimoji="0" lang="en-US" sz="1800" b="0" i="0" u="none" strike="noStrike" kern="1200" cap="none" spc="0" normalizeH="0" baseline="0" noProof="0">
-              <a:ln>
-                <a:noFill/>
-              </a:ln>
-              <a:solidFill>
-                <a:prstClr val="white"/>
-              </a:solidFill>
-              <a:effectLst/>
-              <a:uLnTx/>
-              <a:uFillTx/>
-              <a:latin typeface="Calibri" panose="020F0502020204030204"/>
-              <a:ea typeface="+mn-ea"/>
-              <a:cs typeface="+mn-cs"/>
-            </a:endParaRPr>
-          </a:p>
-        </p:txBody>
-      </p:sp>
-      <p:sp>
-        <p:nvSpPr>
-          <p:cNvPr id="3" name="Espaço Reservado para Conteúdo 2">
-            <a:extLst>
-              <a:ext uri="{FF2B5EF4-FFF2-40B4-BE49-F238E27FC236}">
-                <a16:creationId xmlns:a16="http://schemas.microsoft.com/office/drawing/2014/main" id="{C0D01A9E-3F7D-4D09-A3E9-8876F598F074}"/>
-              </a:ext>
-            </a:extLst>
-          </p:cNvPr>
-          <p:cNvSpPr>
-            <a:spLocks noGrp="1"/>
-          </p:cNvSpPr>
-          <p:nvPr>
-            <p:ph idx="1"/>
-          </p:nvPr>
-        </p:nvSpPr>
-        <p:spPr>
-          <a:xfrm>
-            <a:off x="841247" y="2359152"/>
-            <a:ext cx="3410712" cy="3425043"/>
-          </a:xfrm>
-        </p:spPr>
-        <p:txBody>
-          <a:bodyPr>
-            <a:normAutofit/>
-          </a:bodyPr>
-          <a:lstStyle/>
-          <a:p>
-            <a:r>
-              <a:rPr lang="pt-BR" sz="1700" dirty="0">
-                <a:latin typeface="Arial" panose="020B0604020202020204" pitchFamily="34" charset="0"/>
-                <a:cs typeface="Arial" panose="020B0604020202020204" pitchFamily="34" charset="0"/>
-              </a:rPr>
-              <a:t>Criamos um site institucional para a verificação dos dados nos gráficos, o cliente tem acesso total para acompanhar, mas o </a:t>
-            </a:r>
-            <a:r>
-              <a:rPr lang="pt-BR" sz="2000" dirty="0">
-                <a:latin typeface="Arial" panose="020B0604020202020204" pitchFamily="34" charset="0"/>
-                <a:cs typeface="Arial" panose="020B0604020202020204" pitchFamily="34" charset="0"/>
-              </a:rPr>
-              <a:t>acompanhamento</a:t>
-            </a:r>
-            <a:r>
-              <a:rPr lang="pt-BR" sz="1700" dirty="0">
-                <a:latin typeface="Arial" panose="020B0604020202020204" pitchFamily="34" charset="0"/>
-                <a:cs typeface="Arial" panose="020B0604020202020204" pitchFamily="34" charset="0"/>
-              </a:rPr>
-              <a:t> seria de nossa equipe para o cliente não precisar ficar o dia inteiro olhando gráficos. </a:t>
-            </a:r>
-          </a:p>
-        </p:txBody>
-      </p:sp>
+      </p:cxnSp>
       <p:pic>
         <p:nvPicPr>
-          <p:cNvPr id="20" name="Imagem 19" descr="Tela de computador com texto preto sobre fundo branco&#10;&#10;Descrição gerada automaticamente">
-            <a:extLst>
-              <a:ext uri="{FF2B5EF4-FFF2-40B4-BE49-F238E27FC236}">
-                <a16:creationId xmlns:a16="http://schemas.microsoft.com/office/drawing/2014/main" id="{3A02DED5-E702-4845-AFB5-A488487D1DB0}"/>
-              </a:ext>
-            </a:extLst>
-          </p:cNvPr>
-          <p:cNvPicPr>
-            <a:picLocks noChangeAspect="1"/>
-          </p:cNvPicPr>
-          <p:nvPr/>
-        </p:nvPicPr>
-        <p:blipFill rotWithShape="1">
-          <a:blip r:embed="rId2">
-            <a:extLst>
-              <a:ext uri="{28A0092B-C50C-407E-A947-70E740481C1C}">
-                <a14:useLocalDpi xmlns:a14="http://schemas.microsoft.com/office/drawing/2010/main" val="0"/>
-              </a:ext>
-            </a:extLst>
-          </a:blip>
-          <a:srcRect l="2957" r="6182" b="-1"/>
-          <a:stretch/>
-        </p:blipFill>
-        <p:spPr>
-          <a:xfrm>
-            <a:off x="5124450" y="634382"/>
-            <a:ext cx="6657213" cy="5495162"/>
-          </a:xfrm>
-          <a:prstGeom prst="rect">
-            <a:avLst/>
-          </a:prstGeom>
-        </p:spPr>
-      </p:pic>
-      <p:pic>
-        <p:nvPicPr>
-          <p:cNvPr id="9" name="Imagem 8">
-            <a:extLst>
-              <a:ext uri="{FF2B5EF4-FFF2-40B4-BE49-F238E27FC236}">
-                <a16:creationId xmlns:a16="http://schemas.microsoft.com/office/drawing/2014/main" id="{F745EBB1-8D29-4430-8E72-390A36EEA934}"/>
+          <p:cNvPr id="33" name="Imagem 32">
+            <a:extLst>
+              <a:ext uri="{FF2B5EF4-FFF2-40B4-BE49-F238E27FC236}">
+                <a16:creationId xmlns:a16="http://schemas.microsoft.com/office/drawing/2014/main" id="{B7DA62BD-20DE-46B7-A3D7-DC7738701FEC}"/>
               </a:ext>
             </a:extLst>
           </p:cNvPr>
@@ -8298,7 +9331,7 @@
           <p:nvPr/>
         </p:nvPicPr>
         <p:blipFill>
-          <a:blip r:embed="rId3"/>
+          <a:blip r:embed="rId11"/>
           <a:stretch>
             <a:fillRect/>
           </a:stretch>
@@ -8316,7 +9349,7 @@
     </p:spTree>
     <p:extLst>
       <p:ext uri="{BB962C8B-B14F-4D97-AF65-F5344CB8AC3E}">
-        <p14:creationId xmlns:p14="http://schemas.microsoft.com/office/powerpoint/2010/main" val="4091551892"/>
+        <p14:creationId xmlns:p14="http://schemas.microsoft.com/office/powerpoint/2010/main" val="1654437090"/>
       </p:ext>
     </p:extLst>
   </p:cSld>
@@ -8329,14 +9362,6 @@
 <file path=ppt/slides/slide7.xml><?xml version="1.0" encoding="utf-8"?>
 <p:sld xmlns:a="http://schemas.openxmlformats.org/drawingml/2006/main" xmlns:r="http://schemas.openxmlformats.org/officeDocument/2006/relationships" xmlns:p="http://schemas.openxmlformats.org/presentationml/2006/main">
   <p:cSld>
-    <p:bg>
-      <p:bgPr>
-        <a:solidFill>
-          <a:schemeClr val="bg1"/>
-        </a:solidFill>
-        <a:effectLst/>
-      </p:bgPr>
-    </p:bg>
     <p:spTree>
       <p:nvGrpSpPr>
         <p:cNvPr id="1" name=""/>
@@ -8353,295 +9378,211 @@
       </p:grpSpPr>
       <p:sp>
         <p:nvSpPr>
-          <p:cNvPr id="50" name="Rectangle 49">
-            <a:extLst>
-              <a:ext uri="{FF2B5EF4-FFF2-40B4-BE49-F238E27FC236}">
-                <a16:creationId xmlns:a16="http://schemas.microsoft.com/office/drawing/2014/main" id="{A9F529C3-C941-49FD-8C67-82F134F64BDB}"/>
-              </a:ext>
-              <a:ext uri="{C183D7F6-B498-43B3-948B-1728B52AA6E4}">
-                <adec:decorative xmlns:adec="http://schemas.microsoft.com/office/drawing/2017/decorative" val="1"/>
+          <p:cNvPr id="2" name="Título 1">
+            <a:extLst>
+              <a:ext uri="{FF2B5EF4-FFF2-40B4-BE49-F238E27FC236}">
+                <a16:creationId xmlns:a16="http://schemas.microsoft.com/office/drawing/2014/main" id="{3A580CA3-C4A8-48EE-8329-D7B6949B6EF8}"/>
               </a:ext>
             </a:extLst>
           </p:cNvPr>
           <p:cNvSpPr>
-            <a:spLocks noGrp="1" noRot="1" noChangeAspect="1" noMove="1" noResize="1" noEditPoints="1" noAdjustHandles="1" noChangeArrowheads="1" noChangeShapeType="1" noTextEdit="1"/>
+            <a:spLocks noGrp="1"/>
           </p:cNvSpPr>
           <p:nvPr>
-            <p:extLst>
-              <p:ext uri="{386F3935-93C4-4BCD-93E2-E3B085C9AB24}">
-                <p16:designElem xmlns:p16="http://schemas.microsoft.com/office/powerpoint/2015/main" val="1"/>
-              </p:ext>
-            </p:extLst>
+            <p:ph type="title"/>
           </p:nvPr>
         </p:nvSpPr>
         <p:spPr>
           <a:xfrm>
-            <a:off x="0" y="0"/>
-            <a:ext cx="12192000" cy="6858000"/>
-          </a:xfrm>
-          <a:prstGeom prst="rect">
-            <a:avLst/>
-          </a:prstGeom>
-          <a:solidFill>
-            <a:schemeClr val="tx1">
-              <a:lumMod val="50000"/>
-              <a:lumOff val="50000"/>
-              <a:alpha val="30000"/>
-            </a:schemeClr>
-          </a:solidFill>
-          <a:ln>
-            <a:noFill/>
-          </a:ln>
-        </p:spPr>
-        <p:style>
-          <a:lnRef idx="2">
-            <a:schemeClr val="accent1">
-              <a:shade val="50000"/>
-            </a:schemeClr>
-          </a:lnRef>
-          <a:fillRef idx="1">
-            <a:schemeClr val="accent1"/>
-          </a:fillRef>
-          <a:effectRef idx="0">
-            <a:schemeClr val="accent1"/>
-          </a:effectRef>
-          <a:fontRef idx="minor">
-            <a:schemeClr val="lt1"/>
-          </a:fontRef>
-        </p:style>
-        <p:txBody>
-          <a:bodyPr rtlCol="0" anchor="ctr"/>
+            <a:off x="838200" y="585216"/>
+            <a:ext cx="10515600" cy="1325563"/>
+          </a:xfrm>
+        </p:spPr>
+        <p:txBody>
+          <a:bodyPr vert="horz" lIns="91440" tIns="45720" rIns="91440" bIns="45720" rtlCol="0" anchor="ctr">
+            <a:normAutofit/>
+          </a:bodyPr>
           <a:lstStyle/>
           <a:p>
-            <a:pPr algn="ctr"/>
-            <a:endParaRPr lang="en-US"/>
-          </a:p>
-        </p:txBody>
-      </p:sp>
-      <p:sp>
-        <p:nvSpPr>
-          <p:cNvPr id="52" name="Rectangle 51">
-            <a:extLst>
-              <a:ext uri="{FF2B5EF4-FFF2-40B4-BE49-F238E27FC236}">
-                <a16:creationId xmlns:a16="http://schemas.microsoft.com/office/drawing/2014/main" id="{20586029-32A0-47E5-9AEC-AE3ABA6B94D0}"/>
-              </a:ext>
-              <a:ext uri="{C183D7F6-B498-43B3-948B-1728B52AA6E4}">
-                <adec:decorative xmlns:adec="http://schemas.microsoft.com/office/drawing/2017/decorative" val="1"/>
-              </a:ext>
-            </a:extLst>
-          </p:cNvPr>
-          <p:cNvSpPr>
-            <a:spLocks noGrp="1" noRot="1" noChangeAspect="1" noMove="1" noResize="1" noEditPoints="1" noAdjustHandles="1" noChangeArrowheads="1" noChangeShapeType="1" noTextEdit="1"/>
-          </p:cNvSpPr>
-          <p:nvPr>
-            <p:extLst>
-              <p:ext uri="{386F3935-93C4-4BCD-93E2-E3B085C9AB24}">
-                <p16:designElem xmlns:p16="http://schemas.microsoft.com/office/powerpoint/2015/main" val="1"/>
-              </p:ext>
-            </p:extLst>
-          </p:nvPr>
-        </p:nvSpPr>
-        <p:spPr>
-          <a:xfrm>
-            <a:off x="477012" y="480060"/>
-            <a:ext cx="11237976" cy="5897880"/>
-          </a:xfrm>
-          <a:prstGeom prst="rect">
-            <a:avLst/>
-          </a:prstGeom>
-          <a:solidFill>
-            <a:srgbClr val="FFFFFF"/>
-          </a:solidFill>
-          <a:ln w="9525">
-            <a:noFill/>
-          </a:ln>
-          <a:effectLst>
-            <a:outerShdw blurRad="63500" dist="17780" dir="5400000" algn="t" rotWithShape="0">
-              <a:prstClr val="black">
-                <a:alpha val="43000"/>
-              </a:prstClr>
-            </a:outerShdw>
-          </a:effectLst>
-        </p:spPr>
-        <p:style>
-          <a:lnRef idx="2">
-            <a:schemeClr val="accent1">
-              <a:shade val="50000"/>
-            </a:schemeClr>
-          </a:lnRef>
-          <a:fillRef idx="1">
-            <a:schemeClr val="accent1"/>
-          </a:fillRef>
-          <a:effectRef idx="0">
-            <a:schemeClr val="accent1"/>
-          </a:effectRef>
-          <a:fontRef idx="minor">
-            <a:schemeClr val="lt1"/>
-          </a:fontRef>
-        </p:style>
-        <p:txBody>
-          <a:bodyPr rtlCol="0" anchor="ctr"/>
-          <a:lstStyle/>
-          <a:p>
-            <a:pPr algn="ctr"/>
-            <a:endParaRPr lang="en-US"/>
+            <a:r>
+              <a:rPr lang="en-US">
+                <a:solidFill>
+                  <a:srgbClr val="FFFFFF"/>
+                </a:solidFill>
+              </a:rPr>
+              <a:t>Backlog</a:t>
+            </a:r>
           </a:p>
         </p:txBody>
       </p:sp>
       <p:pic>
         <p:nvPicPr>
-          <p:cNvPr id="2" name="Imagem 1">
-            <a:extLst>
-              <a:ext uri="{FF2B5EF4-FFF2-40B4-BE49-F238E27FC236}">
-                <a16:creationId xmlns:a16="http://schemas.microsoft.com/office/drawing/2014/main" id="{1D617A6C-987F-432E-9A64-F60CA09DA181}"/>
-              </a:ext>
-            </a:extLst>
-          </p:cNvPr>
-          <p:cNvPicPr/>
+          <p:cNvPr id="7" name="Imagem 6">
+            <a:extLst>
+              <a:ext uri="{FF2B5EF4-FFF2-40B4-BE49-F238E27FC236}">
+                <a16:creationId xmlns:a16="http://schemas.microsoft.com/office/drawing/2014/main" id="{E462C9DF-18F2-48EE-AA9E-93A3426BA2F5}"/>
+              </a:ext>
+            </a:extLst>
+          </p:cNvPr>
+          <p:cNvPicPr>
+            <a:picLocks noChangeAspect="1"/>
+          </p:cNvPicPr>
           <p:nvPr/>
         </p:nvPicPr>
         <p:blipFill rotWithShape="1">
           <a:blip r:embed="rId2"/>
-          <a:srcRect l="10374" t="10558" r="18313" b="21207"/>
+          <a:srcRect r="4159" b="-3"/>
           <a:stretch/>
         </p:blipFill>
         <p:spPr>
           <a:xfrm>
-            <a:off x="6266156" y="1737642"/>
-            <a:ext cx="5294716" cy="3001714"/>
+            <a:off x="841248" y="2516777"/>
+            <a:ext cx="6236208" cy="3660185"/>
           </a:xfrm>
           <a:prstGeom prst="rect">
             <a:avLst/>
           </a:prstGeom>
         </p:spPr>
       </p:pic>
-      <p:cxnSp>
-        <p:nvCxnSpPr>
-          <p:cNvPr id="54" name="Straight Connector 53">
-            <a:extLst>
-              <a:ext uri="{FF2B5EF4-FFF2-40B4-BE49-F238E27FC236}">
-                <a16:creationId xmlns:a16="http://schemas.microsoft.com/office/drawing/2014/main" id="{8C730EAB-A532-4295-A302-FB4B90DB9F5E}"/>
-              </a:ext>
-              <a:ext uri="{C183D7F6-B498-43B3-948B-1728B52AA6E4}">
-                <adec:decorative xmlns:adec="http://schemas.microsoft.com/office/drawing/2017/decorative" val="1"/>
-              </a:ext>
-            </a:extLst>
-          </p:cNvPr>
-          <p:cNvCxnSpPr>
-            <a:cxnSpLocks noGrp="1" noRot="1" noChangeAspect="1" noMove="1" noResize="1" noEditPoints="1" noAdjustHandles="1" noChangeArrowheads="1" noChangeShapeType="1"/>
-          </p:cNvCxnSpPr>
-          <p:nvPr>
-            <p:extLst>
-              <p:ext uri="{386F3935-93C4-4BCD-93E2-E3B085C9AB24}">
-                <p16:designElem xmlns:p16="http://schemas.microsoft.com/office/powerpoint/2015/main" val="1"/>
-              </p:ext>
-            </p:extLst>
-          </p:nvPr>
-        </p:nvCxnSpPr>
-        <p:spPr>
-          <a:xfrm>
-            <a:off x="6079958" y="1143000"/>
-            <a:ext cx="0" cy="4572000"/>
-          </a:xfrm>
-          <a:prstGeom prst="line">
-            <a:avLst/>
-          </a:prstGeom>
-          <a:ln>
-            <a:solidFill>
-              <a:srgbClr val="4E4E4E"/>
-            </a:solidFill>
-          </a:ln>
-        </p:spPr>
-        <p:style>
-          <a:lnRef idx="1">
-            <a:schemeClr val="accent1"/>
-          </a:lnRef>
-          <a:fillRef idx="0">
-            <a:schemeClr val="accent1"/>
-          </a:fillRef>
-          <a:effectRef idx="0">
-            <a:schemeClr val="accent1"/>
-          </a:effectRef>
-          <a:fontRef idx="minor">
-            <a:schemeClr val="tx1"/>
-          </a:fontRef>
-        </p:style>
-      </p:cxnSp>
-      <p:pic>
-        <p:nvPicPr>
-          <p:cNvPr id="45" name="Imagem 44">
-            <a:extLst>
-              <a:ext uri="{FF2B5EF4-FFF2-40B4-BE49-F238E27FC236}">
-                <a16:creationId xmlns:a16="http://schemas.microsoft.com/office/drawing/2014/main" id="{6C3D7843-9B0E-41B9-BF20-0E600605C56D}"/>
-              </a:ext>
-            </a:extLst>
-          </p:cNvPr>
-          <p:cNvPicPr/>
+      <p:sp>
+        <p:nvSpPr>
+          <p:cNvPr id="5" name="Retângulo 4">
+            <a:extLst>
+              <a:ext uri="{FF2B5EF4-FFF2-40B4-BE49-F238E27FC236}">
+                <a16:creationId xmlns:a16="http://schemas.microsoft.com/office/drawing/2014/main" id="{2842D2F7-1F0E-4187-BF45-586651DFA6B4}"/>
+              </a:ext>
+            </a:extLst>
+          </p:cNvPr>
+          <p:cNvSpPr/>
           <p:nvPr/>
-        </p:nvPicPr>
-        <p:blipFill>
-          <a:blip r:embed="rId3">
-            <a:extLst>
-              <a:ext uri="{28A0092B-C50C-407E-A947-70E740481C1C}">
-                <a14:useLocalDpi xmlns:a14="http://schemas.microsoft.com/office/drawing/2010/main" val="0"/>
-              </a:ext>
-            </a:extLst>
-          </a:blip>
-          <a:stretch>
-            <a:fillRect/>
-          </a:stretch>
-        </p:blipFill>
-        <p:spPr>
-          <a:xfrm>
-            <a:off x="735749" y="1427620"/>
-            <a:ext cx="5158012" cy="3621758"/>
+        </p:nvSpPr>
+        <p:spPr>
+          <a:xfrm>
+            <a:off x="7546848" y="2516777"/>
+            <a:ext cx="3803904" cy="3660185"/>
           </a:xfrm>
           <a:prstGeom prst="rect">
             <a:avLst/>
           </a:prstGeom>
         </p:spPr>
-      </p:pic>
-      <p:cxnSp>
-        <p:nvCxnSpPr>
-          <p:cNvPr id="7" name="Conector reto 6">
-            <a:extLst>
-              <a:ext uri="{FF2B5EF4-FFF2-40B4-BE49-F238E27FC236}">
-                <a16:creationId xmlns:a16="http://schemas.microsoft.com/office/drawing/2014/main" id="{38D5D06E-DEFB-4BAD-8F80-CDFEA4E52522}"/>
-              </a:ext>
-            </a:extLst>
-          </p:cNvPr>
-          <p:cNvCxnSpPr/>
-          <p:nvPr/>
-        </p:nvCxnSpPr>
-        <p:spPr>
-          <a:xfrm>
-            <a:off x="6079958" y="1143000"/>
-            <a:ext cx="0" cy="4572000"/>
-          </a:xfrm>
-          <a:prstGeom prst="line">
-            <a:avLst/>
-          </a:prstGeom>
-          <a:ln/>
-        </p:spPr>
-        <p:style>
-          <a:lnRef idx="3">
-            <a:schemeClr val="accent1"/>
-          </a:lnRef>
-          <a:fillRef idx="0">
-            <a:schemeClr val="accent1"/>
-          </a:fillRef>
-          <a:effectRef idx="2">
-            <a:schemeClr val="accent1"/>
-          </a:effectRef>
-          <a:fontRef idx="minor">
-            <a:schemeClr val="tx1"/>
-          </a:fontRef>
-        </p:style>
-      </p:cxnSp>
+        <p:txBody>
+          <a:bodyPr vert="horz" lIns="91440" tIns="45720" rIns="91440" bIns="45720" rtlCol="0" anchor="ctr">
+            <a:normAutofit/>
+          </a:bodyPr>
+          <a:lstStyle/>
+          <a:p>
+            <a:pPr marL="285750" indent="-228600">
+              <a:lnSpc>
+                <a:spcPct val="90000"/>
+              </a:lnSpc>
+              <a:spcAft>
+                <a:spcPts val="600"/>
+              </a:spcAft>
+              <a:buFont typeface="Arial" panose="020B0604020202020204" pitchFamily="34" charset="0"/>
+              <a:buChar char="•"/>
+            </a:pPr>
+            <a:r>
+              <a:rPr lang="en-US" sz="1900">
+                <a:effectLst>
+                  <a:outerShdw blurRad="38100" dist="38100" dir="2700000" algn="tl">
+                    <a:srgbClr val="000000">
+                      <a:alpha val="43137"/>
+                    </a:srgbClr>
+                  </a:outerShdw>
+                </a:effectLst>
+              </a:rPr>
+              <a:t>Backlog da Página Web</a:t>
+            </a:r>
+            <a:r>
+              <a:rPr lang="en-US" sz="1900"/>
+              <a:t>: </a:t>
+            </a:r>
+            <a:r>
+              <a:rPr lang="en-US" sz="1900">
+                <a:hlinkClick r:id="rId3"/>
+              </a:rPr>
+              <a:t>https://trello.com/b/gkREIOhE/pagina-web-institucional#</a:t>
+            </a:r>
+            <a:endParaRPr lang="en-US" sz="1900"/>
+          </a:p>
+          <a:p>
+            <a:pPr marL="285750" indent="-228600">
+              <a:lnSpc>
+                <a:spcPct val="90000"/>
+              </a:lnSpc>
+              <a:spcAft>
+                <a:spcPts val="600"/>
+              </a:spcAft>
+              <a:buFont typeface="Arial" panose="020B0604020202020204" pitchFamily="34" charset="0"/>
+              <a:buChar char="•"/>
+            </a:pPr>
+            <a:endParaRPr lang="en-US" sz="1900"/>
+          </a:p>
+          <a:p>
+            <a:pPr marL="285750" indent="-228600">
+              <a:lnSpc>
+                <a:spcPct val="90000"/>
+              </a:lnSpc>
+              <a:spcAft>
+                <a:spcPts val="600"/>
+              </a:spcAft>
+              <a:buFont typeface="Arial" panose="020B0604020202020204" pitchFamily="34" charset="0"/>
+              <a:buChar char="•"/>
+            </a:pPr>
+            <a:r>
+              <a:rPr lang="en-US" sz="1900"/>
+              <a:t>Backlog do Banco de Dados: </a:t>
+            </a:r>
+            <a:r>
+              <a:rPr lang="en-US" sz="1900">
+                <a:hlinkClick r:id="rId4"/>
+              </a:rPr>
+              <a:t>https://trello.com/b/CPmBase7/banco-de-dados#</a:t>
+            </a:r>
+            <a:endParaRPr lang="en-US" sz="1900"/>
+          </a:p>
+          <a:p>
+            <a:pPr marL="285750" indent="-228600">
+              <a:lnSpc>
+                <a:spcPct val="90000"/>
+              </a:lnSpc>
+              <a:spcAft>
+                <a:spcPts val="600"/>
+              </a:spcAft>
+              <a:buFont typeface="Arial" panose="020B0604020202020204" pitchFamily="34" charset="0"/>
+              <a:buChar char="•"/>
+            </a:pPr>
+            <a:endParaRPr lang="en-US" sz="1900"/>
+          </a:p>
+          <a:p>
+            <a:pPr marL="285750" indent="-228600">
+              <a:lnSpc>
+                <a:spcPct val="90000"/>
+              </a:lnSpc>
+              <a:spcAft>
+                <a:spcPts val="600"/>
+              </a:spcAft>
+              <a:buFont typeface="Arial" panose="020B0604020202020204" pitchFamily="34" charset="0"/>
+              <a:buChar char="•"/>
+            </a:pPr>
+            <a:r>
+              <a:rPr lang="en-US" sz="1900"/>
+              <a:t>Backlog do Simulador de Sensores: </a:t>
+            </a:r>
+            <a:r>
+              <a:rPr lang="en-US" sz="1900">
+                <a:hlinkClick r:id="rId5"/>
+              </a:rPr>
+              <a:t>https://trello.com/b/rW7Jmab2/arduino-simulador-de-sensores#</a:t>
+            </a:r>
+            <a:endParaRPr lang="en-US" sz="1900"/>
+          </a:p>
+        </p:txBody>
+      </p:sp>
     </p:spTree>
     <p:extLst>
       <p:ext uri="{BB962C8B-B14F-4D97-AF65-F5344CB8AC3E}">
-        <p14:creationId xmlns:p14="http://schemas.microsoft.com/office/powerpoint/2010/main" val="1663262286"/>
+        <p14:creationId xmlns:p14="http://schemas.microsoft.com/office/powerpoint/2010/main" val="3726330790"/>
       </p:ext>
     </p:extLst>
   </p:cSld>
@@ -8678,10 +9619,10 @@
       </p:grpSpPr>
       <p:sp useBgFill="1">
         <p:nvSpPr>
-          <p:cNvPr id="8" name="Rectangle 7">
-            <a:extLst>
-              <a:ext uri="{FF2B5EF4-FFF2-40B4-BE49-F238E27FC236}">
-                <a16:creationId xmlns:a16="http://schemas.microsoft.com/office/drawing/2014/main" id="{11BE3FA7-0D70-4431-814F-D8C40576EA93}"/>
+          <p:cNvPr id="45" name="Rectangle 39">
+            <a:extLst>
+              <a:ext uri="{FF2B5EF4-FFF2-40B4-BE49-F238E27FC236}">
+                <a16:creationId xmlns:a16="http://schemas.microsoft.com/office/drawing/2014/main" id="{1ECAB1E8-8195-4748-BE71-FF806D86892E}"/>
               </a:ext>
               <a:ext uri="{C183D7F6-B498-43B3-948B-1728B52AA6E4}">
                 <adec:decorative xmlns:adec="http://schemas.microsoft.com/office/drawing/2017/decorative" val="1"/>
@@ -8699,10 +9640,10 @@
             </p:extLst>
           </p:nvPr>
         </p:nvSpPr>
-        <p:spPr bwMode="white">
-          <a:xfrm>
-            <a:off x="1524" y="0"/>
-            <a:ext cx="12188952" cy="6858000"/>
+        <p:spPr>
+          <a:xfrm>
+            <a:off x="0" y="0"/>
+            <a:ext cx="12192000" cy="6858000"/>
           </a:xfrm>
           <a:prstGeom prst="rect">
             <a:avLst/>
@@ -8729,113 +9670,370 @@
         </p:style>
         <p:txBody>
           <a:bodyPr rtlCol="0" anchor="ctr"/>
-          <a:lstStyle>
-            <a:defPPr>
-              <a:defRPr lang="en-US"/>
-            </a:defPPr>
-            <a:lvl1pPr marL="0" algn="l" defTabSz="914400" rtl="0" eaLnBrk="1" latinLnBrk="0" hangingPunct="1">
-              <a:defRPr sz="1800" kern="1200">
-                <a:solidFill>
-                  <a:schemeClr val="lt1"/>
-                </a:solidFill>
-                <a:latin typeface="+mn-lt"/>
-                <a:ea typeface="+mn-ea"/>
-                <a:cs typeface="+mn-cs"/>
-              </a:defRPr>
-            </a:lvl1pPr>
-            <a:lvl2pPr marL="457200" algn="l" defTabSz="914400" rtl="0" eaLnBrk="1" latinLnBrk="0" hangingPunct="1">
-              <a:defRPr sz="1800" kern="1200">
-                <a:solidFill>
-                  <a:schemeClr val="lt1"/>
-                </a:solidFill>
-                <a:latin typeface="+mn-lt"/>
-                <a:ea typeface="+mn-ea"/>
-                <a:cs typeface="+mn-cs"/>
-              </a:defRPr>
-            </a:lvl2pPr>
-            <a:lvl3pPr marL="914400" algn="l" defTabSz="914400" rtl="0" eaLnBrk="1" latinLnBrk="0" hangingPunct="1">
-              <a:defRPr sz="1800" kern="1200">
-                <a:solidFill>
-                  <a:schemeClr val="lt1"/>
-                </a:solidFill>
-                <a:latin typeface="+mn-lt"/>
-                <a:ea typeface="+mn-ea"/>
-                <a:cs typeface="+mn-cs"/>
-              </a:defRPr>
-            </a:lvl3pPr>
-            <a:lvl4pPr marL="1371600" algn="l" defTabSz="914400" rtl="0" eaLnBrk="1" latinLnBrk="0" hangingPunct="1">
-              <a:defRPr sz="1800" kern="1200">
-                <a:solidFill>
-                  <a:schemeClr val="lt1"/>
-                </a:solidFill>
-                <a:latin typeface="+mn-lt"/>
-                <a:ea typeface="+mn-ea"/>
-                <a:cs typeface="+mn-cs"/>
-              </a:defRPr>
-            </a:lvl4pPr>
-            <a:lvl5pPr marL="1828800" algn="l" defTabSz="914400" rtl="0" eaLnBrk="1" latinLnBrk="0" hangingPunct="1">
-              <a:defRPr sz="1800" kern="1200">
-                <a:solidFill>
-                  <a:schemeClr val="lt1"/>
-                </a:solidFill>
-                <a:latin typeface="+mn-lt"/>
-                <a:ea typeface="+mn-ea"/>
-                <a:cs typeface="+mn-cs"/>
-              </a:defRPr>
-            </a:lvl5pPr>
-            <a:lvl6pPr marL="2286000" algn="l" defTabSz="914400" rtl="0" eaLnBrk="1" latinLnBrk="0" hangingPunct="1">
-              <a:defRPr sz="1800" kern="1200">
-                <a:solidFill>
-                  <a:schemeClr val="lt1"/>
-                </a:solidFill>
-                <a:latin typeface="+mn-lt"/>
-                <a:ea typeface="+mn-ea"/>
-                <a:cs typeface="+mn-cs"/>
-              </a:defRPr>
-            </a:lvl6pPr>
-            <a:lvl7pPr marL="2743200" algn="l" defTabSz="914400" rtl="0" eaLnBrk="1" latinLnBrk="0" hangingPunct="1">
-              <a:defRPr sz="1800" kern="1200">
-                <a:solidFill>
-                  <a:schemeClr val="lt1"/>
-                </a:solidFill>
-                <a:latin typeface="+mn-lt"/>
-                <a:ea typeface="+mn-ea"/>
-                <a:cs typeface="+mn-cs"/>
-              </a:defRPr>
-            </a:lvl7pPr>
-            <a:lvl8pPr marL="3200400" algn="l" defTabSz="914400" rtl="0" eaLnBrk="1" latinLnBrk="0" hangingPunct="1">
-              <a:defRPr sz="1800" kern="1200">
-                <a:solidFill>
-                  <a:schemeClr val="lt1"/>
-                </a:solidFill>
-                <a:latin typeface="+mn-lt"/>
-                <a:ea typeface="+mn-ea"/>
-                <a:cs typeface="+mn-cs"/>
-              </a:defRPr>
-            </a:lvl8pPr>
-            <a:lvl9pPr marL="3657600" algn="l" defTabSz="914400" rtl="0" eaLnBrk="1" latinLnBrk="0" hangingPunct="1">
-              <a:defRPr sz="1800" kern="1200">
-                <a:solidFill>
-                  <a:schemeClr val="lt1"/>
-                </a:solidFill>
-                <a:latin typeface="+mn-lt"/>
-                <a:ea typeface="+mn-ea"/>
-                <a:cs typeface="+mn-cs"/>
-              </a:defRPr>
-            </a:lvl9pPr>
-          </a:lstStyle>
+          <a:lstStyle/>
           <a:p>
             <a:pPr algn="ctr"/>
             <a:endParaRPr lang="en-US"/>
           </a:p>
         </p:txBody>
       </p:sp>
+      <p:sp useBgFill="1">
+        <p:nvSpPr>
+          <p:cNvPr id="47" name="Rectangle 41">
+            <a:extLst>
+              <a:ext uri="{FF2B5EF4-FFF2-40B4-BE49-F238E27FC236}">
+                <a16:creationId xmlns:a16="http://schemas.microsoft.com/office/drawing/2014/main" id="{57F6BDD4-E066-4008-8011-6CC31AEB4556}"/>
+              </a:ext>
+              <a:ext uri="{C183D7F6-B498-43B3-948B-1728B52AA6E4}">
+                <adec:decorative xmlns:adec="http://schemas.microsoft.com/office/drawing/2017/decorative" val="1"/>
+              </a:ext>
+            </a:extLst>
+          </p:cNvPr>
+          <p:cNvSpPr>
+            <a:spLocks noGrp="1" noRot="1" noChangeAspect="1" noMove="1" noResize="1" noEditPoints="1" noAdjustHandles="1" noChangeArrowheads="1" noChangeShapeType="1" noTextEdit="1"/>
+          </p:cNvSpPr>
+          <p:nvPr>
+            <p:extLst>
+              <p:ext uri="{386F3935-93C4-4BCD-93E2-E3B085C9AB24}">
+                <p16:designElem xmlns:p16="http://schemas.microsoft.com/office/powerpoint/2015/main" val="1"/>
+              </p:ext>
+            </p:extLst>
+          </p:nvPr>
+        </p:nvSpPr>
+        <p:spPr>
+          <a:xfrm>
+            <a:off x="409575" y="633619"/>
+            <a:ext cx="4279383" cy="5495925"/>
+          </a:xfrm>
+          <a:prstGeom prst="rect">
+            <a:avLst/>
+          </a:prstGeom>
+          <a:ln w="9525">
+            <a:solidFill>
+              <a:srgbClr val="E1E1E1"/>
+            </a:solidFill>
+          </a:ln>
+          <a:effectLst>
+            <a:outerShdw blurRad="50800" dist="38100" dir="2700000" algn="tl" rotWithShape="0">
+              <a:schemeClr val="bg1">
+                <a:lumMod val="85000"/>
+                <a:alpha val="50000"/>
+              </a:schemeClr>
+            </a:outerShdw>
+          </a:effectLst>
+        </p:spPr>
+        <p:style>
+          <a:lnRef idx="2">
+            <a:schemeClr val="accent1">
+              <a:shade val="50000"/>
+            </a:schemeClr>
+          </a:lnRef>
+          <a:fillRef idx="1">
+            <a:schemeClr val="accent1"/>
+          </a:fillRef>
+          <a:effectRef idx="0">
+            <a:schemeClr val="accent1"/>
+          </a:effectRef>
+          <a:fontRef idx="minor">
+            <a:schemeClr val="lt1"/>
+          </a:fontRef>
+        </p:style>
+        <p:txBody>
+          <a:bodyPr rtlCol="0" anchor="ctr"/>
+          <a:lstStyle/>
+          <a:p>
+            <a:pPr marL="0" marR="0" lvl="0" indent="0" algn="ctr" defTabSz="914400" rtl="0" eaLnBrk="1" fontAlgn="auto" latinLnBrk="0" hangingPunct="1">
+              <a:lnSpc>
+                <a:spcPct val="100000"/>
+              </a:lnSpc>
+              <a:spcBef>
+                <a:spcPts val="0"/>
+              </a:spcBef>
+              <a:spcAft>
+                <a:spcPts val="0"/>
+              </a:spcAft>
+              <a:buClrTx/>
+              <a:buSzTx/>
+              <a:buFontTx/>
+              <a:buNone/>
+              <a:tabLst/>
+              <a:defRPr/>
+            </a:pPr>
+            <a:endParaRPr kumimoji="0" lang="en-US" sz="1800" b="0" i="0" u="none" strike="noStrike" kern="1200" cap="none" spc="0" normalizeH="0" baseline="0" noProof="0">
+              <a:ln>
+                <a:noFill/>
+              </a:ln>
+              <a:solidFill>
+                <a:prstClr val="white"/>
+              </a:solidFill>
+              <a:effectLst/>
+              <a:uLnTx/>
+              <a:uFillTx/>
+              <a:latin typeface="Calibri" panose="020F0502020204030204"/>
+              <a:ea typeface="+mn-ea"/>
+              <a:cs typeface="+mn-cs"/>
+            </a:endParaRPr>
+          </a:p>
+        </p:txBody>
+      </p:sp>
+      <p:sp>
+        <p:nvSpPr>
+          <p:cNvPr id="2" name="Título 1">
+            <a:extLst>
+              <a:ext uri="{FF2B5EF4-FFF2-40B4-BE49-F238E27FC236}">
+                <a16:creationId xmlns:a16="http://schemas.microsoft.com/office/drawing/2014/main" id="{622E59CC-F430-4678-9423-C4E72D202EEB}"/>
+              </a:ext>
+            </a:extLst>
+          </p:cNvPr>
+          <p:cNvSpPr>
+            <a:spLocks noGrp="1"/>
+          </p:cNvSpPr>
+          <p:nvPr>
+            <p:ph type="title"/>
+          </p:nvPr>
+        </p:nvSpPr>
+        <p:spPr>
+          <a:xfrm>
+            <a:off x="841247" y="978619"/>
+            <a:ext cx="3410712" cy="1106424"/>
+          </a:xfrm>
+        </p:spPr>
+        <p:txBody>
+          <a:bodyPr>
+            <a:normAutofit/>
+          </a:bodyPr>
+          <a:lstStyle/>
+          <a:p>
+            <a:pPr algn="ctr"/>
+            <a:r>
+              <a:rPr lang="pt-BR" sz="3700" dirty="0">
+                <a:latin typeface="Arial" panose="020B0604020202020204" pitchFamily="34" charset="0"/>
+                <a:cs typeface="Arial" panose="020B0604020202020204" pitchFamily="34" charset="0"/>
+              </a:rPr>
+              <a:t>Onde verificar?</a:t>
+            </a:r>
+          </a:p>
+        </p:txBody>
+      </p:sp>
+      <p:sp>
+        <p:nvSpPr>
+          <p:cNvPr id="44" name="Rectangle 43">
+            <a:extLst>
+              <a:ext uri="{FF2B5EF4-FFF2-40B4-BE49-F238E27FC236}">
+                <a16:creationId xmlns:a16="http://schemas.microsoft.com/office/drawing/2014/main" id="{2711A8FB-68FC-45FC-B01E-38F809E2D439}"/>
+              </a:ext>
+              <a:ext uri="{C183D7F6-B498-43B3-948B-1728B52AA6E4}">
+                <adec:decorative xmlns:adec="http://schemas.microsoft.com/office/drawing/2017/decorative" val="1"/>
+              </a:ext>
+            </a:extLst>
+          </p:cNvPr>
+          <p:cNvSpPr>
+            <a:spLocks noGrp="1" noRot="1" noChangeAspect="1" noMove="1" noResize="1" noEditPoints="1" noAdjustHandles="1" noChangeArrowheads="1" noChangeShapeType="1" noTextEdit="1"/>
+          </p:cNvSpPr>
+          <p:nvPr>
+            <p:extLst>
+              <p:ext uri="{386F3935-93C4-4BCD-93E2-E3B085C9AB24}">
+                <p16:designElem xmlns:p16="http://schemas.microsoft.com/office/powerpoint/2015/main" val="1"/>
+              </p:ext>
+            </p:extLst>
+          </p:nvPr>
+        </p:nvSpPr>
+        <p:spPr>
+          <a:xfrm>
+            <a:off x="345567" y="1170432"/>
+            <a:ext cx="128016" cy="704088"/>
+          </a:xfrm>
+          <a:prstGeom prst="rect">
+            <a:avLst/>
+          </a:prstGeom>
+          <a:solidFill>
+            <a:schemeClr val="accent2"/>
+          </a:solidFill>
+          <a:ln>
+            <a:noFill/>
+          </a:ln>
+        </p:spPr>
+        <p:style>
+          <a:lnRef idx="2">
+            <a:schemeClr val="accent1">
+              <a:shade val="50000"/>
+            </a:schemeClr>
+          </a:lnRef>
+          <a:fillRef idx="1">
+            <a:schemeClr val="accent1"/>
+          </a:fillRef>
+          <a:effectRef idx="0">
+            <a:schemeClr val="accent1"/>
+          </a:effectRef>
+          <a:fontRef idx="minor">
+            <a:schemeClr val="lt1"/>
+          </a:fontRef>
+        </p:style>
+        <p:txBody>
+          <a:bodyPr rtlCol="0" anchor="ctr"/>
+          <a:lstStyle/>
+          <a:p>
+            <a:pPr algn="ctr"/>
+            <a:endParaRPr lang="en-US">
+              <a:solidFill>
+                <a:prstClr val="white"/>
+              </a:solidFill>
+              <a:latin typeface="Calibri" panose="020F0502020204030204"/>
+            </a:endParaRPr>
+          </a:p>
+        </p:txBody>
+      </p:sp>
+      <p:sp>
+        <p:nvSpPr>
+          <p:cNvPr id="46" name="Rectangle 45">
+            <a:extLst>
+              <a:ext uri="{FF2B5EF4-FFF2-40B4-BE49-F238E27FC236}">
+                <a16:creationId xmlns:a16="http://schemas.microsoft.com/office/drawing/2014/main" id="{2A865FE3-5FC9-4049-87CF-30019C46C0F5}"/>
+              </a:ext>
+              <a:ext uri="{C183D7F6-B498-43B3-948B-1728B52AA6E4}">
+                <adec:decorative xmlns:adec="http://schemas.microsoft.com/office/drawing/2017/decorative" val="1"/>
+              </a:ext>
+            </a:extLst>
+          </p:cNvPr>
+          <p:cNvSpPr>
+            <a:spLocks noGrp="1" noRot="1" noChangeAspect="1" noMove="1" noResize="1" noEditPoints="1" noAdjustHandles="1" noChangeArrowheads="1" noChangeShapeType="1" noTextEdit="1"/>
+          </p:cNvSpPr>
+          <p:nvPr>
+            <p:extLst>
+              <p:ext uri="{386F3935-93C4-4BCD-93E2-E3B085C9AB24}">
+                <p16:designElem xmlns:p16="http://schemas.microsoft.com/office/powerpoint/2015/main" val="1"/>
+              </p:ext>
+            </p:extLst>
+          </p:nvPr>
+        </p:nvSpPr>
+        <p:spPr>
+          <a:xfrm>
+            <a:off x="877459" y="2121408"/>
+            <a:ext cx="3328416" cy="9144"/>
+          </a:xfrm>
+          <a:prstGeom prst="rect">
+            <a:avLst/>
+          </a:prstGeom>
+          <a:solidFill>
+            <a:srgbClr val="D5D5D5"/>
+          </a:solidFill>
+          <a:ln w="3175">
+            <a:noFill/>
+          </a:ln>
+          <a:effectLst/>
+        </p:spPr>
+        <p:style>
+          <a:lnRef idx="2">
+            <a:schemeClr val="accent1">
+              <a:shade val="50000"/>
+            </a:schemeClr>
+          </a:lnRef>
+          <a:fillRef idx="1">
+            <a:schemeClr val="accent1"/>
+          </a:fillRef>
+          <a:effectRef idx="0">
+            <a:schemeClr val="accent1"/>
+          </a:effectRef>
+          <a:fontRef idx="minor">
+            <a:schemeClr val="lt1"/>
+          </a:fontRef>
+        </p:style>
+        <p:txBody>
+          <a:bodyPr rtlCol="0" anchor="ctr"/>
+          <a:lstStyle/>
+          <a:p>
+            <a:pPr marL="0" marR="0" lvl="0" indent="0" algn="ctr" defTabSz="914400" rtl="0" eaLnBrk="1" fontAlgn="auto" latinLnBrk="0" hangingPunct="1">
+              <a:lnSpc>
+                <a:spcPct val="100000"/>
+              </a:lnSpc>
+              <a:spcBef>
+                <a:spcPts val="0"/>
+              </a:spcBef>
+              <a:spcAft>
+                <a:spcPts val="0"/>
+              </a:spcAft>
+              <a:buClrTx/>
+              <a:buSzTx/>
+              <a:buFontTx/>
+              <a:buNone/>
+              <a:tabLst/>
+              <a:defRPr/>
+            </a:pPr>
+            <a:endParaRPr kumimoji="0" lang="en-US" sz="1800" b="0" i="0" u="none" strike="noStrike" kern="1200" cap="none" spc="0" normalizeH="0" baseline="0" noProof="0">
+              <a:ln>
+                <a:noFill/>
+              </a:ln>
+              <a:solidFill>
+                <a:prstClr val="white"/>
+              </a:solidFill>
+              <a:effectLst/>
+              <a:uLnTx/>
+              <a:uFillTx/>
+              <a:latin typeface="Calibri" panose="020F0502020204030204"/>
+              <a:ea typeface="+mn-ea"/>
+              <a:cs typeface="+mn-cs"/>
+            </a:endParaRPr>
+          </a:p>
+        </p:txBody>
+      </p:sp>
+      <p:sp>
+        <p:nvSpPr>
+          <p:cNvPr id="3" name="Espaço Reservado para Conteúdo 2">
+            <a:extLst>
+              <a:ext uri="{FF2B5EF4-FFF2-40B4-BE49-F238E27FC236}">
+                <a16:creationId xmlns:a16="http://schemas.microsoft.com/office/drawing/2014/main" id="{C0D01A9E-3F7D-4D09-A3E9-8876F598F074}"/>
+              </a:ext>
+            </a:extLst>
+          </p:cNvPr>
+          <p:cNvSpPr>
+            <a:spLocks noGrp="1"/>
+          </p:cNvSpPr>
+          <p:nvPr>
+            <p:ph idx="1"/>
+          </p:nvPr>
+        </p:nvSpPr>
+        <p:spPr>
+          <a:xfrm>
+            <a:off x="841247" y="2359152"/>
+            <a:ext cx="3410712" cy="3425043"/>
+          </a:xfrm>
+        </p:spPr>
+        <p:txBody>
+          <a:bodyPr>
+            <a:normAutofit/>
+          </a:bodyPr>
+          <a:lstStyle/>
+          <a:p>
+            <a:r>
+              <a:rPr lang="pt-BR" sz="1700" dirty="0">
+                <a:latin typeface="Arial" panose="020B0604020202020204" pitchFamily="34" charset="0"/>
+                <a:cs typeface="Arial" panose="020B0604020202020204" pitchFamily="34" charset="0"/>
+              </a:rPr>
+              <a:t>Criamos um site institucional para a verificação dos dados nos gráficos, o cliente tem acesso total para acompanhar, mas o </a:t>
+            </a:r>
+            <a:r>
+              <a:rPr lang="pt-BR" sz="2000" dirty="0">
+                <a:latin typeface="Arial" panose="020B0604020202020204" pitchFamily="34" charset="0"/>
+                <a:cs typeface="Arial" panose="020B0604020202020204" pitchFamily="34" charset="0"/>
+              </a:rPr>
+              <a:t>acompanhamento</a:t>
+            </a:r>
+            <a:r>
+              <a:rPr lang="pt-BR" sz="1700" dirty="0">
+                <a:latin typeface="Arial" panose="020B0604020202020204" pitchFamily="34" charset="0"/>
+                <a:cs typeface="Arial" panose="020B0604020202020204" pitchFamily="34" charset="0"/>
+              </a:rPr>
+              <a:t> seria de nossa equipe para o cliente não precisar ficar o dia inteiro olhando gráficos. </a:t>
+            </a:r>
+          </a:p>
+        </p:txBody>
+      </p:sp>
       <p:pic>
         <p:nvPicPr>
-          <p:cNvPr id="2" name="Imagem 1" descr="Tela de celular com texto preto sobre fundo branco&#10;&#10;Descrição gerada automaticamente">
-            <a:extLst>
-              <a:ext uri="{FF2B5EF4-FFF2-40B4-BE49-F238E27FC236}">
-                <a16:creationId xmlns:a16="http://schemas.microsoft.com/office/drawing/2014/main" id="{88621860-DC98-495A-8724-3A4CEB09131B}"/>
+          <p:cNvPr id="20" name="Imagem 19" descr="Tela de computador com texto preto sobre fundo branco&#10;&#10;Descrição gerada automaticamente">
+            <a:extLst>
+              <a:ext uri="{FF2B5EF4-FFF2-40B4-BE49-F238E27FC236}">
+                <a16:creationId xmlns:a16="http://schemas.microsoft.com/office/drawing/2014/main" id="{3A02DED5-E702-4845-AFB5-A488487D1DB0}"/>
               </a:ext>
             </a:extLst>
           </p:cNvPr>
@@ -8852,13 +10050,13 @@
               </a:ext>
             </a:extLst>
           </a:blip>
-          <a:srcRect l="15616" r="-1" b="-1"/>
+          <a:srcRect l="2957" r="6182" b="-1"/>
           <a:stretch/>
         </p:blipFill>
         <p:spPr>
           <a:xfrm>
-            <a:off x="321731" y="557189"/>
-            <a:ext cx="5668684" cy="5743618"/>
+            <a:off x="5124450" y="634382"/>
+            <a:ext cx="6657213" cy="5495162"/>
           </a:xfrm>
           <a:prstGeom prst="rect">
             <a:avLst/>
@@ -8867,10 +10065,215 @@
       </p:pic>
       <p:pic>
         <p:nvPicPr>
-          <p:cNvPr id="3" name="Imagem 2" descr="Tela de computador com texto preto sobre fundo branco&#10;&#10;Descrição gerada automaticamente">
-            <a:extLst>
-              <a:ext uri="{FF2B5EF4-FFF2-40B4-BE49-F238E27FC236}">
-                <a16:creationId xmlns:a16="http://schemas.microsoft.com/office/drawing/2014/main" id="{BB301F1E-1159-49B4-AA43-82E455F0FC41}"/>
+          <p:cNvPr id="9" name="Imagem 8">
+            <a:extLst>
+              <a:ext uri="{FF2B5EF4-FFF2-40B4-BE49-F238E27FC236}">
+                <a16:creationId xmlns:a16="http://schemas.microsoft.com/office/drawing/2014/main" id="{F745EBB1-8D29-4430-8E72-390A36EEA934}"/>
+              </a:ext>
+            </a:extLst>
+          </p:cNvPr>
+          <p:cNvPicPr>
+            <a:picLocks noChangeAspect="1"/>
+          </p:cNvPicPr>
+          <p:nvPr/>
+        </p:nvPicPr>
+        <p:blipFill>
+          <a:blip r:embed="rId3"/>
+          <a:stretch>
+            <a:fillRect/>
+          </a:stretch>
+        </p:blipFill>
+        <p:spPr>
+          <a:xfrm>
+            <a:off x="53894" y="35169"/>
+            <a:ext cx="1035488" cy="1035488"/>
+          </a:xfrm>
+          <a:prstGeom prst="rect">
+            <a:avLst/>
+          </a:prstGeom>
+        </p:spPr>
+      </p:pic>
+    </p:spTree>
+    <p:extLst>
+      <p:ext uri="{BB962C8B-B14F-4D97-AF65-F5344CB8AC3E}">
+        <p14:creationId xmlns:p14="http://schemas.microsoft.com/office/powerpoint/2010/main" val="4091551892"/>
+      </p:ext>
+    </p:extLst>
+  </p:cSld>
+  <p:clrMapOvr>
+    <a:masterClrMapping/>
+  </p:clrMapOvr>
+</p:sld>
+</file>
+
+<file path=ppt/slides/slide9.xml><?xml version="1.0" encoding="utf-8"?>
+<p:sld xmlns:a="http://schemas.openxmlformats.org/drawingml/2006/main" xmlns:r="http://schemas.openxmlformats.org/officeDocument/2006/relationships" xmlns:p="http://schemas.openxmlformats.org/presentationml/2006/main">
+  <p:cSld>
+    <p:bg>
+      <p:bgPr>
+        <a:solidFill>
+          <a:schemeClr val="bg1"/>
+        </a:solidFill>
+        <a:effectLst/>
+      </p:bgPr>
+    </p:bg>
+    <p:spTree>
+      <p:nvGrpSpPr>
+        <p:cNvPr id="1" name=""/>
+        <p:cNvGrpSpPr/>
+        <p:nvPr/>
+      </p:nvGrpSpPr>
+      <p:grpSpPr>
+        <a:xfrm>
+          <a:off x="0" y="0"/>
+          <a:ext cx="0" cy="0"/>
+          <a:chOff x="0" y="0"/>
+          <a:chExt cx="0" cy="0"/>
+        </a:xfrm>
+      </p:grpSpPr>
+      <p:sp>
+        <p:nvSpPr>
+          <p:cNvPr id="50" name="Rectangle 49">
+            <a:extLst>
+              <a:ext uri="{FF2B5EF4-FFF2-40B4-BE49-F238E27FC236}">
+                <a16:creationId xmlns:a16="http://schemas.microsoft.com/office/drawing/2014/main" id="{A9F529C3-C941-49FD-8C67-82F134F64BDB}"/>
+              </a:ext>
+              <a:ext uri="{C183D7F6-B498-43B3-948B-1728B52AA6E4}">
+                <adec:decorative xmlns:adec="http://schemas.microsoft.com/office/drawing/2017/decorative" val="1"/>
+              </a:ext>
+            </a:extLst>
+          </p:cNvPr>
+          <p:cNvSpPr>
+            <a:spLocks noGrp="1" noRot="1" noChangeAspect="1" noMove="1" noResize="1" noEditPoints="1" noAdjustHandles="1" noChangeArrowheads="1" noChangeShapeType="1" noTextEdit="1"/>
+          </p:cNvSpPr>
+          <p:nvPr>
+            <p:extLst>
+              <p:ext uri="{386F3935-93C4-4BCD-93E2-E3B085C9AB24}">
+                <p16:designElem xmlns:p16="http://schemas.microsoft.com/office/powerpoint/2015/main" val="1"/>
+              </p:ext>
+            </p:extLst>
+          </p:nvPr>
+        </p:nvSpPr>
+        <p:spPr>
+          <a:xfrm>
+            <a:off x="0" y="0"/>
+            <a:ext cx="12192000" cy="6858000"/>
+          </a:xfrm>
+          <a:prstGeom prst="rect">
+            <a:avLst/>
+          </a:prstGeom>
+          <a:solidFill>
+            <a:schemeClr val="tx1">
+              <a:lumMod val="50000"/>
+              <a:lumOff val="50000"/>
+              <a:alpha val="30000"/>
+            </a:schemeClr>
+          </a:solidFill>
+          <a:ln>
+            <a:noFill/>
+          </a:ln>
+        </p:spPr>
+        <p:style>
+          <a:lnRef idx="2">
+            <a:schemeClr val="accent1">
+              <a:shade val="50000"/>
+            </a:schemeClr>
+          </a:lnRef>
+          <a:fillRef idx="1">
+            <a:schemeClr val="accent1"/>
+          </a:fillRef>
+          <a:effectRef idx="0">
+            <a:schemeClr val="accent1"/>
+          </a:effectRef>
+          <a:fontRef idx="minor">
+            <a:schemeClr val="lt1"/>
+          </a:fontRef>
+        </p:style>
+        <p:txBody>
+          <a:bodyPr rtlCol="0" anchor="ctr"/>
+          <a:lstStyle/>
+          <a:p>
+            <a:pPr algn="ctr"/>
+            <a:endParaRPr lang="en-US"/>
+          </a:p>
+        </p:txBody>
+      </p:sp>
+      <p:sp>
+        <p:nvSpPr>
+          <p:cNvPr id="52" name="Rectangle 51">
+            <a:extLst>
+              <a:ext uri="{FF2B5EF4-FFF2-40B4-BE49-F238E27FC236}">
+                <a16:creationId xmlns:a16="http://schemas.microsoft.com/office/drawing/2014/main" id="{20586029-32A0-47E5-9AEC-AE3ABA6B94D0}"/>
+              </a:ext>
+              <a:ext uri="{C183D7F6-B498-43B3-948B-1728B52AA6E4}">
+                <adec:decorative xmlns:adec="http://schemas.microsoft.com/office/drawing/2017/decorative" val="1"/>
+              </a:ext>
+            </a:extLst>
+          </p:cNvPr>
+          <p:cNvSpPr>
+            <a:spLocks noGrp="1" noRot="1" noChangeAspect="1" noMove="1" noResize="1" noEditPoints="1" noAdjustHandles="1" noChangeArrowheads="1" noChangeShapeType="1" noTextEdit="1"/>
+          </p:cNvSpPr>
+          <p:nvPr>
+            <p:extLst>
+              <p:ext uri="{386F3935-93C4-4BCD-93E2-E3B085C9AB24}">
+                <p16:designElem xmlns:p16="http://schemas.microsoft.com/office/powerpoint/2015/main" val="1"/>
+              </p:ext>
+            </p:extLst>
+          </p:nvPr>
+        </p:nvSpPr>
+        <p:spPr>
+          <a:xfrm>
+            <a:off x="477012" y="480060"/>
+            <a:ext cx="11237976" cy="5897880"/>
+          </a:xfrm>
+          <a:prstGeom prst="rect">
+            <a:avLst/>
+          </a:prstGeom>
+          <a:solidFill>
+            <a:srgbClr val="FFFFFF"/>
+          </a:solidFill>
+          <a:ln w="9525">
+            <a:noFill/>
+          </a:ln>
+          <a:effectLst>
+            <a:outerShdw blurRad="63500" dist="17780" dir="5400000" algn="t" rotWithShape="0">
+              <a:prstClr val="black">
+                <a:alpha val="43000"/>
+              </a:prstClr>
+            </a:outerShdw>
+          </a:effectLst>
+        </p:spPr>
+        <p:style>
+          <a:lnRef idx="2">
+            <a:schemeClr val="accent1">
+              <a:shade val="50000"/>
+            </a:schemeClr>
+          </a:lnRef>
+          <a:fillRef idx="1">
+            <a:schemeClr val="accent1"/>
+          </a:fillRef>
+          <a:effectRef idx="0">
+            <a:schemeClr val="accent1"/>
+          </a:effectRef>
+          <a:fontRef idx="minor">
+            <a:schemeClr val="lt1"/>
+          </a:fontRef>
+        </p:style>
+        <p:txBody>
+          <a:bodyPr rtlCol="0" anchor="ctr"/>
+          <a:lstStyle/>
+          <a:p>
+            <a:pPr algn="ctr"/>
+            <a:endParaRPr lang="en-US"/>
+          </a:p>
+        </p:txBody>
+      </p:sp>
+      <p:pic>
+        <p:nvPicPr>
+          <p:cNvPr id="2" name="Imagem 1">
+            <a:extLst>
+              <a:ext uri="{FF2B5EF4-FFF2-40B4-BE49-F238E27FC236}">
+                <a16:creationId xmlns:a16="http://schemas.microsoft.com/office/drawing/2014/main" id="{1D617A6C-987F-432E-9A64-F60CA09DA181}"/>
               </a:ext>
             </a:extLst>
           </p:cNvPr>
@@ -8878,45 +10281,122 @@
           <p:nvPr/>
         </p:nvPicPr>
         <p:blipFill rotWithShape="1">
-          <a:blip r:embed="rId3" cstate="print">
-            <a:extLst>
-              <a:ext uri="{28A0092B-C50C-407E-A947-70E740481C1C}">
-                <a14:useLocalDpi xmlns:a14="http://schemas.microsoft.com/office/drawing/2010/main" val="0"/>
-              </a:ext>
-            </a:extLst>
-          </a:blip>
-          <a:srcRect l="11336" r="14560" b="-2"/>
+          <a:blip r:embed="rId2"/>
+          <a:srcRect l="10374" t="10558" r="18313" b="21207"/>
           <a:stretch/>
         </p:blipFill>
-        <p:spPr bwMode="auto">
-          <a:xfrm>
-            <a:off x="6195375" y="557189"/>
-            <a:ext cx="5674893" cy="5743618"/>
+        <p:spPr>
+          <a:xfrm>
+            <a:off x="6266156" y="1737642"/>
+            <a:ext cx="5294716" cy="3001714"/>
           </a:xfrm>
           <a:prstGeom prst="rect">
             <a:avLst/>
           </a:prstGeom>
-          <a:noFill/>
         </p:spPr>
       </p:pic>
       <p:cxnSp>
         <p:nvCxnSpPr>
-          <p:cNvPr id="5" name="Conector reto 4">
-            <a:extLst>
-              <a:ext uri="{FF2B5EF4-FFF2-40B4-BE49-F238E27FC236}">
-                <a16:creationId xmlns:a16="http://schemas.microsoft.com/office/drawing/2014/main" id="{D90523EA-AF65-44BB-8210-EBEF2EABF735}"/>
+          <p:cNvPr id="54" name="Straight Connector 53">
+            <a:extLst>
+              <a:ext uri="{FF2B5EF4-FFF2-40B4-BE49-F238E27FC236}">
+                <a16:creationId xmlns:a16="http://schemas.microsoft.com/office/drawing/2014/main" id="{8C730EAB-A532-4295-A302-FB4B90DB9F5E}"/>
+              </a:ext>
+              <a:ext uri="{C183D7F6-B498-43B3-948B-1728B52AA6E4}">
+                <adec:decorative xmlns:adec="http://schemas.microsoft.com/office/drawing/2017/decorative" val="1"/>
               </a:ext>
             </a:extLst>
           </p:cNvPr>
           <p:cNvCxnSpPr>
-            <a:cxnSpLocks/>
+            <a:cxnSpLocks noGrp="1" noRot="1" noChangeAspect="1" noMove="1" noResize="1" noEditPoints="1" noAdjustHandles="1" noChangeArrowheads="1" noChangeShapeType="1"/>
           </p:cNvCxnSpPr>
+          <p:nvPr>
+            <p:extLst>
+              <p:ext uri="{386F3935-93C4-4BCD-93E2-E3B085C9AB24}">
+                <p16:designElem xmlns:p16="http://schemas.microsoft.com/office/powerpoint/2015/main" val="1"/>
+              </p:ext>
+            </p:extLst>
+          </p:nvPr>
+        </p:nvCxnSpPr>
+        <p:spPr>
+          <a:xfrm>
+            <a:off x="6079958" y="1143000"/>
+            <a:ext cx="0" cy="4572000"/>
+          </a:xfrm>
+          <a:prstGeom prst="line">
+            <a:avLst/>
+          </a:prstGeom>
+          <a:ln>
+            <a:solidFill>
+              <a:srgbClr val="4E4E4E"/>
+            </a:solidFill>
+          </a:ln>
+        </p:spPr>
+        <p:style>
+          <a:lnRef idx="1">
+            <a:schemeClr val="accent1"/>
+          </a:lnRef>
+          <a:fillRef idx="0">
+            <a:schemeClr val="accent1"/>
+          </a:fillRef>
+          <a:effectRef idx="0">
+            <a:schemeClr val="accent1"/>
+          </a:effectRef>
+          <a:fontRef idx="minor">
+            <a:schemeClr val="tx1"/>
+          </a:fontRef>
+        </p:style>
+      </p:cxnSp>
+      <p:pic>
+        <p:nvPicPr>
+          <p:cNvPr id="45" name="Imagem 44">
+            <a:extLst>
+              <a:ext uri="{FF2B5EF4-FFF2-40B4-BE49-F238E27FC236}">
+                <a16:creationId xmlns:a16="http://schemas.microsoft.com/office/drawing/2014/main" id="{6C3D7843-9B0E-41B9-BF20-0E600605C56D}"/>
+              </a:ext>
+            </a:extLst>
+          </p:cNvPr>
+          <p:cNvPicPr/>
+          <p:nvPr/>
+        </p:nvPicPr>
+        <p:blipFill>
+          <a:blip r:embed="rId3">
+            <a:extLst>
+              <a:ext uri="{28A0092B-C50C-407E-A947-70E740481C1C}">
+                <a14:useLocalDpi xmlns:a14="http://schemas.microsoft.com/office/drawing/2010/main" val="0"/>
+              </a:ext>
+            </a:extLst>
+          </a:blip>
+          <a:stretch>
+            <a:fillRect/>
+          </a:stretch>
+        </p:blipFill>
+        <p:spPr>
+          <a:xfrm>
+            <a:off x="735749" y="1427620"/>
+            <a:ext cx="5158012" cy="3621758"/>
+          </a:xfrm>
+          <a:prstGeom prst="rect">
+            <a:avLst/>
+          </a:prstGeom>
+        </p:spPr>
+      </p:pic>
+      <p:cxnSp>
+        <p:nvCxnSpPr>
+          <p:cNvPr id="7" name="Conector reto 6">
+            <a:extLst>
+              <a:ext uri="{FF2B5EF4-FFF2-40B4-BE49-F238E27FC236}">
+                <a16:creationId xmlns:a16="http://schemas.microsoft.com/office/drawing/2014/main" id="{38D5D06E-DEFB-4BAD-8F80-CDFEA4E52522}"/>
+              </a:ext>
+            </a:extLst>
+          </p:cNvPr>
+          <p:cNvCxnSpPr/>
           <p:nvPr/>
         </p:nvCxnSpPr>
         <p:spPr>
           <a:xfrm>
-            <a:off x="6096000" y="330200"/>
-            <a:ext cx="0" cy="6134100"/>
+            <a:off x="6079958" y="1143000"/>
+            <a:ext cx="0" cy="4572000"/>
           </a:xfrm>
           <a:prstGeom prst="line">
             <a:avLst/>
@@ -8941,789 +10421,7 @@
     </p:spTree>
     <p:extLst>
       <p:ext uri="{BB962C8B-B14F-4D97-AF65-F5344CB8AC3E}">
-        <p14:creationId xmlns:p14="http://schemas.microsoft.com/office/powerpoint/2010/main" val="1307777368"/>
-      </p:ext>
-    </p:extLst>
-  </p:cSld>
-  <p:clrMapOvr>
-    <a:masterClrMapping/>
-  </p:clrMapOvr>
-</p:sld>
-</file>
-
-<file path=ppt/slides/slide9.xml><?xml version="1.0" encoding="utf-8"?>
-<p:sld xmlns:a="http://schemas.openxmlformats.org/drawingml/2006/main" xmlns:r="http://schemas.openxmlformats.org/officeDocument/2006/relationships" xmlns:p="http://schemas.openxmlformats.org/presentationml/2006/main">
-  <p:cSld>
-    <p:spTree>
-      <p:nvGrpSpPr>
-        <p:cNvPr id="1" name=""/>
-        <p:cNvGrpSpPr/>
-        <p:nvPr/>
-      </p:nvGrpSpPr>
-      <p:grpSpPr>
-        <a:xfrm>
-          <a:off x="0" y="0"/>
-          <a:ext cx="0" cy="0"/>
-          <a:chOff x="0" y="0"/>
-          <a:chExt cx="0" cy="0"/>
-        </a:xfrm>
-      </p:grpSpPr>
-      <p:sp>
-        <p:nvSpPr>
-          <p:cNvPr id="2" name="Título 1">
-            <a:extLst>
-              <a:ext uri="{FF2B5EF4-FFF2-40B4-BE49-F238E27FC236}">
-                <a16:creationId xmlns:a16="http://schemas.microsoft.com/office/drawing/2014/main" id="{81717266-6AEC-4E54-ABDD-4B3A2718C4F3}"/>
-              </a:ext>
-            </a:extLst>
-          </p:cNvPr>
-          <p:cNvSpPr>
-            <a:spLocks noGrp="1"/>
-          </p:cNvSpPr>
-          <p:nvPr>
-            <p:ph type="title"/>
-          </p:nvPr>
-        </p:nvSpPr>
-        <p:spPr>
-          <a:xfrm>
-            <a:off x="830896" y="18255"/>
-            <a:ext cx="10515600" cy="1325563"/>
-          </a:xfrm>
-        </p:spPr>
-        <p:txBody>
-          <a:bodyPr>
-            <a:normAutofit/>
-          </a:bodyPr>
-          <a:lstStyle/>
-          <a:p>
-            <a:pPr algn="ctr"/>
-            <a:r>
-              <a:rPr lang="pt-BR" sz="3700" dirty="0">
-                <a:latin typeface="Arial" panose="020B0604020202020204" pitchFamily="34" charset="0"/>
-                <a:cs typeface="Arial" panose="020B0604020202020204" pitchFamily="34" charset="0"/>
-              </a:rPr>
-              <a:t>Onde os dados são armazenados?</a:t>
-            </a:r>
-          </a:p>
-        </p:txBody>
-      </p:sp>
-      <p:sp>
-        <p:nvSpPr>
-          <p:cNvPr id="3" name="Espaço Reservado para Conteúdo 2">
-            <a:extLst>
-              <a:ext uri="{FF2B5EF4-FFF2-40B4-BE49-F238E27FC236}">
-                <a16:creationId xmlns:a16="http://schemas.microsoft.com/office/drawing/2014/main" id="{E317D884-3835-4901-A2A5-B94BB67813BB}"/>
-              </a:ext>
-            </a:extLst>
-          </p:cNvPr>
-          <p:cNvSpPr>
-            <a:spLocks noGrp="1"/>
-          </p:cNvSpPr>
-          <p:nvPr>
-            <p:ph idx="1"/>
-          </p:nvPr>
-        </p:nvSpPr>
-        <p:spPr/>
-        <p:txBody>
-          <a:bodyPr>
-            <a:normAutofit/>
-          </a:bodyPr>
-          <a:lstStyle/>
-          <a:p>
-            <a:r>
-              <a:rPr lang="pt-BR" sz="2000">
-                <a:latin typeface="Arial" panose="020B0604020202020204" pitchFamily="34" charset="0"/>
-                <a:cs typeface="Arial" panose="020B0604020202020204" pitchFamily="34" charset="0"/>
-              </a:rPr>
-              <a:t>Os dados serão armazenados em nosso banco de dados, todas as informações pedidas para o cadastro serão armazenadas e os sensores atribuídos a seus respectivos clientes</a:t>
-            </a:r>
-            <a:endParaRPr lang="pt-BR" sz="2000" dirty="0">
-              <a:latin typeface="Arial" panose="020B0604020202020204" pitchFamily="34" charset="0"/>
-              <a:cs typeface="Arial" panose="020B0604020202020204" pitchFamily="34" charset="0"/>
-            </a:endParaRPr>
-          </a:p>
-        </p:txBody>
-      </p:sp>
-      <p:pic>
-        <p:nvPicPr>
-          <p:cNvPr id="4" name="Picture 2" descr="Waste Water Treatment Leakage Broke Svg Png Icon Free Download (#569149) -  OnlineWebFonts.COM">
-            <a:extLst>
-              <a:ext uri="{FF2B5EF4-FFF2-40B4-BE49-F238E27FC236}">
-                <a16:creationId xmlns:a16="http://schemas.microsoft.com/office/drawing/2014/main" id="{A9027475-A512-4FFC-B95F-6730DF59B3DE}"/>
-              </a:ext>
-            </a:extLst>
-          </p:cNvPr>
-          <p:cNvPicPr>
-            <a:picLocks noChangeAspect="1" noChangeArrowheads="1"/>
-          </p:cNvPicPr>
-          <p:nvPr/>
-        </p:nvPicPr>
-        <p:blipFill rotWithShape="1">
-          <a:blip r:embed="rId2">
-            <a:alphaModFix/>
-            <a:extLst>
-              <a:ext uri="{28A0092B-C50C-407E-A947-70E740481C1C}">
-                <a14:useLocalDpi xmlns:a14="http://schemas.microsoft.com/office/drawing/2010/main" val="0"/>
-              </a:ext>
-            </a:extLst>
-          </a:blip>
-          <a:srcRect r="548"/>
-          <a:stretch/>
-        </p:blipFill>
-        <p:spPr bwMode="auto">
-          <a:xfrm>
-            <a:off x="314372" y="4851908"/>
-            <a:ext cx="1870411" cy="2006092"/>
-          </a:xfrm>
-          <a:prstGeom prst="rect">
-            <a:avLst/>
-          </a:prstGeom>
-          <a:noFill/>
-          <a:extLst>
-            <a:ext uri="{909E8E84-426E-40DD-AFC4-6F175D3DCCD1}">
-              <a14:hiddenFill xmlns:a14="http://schemas.microsoft.com/office/drawing/2010/main">
-                <a:solidFill>
-                  <a:srgbClr val="FFFFFF"/>
-                </a:solidFill>
-              </a14:hiddenFill>
-            </a:ext>
-          </a:extLst>
-        </p:spPr>
-      </p:pic>
-      <p:pic>
-        <p:nvPicPr>
-          <p:cNvPr id="5" name="Picture 6" descr="temperature and humidity sensor">
-            <a:extLst>
-              <a:ext uri="{FF2B5EF4-FFF2-40B4-BE49-F238E27FC236}">
-                <a16:creationId xmlns:a16="http://schemas.microsoft.com/office/drawing/2014/main" id="{B285B2BE-0AF8-4A57-823E-D0EFFB44C254}"/>
-              </a:ext>
-            </a:extLst>
-          </p:cNvPr>
-          <p:cNvPicPr>
-            <a:picLocks noChangeAspect="1" noChangeArrowheads="1"/>
-          </p:cNvPicPr>
-          <p:nvPr/>
-        </p:nvPicPr>
-        <p:blipFill>
-          <a:blip r:embed="rId3">
-            <a:extLst>
-              <a:ext uri="{28A0092B-C50C-407E-A947-70E740481C1C}">
-                <a14:useLocalDpi xmlns:a14="http://schemas.microsoft.com/office/drawing/2010/main" val="0"/>
-              </a:ext>
-            </a:extLst>
-          </a:blip>
-          <a:srcRect/>
-          <a:stretch>
-            <a:fillRect/>
-          </a:stretch>
-        </p:blipFill>
-        <p:spPr bwMode="auto">
-          <a:xfrm rot="18635752">
-            <a:off x="1092002" y="6225041"/>
-            <a:ext cx="315149" cy="315149"/>
-          </a:xfrm>
-          <a:prstGeom prst="rect">
-            <a:avLst/>
-          </a:prstGeom>
-          <a:noFill/>
-          <a:extLst>
-            <a:ext uri="{909E8E84-426E-40DD-AFC4-6F175D3DCCD1}">
-              <a14:hiddenFill xmlns:a14="http://schemas.microsoft.com/office/drawing/2010/main">
-                <a:solidFill>
-                  <a:srgbClr val="FFFFFF"/>
-                </a:solidFill>
-              </a14:hiddenFill>
-            </a:ext>
-          </a:extLst>
-        </p:spPr>
-      </p:pic>
-      <p:pic>
-        <p:nvPicPr>
-          <p:cNvPr id="6" name="Picture 8" descr="Alert Alt Svg Png Icon Free Download (#565392) - OnlineWebFonts.COM">
-            <a:extLst>
-              <a:ext uri="{FF2B5EF4-FFF2-40B4-BE49-F238E27FC236}">
-                <a16:creationId xmlns:a16="http://schemas.microsoft.com/office/drawing/2014/main" id="{2E7665F3-0BAE-4C54-AF17-EF1B6CAB0B8F}"/>
-              </a:ext>
-            </a:extLst>
-          </p:cNvPr>
-          <p:cNvPicPr>
-            <a:picLocks noChangeAspect="1" noChangeArrowheads="1"/>
-          </p:cNvPicPr>
-          <p:nvPr/>
-        </p:nvPicPr>
-        <p:blipFill rotWithShape="1">
-          <a:blip r:embed="rId4">
-            <a:duotone>
-              <a:schemeClr val="accent2">
-                <a:shade val="45000"/>
-                <a:satMod val="135000"/>
-              </a:schemeClr>
-              <a:prstClr val="white"/>
-            </a:duotone>
-            <a:alphaModFix/>
-            <a:extLst>
-              <a:ext uri="{BEBA8EAE-BF5A-486C-A8C5-ECC9F3942E4B}">
-                <a14:imgProps xmlns:a14="http://schemas.microsoft.com/office/drawing/2010/main">
-                  <a14:imgLayer r:embed="rId5">
-                    <a14:imgEffect>
-                      <a14:colorTemperature colorTemp="6360"/>
-                    </a14:imgEffect>
-                    <a14:imgEffect>
-                      <a14:saturation sat="191000"/>
-                    </a14:imgEffect>
-                  </a14:imgLayer>
-                </a14:imgProps>
-              </a:ext>
-              <a:ext uri="{28A0092B-C50C-407E-A947-70E740481C1C}">
-                <a14:useLocalDpi xmlns:a14="http://schemas.microsoft.com/office/drawing/2010/main" val="0"/>
-              </a:ext>
-            </a:extLst>
-          </a:blip>
-          <a:srcRect b="72111"/>
-          <a:stretch/>
-        </p:blipFill>
-        <p:spPr bwMode="auto">
-          <a:xfrm rot="13158707">
-            <a:off x="841771" y="6471416"/>
-            <a:ext cx="491158" cy="209764"/>
-          </a:xfrm>
-          <a:prstGeom prst="rect">
-            <a:avLst/>
-          </a:prstGeom>
-          <a:noFill/>
-          <a:ln>
-            <a:noFill/>
-          </a:ln>
-        </p:spPr>
-      </p:pic>
-      <p:pic>
-        <p:nvPicPr>
-          <p:cNvPr id="1026" name="Picture 2" descr="poste elétrico - ícones de eletrônicos grátis">
-            <a:extLst>
-              <a:ext uri="{FF2B5EF4-FFF2-40B4-BE49-F238E27FC236}">
-                <a16:creationId xmlns:a16="http://schemas.microsoft.com/office/drawing/2014/main" id="{49B43E45-D4D5-48F4-8B57-4A932C3C7CD5}"/>
-              </a:ext>
-            </a:extLst>
-          </p:cNvPr>
-          <p:cNvPicPr>
-            <a:picLocks noChangeAspect="1" noChangeArrowheads="1"/>
-          </p:cNvPicPr>
-          <p:nvPr/>
-        </p:nvPicPr>
-        <p:blipFill>
-          <a:blip r:embed="rId6">
-            <a:extLst>
-              <a:ext uri="{28A0092B-C50C-407E-A947-70E740481C1C}">
-                <a14:useLocalDpi xmlns:a14="http://schemas.microsoft.com/office/drawing/2010/main" val="0"/>
-              </a:ext>
-            </a:extLst>
-          </a:blip>
-          <a:srcRect/>
-          <a:stretch>
-            <a:fillRect/>
-          </a:stretch>
-        </p:blipFill>
-        <p:spPr bwMode="auto">
-          <a:xfrm>
-            <a:off x="2708610" y="3143029"/>
-            <a:ext cx="1708879" cy="1708879"/>
-          </a:xfrm>
-          <a:prstGeom prst="rect">
-            <a:avLst/>
-          </a:prstGeom>
-          <a:noFill/>
-          <a:extLst>
-            <a:ext uri="{909E8E84-426E-40DD-AFC4-6F175D3DCCD1}">
-              <a14:hiddenFill xmlns:a14="http://schemas.microsoft.com/office/drawing/2010/main">
-                <a:solidFill>
-                  <a:srgbClr val="FFFFFF"/>
-                </a:solidFill>
-              </a14:hiddenFill>
-            </a:ext>
-          </a:extLst>
-        </p:spPr>
-      </p:pic>
-      <p:pic>
-        <p:nvPicPr>
-          <p:cNvPr id="1030" name="Picture 6" descr="Roteador Wi-Fi Ícone - Download Grátis, PNG e Vetores">
-            <a:extLst>
-              <a:ext uri="{FF2B5EF4-FFF2-40B4-BE49-F238E27FC236}">
-                <a16:creationId xmlns:a16="http://schemas.microsoft.com/office/drawing/2014/main" id="{7A8BDA75-8082-4131-8F58-CCE859769CBD}"/>
-              </a:ext>
-            </a:extLst>
-          </p:cNvPr>
-          <p:cNvPicPr>
-            <a:picLocks noChangeAspect="1" noChangeArrowheads="1"/>
-          </p:cNvPicPr>
-          <p:nvPr/>
-        </p:nvPicPr>
-        <p:blipFill rotWithShape="1">
-          <a:blip r:embed="rId7">
-            <a:extLst>
-              <a:ext uri="{28A0092B-C50C-407E-A947-70E740481C1C}">
-                <a14:useLocalDpi xmlns:a14="http://schemas.microsoft.com/office/drawing/2010/main" val="0"/>
-              </a:ext>
-            </a:extLst>
-          </a:blip>
-          <a:srcRect r="5484" b="5242"/>
-          <a:stretch/>
-        </p:blipFill>
-        <p:spPr bwMode="auto">
-          <a:xfrm>
-            <a:off x="2708612" y="2809952"/>
-            <a:ext cx="742512" cy="744410"/>
-          </a:xfrm>
-          <a:prstGeom prst="rect">
-            <a:avLst/>
-          </a:prstGeom>
-          <a:noFill/>
-          <a:extLst>
-            <a:ext uri="{909E8E84-426E-40DD-AFC4-6F175D3DCCD1}">
-              <a14:hiddenFill xmlns:a14="http://schemas.microsoft.com/office/drawing/2010/main">
-                <a:solidFill>
-                  <a:srgbClr val="FFFFFF"/>
-                </a:solidFill>
-              </a14:hiddenFill>
-            </a:ext>
-          </a:extLst>
-        </p:spPr>
-      </p:pic>
-      <p:pic>
-        <p:nvPicPr>
-          <p:cNvPr id="1032" name="Picture 8" descr="ícone Servidor Livre de WHCompare Isometric Web Hosting &amp; Servers">
-            <a:extLst>
-              <a:ext uri="{FF2B5EF4-FFF2-40B4-BE49-F238E27FC236}">
-                <a16:creationId xmlns:a16="http://schemas.microsoft.com/office/drawing/2014/main" id="{CBDCF82D-42C4-4EB5-BDEF-78695D8EACC1}"/>
-              </a:ext>
-            </a:extLst>
-          </p:cNvPr>
-          <p:cNvPicPr>
-            <a:picLocks noChangeAspect="1" noChangeArrowheads="1"/>
-          </p:cNvPicPr>
-          <p:nvPr/>
-        </p:nvPicPr>
-        <p:blipFill>
-          <a:blip r:embed="rId8">
-            <a:extLst>
-              <a:ext uri="{28A0092B-C50C-407E-A947-70E740481C1C}">
-                <a14:useLocalDpi xmlns:a14="http://schemas.microsoft.com/office/drawing/2010/main" val="0"/>
-              </a:ext>
-            </a:extLst>
-          </a:blip>
-          <a:srcRect/>
-          <a:stretch>
-            <a:fillRect/>
-          </a:stretch>
-        </p:blipFill>
-        <p:spPr bwMode="auto">
-          <a:xfrm>
-            <a:off x="4941316" y="4759790"/>
-            <a:ext cx="2190327" cy="2190327"/>
-          </a:xfrm>
-          <a:prstGeom prst="rect">
-            <a:avLst/>
-          </a:prstGeom>
-          <a:noFill/>
-          <a:extLst>
-            <a:ext uri="{909E8E84-426E-40DD-AFC4-6F175D3DCCD1}">
-              <a14:hiddenFill xmlns:a14="http://schemas.microsoft.com/office/drawing/2010/main">
-                <a:solidFill>
-                  <a:srgbClr val="FFFFFF"/>
-                </a:solidFill>
-              </a14:hiddenFill>
-            </a:ext>
-          </a:extLst>
-        </p:spPr>
-      </p:pic>
-      <p:pic>
-        <p:nvPicPr>
-          <p:cNvPr id="1034" name="Picture 10" descr="Person using computer icon vector illustration design.">
-            <a:extLst>
-              <a:ext uri="{FF2B5EF4-FFF2-40B4-BE49-F238E27FC236}">
-                <a16:creationId xmlns:a16="http://schemas.microsoft.com/office/drawing/2014/main" id="{54807AD0-A037-46D2-9142-5A86027BD3DE}"/>
-              </a:ext>
-            </a:extLst>
-          </p:cNvPr>
-          <p:cNvPicPr>
-            <a:picLocks noChangeAspect="1" noChangeArrowheads="1"/>
-          </p:cNvPicPr>
-          <p:nvPr/>
-        </p:nvPicPr>
-        <p:blipFill rotWithShape="1">
-          <a:blip r:embed="rId9">
-            <a:extLst>
-              <a:ext uri="{28A0092B-C50C-407E-A947-70E740481C1C}">
-                <a14:useLocalDpi xmlns:a14="http://schemas.microsoft.com/office/drawing/2010/main" val="0"/>
-              </a:ext>
-            </a:extLst>
-          </a:blip>
-          <a:srcRect b="20960"/>
-          <a:stretch/>
-        </p:blipFill>
-        <p:spPr bwMode="auto">
-          <a:xfrm>
-            <a:off x="7774512" y="2947883"/>
-            <a:ext cx="1940641" cy="1661705"/>
-          </a:xfrm>
-          <a:prstGeom prst="rect">
-            <a:avLst/>
-          </a:prstGeom>
-          <a:noFill/>
-          <a:extLst>
-            <a:ext uri="{909E8E84-426E-40DD-AFC4-6F175D3DCCD1}">
-              <a14:hiddenFill xmlns:a14="http://schemas.microsoft.com/office/drawing/2010/main">
-                <a:solidFill>
-                  <a:srgbClr val="FFFFFF"/>
-                </a:solidFill>
-              </a14:hiddenFill>
-            </a:ext>
-          </a:extLst>
-        </p:spPr>
-      </p:pic>
-      <p:pic>
-        <p:nvPicPr>
-          <p:cNvPr id="1036" name="Picture 12" descr="computer, desktop, laptop, mac, monitor, pc, screen icon | Conjunto de  ícones, Conjunto de">
-            <a:extLst>
-              <a:ext uri="{FF2B5EF4-FFF2-40B4-BE49-F238E27FC236}">
-                <a16:creationId xmlns:a16="http://schemas.microsoft.com/office/drawing/2014/main" id="{207611DD-ED0F-4EF6-86BE-D157312D68E1}"/>
-              </a:ext>
-            </a:extLst>
-          </p:cNvPr>
-          <p:cNvPicPr>
-            <a:picLocks noChangeAspect="1" noChangeArrowheads="1"/>
-          </p:cNvPicPr>
-          <p:nvPr/>
-        </p:nvPicPr>
-        <p:blipFill>
-          <a:blip r:embed="rId10">
-            <a:extLst>
-              <a:ext uri="{28A0092B-C50C-407E-A947-70E740481C1C}">
-                <a14:useLocalDpi xmlns:a14="http://schemas.microsoft.com/office/drawing/2010/main" val="0"/>
-              </a:ext>
-            </a:extLst>
-          </a:blip>
-          <a:srcRect/>
-          <a:stretch>
-            <a:fillRect/>
-          </a:stretch>
-        </p:blipFill>
-        <p:spPr bwMode="auto">
-          <a:xfrm>
-            <a:off x="9560874" y="2906200"/>
-            <a:ext cx="2190327" cy="1981045"/>
-          </a:xfrm>
-          <a:prstGeom prst="rect">
-            <a:avLst/>
-          </a:prstGeom>
-          <a:noFill/>
-          <a:extLst>
-            <a:ext uri="{909E8E84-426E-40DD-AFC4-6F175D3DCCD1}">
-              <a14:hiddenFill xmlns:a14="http://schemas.microsoft.com/office/drawing/2010/main">
-                <a:solidFill>
-                  <a:srgbClr val="FFFFFF"/>
-                </a:solidFill>
-              </a14:hiddenFill>
-            </a:ext>
-          </a:extLst>
-        </p:spPr>
-      </p:pic>
-      <p:sp>
-        <p:nvSpPr>
-          <p:cNvPr id="7" name="CaixaDeTexto 6">
-            <a:extLst>
-              <a:ext uri="{FF2B5EF4-FFF2-40B4-BE49-F238E27FC236}">
-                <a16:creationId xmlns:a16="http://schemas.microsoft.com/office/drawing/2014/main" id="{C3D9AF88-2C98-4553-B0A1-E0B2F86C0658}"/>
-              </a:ext>
-            </a:extLst>
-          </p:cNvPr>
-          <p:cNvSpPr txBox="1"/>
-          <p:nvPr/>
-        </p:nvSpPr>
-        <p:spPr>
-          <a:xfrm>
-            <a:off x="9674157" y="3169442"/>
-            <a:ext cx="2077044" cy="830997"/>
-          </a:xfrm>
-          <a:prstGeom prst="rect">
-            <a:avLst/>
-          </a:prstGeom>
-          <a:noFill/>
-        </p:spPr>
-        <p:txBody>
-          <a:bodyPr wrap="square" rtlCol="0">
-            <a:spAutoFit/>
-          </a:bodyPr>
-          <a:lstStyle/>
-          <a:p>
-            <a:r>
-              <a:rPr lang="pt-BR" sz="1600" b="1" dirty="0">
-                <a:latin typeface="Arial" panose="020B0604020202020204" pitchFamily="34" charset="0"/>
-                <a:cs typeface="Arial" panose="020B0604020202020204" pitchFamily="34" charset="0"/>
-              </a:rPr>
-              <a:t>Sensor 3 detectou um possível vazamento</a:t>
-            </a:r>
-          </a:p>
-        </p:txBody>
-      </p:sp>
-      <p:sp>
-        <p:nvSpPr>
-          <p:cNvPr id="12" name="Seta: Dobrada 11">
-            <a:extLst>
-              <a:ext uri="{FF2B5EF4-FFF2-40B4-BE49-F238E27FC236}">
-                <a16:creationId xmlns:a16="http://schemas.microsoft.com/office/drawing/2014/main" id="{4366ED66-17D2-466D-B291-EE6FBF8C3D21}"/>
-              </a:ext>
-            </a:extLst>
-          </p:cNvPr>
-          <p:cNvSpPr/>
-          <p:nvPr/>
-        </p:nvSpPr>
-        <p:spPr>
-          <a:xfrm>
-            <a:off x="1012728" y="3308498"/>
-            <a:ext cx="1459034" cy="1377939"/>
-          </a:xfrm>
-          <a:prstGeom prst="bentArrow">
-            <a:avLst/>
-          </a:prstGeom>
-          <a:solidFill>
-            <a:schemeClr val="tx1"/>
-          </a:solidFill>
-          <a:ln w="28575">
-            <a:solidFill>
-              <a:schemeClr val="accent1"/>
-            </a:solidFill>
-          </a:ln>
-        </p:spPr>
-        <p:style>
-          <a:lnRef idx="2">
-            <a:schemeClr val="accent1">
-              <a:shade val="50000"/>
-            </a:schemeClr>
-          </a:lnRef>
-          <a:fillRef idx="1">
-            <a:schemeClr val="accent1"/>
-          </a:fillRef>
-          <a:effectRef idx="0">
-            <a:schemeClr val="accent1"/>
-          </a:effectRef>
-          <a:fontRef idx="minor">
-            <a:schemeClr val="lt1"/>
-          </a:fontRef>
-        </p:style>
-        <p:txBody>
-          <a:bodyPr rtlCol="0" anchor="ctr"/>
-          <a:lstStyle/>
-          <a:p>
-            <a:pPr algn="ctr"/>
-            <a:endParaRPr lang="pt-BR">
-              <a:solidFill>
-                <a:schemeClr val="tx1"/>
-              </a:solidFill>
-            </a:endParaRPr>
-          </a:p>
-        </p:txBody>
-      </p:sp>
-      <p:sp>
-        <p:nvSpPr>
-          <p:cNvPr id="27" name="Seta: Dobrada 26">
-            <a:extLst>
-              <a:ext uri="{FF2B5EF4-FFF2-40B4-BE49-F238E27FC236}">
-                <a16:creationId xmlns:a16="http://schemas.microsoft.com/office/drawing/2014/main" id="{E1B164E1-E2B1-4315-87E5-DFE21A4AE3F1}"/>
-              </a:ext>
-            </a:extLst>
-          </p:cNvPr>
-          <p:cNvSpPr/>
-          <p:nvPr/>
-        </p:nvSpPr>
-        <p:spPr>
-          <a:xfrm rot="5400000">
-            <a:off x="4933089" y="3202886"/>
-            <a:ext cx="1258227" cy="1708879"/>
-          </a:xfrm>
-          <a:prstGeom prst="bentArrow">
-            <a:avLst>
-              <a:gd name="adj1" fmla="val 25000"/>
-              <a:gd name="adj2" fmla="val 25535"/>
-              <a:gd name="adj3" fmla="val 25000"/>
-              <a:gd name="adj4" fmla="val 43750"/>
-            </a:avLst>
-          </a:prstGeom>
-          <a:solidFill>
-            <a:schemeClr val="tx1"/>
-          </a:solidFill>
-          <a:ln w="28575">
-            <a:solidFill>
-              <a:schemeClr val="accent1"/>
-            </a:solidFill>
-          </a:ln>
-        </p:spPr>
-        <p:style>
-          <a:lnRef idx="2">
-            <a:schemeClr val="accent1">
-              <a:shade val="50000"/>
-            </a:schemeClr>
-          </a:lnRef>
-          <a:fillRef idx="1">
-            <a:schemeClr val="accent1"/>
-          </a:fillRef>
-          <a:effectRef idx="0">
-            <a:schemeClr val="accent1"/>
-          </a:effectRef>
-          <a:fontRef idx="minor">
-            <a:schemeClr val="lt1"/>
-          </a:fontRef>
-        </p:style>
-        <p:txBody>
-          <a:bodyPr rtlCol="0" anchor="ctr"/>
-          <a:lstStyle/>
-          <a:p>
-            <a:pPr algn="ctr"/>
-            <a:endParaRPr lang="pt-BR">
-              <a:solidFill>
-                <a:schemeClr val="tx1"/>
-              </a:solidFill>
-            </a:endParaRPr>
-          </a:p>
-        </p:txBody>
-      </p:sp>
-      <p:sp>
-        <p:nvSpPr>
-          <p:cNvPr id="30" name="Seta: Dobrada 29">
-            <a:extLst>
-              <a:ext uri="{FF2B5EF4-FFF2-40B4-BE49-F238E27FC236}">
-                <a16:creationId xmlns:a16="http://schemas.microsoft.com/office/drawing/2014/main" id="{CDD5915B-A970-438D-BF62-32FB5A19344B}"/>
-              </a:ext>
-            </a:extLst>
-          </p:cNvPr>
-          <p:cNvSpPr/>
-          <p:nvPr/>
-        </p:nvSpPr>
-        <p:spPr>
-          <a:xfrm rot="5400000" flipH="1">
-            <a:off x="7666041" y="4223741"/>
-            <a:ext cx="1360433" cy="2429231"/>
-          </a:xfrm>
-          <a:prstGeom prst="bentArrow">
-            <a:avLst>
-              <a:gd name="adj1" fmla="val 25000"/>
-              <a:gd name="adj2" fmla="val 25535"/>
-              <a:gd name="adj3" fmla="val 25000"/>
-              <a:gd name="adj4" fmla="val 43750"/>
-            </a:avLst>
-          </a:prstGeom>
-          <a:solidFill>
-            <a:schemeClr val="tx1"/>
-          </a:solidFill>
-          <a:ln w="28575">
-            <a:solidFill>
-              <a:schemeClr val="accent1"/>
-            </a:solidFill>
-          </a:ln>
-        </p:spPr>
-        <p:style>
-          <a:lnRef idx="2">
-            <a:schemeClr val="accent1">
-              <a:shade val="50000"/>
-            </a:schemeClr>
-          </a:lnRef>
-          <a:fillRef idx="1">
-            <a:schemeClr val="accent1"/>
-          </a:fillRef>
-          <a:effectRef idx="0">
-            <a:schemeClr val="accent1"/>
-          </a:effectRef>
-          <a:fontRef idx="minor">
-            <a:schemeClr val="lt1"/>
-          </a:fontRef>
-        </p:style>
-        <p:txBody>
-          <a:bodyPr rtlCol="0" anchor="ctr"/>
-          <a:lstStyle/>
-          <a:p>
-            <a:pPr algn="ctr"/>
-            <a:endParaRPr lang="pt-BR">
-              <a:solidFill>
-                <a:schemeClr val="tx1"/>
-              </a:solidFill>
-            </a:endParaRPr>
-          </a:p>
-        </p:txBody>
-      </p:sp>
-      <p:cxnSp>
-        <p:nvCxnSpPr>
-          <p:cNvPr id="18" name="Conector reto 17">
-            <a:extLst>
-              <a:ext uri="{FF2B5EF4-FFF2-40B4-BE49-F238E27FC236}">
-                <a16:creationId xmlns:a16="http://schemas.microsoft.com/office/drawing/2014/main" id="{6105CB52-E11F-4E14-B6A3-6554486FA74A}"/>
-              </a:ext>
-            </a:extLst>
-          </p:cNvPr>
-          <p:cNvCxnSpPr/>
-          <p:nvPr/>
-        </p:nvCxnSpPr>
-        <p:spPr>
-          <a:xfrm>
-            <a:off x="314372" y="2625213"/>
-            <a:ext cx="11436829" cy="0"/>
-          </a:xfrm>
-          <a:prstGeom prst="line">
-            <a:avLst/>
-          </a:prstGeom>
-          <a:ln>
-            <a:solidFill>
-              <a:schemeClr val="tx1"/>
-            </a:solidFill>
-          </a:ln>
-        </p:spPr>
-        <p:style>
-          <a:lnRef idx="3">
-            <a:schemeClr val="dk1"/>
-          </a:lnRef>
-          <a:fillRef idx="0">
-            <a:schemeClr val="dk1"/>
-          </a:fillRef>
-          <a:effectRef idx="2">
-            <a:schemeClr val="dk1"/>
-          </a:effectRef>
-          <a:fontRef idx="minor">
-            <a:schemeClr val="tx1"/>
-          </a:fontRef>
-        </p:style>
-      </p:cxnSp>
-      <p:pic>
-        <p:nvPicPr>
-          <p:cNvPr id="33" name="Imagem 32">
-            <a:extLst>
-              <a:ext uri="{FF2B5EF4-FFF2-40B4-BE49-F238E27FC236}">
-                <a16:creationId xmlns:a16="http://schemas.microsoft.com/office/drawing/2014/main" id="{B7DA62BD-20DE-46B7-A3D7-DC7738701FEC}"/>
-              </a:ext>
-            </a:extLst>
-          </p:cNvPr>
-          <p:cNvPicPr>
-            <a:picLocks noChangeAspect="1"/>
-          </p:cNvPicPr>
-          <p:nvPr/>
-        </p:nvPicPr>
-        <p:blipFill>
-          <a:blip r:embed="rId11"/>
-          <a:stretch>
-            <a:fillRect/>
-          </a:stretch>
-        </p:blipFill>
-        <p:spPr>
-          <a:xfrm>
-            <a:off x="53894" y="35169"/>
-            <a:ext cx="1035488" cy="1035488"/>
-          </a:xfrm>
-          <a:prstGeom prst="rect">
-            <a:avLst/>
-          </a:prstGeom>
-        </p:spPr>
-      </p:pic>
-    </p:spTree>
-    <p:extLst>
-      <p:ext uri="{BB962C8B-B14F-4D97-AF65-F5344CB8AC3E}">
-        <p14:creationId xmlns:p14="http://schemas.microsoft.com/office/powerpoint/2010/main" val="1654437090"/>
+        <p14:creationId xmlns:p14="http://schemas.microsoft.com/office/powerpoint/2010/main" val="1663262286"/>
       </p:ext>
     </p:extLst>
   </p:cSld>

--- a/SUSTABIL - Apresentação didatico.pptx
+++ b/SUSTABIL - Apresentação didatico.pptx
@@ -6170,14 +6170,34 @@
           <a:lstStyle/>
           <a:p>
             <a:r>
-              <a:rPr lang="pt-BR" b="1">
+              <a:rPr lang="pt-BR" b="1" dirty="0">
                 <a:solidFill>
                   <a:srgbClr val="FFFFFF"/>
                 </a:solidFill>
                 <a:latin typeface="Arial" panose="020B0604020202020204" pitchFamily="34" charset="0"/>
                 <a:cs typeface="Arial" panose="020B0604020202020204" pitchFamily="34" charset="0"/>
               </a:rPr>
-              <a:t>A Sustabil agradece pela atenção de todos</a:t>
+              <a:t>A </a:t>
+            </a:r>
+            <a:r>
+              <a:rPr lang="pt-BR" b="1" dirty="0" err="1">
+                <a:solidFill>
+                  <a:srgbClr val="FFFFFF"/>
+                </a:solidFill>
+                <a:latin typeface="Arial" panose="020B0604020202020204" pitchFamily="34" charset="0"/>
+                <a:cs typeface="Arial" panose="020B0604020202020204" pitchFamily="34" charset="0"/>
+              </a:rPr>
+              <a:t>Sustabil</a:t>
+            </a:r>
+            <a:r>
+              <a:rPr lang="pt-BR" b="1" dirty="0">
+                <a:solidFill>
+                  <a:srgbClr val="FFFFFF"/>
+                </a:solidFill>
+                <a:latin typeface="Arial" panose="020B0604020202020204" pitchFamily="34" charset="0"/>
+                <a:cs typeface="Arial" panose="020B0604020202020204" pitchFamily="34" charset="0"/>
+              </a:rPr>
+              <a:t> agradece pela atenção de todos</a:t>
             </a:r>
           </a:p>
         </p:txBody>
@@ -6399,6 +6419,36 @@
           <a:xfrm>
             <a:off x="53894" y="35169"/>
             <a:ext cx="1035488" cy="1035488"/>
+          </a:xfrm>
+          <a:prstGeom prst="rect">
+            <a:avLst/>
+          </a:prstGeom>
+        </p:spPr>
+      </p:pic>
+      <p:pic>
+        <p:nvPicPr>
+          <p:cNvPr id="5" name="Imagem 4">
+            <a:extLst>
+              <a:ext uri="{FF2B5EF4-FFF2-40B4-BE49-F238E27FC236}">
+                <a16:creationId xmlns:a16="http://schemas.microsoft.com/office/drawing/2014/main" id="{AD22E1F9-1122-4AEC-B0F3-D7018DC68044}"/>
+              </a:ext>
+            </a:extLst>
+          </p:cNvPr>
+          <p:cNvPicPr>
+            <a:picLocks noChangeAspect="1"/>
+          </p:cNvPicPr>
+          <p:nvPr/>
+        </p:nvPicPr>
+        <p:blipFill>
+          <a:blip r:embed="rId4"/>
+          <a:stretch>
+            <a:fillRect/>
+          </a:stretch>
+        </p:blipFill>
+        <p:spPr>
+          <a:xfrm>
+            <a:off x="0" y="0"/>
+            <a:ext cx="12192002" cy="6858000"/>
           </a:xfrm>
           <a:prstGeom prst="rect">
             <a:avLst/>

--- a/SUSTABIL - Apresentação didatico.pptx
+++ b/SUSTABIL - Apresentação didatico.pptx
@@ -300,7 +300,7 @@
           <a:p>
             <a:fld id="{5D8AFB0F-FD72-4B7A-9B91-BDD5A838F994}" type="datetimeFigureOut">
               <a:rPr lang="pt-BR" smtClean="0"/>
-              <a:t>22/09/20</a:t>
+              <a:t>23/09/20</a:t>
             </a:fld>
             <a:endParaRPr lang="pt-BR"/>
           </a:p>
@@ -498,7 +498,7 @@
           <a:p>
             <a:fld id="{5D8AFB0F-FD72-4B7A-9B91-BDD5A838F994}" type="datetimeFigureOut">
               <a:rPr lang="pt-BR" smtClean="0"/>
-              <a:t>22/09/20</a:t>
+              <a:t>23/09/20</a:t>
             </a:fld>
             <a:endParaRPr lang="pt-BR"/>
           </a:p>
@@ -706,7 +706,7 @@
           <a:p>
             <a:fld id="{5D8AFB0F-FD72-4B7A-9B91-BDD5A838F994}" type="datetimeFigureOut">
               <a:rPr lang="pt-BR" smtClean="0"/>
-              <a:t>22/09/20</a:t>
+              <a:t>23/09/20</a:t>
             </a:fld>
             <a:endParaRPr lang="pt-BR"/>
           </a:p>
@@ -904,7 +904,7 @@
           <a:p>
             <a:fld id="{5D8AFB0F-FD72-4B7A-9B91-BDD5A838F994}" type="datetimeFigureOut">
               <a:rPr lang="pt-BR" smtClean="0"/>
-              <a:t>22/09/20</a:t>
+              <a:t>23/09/20</a:t>
             </a:fld>
             <a:endParaRPr lang="pt-BR"/>
           </a:p>
@@ -1179,7 +1179,7 @@
           <a:p>
             <a:fld id="{5D8AFB0F-FD72-4B7A-9B91-BDD5A838F994}" type="datetimeFigureOut">
               <a:rPr lang="pt-BR" smtClean="0"/>
-              <a:t>22/09/20</a:t>
+              <a:t>23/09/20</a:t>
             </a:fld>
             <a:endParaRPr lang="pt-BR"/>
           </a:p>
@@ -1444,7 +1444,7 @@
           <a:p>
             <a:fld id="{5D8AFB0F-FD72-4B7A-9B91-BDD5A838F994}" type="datetimeFigureOut">
               <a:rPr lang="pt-BR" smtClean="0"/>
-              <a:t>22/09/20</a:t>
+              <a:t>23/09/20</a:t>
             </a:fld>
             <a:endParaRPr lang="pt-BR"/>
           </a:p>
@@ -1856,7 +1856,7 @@
           <a:p>
             <a:fld id="{5D8AFB0F-FD72-4B7A-9B91-BDD5A838F994}" type="datetimeFigureOut">
               <a:rPr lang="pt-BR" smtClean="0"/>
-              <a:t>22/09/20</a:t>
+              <a:t>23/09/20</a:t>
             </a:fld>
             <a:endParaRPr lang="pt-BR"/>
           </a:p>
@@ -1997,7 +1997,7 @@
           <a:p>
             <a:fld id="{5D8AFB0F-FD72-4B7A-9B91-BDD5A838F994}" type="datetimeFigureOut">
               <a:rPr lang="pt-BR" smtClean="0"/>
-              <a:t>22/09/20</a:t>
+              <a:t>23/09/20</a:t>
             </a:fld>
             <a:endParaRPr lang="pt-BR"/>
           </a:p>
@@ -2110,7 +2110,7 @@
           <a:p>
             <a:fld id="{5D8AFB0F-FD72-4B7A-9B91-BDD5A838F994}" type="datetimeFigureOut">
               <a:rPr lang="pt-BR" smtClean="0"/>
-              <a:t>22/09/20</a:t>
+              <a:t>23/09/20</a:t>
             </a:fld>
             <a:endParaRPr lang="pt-BR"/>
           </a:p>
@@ -2421,7 +2421,7 @@
           <a:p>
             <a:fld id="{5D8AFB0F-FD72-4B7A-9B91-BDD5A838F994}" type="datetimeFigureOut">
               <a:rPr lang="pt-BR" smtClean="0"/>
-              <a:t>22/09/20</a:t>
+              <a:t>23/09/20</a:t>
             </a:fld>
             <a:endParaRPr lang="pt-BR"/>
           </a:p>
@@ -2709,7 +2709,7 @@
           <a:p>
             <a:fld id="{5D8AFB0F-FD72-4B7A-9B91-BDD5A838F994}" type="datetimeFigureOut">
               <a:rPr lang="pt-BR" smtClean="0"/>
-              <a:t>22/09/20</a:t>
+              <a:t>23/09/20</a:t>
             </a:fld>
             <a:endParaRPr lang="pt-BR"/>
           </a:p>
@@ -2950,7 +2950,7 @@
           <a:p>
             <a:fld id="{5D8AFB0F-FD72-4B7A-9B91-BDD5A838F994}" type="datetimeFigureOut">
               <a:rPr lang="pt-BR" smtClean="0"/>
-              <a:t>22/09/20</a:t>
+              <a:t>23/09/20</a:t>
             </a:fld>
             <a:endParaRPr lang="pt-BR"/>
           </a:p>
